--- a/CoreJava.pptx
+++ b/CoreJava.pptx
@@ -23,7 +23,16 @@
     <p:sldId id="313" r:id="rId17"/>
     <p:sldId id="314" r:id="rId18"/>
     <p:sldId id="315" r:id="rId19"/>
-    <p:sldId id="269" r:id="rId20"/>
+    <p:sldId id="316" r:id="rId20"/>
+    <p:sldId id="317" r:id="rId21"/>
+    <p:sldId id="318" r:id="rId22"/>
+    <p:sldId id="319" r:id="rId23"/>
+    <p:sldId id="324" r:id="rId24"/>
+    <p:sldId id="323" r:id="rId25"/>
+    <p:sldId id="320" r:id="rId26"/>
+    <p:sldId id="321" r:id="rId27"/>
+    <p:sldId id="322" r:id="rId28"/>
+    <p:sldId id="269" r:id="rId29"/>
   </p:sldIdLst>
   <p:sldSz cx="9144000" cy="6858000" type="screen4x3"/>
   <p:notesSz cx="6858000" cy="9144000"/>
@@ -313,7 +322,7 @@
           <a:p>
             <a:fld id="{8F235549-BF0A-4B98-8561-3786244E808C}" type="datetimeFigureOut">
               <a:rPr lang="en-US" smtClean="0"/>
-              <a:t>3/31/2016</a:t>
+              <a:t>4/1/2016</a:t>
             </a:fld>
             <a:endParaRPr lang="en-US"/>
           </a:p>
@@ -513,7 +522,7 @@
           <a:p>
             <a:fld id="{8F235549-BF0A-4B98-8561-3786244E808C}" type="datetimeFigureOut">
               <a:rPr lang="en-US" smtClean="0"/>
-              <a:t>3/31/2016</a:t>
+              <a:t>4/1/2016</a:t>
             </a:fld>
             <a:endParaRPr lang="en-US"/>
           </a:p>
@@ -688,7 +697,7 @@
           <a:p>
             <a:fld id="{8F235549-BF0A-4B98-8561-3786244E808C}" type="datetimeFigureOut">
               <a:rPr lang="en-US" smtClean="0"/>
-              <a:t>3/31/2016</a:t>
+              <a:t>4/1/2016</a:t>
             </a:fld>
             <a:endParaRPr lang="en-US"/>
           </a:p>
@@ -853,7 +862,7 @@
           <a:p>
             <a:fld id="{8F235549-BF0A-4B98-8561-3786244E808C}" type="datetimeFigureOut">
               <a:rPr lang="en-US" smtClean="0"/>
-              <a:t>3/31/2016</a:t>
+              <a:t>4/1/2016</a:t>
             </a:fld>
             <a:endParaRPr lang="en-US"/>
           </a:p>
@@ -1101,7 +1110,7 @@
           <a:p>
             <a:fld id="{8F235549-BF0A-4B98-8561-3786244E808C}" type="datetimeFigureOut">
               <a:rPr lang="en-US" smtClean="0"/>
-              <a:t>3/31/2016</a:t>
+              <a:t>4/1/2016</a:t>
             </a:fld>
             <a:endParaRPr lang="en-US"/>
           </a:p>
@@ -1419,7 +1428,7 @@
           <a:p>
             <a:fld id="{8F235549-BF0A-4B98-8561-3786244E808C}" type="datetimeFigureOut">
               <a:rPr lang="en-US" smtClean="0"/>
-              <a:t>3/31/2016</a:t>
+              <a:t>4/1/2016</a:t>
             </a:fld>
             <a:endParaRPr lang="en-US"/>
           </a:p>
@@ -1885,7 +1894,7 @@
           <a:p>
             <a:fld id="{8F235549-BF0A-4B98-8561-3786244E808C}" type="datetimeFigureOut">
               <a:rPr lang="en-US" smtClean="0"/>
-              <a:t>3/31/2016</a:t>
+              <a:t>4/1/2016</a:t>
             </a:fld>
             <a:endParaRPr lang="en-US"/>
           </a:p>
@@ -2033,7 +2042,7 @@
           <a:p>
             <a:fld id="{8F235549-BF0A-4B98-8561-3786244E808C}" type="datetimeFigureOut">
               <a:rPr lang="en-US" smtClean="0"/>
-              <a:t>3/31/2016</a:t>
+              <a:t>4/1/2016</a:t>
             </a:fld>
             <a:endParaRPr lang="en-US"/>
           </a:p>
@@ -2123,7 +2132,7 @@
           <a:p>
             <a:fld id="{8F235549-BF0A-4B98-8561-3786244E808C}" type="datetimeFigureOut">
               <a:rPr lang="en-US" smtClean="0"/>
-              <a:t>3/31/2016</a:t>
+              <a:t>4/1/2016</a:t>
             </a:fld>
             <a:endParaRPr lang="en-US"/>
           </a:p>
@@ -2397,7 +2406,7 @@
           <a:p>
             <a:fld id="{8F235549-BF0A-4B98-8561-3786244E808C}" type="datetimeFigureOut">
               <a:rPr lang="en-US" smtClean="0"/>
-              <a:t>3/31/2016</a:t>
+              <a:t>4/1/2016</a:t>
             </a:fld>
             <a:endParaRPr lang="en-US"/>
           </a:p>
@@ -2702,7 +2711,7 @@
           <a:p>
             <a:fld id="{8F235549-BF0A-4B98-8561-3786244E808C}" type="datetimeFigureOut">
               <a:rPr lang="en-US" smtClean="0"/>
-              <a:t>3/31/2016</a:t>
+              <a:t>4/1/2016</a:t>
             </a:fld>
             <a:endParaRPr lang="en-US"/>
           </a:p>
@@ -3000,7 +3009,7 @@
           <a:p>
             <a:fld id="{8F235549-BF0A-4B98-8561-3786244E808C}" type="datetimeFigureOut">
               <a:rPr lang="en-US" smtClean="0"/>
-              <a:t>3/31/2016</a:t>
+              <a:t>4/1/2016</a:t>
             </a:fld>
             <a:endParaRPr lang="en-US"/>
           </a:p>
@@ -4804,10 +4813,6 @@
               <a:rPr lang="en-GB" sz="1600" dirty="0"/>
               <a:t>To enable the Serial Collector use:</a:t>
             </a:r>
-            <a:r>
-              <a:rPr lang="en-GB" sz="1600" dirty="0"/>
-              <a:t/>
-            </a:r>
             <a:br>
               <a:rPr lang="en-GB" sz="1600" dirty="0"/>
             </a:br>
@@ -5123,10 +5128,6 @@
               <a:rPr lang="en-GB" sz="1600" dirty="0"/>
               <a:t> garbage collection. By default on a host with N CPUs, the parallel garbage collector uses N garbage collector threads in the collection. The number of garbage collector threads can be controlled with command-line options:</a:t>
             </a:r>
-            <a:r>
-              <a:rPr lang="en-GB" sz="1600" dirty="0"/>
-              <a:t/>
-            </a:r>
             <a:br>
               <a:rPr lang="en-GB" sz="1600" dirty="0"/>
             </a:br>
@@ -5155,10 +5156,6 @@
             <a:r>
               <a:rPr lang="en-GB" sz="1600" dirty="0"/>
               <a:t>use:</a:t>
-            </a:r>
-            <a:r>
-              <a:rPr lang="en-GB" sz="1600" dirty="0"/>
-              <a:t/>
             </a:r>
             <a:br>
               <a:rPr lang="en-GB" sz="1600" dirty="0"/>
@@ -6349,6 +6346,12 @@
 <file path=ppt/slides/slide19.xml><?xml version="1.0" encoding="utf-8"?>
 <p:sld xmlns:a="http://schemas.openxmlformats.org/drawingml/2006/main" xmlns:r="http://schemas.openxmlformats.org/officeDocument/2006/relationships" xmlns:p="http://schemas.openxmlformats.org/presentationml/2006/main">
   <p:cSld>
+    <p:bg>
+      <p:bgPr>
+        <a:noFill/>
+        <a:effectLst/>
+      </p:bgPr>
+    </p:bg>
     <p:spTree>
       <p:nvGrpSpPr>
         <p:cNvPr id="1" name=""/>
@@ -6375,12 +6378,14 @@
         </p:nvSpPr>
         <p:spPr/>
         <p:txBody>
-          <a:bodyPr/>
+          <a:bodyPr>
+            <a:normAutofit/>
+          </a:bodyPr>
           <a:lstStyle/>
           <a:p>
             <a:r>
               <a:rPr lang="en-US" dirty="0" smtClean="0"/>
-              <a:t>References</a:t>
+              <a:t>TreeSet</a:t>
             </a:r>
             <a:endParaRPr lang="en-US" dirty="0"/>
           </a:p>
@@ -6404,77 +6409,231 @@
           <a:lstStyle/>
           <a:p>
             <a:r>
-              <a:rPr lang="en-US" sz="1600" dirty="0">
-                <a:hlinkClick r:id="rId2"/>
+              <a:rPr lang="en-GB" sz="1600" dirty="0" smtClean="0"/>
+              <a:t>A NavigableSet implementation based on a TreeMap. The elements are ordered using their natural ordering, or by a Comparator provided at set creation time, depending on which constructor is used</a:t>
+            </a:r>
+          </a:p>
+          <a:p>
+            <a:r>
+              <a:rPr lang="en-GB" sz="1600" dirty="0" smtClean="0"/>
+              <a:t>Not synchronized i.e. not thread safe</a:t>
+            </a:r>
+          </a:p>
+          <a:p>
+            <a:r>
+              <a:rPr lang="en-GB" sz="1600" dirty="0"/>
+              <a:t>If multiple threads access a tree set concurrently, and at least one of the threads modifies the set, it must be synchronized externally. This is typically accomplished by synchronizing on some object that naturally encapsulates the set. If no such object exists, the set should be "wrapped" using the Collections.synchronizedSortedSet method. This is best done at creation time, to prevent accidental unsynchronized access to the set:</a:t>
+            </a:r>
+          </a:p>
+          <a:p>
+            <a:pPr marL="0" indent="0">
+              <a:buNone/>
+            </a:pPr>
+            <a:r>
+              <a:rPr lang="en-GB" sz="1600" b="1" dirty="0" smtClean="0"/>
+              <a:t>   </a:t>
+            </a:r>
+            <a:r>
+              <a:rPr lang="en-GB" sz="1600" b="1" dirty="0"/>
+              <a:t>SortedSet s = </a:t>
+            </a:r>
+            <a:r>
+              <a:rPr lang="en-GB" sz="1600" b="1" dirty="0" smtClean="0"/>
+              <a:t>Collections.synchronizedSortedSet(new </a:t>
+            </a:r>
+            <a:r>
+              <a:rPr lang="en-GB" sz="1600" b="1" dirty="0"/>
+              <a:t>TreeSet</a:t>
+            </a:r>
+            <a:r>
+              <a:rPr lang="en-GB" sz="1600" b="1" dirty="0" smtClean="0"/>
+              <a:t>(...));</a:t>
+            </a:r>
+          </a:p>
+          <a:p>
+            <a:r>
+              <a:rPr lang="en-GB" sz="1600" dirty="0"/>
+              <a:t>The iterators returned by this class's iterator method are </a:t>
+            </a:r>
+            <a:r>
+              <a:rPr lang="en-GB" sz="1600" b="1" i="1" dirty="0"/>
+              <a:t>fail-fast</a:t>
+            </a:r>
+            <a:r>
+              <a:rPr lang="en-GB" sz="1600" dirty="0"/>
+              <a:t>: if the set is modified at any time after the iterator is created, in any way except through the iterator's own remove method, the iterator will throw </a:t>
+            </a:r>
+            <a:r>
+              <a:rPr lang="en-GB" sz="1600" dirty="0" smtClean="0"/>
+              <a:t>a </a:t>
+            </a:r>
+            <a:r>
+              <a:rPr lang="en-GB" sz="1600" dirty="0" smtClean="0">
+                <a:hlinkClick r:id="rId2" tooltip="class in java.util"/>
               </a:rPr>
-              <a:t>https://</a:t>
-            </a:r>
-            <a:r>
-              <a:rPr lang="en-US" sz="1600" dirty="0" smtClean="0">
-                <a:hlinkClick r:id="rId2"/>
+              <a:t>ConcurrentModificationException</a:t>
+            </a:r>
+            <a:r>
+              <a:rPr lang="en-GB" sz="1600" dirty="0"/>
+              <a:t>. Thus, in the face of concurrent modification, the iterator fails quickly and cleanly, rather than risking arbitrary, non-deterministic behavior at an undetermined time in the </a:t>
+            </a:r>
+            <a:r>
+              <a:rPr lang="en-GB" sz="1600" dirty="0" smtClean="0"/>
+              <a:t>future</a:t>
+            </a:r>
+            <a:endParaRPr lang="en-GB" sz="1600" dirty="0"/>
+          </a:p>
+        </p:txBody>
+      </p:sp>
+      <p:sp>
+        <p:nvSpPr>
+          <p:cNvPr id="5" name="Rectangle 1"/>
+          <p:cNvSpPr>
+            <a:spLocks noChangeArrowheads="1"/>
+          </p:cNvSpPr>
+          <p:nvPr/>
+        </p:nvSpPr>
+        <p:spPr bwMode="auto">
+          <a:xfrm>
+            <a:off x="457200" y="2530475"/>
+            <a:ext cx="9144000" cy="0"/>
+          </a:xfrm>
+          <a:prstGeom prst="rect">
+            <a:avLst/>
+          </a:prstGeom>
+          <a:noFill/>
+          <a:ln>
+            <a:noFill/>
+          </a:ln>
+          <a:effectLst/>
+          <a:extLst>
+            <a:ext uri="{909E8E84-426E-40DD-AFC4-6F175D3DCCD1}">
+              <a14:hiddenFill xmlns:a14="http://schemas.microsoft.com/office/drawing/2010/main">
+                <a:solidFill>
+                  <a:schemeClr val="accent1"/>
+                </a:solidFill>
+              </a14:hiddenFill>
+            </a:ext>
+            <a:ext uri="{91240B29-F687-4F45-9708-019B960494DF}">
+              <a14:hiddenLine xmlns:a14="http://schemas.microsoft.com/office/drawing/2010/main" w="9525">
+                <a:solidFill>
+                  <a:schemeClr val="tx1"/>
+                </a:solidFill>
+                <a:miter lim="800000"/>
+                <a:headEnd/>
+                <a:tailEnd/>
+              </a14:hiddenLine>
+            </a:ext>
+            <a:ext uri="{AF507438-7753-43E0-B8FC-AC1667EBCBE1}">
+              <a14:hiddenEffects xmlns:a14="http://schemas.microsoft.com/office/drawing/2010/main">
+                <a:effectLst>
+                  <a:outerShdw dist="35921" dir="2700000" algn="ctr" rotWithShape="0">
+                    <a:schemeClr val="bg2"/>
+                  </a:outerShdw>
+                </a:effectLst>
+              </a14:hiddenEffects>
+            </a:ext>
+          </a:extLst>
+        </p:spPr>
+        <p:txBody>
+          <a:bodyPr vert="horz" wrap="none" lIns="91440" tIns="45720" rIns="91440" bIns="45720" numCol="1" anchor="ctr" anchorCtr="0" compatLnSpc="1">
+            <a:prstTxWarp prst="textNoShape">
+              <a:avLst/>
+            </a:prstTxWarp>
+            <a:spAutoFit/>
+          </a:bodyPr>
+          <a:lstStyle/>
+          <a:p>
+            <a:pPr marL="0" marR="0" lvl="0" indent="0" algn="l" defTabSz="914400" rtl="0" eaLnBrk="1" fontAlgn="base" latinLnBrk="0" hangingPunct="1">
+              <a:lnSpc>
+                <a:spcPct val="100000"/>
+              </a:lnSpc>
+              <a:spcBef>
+                <a:spcPct val="0"/>
+              </a:spcBef>
+              <a:spcAft>
+                <a:spcPct val="0"/>
+              </a:spcAft>
+              <a:buClrTx/>
+              <a:buSzTx/>
+              <a:buFontTx/>
+              <a:buNone/>
+              <a:tabLst/>
+            </a:pPr>
+            <a:endParaRPr kumimoji="0" lang="en-US" altLang="en-US" sz="1800" b="0" i="0" u="none" strike="noStrike" cap="none" normalizeH="0" baseline="0" smtClean="0">
+              <a:ln>
+                <a:noFill/>
+              </a:ln>
+              <a:solidFill>
+                <a:schemeClr val="tx1"/>
+              </a:solidFill>
+              <a:effectLst/>
+              <a:latin typeface="Arial" pitchFamily="34" charset="0"/>
+              <a:cs typeface="Arial" pitchFamily="34" charset="0"/>
+            </a:endParaRPr>
+          </a:p>
+          <a:p>
+            <a:pPr marL="0" marR="0" lvl="0" indent="0" algn="l" defTabSz="914400" rtl="0" eaLnBrk="0" fontAlgn="base" latinLnBrk="0" hangingPunct="0">
+              <a:lnSpc>
+                <a:spcPct val="100000"/>
+              </a:lnSpc>
+              <a:spcBef>
+                <a:spcPct val="0"/>
+              </a:spcBef>
+              <a:spcAft>
+                <a:spcPct val="0"/>
+              </a:spcAft>
+              <a:buClrTx/>
+              <a:buSzTx/>
+              <a:buFontTx/>
+              <a:buNone/>
+              <a:tabLst/>
+            </a:pPr>
+            <a:r>
+              <a:rPr kumimoji="0" lang="en-US" altLang="en-US" sz="1800" b="0" i="0" u="none" strike="noStrike" cap="none" normalizeH="0" baseline="0" smtClean="0">
+                <a:ln>
+                  <a:noFill/>
+                </a:ln>
+                <a:solidFill>
+                  <a:schemeClr val="tx1"/>
+                </a:solidFill>
+                <a:effectLst/>
+                <a:latin typeface="Arial" pitchFamily="34" charset="0"/>
+                <a:cs typeface="Arial" pitchFamily="34" charset="0"/>
               </a:rPr>
-              <a:t>en.wikipedia.org/wiki/Java_Classloader</a:t>
-            </a:r>
-            <a:endParaRPr lang="en-US" sz="1600" dirty="0" smtClean="0"/>
-          </a:p>
-          <a:p>
-            <a:r>
-              <a:rPr lang="en-US" sz="1600" dirty="0">
-                <a:hlinkClick r:id="rId3"/>
+              <a:t/>
+            </a:r>
+            <a:br>
+              <a:rPr kumimoji="0" lang="en-US" altLang="en-US" sz="1800" b="0" i="0" u="none" strike="noStrike" cap="none" normalizeH="0" baseline="0" smtClean="0">
+                <a:ln>
+                  <a:noFill/>
+                </a:ln>
+                <a:solidFill>
+                  <a:schemeClr val="tx1"/>
+                </a:solidFill>
+                <a:effectLst/>
+                <a:latin typeface="Arial" pitchFamily="34" charset="0"/>
+                <a:cs typeface="Arial" pitchFamily="34" charset="0"/>
               </a:rPr>
-              <a:t>https://</a:t>
-            </a:r>
-            <a:r>
-              <a:rPr lang="en-US" sz="1600" dirty="0" smtClean="0">
-                <a:hlinkClick r:id="rId3"/>
-              </a:rPr>
-              <a:t>en.wikipedia.org/wiki/OSGi</a:t>
-            </a:r>
-            <a:endParaRPr lang="en-US" sz="1600" dirty="0" smtClean="0"/>
-          </a:p>
-          <a:p>
-            <a:r>
-              <a:rPr lang="en-US" sz="1600" dirty="0">
-                <a:hlinkClick r:id="rId4"/>
-              </a:rPr>
-              <a:t>http://</a:t>
-            </a:r>
-            <a:r>
-              <a:rPr lang="en-US" sz="1600" dirty="0" smtClean="0">
-                <a:hlinkClick r:id="rId4"/>
-              </a:rPr>
-              <a:t>www.oracle.com/webfolder/technetwork/tutorials/obe/java/gc01/index.html</a:t>
-            </a:r>
-            <a:endParaRPr lang="en-US" sz="1600" dirty="0" smtClean="0"/>
-          </a:p>
-          <a:p>
-            <a:r>
-              <a:rPr lang="en-US" sz="1600" dirty="0">
-                <a:hlinkClick r:id="rId5"/>
-              </a:rPr>
-              <a:t>http://</a:t>
-            </a:r>
-            <a:r>
-              <a:rPr lang="en-US" sz="1600" dirty="0" smtClean="0">
-                <a:hlinkClick r:id="rId5"/>
-              </a:rPr>
-              <a:t>www.oracle.com/webfolder/technetwork/tutorials/obe/java/G1GettingStarted/index.html</a:t>
-            </a:r>
-            <a:endParaRPr lang="en-US" sz="1600" dirty="0" smtClean="0"/>
-          </a:p>
-          <a:p>
-            <a:r>
-              <a:rPr lang="en-US" sz="1600" dirty="0"/>
-              <a:t>http://javarevisited.blogspot.co.uk/2012/10/10-garbage-collection-interview-question-answer.html</a:t>
-            </a:r>
-            <a:endParaRPr lang="en-US" sz="1600" dirty="0" smtClean="0"/>
+            </a:br>
+            <a:endParaRPr kumimoji="0" lang="en-US" altLang="en-US" sz="1800" b="0" i="0" u="none" strike="noStrike" cap="none" normalizeH="0" baseline="0" smtClean="0">
+              <a:ln>
+                <a:noFill/>
+              </a:ln>
+              <a:solidFill>
+                <a:schemeClr val="tx1"/>
+              </a:solidFill>
+              <a:effectLst/>
+              <a:latin typeface="Arial" pitchFamily="34" charset="0"/>
+              <a:cs typeface="Arial" pitchFamily="34" charset="0"/>
+            </a:endParaRPr>
           </a:p>
         </p:txBody>
       </p:sp>
     </p:spTree>
     <p:extLst>
       <p:ext uri="{BB962C8B-B14F-4D97-AF65-F5344CB8AC3E}">
-        <p14:creationId xmlns:p14="http://schemas.microsoft.com/office/powerpoint/2010/main" val="924403351"/>
+        <p14:creationId xmlns:p14="http://schemas.microsoft.com/office/powerpoint/2010/main" val="2981987314"/>
       </p:ext>
     </p:extLst>
   </p:cSld>
@@ -6525,11 +6684,7 @@
           <a:p>
             <a:r>
               <a:rPr lang="en-US" dirty="0" smtClean="0"/>
-              <a:t>Java </a:t>
-            </a:r>
-            <a:r>
-              <a:rPr lang="en-US" dirty="0" smtClean="0"/>
-              <a:t>– Class Loader</a:t>
+              <a:t>Java – Class Loader</a:t>
             </a:r>
             <a:endParaRPr lang="en-US" dirty="0"/>
           </a:p>
@@ -6663,6 +6818,7077 @@
     <p:extLst>
       <p:ext uri="{BB962C8B-B14F-4D97-AF65-F5344CB8AC3E}">
         <p14:creationId xmlns:p14="http://schemas.microsoft.com/office/powerpoint/2010/main" val="3578744401"/>
+      </p:ext>
+    </p:extLst>
+  </p:cSld>
+  <p:clrMapOvr>
+    <a:masterClrMapping/>
+  </p:clrMapOvr>
+  <p:timing>
+    <p:tnLst>
+      <p:par>
+        <p:cTn id="1" dur="indefinite" restart="never" nodeType="tmRoot"/>
+      </p:par>
+    </p:tnLst>
+  </p:timing>
+</p:sld>
+</file>
+
+<file path=ppt/slides/slide20.xml><?xml version="1.0" encoding="utf-8"?>
+<p:sld xmlns:a="http://schemas.openxmlformats.org/drawingml/2006/main" xmlns:r="http://schemas.openxmlformats.org/officeDocument/2006/relationships" xmlns:p="http://schemas.openxmlformats.org/presentationml/2006/main">
+  <p:cSld>
+    <p:bg>
+      <p:bgPr>
+        <a:noFill/>
+        <a:effectLst/>
+      </p:bgPr>
+    </p:bg>
+    <p:spTree>
+      <p:nvGrpSpPr>
+        <p:cNvPr id="1" name=""/>
+        <p:cNvGrpSpPr/>
+        <p:nvPr/>
+      </p:nvGrpSpPr>
+      <p:grpSpPr>
+        <a:xfrm>
+          <a:off x="0" y="0"/>
+          <a:ext cx="0" cy="0"/>
+          <a:chOff x="0" y="0"/>
+          <a:chExt cx="0" cy="0"/>
+        </a:xfrm>
+      </p:grpSpPr>
+      <p:sp>
+        <p:nvSpPr>
+          <p:cNvPr id="2" name="Title 1"/>
+          <p:cNvSpPr>
+            <a:spLocks noGrp="1"/>
+          </p:cNvSpPr>
+          <p:nvPr>
+            <p:ph type="title"/>
+          </p:nvPr>
+        </p:nvSpPr>
+        <p:spPr/>
+        <p:txBody>
+          <a:bodyPr>
+            <a:normAutofit/>
+          </a:bodyPr>
+          <a:lstStyle/>
+          <a:p>
+            <a:r>
+              <a:rPr lang="en-US" dirty="0" smtClean="0"/>
+              <a:t>HashSet Vs TreeSet</a:t>
+            </a:r>
+            <a:endParaRPr lang="en-US" dirty="0"/>
+          </a:p>
+        </p:txBody>
+      </p:sp>
+      <p:graphicFrame>
+        <p:nvGraphicFramePr>
+          <p:cNvPr id="4" name="Content Placeholder 3"/>
+          <p:cNvGraphicFramePr>
+            <a:graphicFrameLocks noGrp="1"/>
+          </p:cNvGraphicFramePr>
+          <p:nvPr>
+            <p:ph idx="1"/>
+            <p:extLst>
+              <p:ext uri="{D42A27DB-BD31-4B8C-83A1-F6EECF244321}">
+                <p14:modId xmlns:p14="http://schemas.microsoft.com/office/powerpoint/2010/main" val="2079484080"/>
+              </p:ext>
+            </p:extLst>
+          </p:nvPr>
+        </p:nvGraphicFramePr>
+        <p:xfrm>
+          <a:off x="457200" y="1600200"/>
+          <a:ext cx="8229600" cy="3576320"/>
+        </p:xfrm>
+        <a:graphic>
+          <a:graphicData uri="http://schemas.openxmlformats.org/drawingml/2006/table">
+            <a:tbl>
+              <a:tblPr firstRow="1" bandRow="1">
+                <a:tableStyleId>{17292A2E-F333-43FB-9621-5CBBE7FDCDCB}</a:tableStyleId>
+              </a:tblPr>
+              <a:tblGrid>
+                <a:gridCol w="2743200"/>
+                <a:gridCol w="2743200"/>
+                <a:gridCol w="2743200"/>
+              </a:tblGrid>
+              <a:tr h="370840">
+                <a:tc>
+                  <a:txBody>
+                    <a:bodyPr/>
+                    <a:lstStyle/>
+                    <a:p>
+                      <a:r>
+                        <a:rPr lang="en-US" dirty="0" smtClean="0"/>
+                        <a:t>Parameter</a:t>
+                      </a:r>
+                      <a:endParaRPr lang="en-US" dirty="0"/>
+                    </a:p>
+                  </a:txBody>
+                  <a:tcPr>
+                    <a:lnL w="12700" cap="flat" cmpd="sng" algn="ctr">
+                      <a:solidFill>
+                        <a:schemeClr val="tx1"/>
+                      </a:solidFill>
+                      <a:prstDash val="solid"/>
+                      <a:round/>
+                      <a:headEnd type="none" w="med" len="med"/>
+                      <a:tailEnd type="none" w="med" len="med"/>
+                    </a:lnL>
+                    <a:lnR w="12700" cap="flat" cmpd="sng" algn="ctr">
+                      <a:solidFill>
+                        <a:schemeClr val="tx1"/>
+                      </a:solidFill>
+                      <a:prstDash val="solid"/>
+                      <a:round/>
+                      <a:headEnd type="none" w="med" len="med"/>
+                      <a:tailEnd type="none" w="med" len="med"/>
+                    </a:lnR>
+                    <a:lnT w="12700" cap="flat" cmpd="sng" algn="ctr">
+                      <a:solidFill>
+                        <a:schemeClr val="tx1"/>
+                      </a:solidFill>
+                      <a:prstDash val="solid"/>
+                      <a:round/>
+                      <a:headEnd type="none" w="med" len="med"/>
+                      <a:tailEnd type="none" w="med" len="med"/>
+                    </a:lnT>
+                    <a:lnB w="12700" cap="flat" cmpd="sng" algn="ctr">
+                      <a:solidFill>
+                        <a:schemeClr val="tx1"/>
+                      </a:solidFill>
+                      <a:prstDash val="solid"/>
+                      <a:round/>
+                      <a:headEnd type="none" w="med" len="med"/>
+                      <a:tailEnd type="none" w="med" len="med"/>
+                    </a:lnB>
+                    <a:lnTlToBr w="12700" cmpd="sng">
+                      <a:noFill/>
+                      <a:prstDash val="solid"/>
+                    </a:lnTlToBr>
+                    <a:lnBlToTr w="12700" cmpd="sng">
+                      <a:noFill/>
+                      <a:prstDash val="solid"/>
+                    </a:lnBlToTr>
+                  </a:tcPr>
+                </a:tc>
+                <a:tc>
+                  <a:txBody>
+                    <a:bodyPr/>
+                    <a:lstStyle/>
+                    <a:p>
+                      <a:r>
+                        <a:rPr lang="en-US" dirty="0" smtClean="0"/>
+                        <a:t>HashSet</a:t>
+                      </a:r>
+                      <a:endParaRPr lang="en-US" dirty="0"/>
+                    </a:p>
+                  </a:txBody>
+                  <a:tcPr>
+                    <a:lnL w="12700" cap="flat" cmpd="sng" algn="ctr">
+                      <a:solidFill>
+                        <a:schemeClr val="tx1"/>
+                      </a:solidFill>
+                      <a:prstDash val="solid"/>
+                      <a:round/>
+                      <a:headEnd type="none" w="med" len="med"/>
+                      <a:tailEnd type="none" w="med" len="med"/>
+                    </a:lnL>
+                    <a:lnR w="12700" cap="flat" cmpd="sng" algn="ctr">
+                      <a:solidFill>
+                        <a:schemeClr val="tx1"/>
+                      </a:solidFill>
+                      <a:prstDash val="solid"/>
+                      <a:round/>
+                      <a:headEnd type="none" w="med" len="med"/>
+                      <a:tailEnd type="none" w="med" len="med"/>
+                    </a:lnR>
+                    <a:lnT w="12700" cap="flat" cmpd="sng" algn="ctr">
+                      <a:solidFill>
+                        <a:schemeClr val="tx1"/>
+                      </a:solidFill>
+                      <a:prstDash val="solid"/>
+                      <a:round/>
+                      <a:headEnd type="none" w="med" len="med"/>
+                      <a:tailEnd type="none" w="med" len="med"/>
+                    </a:lnT>
+                    <a:lnB w="12700" cap="flat" cmpd="sng" algn="ctr">
+                      <a:solidFill>
+                        <a:schemeClr val="tx1"/>
+                      </a:solidFill>
+                      <a:prstDash val="solid"/>
+                      <a:round/>
+                      <a:headEnd type="none" w="med" len="med"/>
+                      <a:tailEnd type="none" w="med" len="med"/>
+                    </a:lnB>
+                    <a:lnTlToBr w="12700" cmpd="sng">
+                      <a:noFill/>
+                      <a:prstDash val="solid"/>
+                    </a:lnTlToBr>
+                    <a:lnBlToTr w="12700" cmpd="sng">
+                      <a:noFill/>
+                      <a:prstDash val="solid"/>
+                    </a:lnBlToTr>
+                  </a:tcPr>
+                </a:tc>
+                <a:tc>
+                  <a:txBody>
+                    <a:bodyPr/>
+                    <a:lstStyle/>
+                    <a:p>
+                      <a:r>
+                        <a:rPr lang="en-US" dirty="0" smtClean="0"/>
+                        <a:t>TreeSet</a:t>
+                      </a:r>
+                      <a:endParaRPr lang="en-US" dirty="0"/>
+                    </a:p>
+                  </a:txBody>
+                  <a:tcPr>
+                    <a:lnL w="12700" cap="flat" cmpd="sng" algn="ctr">
+                      <a:solidFill>
+                        <a:schemeClr val="tx1"/>
+                      </a:solidFill>
+                      <a:prstDash val="solid"/>
+                      <a:round/>
+                      <a:headEnd type="none" w="med" len="med"/>
+                      <a:tailEnd type="none" w="med" len="med"/>
+                    </a:lnL>
+                    <a:lnR w="12700" cap="flat" cmpd="sng" algn="ctr">
+                      <a:solidFill>
+                        <a:schemeClr val="tx1"/>
+                      </a:solidFill>
+                      <a:prstDash val="solid"/>
+                      <a:round/>
+                      <a:headEnd type="none" w="med" len="med"/>
+                      <a:tailEnd type="none" w="med" len="med"/>
+                    </a:lnR>
+                    <a:lnT w="12700" cap="flat" cmpd="sng" algn="ctr">
+                      <a:solidFill>
+                        <a:schemeClr val="tx1"/>
+                      </a:solidFill>
+                      <a:prstDash val="solid"/>
+                      <a:round/>
+                      <a:headEnd type="none" w="med" len="med"/>
+                      <a:tailEnd type="none" w="med" len="med"/>
+                    </a:lnT>
+                    <a:lnB w="12700" cap="flat" cmpd="sng" algn="ctr">
+                      <a:solidFill>
+                        <a:schemeClr val="tx1"/>
+                      </a:solidFill>
+                      <a:prstDash val="solid"/>
+                      <a:round/>
+                      <a:headEnd type="none" w="med" len="med"/>
+                      <a:tailEnd type="none" w="med" len="med"/>
+                    </a:lnB>
+                    <a:lnTlToBr w="12700" cmpd="sng">
+                      <a:noFill/>
+                      <a:prstDash val="solid"/>
+                    </a:lnTlToBr>
+                    <a:lnBlToTr w="12700" cmpd="sng">
+                      <a:noFill/>
+                      <a:prstDash val="solid"/>
+                    </a:lnBlToTr>
+                  </a:tcPr>
+                </a:tc>
+              </a:tr>
+              <a:tr h="370840">
+                <a:tc>
+                  <a:txBody>
+                    <a:bodyPr/>
+                    <a:lstStyle/>
+                    <a:p>
+                      <a:r>
+                        <a:rPr lang="en-US" dirty="0" smtClean="0"/>
+                        <a:t>Performance</a:t>
+                      </a:r>
+                      <a:endParaRPr lang="en-US" dirty="0"/>
+                    </a:p>
+                  </a:txBody>
+                  <a:tcPr>
+                    <a:lnL w="12700" cap="flat" cmpd="sng" algn="ctr">
+                      <a:solidFill>
+                        <a:schemeClr val="tx1"/>
+                      </a:solidFill>
+                      <a:prstDash val="solid"/>
+                      <a:round/>
+                      <a:headEnd type="none" w="med" len="med"/>
+                      <a:tailEnd type="none" w="med" len="med"/>
+                    </a:lnL>
+                    <a:lnR w="12700" cap="flat" cmpd="sng" algn="ctr">
+                      <a:solidFill>
+                        <a:schemeClr val="tx1"/>
+                      </a:solidFill>
+                      <a:prstDash val="solid"/>
+                      <a:round/>
+                      <a:headEnd type="none" w="med" len="med"/>
+                      <a:tailEnd type="none" w="med" len="med"/>
+                    </a:lnR>
+                    <a:lnT w="12700" cap="flat" cmpd="sng" algn="ctr">
+                      <a:solidFill>
+                        <a:schemeClr val="tx1"/>
+                      </a:solidFill>
+                      <a:prstDash val="solid"/>
+                      <a:round/>
+                      <a:headEnd type="none" w="med" len="med"/>
+                      <a:tailEnd type="none" w="med" len="med"/>
+                    </a:lnT>
+                    <a:lnB w="12700" cap="flat" cmpd="sng" algn="ctr">
+                      <a:solidFill>
+                        <a:schemeClr val="tx1"/>
+                      </a:solidFill>
+                      <a:prstDash val="solid"/>
+                      <a:round/>
+                      <a:headEnd type="none" w="med" len="med"/>
+                      <a:tailEnd type="none" w="med" len="med"/>
+                    </a:lnB>
+                    <a:lnTlToBr w="12700" cmpd="sng">
+                      <a:noFill/>
+                      <a:prstDash val="solid"/>
+                    </a:lnTlToBr>
+                    <a:lnBlToTr w="12700" cmpd="sng">
+                      <a:noFill/>
+                      <a:prstDash val="solid"/>
+                    </a:lnBlToTr>
+                  </a:tcPr>
+                </a:tc>
+                <a:tc>
+                  <a:txBody>
+                    <a:bodyPr/>
+                    <a:lstStyle/>
+                    <a:p>
+                      <a:r>
+                        <a:rPr lang="en-US" dirty="0" smtClean="0"/>
+                        <a:t>Better</a:t>
+                      </a:r>
+                      <a:r>
+                        <a:rPr lang="en-US" baseline="0" dirty="0" smtClean="0"/>
+                        <a:t> compared to TreeSet</a:t>
+                      </a:r>
+                      <a:endParaRPr lang="en-US" dirty="0"/>
+                    </a:p>
+                  </a:txBody>
+                  <a:tcPr>
+                    <a:lnL w="12700" cap="flat" cmpd="sng" algn="ctr">
+                      <a:solidFill>
+                        <a:schemeClr val="tx1"/>
+                      </a:solidFill>
+                      <a:prstDash val="solid"/>
+                      <a:round/>
+                      <a:headEnd type="none" w="med" len="med"/>
+                      <a:tailEnd type="none" w="med" len="med"/>
+                    </a:lnL>
+                    <a:lnR w="12700" cap="flat" cmpd="sng" algn="ctr">
+                      <a:solidFill>
+                        <a:schemeClr val="tx1"/>
+                      </a:solidFill>
+                      <a:prstDash val="solid"/>
+                      <a:round/>
+                      <a:headEnd type="none" w="med" len="med"/>
+                      <a:tailEnd type="none" w="med" len="med"/>
+                    </a:lnR>
+                    <a:lnT w="12700" cap="flat" cmpd="sng" algn="ctr">
+                      <a:solidFill>
+                        <a:schemeClr val="tx1"/>
+                      </a:solidFill>
+                      <a:prstDash val="solid"/>
+                      <a:round/>
+                      <a:headEnd type="none" w="med" len="med"/>
+                      <a:tailEnd type="none" w="med" len="med"/>
+                    </a:lnT>
+                    <a:lnB w="12700" cap="flat" cmpd="sng" algn="ctr">
+                      <a:solidFill>
+                        <a:schemeClr val="tx1"/>
+                      </a:solidFill>
+                      <a:prstDash val="solid"/>
+                      <a:round/>
+                      <a:headEnd type="none" w="med" len="med"/>
+                      <a:tailEnd type="none" w="med" len="med"/>
+                    </a:lnB>
+                    <a:lnTlToBr w="12700" cmpd="sng">
+                      <a:noFill/>
+                      <a:prstDash val="solid"/>
+                    </a:lnTlToBr>
+                    <a:lnBlToTr w="12700" cmpd="sng">
+                      <a:noFill/>
+                      <a:prstDash val="solid"/>
+                    </a:lnBlToTr>
+                  </a:tcPr>
+                </a:tc>
+                <a:tc>
+                  <a:txBody>
+                    <a:bodyPr/>
+                    <a:lstStyle/>
+                    <a:p>
+                      <a:r>
+                        <a:rPr lang="en-US" dirty="0" smtClean="0"/>
+                        <a:t>Slower</a:t>
+                      </a:r>
+                      <a:endParaRPr lang="en-US" dirty="0"/>
+                    </a:p>
+                  </a:txBody>
+                  <a:tcPr>
+                    <a:lnL w="12700" cap="flat" cmpd="sng" algn="ctr">
+                      <a:solidFill>
+                        <a:schemeClr val="tx1"/>
+                      </a:solidFill>
+                      <a:prstDash val="solid"/>
+                      <a:round/>
+                      <a:headEnd type="none" w="med" len="med"/>
+                      <a:tailEnd type="none" w="med" len="med"/>
+                    </a:lnL>
+                    <a:lnR w="12700" cap="flat" cmpd="sng" algn="ctr">
+                      <a:solidFill>
+                        <a:schemeClr val="tx1"/>
+                      </a:solidFill>
+                      <a:prstDash val="solid"/>
+                      <a:round/>
+                      <a:headEnd type="none" w="med" len="med"/>
+                      <a:tailEnd type="none" w="med" len="med"/>
+                    </a:lnR>
+                    <a:lnT w="12700" cap="flat" cmpd="sng" algn="ctr">
+                      <a:solidFill>
+                        <a:schemeClr val="tx1"/>
+                      </a:solidFill>
+                      <a:prstDash val="solid"/>
+                      <a:round/>
+                      <a:headEnd type="none" w="med" len="med"/>
+                      <a:tailEnd type="none" w="med" len="med"/>
+                    </a:lnT>
+                    <a:lnB w="12700" cap="flat" cmpd="sng" algn="ctr">
+                      <a:solidFill>
+                        <a:schemeClr val="tx1"/>
+                      </a:solidFill>
+                      <a:prstDash val="solid"/>
+                      <a:round/>
+                      <a:headEnd type="none" w="med" len="med"/>
+                      <a:tailEnd type="none" w="med" len="med"/>
+                    </a:lnB>
+                    <a:lnTlToBr w="12700" cmpd="sng">
+                      <a:noFill/>
+                      <a:prstDash val="solid"/>
+                    </a:lnTlToBr>
+                    <a:lnBlToTr w="12700" cmpd="sng">
+                      <a:noFill/>
+                      <a:prstDash val="solid"/>
+                    </a:lnBlToTr>
+                  </a:tcPr>
+                </a:tc>
+              </a:tr>
+              <a:tr h="370840">
+                <a:tc>
+                  <a:txBody>
+                    <a:bodyPr/>
+                    <a:lstStyle/>
+                    <a:p>
+                      <a:r>
+                        <a:rPr lang="en-US" dirty="0" smtClean="0"/>
+                        <a:t>Null Object</a:t>
+                      </a:r>
+                      <a:endParaRPr lang="en-US" dirty="0"/>
+                    </a:p>
+                  </a:txBody>
+                  <a:tcPr>
+                    <a:lnL w="12700" cap="flat" cmpd="sng" algn="ctr">
+                      <a:solidFill>
+                        <a:schemeClr val="tx1"/>
+                      </a:solidFill>
+                      <a:prstDash val="solid"/>
+                      <a:round/>
+                      <a:headEnd type="none" w="med" len="med"/>
+                      <a:tailEnd type="none" w="med" len="med"/>
+                    </a:lnL>
+                    <a:lnR w="12700" cap="flat" cmpd="sng" algn="ctr">
+                      <a:solidFill>
+                        <a:schemeClr val="tx1"/>
+                      </a:solidFill>
+                      <a:prstDash val="solid"/>
+                      <a:round/>
+                      <a:headEnd type="none" w="med" len="med"/>
+                      <a:tailEnd type="none" w="med" len="med"/>
+                    </a:lnR>
+                    <a:lnT w="12700" cap="flat" cmpd="sng" algn="ctr">
+                      <a:solidFill>
+                        <a:schemeClr val="tx1"/>
+                      </a:solidFill>
+                      <a:prstDash val="solid"/>
+                      <a:round/>
+                      <a:headEnd type="none" w="med" len="med"/>
+                      <a:tailEnd type="none" w="med" len="med"/>
+                    </a:lnT>
+                    <a:lnB w="12700" cap="flat" cmpd="sng" algn="ctr">
+                      <a:solidFill>
+                        <a:schemeClr val="tx1"/>
+                      </a:solidFill>
+                      <a:prstDash val="solid"/>
+                      <a:round/>
+                      <a:headEnd type="none" w="med" len="med"/>
+                      <a:tailEnd type="none" w="med" len="med"/>
+                    </a:lnB>
+                    <a:lnTlToBr w="12700" cmpd="sng">
+                      <a:noFill/>
+                      <a:prstDash val="solid"/>
+                    </a:lnTlToBr>
+                    <a:lnBlToTr w="12700" cmpd="sng">
+                      <a:noFill/>
+                      <a:prstDash val="solid"/>
+                    </a:lnBlToTr>
+                  </a:tcPr>
+                </a:tc>
+                <a:tc>
+                  <a:txBody>
+                    <a:bodyPr/>
+                    <a:lstStyle/>
+                    <a:p>
+                      <a:r>
+                        <a:rPr lang="en-US" dirty="0" smtClean="0"/>
+                        <a:t>Allows null objects</a:t>
+                      </a:r>
+                      <a:endParaRPr lang="en-US" dirty="0"/>
+                    </a:p>
+                  </a:txBody>
+                  <a:tcPr>
+                    <a:lnL w="12700" cap="flat" cmpd="sng" algn="ctr">
+                      <a:solidFill>
+                        <a:schemeClr val="tx1"/>
+                      </a:solidFill>
+                      <a:prstDash val="solid"/>
+                      <a:round/>
+                      <a:headEnd type="none" w="med" len="med"/>
+                      <a:tailEnd type="none" w="med" len="med"/>
+                    </a:lnL>
+                    <a:lnR w="12700" cap="flat" cmpd="sng" algn="ctr">
+                      <a:solidFill>
+                        <a:schemeClr val="tx1"/>
+                      </a:solidFill>
+                      <a:prstDash val="solid"/>
+                      <a:round/>
+                      <a:headEnd type="none" w="med" len="med"/>
+                      <a:tailEnd type="none" w="med" len="med"/>
+                    </a:lnR>
+                    <a:lnT w="12700" cap="flat" cmpd="sng" algn="ctr">
+                      <a:solidFill>
+                        <a:schemeClr val="tx1"/>
+                      </a:solidFill>
+                      <a:prstDash val="solid"/>
+                      <a:round/>
+                      <a:headEnd type="none" w="med" len="med"/>
+                      <a:tailEnd type="none" w="med" len="med"/>
+                    </a:lnT>
+                    <a:lnB w="12700" cap="flat" cmpd="sng" algn="ctr">
+                      <a:solidFill>
+                        <a:schemeClr val="tx1"/>
+                      </a:solidFill>
+                      <a:prstDash val="solid"/>
+                      <a:round/>
+                      <a:headEnd type="none" w="med" len="med"/>
+                      <a:tailEnd type="none" w="med" len="med"/>
+                    </a:lnB>
+                    <a:lnTlToBr w="12700" cmpd="sng">
+                      <a:noFill/>
+                      <a:prstDash val="solid"/>
+                    </a:lnTlToBr>
+                    <a:lnBlToTr w="12700" cmpd="sng">
+                      <a:noFill/>
+                      <a:prstDash val="solid"/>
+                    </a:lnBlToTr>
+                  </a:tcPr>
+                </a:tc>
+                <a:tc>
+                  <a:txBody>
+                    <a:bodyPr/>
+                    <a:lstStyle/>
+                    <a:p>
+                      <a:r>
+                        <a:rPr lang="en-US" dirty="0" smtClean="0"/>
+                        <a:t>Doesn’t allow null object because compareTo</a:t>
+                      </a:r>
+                      <a:r>
+                        <a:rPr lang="en-US" baseline="0" dirty="0" smtClean="0"/>
+                        <a:t> method throws NPE</a:t>
+                      </a:r>
+                      <a:endParaRPr lang="en-US" dirty="0"/>
+                    </a:p>
+                  </a:txBody>
+                  <a:tcPr>
+                    <a:lnL w="12700" cap="flat" cmpd="sng" algn="ctr">
+                      <a:solidFill>
+                        <a:schemeClr val="tx1"/>
+                      </a:solidFill>
+                      <a:prstDash val="solid"/>
+                      <a:round/>
+                      <a:headEnd type="none" w="med" len="med"/>
+                      <a:tailEnd type="none" w="med" len="med"/>
+                    </a:lnL>
+                    <a:lnR w="12700" cap="flat" cmpd="sng" algn="ctr">
+                      <a:solidFill>
+                        <a:schemeClr val="tx1"/>
+                      </a:solidFill>
+                      <a:prstDash val="solid"/>
+                      <a:round/>
+                      <a:headEnd type="none" w="med" len="med"/>
+                      <a:tailEnd type="none" w="med" len="med"/>
+                    </a:lnR>
+                    <a:lnT w="12700" cap="flat" cmpd="sng" algn="ctr">
+                      <a:solidFill>
+                        <a:schemeClr val="tx1"/>
+                      </a:solidFill>
+                      <a:prstDash val="solid"/>
+                      <a:round/>
+                      <a:headEnd type="none" w="med" len="med"/>
+                      <a:tailEnd type="none" w="med" len="med"/>
+                    </a:lnT>
+                    <a:lnB w="12700" cap="flat" cmpd="sng" algn="ctr">
+                      <a:solidFill>
+                        <a:schemeClr val="tx1"/>
+                      </a:solidFill>
+                      <a:prstDash val="solid"/>
+                      <a:round/>
+                      <a:headEnd type="none" w="med" len="med"/>
+                      <a:tailEnd type="none" w="med" len="med"/>
+                    </a:lnB>
+                    <a:lnTlToBr w="12700" cmpd="sng">
+                      <a:noFill/>
+                      <a:prstDash val="solid"/>
+                    </a:lnTlToBr>
+                    <a:lnBlToTr w="12700" cmpd="sng">
+                      <a:noFill/>
+                      <a:prstDash val="solid"/>
+                    </a:lnBlToTr>
+                  </a:tcPr>
+                </a:tc>
+              </a:tr>
+              <a:tr h="370840">
+                <a:tc>
+                  <a:txBody>
+                    <a:bodyPr/>
+                    <a:lstStyle/>
+                    <a:p>
+                      <a:r>
+                        <a:rPr lang="en-US" dirty="0" smtClean="0"/>
+                        <a:t>Backed by</a:t>
+                      </a:r>
+                      <a:endParaRPr lang="en-US" dirty="0"/>
+                    </a:p>
+                  </a:txBody>
+                  <a:tcPr>
+                    <a:lnL w="12700" cap="flat" cmpd="sng" algn="ctr">
+                      <a:solidFill>
+                        <a:schemeClr val="tx1"/>
+                      </a:solidFill>
+                      <a:prstDash val="solid"/>
+                      <a:round/>
+                      <a:headEnd type="none" w="med" len="med"/>
+                      <a:tailEnd type="none" w="med" len="med"/>
+                    </a:lnL>
+                    <a:lnR w="12700" cap="flat" cmpd="sng" algn="ctr">
+                      <a:solidFill>
+                        <a:schemeClr val="tx1"/>
+                      </a:solidFill>
+                      <a:prstDash val="solid"/>
+                      <a:round/>
+                      <a:headEnd type="none" w="med" len="med"/>
+                      <a:tailEnd type="none" w="med" len="med"/>
+                    </a:lnR>
+                    <a:lnT w="12700" cap="flat" cmpd="sng" algn="ctr">
+                      <a:solidFill>
+                        <a:schemeClr val="tx1"/>
+                      </a:solidFill>
+                      <a:prstDash val="solid"/>
+                      <a:round/>
+                      <a:headEnd type="none" w="med" len="med"/>
+                      <a:tailEnd type="none" w="med" len="med"/>
+                    </a:lnT>
+                    <a:lnB w="12700" cap="flat" cmpd="sng" algn="ctr">
+                      <a:solidFill>
+                        <a:schemeClr val="tx1"/>
+                      </a:solidFill>
+                      <a:prstDash val="solid"/>
+                      <a:round/>
+                      <a:headEnd type="none" w="med" len="med"/>
+                      <a:tailEnd type="none" w="med" len="med"/>
+                    </a:lnB>
+                    <a:lnTlToBr w="12700" cmpd="sng">
+                      <a:noFill/>
+                      <a:prstDash val="solid"/>
+                    </a:lnTlToBr>
+                    <a:lnBlToTr w="12700" cmpd="sng">
+                      <a:noFill/>
+                      <a:prstDash val="solid"/>
+                    </a:lnBlToTr>
+                  </a:tcPr>
+                </a:tc>
+                <a:tc>
+                  <a:txBody>
+                    <a:bodyPr/>
+                    <a:lstStyle/>
+                    <a:p>
+                      <a:r>
+                        <a:rPr lang="en-US" dirty="0" smtClean="0"/>
+                        <a:t>HashMap</a:t>
+                      </a:r>
+                      <a:endParaRPr lang="en-US" dirty="0"/>
+                    </a:p>
+                  </a:txBody>
+                  <a:tcPr>
+                    <a:lnL w="12700" cap="flat" cmpd="sng" algn="ctr">
+                      <a:solidFill>
+                        <a:schemeClr val="tx1"/>
+                      </a:solidFill>
+                      <a:prstDash val="solid"/>
+                      <a:round/>
+                      <a:headEnd type="none" w="med" len="med"/>
+                      <a:tailEnd type="none" w="med" len="med"/>
+                    </a:lnL>
+                    <a:lnR w="12700" cap="flat" cmpd="sng" algn="ctr">
+                      <a:solidFill>
+                        <a:schemeClr val="tx1"/>
+                      </a:solidFill>
+                      <a:prstDash val="solid"/>
+                      <a:round/>
+                      <a:headEnd type="none" w="med" len="med"/>
+                      <a:tailEnd type="none" w="med" len="med"/>
+                    </a:lnR>
+                    <a:lnT w="12700" cap="flat" cmpd="sng" algn="ctr">
+                      <a:solidFill>
+                        <a:schemeClr val="tx1"/>
+                      </a:solidFill>
+                      <a:prstDash val="solid"/>
+                      <a:round/>
+                      <a:headEnd type="none" w="med" len="med"/>
+                      <a:tailEnd type="none" w="med" len="med"/>
+                    </a:lnT>
+                    <a:lnB w="12700" cap="flat" cmpd="sng" algn="ctr">
+                      <a:solidFill>
+                        <a:schemeClr val="tx1"/>
+                      </a:solidFill>
+                      <a:prstDash val="solid"/>
+                      <a:round/>
+                      <a:headEnd type="none" w="med" len="med"/>
+                      <a:tailEnd type="none" w="med" len="med"/>
+                    </a:lnB>
+                    <a:lnTlToBr w="12700" cmpd="sng">
+                      <a:noFill/>
+                      <a:prstDash val="solid"/>
+                    </a:lnTlToBr>
+                    <a:lnBlToTr w="12700" cmpd="sng">
+                      <a:noFill/>
+                      <a:prstDash val="solid"/>
+                    </a:lnBlToTr>
+                  </a:tcPr>
+                </a:tc>
+                <a:tc>
+                  <a:txBody>
+                    <a:bodyPr/>
+                    <a:lstStyle/>
+                    <a:p>
+                      <a:r>
+                        <a:rPr lang="en-US" dirty="0" smtClean="0"/>
+                        <a:t>TreeMap</a:t>
+                      </a:r>
+                      <a:endParaRPr lang="en-US" dirty="0"/>
+                    </a:p>
+                  </a:txBody>
+                  <a:tcPr>
+                    <a:lnL w="12700" cap="flat" cmpd="sng" algn="ctr">
+                      <a:solidFill>
+                        <a:schemeClr val="tx1"/>
+                      </a:solidFill>
+                      <a:prstDash val="solid"/>
+                      <a:round/>
+                      <a:headEnd type="none" w="med" len="med"/>
+                      <a:tailEnd type="none" w="med" len="med"/>
+                    </a:lnL>
+                    <a:lnR w="12700" cap="flat" cmpd="sng" algn="ctr">
+                      <a:solidFill>
+                        <a:schemeClr val="tx1"/>
+                      </a:solidFill>
+                      <a:prstDash val="solid"/>
+                      <a:round/>
+                      <a:headEnd type="none" w="med" len="med"/>
+                      <a:tailEnd type="none" w="med" len="med"/>
+                    </a:lnR>
+                    <a:lnT w="12700" cap="flat" cmpd="sng" algn="ctr">
+                      <a:solidFill>
+                        <a:schemeClr val="tx1"/>
+                      </a:solidFill>
+                      <a:prstDash val="solid"/>
+                      <a:round/>
+                      <a:headEnd type="none" w="med" len="med"/>
+                      <a:tailEnd type="none" w="med" len="med"/>
+                    </a:lnT>
+                    <a:lnB w="12700" cap="flat" cmpd="sng" algn="ctr">
+                      <a:solidFill>
+                        <a:schemeClr val="tx1"/>
+                      </a:solidFill>
+                      <a:prstDash val="solid"/>
+                      <a:round/>
+                      <a:headEnd type="none" w="med" len="med"/>
+                      <a:tailEnd type="none" w="med" len="med"/>
+                    </a:lnB>
+                    <a:lnTlToBr w="12700" cmpd="sng">
+                      <a:noFill/>
+                      <a:prstDash val="solid"/>
+                    </a:lnTlToBr>
+                    <a:lnBlToTr w="12700" cmpd="sng">
+                      <a:noFill/>
+                      <a:prstDash val="solid"/>
+                    </a:lnBlToTr>
+                  </a:tcPr>
+                </a:tc>
+              </a:tr>
+              <a:tr h="370840">
+                <a:tc>
+                  <a:txBody>
+                    <a:bodyPr/>
+                    <a:lstStyle/>
+                    <a:p>
+                      <a:r>
+                        <a:rPr lang="en-US" dirty="0" smtClean="0"/>
+                        <a:t>Compare</a:t>
+                      </a:r>
+                      <a:r>
+                        <a:rPr lang="en-US" baseline="0" dirty="0" smtClean="0"/>
+                        <a:t> Method</a:t>
+                      </a:r>
+                      <a:endParaRPr lang="en-US" dirty="0"/>
+                    </a:p>
+                  </a:txBody>
+                  <a:tcPr>
+                    <a:lnL w="12700" cap="flat" cmpd="sng" algn="ctr">
+                      <a:solidFill>
+                        <a:schemeClr val="tx1"/>
+                      </a:solidFill>
+                      <a:prstDash val="solid"/>
+                      <a:round/>
+                      <a:headEnd type="none" w="med" len="med"/>
+                      <a:tailEnd type="none" w="med" len="med"/>
+                    </a:lnL>
+                    <a:lnR w="12700" cap="flat" cmpd="sng" algn="ctr">
+                      <a:solidFill>
+                        <a:schemeClr val="tx1"/>
+                      </a:solidFill>
+                      <a:prstDash val="solid"/>
+                      <a:round/>
+                      <a:headEnd type="none" w="med" len="med"/>
+                      <a:tailEnd type="none" w="med" len="med"/>
+                    </a:lnR>
+                    <a:lnT w="12700" cap="flat" cmpd="sng" algn="ctr">
+                      <a:solidFill>
+                        <a:schemeClr val="tx1"/>
+                      </a:solidFill>
+                      <a:prstDash val="solid"/>
+                      <a:round/>
+                      <a:headEnd type="none" w="med" len="med"/>
+                      <a:tailEnd type="none" w="med" len="med"/>
+                    </a:lnT>
+                    <a:lnB w="12700" cap="flat" cmpd="sng" algn="ctr">
+                      <a:solidFill>
+                        <a:schemeClr val="tx1"/>
+                      </a:solidFill>
+                      <a:prstDash val="solid"/>
+                      <a:round/>
+                      <a:headEnd type="none" w="med" len="med"/>
+                      <a:tailEnd type="none" w="med" len="med"/>
+                    </a:lnB>
+                    <a:lnTlToBr w="12700" cmpd="sng">
+                      <a:noFill/>
+                      <a:prstDash val="solid"/>
+                    </a:lnTlToBr>
+                    <a:lnBlToTr w="12700" cmpd="sng">
+                      <a:noFill/>
+                      <a:prstDash val="solid"/>
+                    </a:lnBlToTr>
+                  </a:tcPr>
+                </a:tc>
+                <a:tc>
+                  <a:txBody>
+                    <a:bodyPr/>
+                    <a:lstStyle/>
+                    <a:p>
+                      <a:r>
+                        <a:rPr lang="en-US" dirty="0" smtClean="0"/>
+                        <a:t>Uses equal</a:t>
+                      </a:r>
+                      <a:r>
+                        <a:rPr lang="en-US" baseline="0" dirty="0" smtClean="0"/>
+                        <a:t>() method</a:t>
+                      </a:r>
+                      <a:endParaRPr lang="en-US" dirty="0"/>
+                    </a:p>
+                  </a:txBody>
+                  <a:tcPr>
+                    <a:lnL w="12700" cap="flat" cmpd="sng" algn="ctr">
+                      <a:solidFill>
+                        <a:schemeClr val="tx1"/>
+                      </a:solidFill>
+                      <a:prstDash val="solid"/>
+                      <a:round/>
+                      <a:headEnd type="none" w="med" len="med"/>
+                      <a:tailEnd type="none" w="med" len="med"/>
+                    </a:lnL>
+                    <a:lnR w="12700" cap="flat" cmpd="sng" algn="ctr">
+                      <a:solidFill>
+                        <a:schemeClr val="tx1"/>
+                      </a:solidFill>
+                      <a:prstDash val="solid"/>
+                      <a:round/>
+                      <a:headEnd type="none" w="med" len="med"/>
+                      <a:tailEnd type="none" w="med" len="med"/>
+                    </a:lnR>
+                    <a:lnT w="12700" cap="flat" cmpd="sng" algn="ctr">
+                      <a:solidFill>
+                        <a:schemeClr val="tx1"/>
+                      </a:solidFill>
+                      <a:prstDash val="solid"/>
+                      <a:round/>
+                      <a:headEnd type="none" w="med" len="med"/>
+                      <a:tailEnd type="none" w="med" len="med"/>
+                    </a:lnT>
+                    <a:lnB w="12700" cap="flat" cmpd="sng" algn="ctr">
+                      <a:solidFill>
+                        <a:schemeClr val="tx1"/>
+                      </a:solidFill>
+                      <a:prstDash val="solid"/>
+                      <a:round/>
+                      <a:headEnd type="none" w="med" len="med"/>
+                      <a:tailEnd type="none" w="med" len="med"/>
+                    </a:lnB>
+                    <a:lnTlToBr w="12700" cmpd="sng">
+                      <a:noFill/>
+                      <a:prstDash val="solid"/>
+                    </a:lnTlToBr>
+                    <a:lnBlToTr w="12700" cmpd="sng">
+                      <a:noFill/>
+                      <a:prstDash val="solid"/>
+                    </a:lnBlToTr>
+                  </a:tcPr>
+                </a:tc>
+                <a:tc>
+                  <a:txBody>
+                    <a:bodyPr/>
+                    <a:lstStyle/>
+                    <a:p>
+                      <a:r>
+                        <a:rPr lang="en-US" dirty="0" smtClean="0"/>
+                        <a:t>Uses compareTo()</a:t>
+                      </a:r>
+                      <a:r>
+                        <a:rPr lang="en-US" baseline="0" dirty="0" smtClean="0"/>
+                        <a:t> method</a:t>
+                      </a:r>
+                      <a:endParaRPr lang="en-US" dirty="0"/>
+                    </a:p>
+                  </a:txBody>
+                  <a:tcPr>
+                    <a:lnL w="12700" cap="flat" cmpd="sng" algn="ctr">
+                      <a:solidFill>
+                        <a:schemeClr val="tx1"/>
+                      </a:solidFill>
+                      <a:prstDash val="solid"/>
+                      <a:round/>
+                      <a:headEnd type="none" w="med" len="med"/>
+                      <a:tailEnd type="none" w="med" len="med"/>
+                    </a:lnL>
+                    <a:lnR w="12700" cap="flat" cmpd="sng" algn="ctr">
+                      <a:solidFill>
+                        <a:schemeClr val="tx1"/>
+                      </a:solidFill>
+                      <a:prstDash val="solid"/>
+                      <a:round/>
+                      <a:headEnd type="none" w="med" len="med"/>
+                      <a:tailEnd type="none" w="med" len="med"/>
+                    </a:lnR>
+                    <a:lnT w="12700" cap="flat" cmpd="sng" algn="ctr">
+                      <a:solidFill>
+                        <a:schemeClr val="tx1"/>
+                      </a:solidFill>
+                      <a:prstDash val="solid"/>
+                      <a:round/>
+                      <a:headEnd type="none" w="med" len="med"/>
+                      <a:tailEnd type="none" w="med" len="med"/>
+                    </a:lnT>
+                    <a:lnB w="12700" cap="flat" cmpd="sng" algn="ctr">
+                      <a:solidFill>
+                        <a:schemeClr val="tx1"/>
+                      </a:solidFill>
+                      <a:prstDash val="solid"/>
+                      <a:round/>
+                      <a:headEnd type="none" w="med" len="med"/>
+                      <a:tailEnd type="none" w="med" len="med"/>
+                    </a:lnB>
+                    <a:lnTlToBr w="12700" cmpd="sng">
+                      <a:noFill/>
+                      <a:prstDash val="solid"/>
+                    </a:lnTlToBr>
+                    <a:lnBlToTr w="12700" cmpd="sng">
+                      <a:noFill/>
+                      <a:prstDash val="solid"/>
+                    </a:lnBlToTr>
+                  </a:tcPr>
+                </a:tc>
+              </a:tr>
+              <a:tr h="370840">
+                <a:tc>
+                  <a:txBody>
+                    <a:bodyPr/>
+                    <a:lstStyle/>
+                    <a:p>
+                      <a:r>
+                        <a:rPr lang="en-US" dirty="0" smtClean="0"/>
+                        <a:t>Ordering</a:t>
+                      </a:r>
+                      <a:endParaRPr lang="en-US" dirty="0"/>
+                    </a:p>
+                  </a:txBody>
+                  <a:tcPr>
+                    <a:lnL w="12700" cap="flat" cmpd="sng" algn="ctr">
+                      <a:solidFill>
+                        <a:schemeClr val="tx1"/>
+                      </a:solidFill>
+                      <a:prstDash val="solid"/>
+                      <a:round/>
+                      <a:headEnd type="none" w="med" len="med"/>
+                      <a:tailEnd type="none" w="med" len="med"/>
+                    </a:lnL>
+                    <a:lnR w="12700" cap="flat" cmpd="sng" algn="ctr">
+                      <a:solidFill>
+                        <a:schemeClr val="tx1"/>
+                      </a:solidFill>
+                      <a:prstDash val="solid"/>
+                      <a:round/>
+                      <a:headEnd type="none" w="med" len="med"/>
+                      <a:tailEnd type="none" w="med" len="med"/>
+                    </a:lnR>
+                    <a:lnT w="12700" cap="flat" cmpd="sng" algn="ctr">
+                      <a:solidFill>
+                        <a:schemeClr val="tx1"/>
+                      </a:solidFill>
+                      <a:prstDash val="solid"/>
+                      <a:round/>
+                      <a:headEnd type="none" w="med" len="med"/>
+                      <a:tailEnd type="none" w="med" len="med"/>
+                    </a:lnT>
+                    <a:lnB w="12700" cap="flat" cmpd="sng" algn="ctr">
+                      <a:solidFill>
+                        <a:schemeClr val="tx1"/>
+                      </a:solidFill>
+                      <a:prstDash val="solid"/>
+                      <a:round/>
+                      <a:headEnd type="none" w="med" len="med"/>
+                      <a:tailEnd type="none" w="med" len="med"/>
+                    </a:lnB>
+                    <a:lnTlToBr w="12700" cmpd="sng">
+                      <a:noFill/>
+                      <a:prstDash val="solid"/>
+                    </a:lnTlToBr>
+                    <a:lnBlToTr w="12700" cmpd="sng">
+                      <a:noFill/>
+                      <a:prstDash val="solid"/>
+                    </a:lnBlToTr>
+                  </a:tcPr>
+                </a:tc>
+                <a:tc>
+                  <a:txBody>
+                    <a:bodyPr/>
+                    <a:lstStyle/>
+                    <a:p>
+                      <a:r>
+                        <a:rPr lang="en-US" dirty="0" smtClean="0"/>
+                        <a:t>Doesn’t</a:t>
+                      </a:r>
+                      <a:r>
+                        <a:rPr lang="en-US" baseline="0" dirty="0" smtClean="0"/>
+                        <a:t> guarantee ordering</a:t>
+                      </a:r>
+                      <a:endParaRPr lang="en-US" dirty="0"/>
+                    </a:p>
+                  </a:txBody>
+                  <a:tcPr>
+                    <a:lnL w="12700" cap="flat" cmpd="sng" algn="ctr">
+                      <a:solidFill>
+                        <a:schemeClr val="tx1"/>
+                      </a:solidFill>
+                      <a:prstDash val="solid"/>
+                      <a:round/>
+                      <a:headEnd type="none" w="med" len="med"/>
+                      <a:tailEnd type="none" w="med" len="med"/>
+                    </a:lnL>
+                    <a:lnR w="12700" cap="flat" cmpd="sng" algn="ctr">
+                      <a:solidFill>
+                        <a:schemeClr val="tx1"/>
+                      </a:solidFill>
+                      <a:prstDash val="solid"/>
+                      <a:round/>
+                      <a:headEnd type="none" w="med" len="med"/>
+                      <a:tailEnd type="none" w="med" len="med"/>
+                    </a:lnR>
+                    <a:lnT w="12700" cap="flat" cmpd="sng" algn="ctr">
+                      <a:solidFill>
+                        <a:schemeClr val="tx1"/>
+                      </a:solidFill>
+                      <a:prstDash val="solid"/>
+                      <a:round/>
+                      <a:headEnd type="none" w="med" len="med"/>
+                      <a:tailEnd type="none" w="med" len="med"/>
+                    </a:lnT>
+                    <a:lnB w="12700" cap="flat" cmpd="sng" algn="ctr">
+                      <a:solidFill>
+                        <a:schemeClr val="tx1"/>
+                      </a:solidFill>
+                      <a:prstDash val="solid"/>
+                      <a:round/>
+                      <a:headEnd type="none" w="med" len="med"/>
+                      <a:tailEnd type="none" w="med" len="med"/>
+                    </a:lnB>
+                    <a:lnTlToBr w="12700" cmpd="sng">
+                      <a:noFill/>
+                      <a:prstDash val="solid"/>
+                    </a:lnTlToBr>
+                    <a:lnBlToTr w="12700" cmpd="sng">
+                      <a:noFill/>
+                      <a:prstDash val="solid"/>
+                    </a:lnBlToTr>
+                  </a:tcPr>
+                </a:tc>
+                <a:tc>
+                  <a:txBody>
+                    <a:bodyPr/>
+                    <a:lstStyle/>
+                    <a:p>
+                      <a:r>
+                        <a:rPr lang="en-US" dirty="0" smtClean="0"/>
+                        <a:t>Guarantee’s ordering</a:t>
+                      </a:r>
+                      <a:endParaRPr lang="en-US" dirty="0"/>
+                    </a:p>
+                  </a:txBody>
+                  <a:tcPr>
+                    <a:lnL w="12700" cap="flat" cmpd="sng" algn="ctr">
+                      <a:solidFill>
+                        <a:schemeClr val="tx1"/>
+                      </a:solidFill>
+                      <a:prstDash val="solid"/>
+                      <a:round/>
+                      <a:headEnd type="none" w="med" len="med"/>
+                      <a:tailEnd type="none" w="med" len="med"/>
+                    </a:lnL>
+                    <a:lnR w="12700" cap="flat" cmpd="sng" algn="ctr">
+                      <a:solidFill>
+                        <a:schemeClr val="tx1"/>
+                      </a:solidFill>
+                      <a:prstDash val="solid"/>
+                      <a:round/>
+                      <a:headEnd type="none" w="med" len="med"/>
+                      <a:tailEnd type="none" w="med" len="med"/>
+                    </a:lnR>
+                    <a:lnT w="12700" cap="flat" cmpd="sng" algn="ctr">
+                      <a:solidFill>
+                        <a:schemeClr val="tx1"/>
+                      </a:solidFill>
+                      <a:prstDash val="solid"/>
+                      <a:round/>
+                      <a:headEnd type="none" w="med" len="med"/>
+                      <a:tailEnd type="none" w="med" len="med"/>
+                    </a:lnT>
+                    <a:lnB w="12700" cap="flat" cmpd="sng" algn="ctr">
+                      <a:solidFill>
+                        <a:schemeClr val="tx1"/>
+                      </a:solidFill>
+                      <a:prstDash val="solid"/>
+                      <a:round/>
+                      <a:headEnd type="none" w="med" len="med"/>
+                      <a:tailEnd type="none" w="med" len="med"/>
+                    </a:lnB>
+                    <a:lnTlToBr w="12700" cmpd="sng">
+                      <a:noFill/>
+                      <a:prstDash val="solid"/>
+                    </a:lnTlToBr>
+                    <a:lnBlToTr w="12700" cmpd="sng">
+                      <a:noFill/>
+                      <a:prstDash val="solid"/>
+                    </a:lnBlToTr>
+                  </a:tcPr>
+                </a:tc>
+              </a:tr>
+            </a:tbl>
+          </a:graphicData>
+        </a:graphic>
+      </p:graphicFrame>
+      <p:sp>
+        <p:nvSpPr>
+          <p:cNvPr id="5" name="Rectangle 1"/>
+          <p:cNvSpPr>
+            <a:spLocks noChangeArrowheads="1"/>
+          </p:cNvSpPr>
+          <p:nvPr/>
+        </p:nvSpPr>
+        <p:spPr bwMode="auto">
+          <a:xfrm>
+            <a:off x="457200" y="2530475"/>
+            <a:ext cx="9144000" cy="0"/>
+          </a:xfrm>
+          <a:prstGeom prst="rect">
+            <a:avLst/>
+          </a:prstGeom>
+          <a:noFill/>
+          <a:ln>
+            <a:noFill/>
+          </a:ln>
+          <a:effectLst/>
+          <a:extLst>
+            <a:ext uri="{909E8E84-426E-40DD-AFC4-6F175D3DCCD1}">
+              <a14:hiddenFill xmlns:a14="http://schemas.microsoft.com/office/drawing/2010/main">
+                <a:solidFill>
+                  <a:schemeClr val="accent1"/>
+                </a:solidFill>
+              </a14:hiddenFill>
+            </a:ext>
+            <a:ext uri="{91240B29-F687-4F45-9708-019B960494DF}">
+              <a14:hiddenLine xmlns:a14="http://schemas.microsoft.com/office/drawing/2010/main" w="9525">
+                <a:solidFill>
+                  <a:schemeClr val="tx1"/>
+                </a:solidFill>
+                <a:miter lim="800000"/>
+                <a:headEnd/>
+                <a:tailEnd/>
+              </a14:hiddenLine>
+            </a:ext>
+            <a:ext uri="{AF507438-7753-43E0-B8FC-AC1667EBCBE1}">
+              <a14:hiddenEffects xmlns:a14="http://schemas.microsoft.com/office/drawing/2010/main">
+                <a:effectLst>
+                  <a:outerShdw dist="35921" dir="2700000" algn="ctr" rotWithShape="0">
+                    <a:schemeClr val="bg2"/>
+                  </a:outerShdw>
+                </a:effectLst>
+              </a14:hiddenEffects>
+            </a:ext>
+          </a:extLst>
+        </p:spPr>
+        <p:txBody>
+          <a:bodyPr vert="horz" wrap="none" lIns="91440" tIns="45720" rIns="91440" bIns="45720" numCol="1" anchor="ctr" anchorCtr="0" compatLnSpc="1">
+            <a:prstTxWarp prst="textNoShape">
+              <a:avLst/>
+            </a:prstTxWarp>
+            <a:spAutoFit/>
+          </a:bodyPr>
+          <a:lstStyle/>
+          <a:p>
+            <a:pPr marL="0" marR="0" lvl="0" indent="0" algn="l" defTabSz="914400" rtl="0" eaLnBrk="1" fontAlgn="base" latinLnBrk="0" hangingPunct="1">
+              <a:lnSpc>
+                <a:spcPct val="100000"/>
+              </a:lnSpc>
+              <a:spcBef>
+                <a:spcPct val="0"/>
+              </a:spcBef>
+              <a:spcAft>
+                <a:spcPct val="0"/>
+              </a:spcAft>
+              <a:buClrTx/>
+              <a:buSzTx/>
+              <a:buFontTx/>
+              <a:buNone/>
+              <a:tabLst/>
+            </a:pPr>
+            <a:endParaRPr kumimoji="0" lang="en-US" altLang="en-US" sz="1800" b="0" i="0" u="none" strike="noStrike" cap="none" normalizeH="0" baseline="0" smtClean="0">
+              <a:ln>
+                <a:noFill/>
+              </a:ln>
+              <a:solidFill>
+                <a:schemeClr val="tx1"/>
+              </a:solidFill>
+              <a:effectLst/>
+              <a:latin typeface="Arial" pitchFamily="34" charset="0"/>
+              <a:cs typeface="Arial" pitchFamily="34" charset="0"/>
+            </a:endParaRPr>
+          </a:p>
+          <a:p>
+            <a:pPr marL="0" marR="0" lvl="0" indent="0" algn="l" defTabSz="914400" rtl="0" eaLnBrk="0" fontAlgn="base" latinLnBrk="0" hangingPunct="0">
+              <a:lnSpc>
+                <a:spcPct val="100000"/>
+              </a:lnSpc>
+              <a:spcBef>
+                <a:spcPct val="0"/>
+              </a:spcBef>
+              <a:spcAft>
+                <a:spcPct val="0"/>
+              </a:spcAft>
+              <a:buClrTx/>
+              <a:buSzTx/>
+              <a:buFontTx/>
+              <a:buNone/>
+              <a:tabLst/>
+            </a:pPr>
+            <a:r>
+              <a:rPr kumimoji="0" lang="en-US" altLang="en-US" sz="1800" b="0" i="0" u="none" strike="noStrike" cap="none" normalizeH="0" baseline="0" smtClean="0">
+                <a:ln>
+                  <a:noFill/>
+                </a:ln>
+                <a:solidFill>
+                  <a:schemeClr val="tx1"/>
+                </a:solidFill>
+                <a:effectLst/>
+                <a:latin typeface="Arial" pitchFamily="34" charset="0"/>
+                <a:cs typeface="Arial" pitchFamily="34" charset="0"/>
+              </a:rPr>
+              <a:t/>
+            </a:r>
+            <a:br>
+              <a:rPr kumimoji="0" lang="en-US" altLang="en-US" sz="1800" b="0" i="0" u="none" strike="noStrike" cap="none" normalizeH="0" baseline="0" smtClean="0">
+                <a:ln>
+                  <a:noFill/>
+                </a:ln>
+                <a:solidFill>
+                  <a:schemeClr val="tx1"/>
+                </a:solidFill>
+                <a:effectLst/>
+                <a:latin typeface="Arial" pitchFamily="34" charset="0"/>
+                <a:cs typeface="Arial" pitchFamily="34" charset="0"/>
+              </a:rPr>
+            </a:br>
+            <a:endParaRPr kumimoji="0" lang="en-US" altLang="en-US" sz="1800" b="0" i="0" u="none" strike="noStrike" cap="none" normalizeH="0" baseline="0" smtClean="0">
+              <a:ln>
+                <a:noFill/>
+              </a:ln>
+              <a:solidFill>
+                <a:schemeClr val="tx1"/>
+              </a:solidFill>
+              <a:effectLst/>
+              <a:latin typeface="Arial" pitchFamily="34" charset="0"/>
+              <a:cs typeface="Arial" pitchFamily="34" charset="0"/>
+            </a:endParaRPr>
+          </a:p>
+        </p:txBody>
+      </p:sp>
+    </p:spTree>
+    <p:extLst>
+      <p:ext uri="{BB962C8B-B14F-4D97-AF65-F5344CB8AC3E}">
+        <p14:creationId xmlns:p14="http://schemas.microsoft.com/office/powerpoint/2010/main" val="945308421"/>
+      </p:ext>
+    </p:extLst>
+  </p:cSld>
+  <p:clrMapOvr>
+    <a:masterClrMapping/>
+  </p:clrMapOvr>
+  <p:timing>
+    <p:tnLst>
+      <p:par>
+        <p:cTn id="1" dur="indefinite" restart="never" nodeType="tmRoot"/>
+      </p:par>
+    </p:tnLst>
+  </p:timing>
+</p:sld>
+</file>
+
+<file path=ppt/slides/slide21.xml><?xml version="1.0" encoding="utf-8"?>
+<p:sld xmlns:a="http://schemas.openxmlformats.org/drawingml/2006/main" xmlns:r="http://schemas.openxmlformats.org/officeDocument/2006/relationships" xmlns:p="http://schemas.openxmlformats.org/presentationml/2006/main">
+  <p:cSld>
+    <p:bg>
+      <p:bgPr>
+        <a:noFill/>
+        <a:effectLst/>
+      </p:bgPr>
+    </p:bg>
+    <p:spTree>
+      <p:nvGrpSpPr>
+        <p:cNvPr id="1" name=""/>
+        <p:cNvGrpSpPr/>
+        <p:nvPr/>
+      </p:nvGrpSpPr>
+      <p:grpSpPr>
+        <a:xfrm>
+          <a:off x="0" y="0"/>
+          <a:ext cx="0" cy="0"/>
+          <a:chOff x="0" y="0"/>
+          <a:chExt cx="0" cy="0"/>
+        </a:xfrm>
+      </p:grpSpPr>
+      <p:sp>
+        <p:nvSpPr>
+          <p:cNvPr id="2" name="Title 1"/>
+          <p:cNvSpPr>
+            <a:spLocks noGrp="1"/>
+          </p:cNvSpPr>
+          <p:nvPr>
+            <p:ph type="title"/>
+          </p:nvPr>
+        </p:nvSpPr>
+        <p:spPr/>
+        <p:txBody>
+          <a:bodyPr>
+            <a:normAutofit/>
+          </a:bodyPr>
+          <a:lstStyle/>
+          <a:p>
+            <a:r>
+              <a:rPr lang="en-US" dirty="0" smtClean="0"/>
+              <a:t>Method Hiding</a:t>
+            </a:r>
+            <a:endParaRPr lang="en-US" dirty="0"/>
+          </a:p>
+        </p:txBody>
+      </p:sp>
+      <p:sp>
+        <p:nvSpPr>
+          <p:cNvPr id="5" name="Rectangle 1"/>
+          <p:cNvSpPr>
+            <a:spLocks noChangeArrowheads="1"/>
+          </p:cNvSpPr>
+          <p:nvPr/>
+        </p:nvSpPr>
+        <p:spPr bwMode="auto">
+          <a:xfrm>
+            <a:off x="457200" y="2530475"/>
+            <a:ext cx="9144000" cy="0"/>
+          </a:xfrm>
+          <a:prstGeom prst="rect">
+            <a:avLst/>
+          </a:prstGeom>
+          <a:noFill/>
+          <a:ln>
+            <a:noFill/>
+          </a:ln>
+          <a:effectLst/>
+          <a:extLst>
+            <a:ext uri="{909E8E84-426E-40DD-AFC4-6F175D3DCCD1}">
+              <a14:hiddenFill xmlns:a14="http://schemas.microsoft.com/office/drawing/2010/main">
+                <a:solidFill>
+                  <a:schemeClr val="accent1"/>
+                </a:solidFill>
+              </a14:hiddenFill>
+            </a:ext>
+            <a:ext uri="{91240B29-F687-4F45-9708-019B960494DF}">
+              <a14:hiddenLine xmlns:a14="http://schemas.microsoft.com/office/drawing/2010/main" w="9525">
+                <a:solidFill>
+                  <a:schemeClr val="tx1"/>
+                </a:solidFill>
+                <a:miter lim="800000"/>
+                <a:headEnd/>
+                <a:tailEnd/>
+              </a14:hiddenLine>
+            </a:ext>
+            <a:ext uri="{AF507438-7753-43E0-B8FC-AC1667EBCBE1}">
+              <a14:hiddenEffects xmlns:a14="http://schemas.microsoft.com/office/drawing/2010/main">
+                <a:effectLst>
+                  <a:outerShdw dist="35921" dir="2700000" algn="ctr" rotWithShape="0">
+                    <a:schemeClr val="bg2"/>
+                  </a:outerShdw>
+                </a:effectLst>
+              </a14:hiddenEffects>
+            </a:ext>
+          </a:extLst>
+        </p:spPr>
+        <p:txBody>
+          <a:bodyPr vert="horz" wrap="none" lIns="91440" tIns="45720" rIns="91440" bIns="45720" numCol="1" anchor="ctr" anchorCtr="0" compatLnSpc="1">
+            <a:prstTxWarp prst="textNoShape">
+              <a:avLst/>
+            </a:prstTxWarp>
+            <a:spAutoFit/>
+          </a:bodyPr>
+          <a:lstStyle/>
+          <a:p>
+            <a:pPr marL="0" marR="0" lvl="0" indent="0" algn="l" defTabSz="914400" rtl="0" eaLnBrk="1" fontAlgn="base" latinLnBrk="0" hangingPunct="1">
+              <a:lnSpc>
+                <a:spcPct val="100000"/>
+              </a:lnSpc>
+              <a:spcBef>
+                <a:spcPct val="0"/>
+              </a:spcBef>
+              <a:spcAft>
+                <a:spcPct val="0"/>
+              </a:spcAft>
+              <a:buClrTx/>
+              <a:buSzTx/>
+              <a:buFontTx/>
+              <a:buNone/>
+              <a:tabLst/>
+            </a:pPr>
+            <a:endParaRPr kumimoji="0" lang="en-US" altLang="en-US" sz="1800" b="0" i="0" u="none" strike="noStrike" cap="none" normalizeH="0" baseline="0" smtClean="0">
+              <a:ln>
+                <a:noFill/>
+              </a:ln>
+              <a:solidFill>
+                <a:schemeClr val="tx1"/>
+              </a:solidFill>
+              <a:effectLst/>
+              <a:latin typeface="Arial" pitchFamily="34" charset="0"/>
+              <a:cs typeface="Arial" pitchFamily="34" charset="0"/>
+            </a:endParaRPr>
+          </a:p>
+          <a:p>
+            <a:pPr marL="0" marR="0" lvl="0" indent="0" algn="l" defTabSz="914400" rtl="0" eaLnBrk="0" fontAlgn="base" latinLnBrk="0" hangingPunct="0">
+              <a:lnSpc>
+                <a:spcPct val="100000"/>
+              </a:lnSpc>
+              <a:spcBef>
+                <a:spcPct val="0"/>
+              </a:spcBef>
+              <a:spcAft>
+                <a:spcPct val="0"/>
+              </a:spcAft>
+              <a:buClrTx/>
+              <a:buSzTx/>
+              <a:buFontTx/>
+              <a:buNone/>
+              <a:tabLst/>
+            </a:pPr>
+            <a:r>
+              <a:rPr kumimoji="0" lang="en-US" altLang="en-US" sz="1800" b="0" i="0" u="none" strike="noStrike" cap="none" normalizeH="0" baseline="0" smtClean="0">
+                <a:ln>
+                  <a:noFill/>
+                </a:ln>
+                <a:solidFill>
+                  <a:schemeClr val="tx1"/>
+                </a:solidFill>
+                <a:effectLst/>
+                <a:latin typeface="Arial" pitchFamily="34" charset="0"/>
+                <a:cs typeface="Arial" pitchFamily="34" charset="0"/>
+              </a:rPr>
+              <a:t/>
+            </a:r>
+            <a:br>
+              <a:rPr kumimoji="0" lang="en-US" altLang="en-US" sz="1800" b="0" i="0" u="none" strike="noStrike" cap="none" normalizeH="0" baseline="0" smtClean="0">
+                <a:ln>
+                  <a:noFill/>
+                </a:ln>
+                <a:solidFill>
+                  <a:schemeClr val="tx1"/>
+                </a:solidFill>
+                <a:effectLst/>
+                <a:latin typeface="Arial" pitchFamily="34" charset="0"/>
+                <a:cs typeface="Arial" pitchFamily="34" charset="0"/>
+              </a:rPr>
+            </a:br>
+            <a:endParaRPr kumimoji="0" lang="en-US" altLang="en-US" sz="1800" b="0" i="0" u="none" strike="noStrike" cap="none" normalizeH="0" baseline="0" smtClean="0">
+              <a:ln>
+                <a:noFill/>
+              </a:ln>
+              <a:solidFill>
+                <a:schemeClr val="tx1"/>
+              </a:solidFill>
+              <a:effectLst/>
+              <a:latin typeface="Arial" pitchFamily="34" charset="0"/>
+              <a:cs typeface="Arial" pitchFamily="34" charset="0"/>
+            </a:endParaRPr>
+          </a:p>
+        </p:txBody>
+      </p:sp>
+      <p:sp>
+        <p:nvSpPr>
+          <p:cNvPr id="3" name="Content Placeholder 2"/>
+          <p:cNvSpPr>
+            <a:spLocks noGrp="1"/>
+          </p:cNvSpPr>
+          <p:nvPr>
+            <p:ph idx="1"/>
+          </p:nvPr>
+        </p:nvSpPr>
+        <p:spPr/>
+        <p:txBody>
+          <a:bodyPr>
+            <a:normAutofit/>
+          </a:bodyPr>
+          <a:lstStyle/>
+          <a:p>
+            <a:r>
+              <a:rPr lang="en-US" sz="1600" b="1" dirty="0" smtClean="0"/>
+              <a:t>Instance Methods</a:t>
+            </a:r>
+            <a:r>
+              <a:rPr lang="en-US" sz="1600" dirty="0" smtClean="0"/>
+              <a:t> - </a:t>
+            </a:r>
+            <a:r>
+              <a:rPr lang="en-GB" sz="1600" dirty="0"/>
+              <a:t>An instance method in a subclass with the same signature (name, plus the number and the type of its parameters) and return type as an instance method in the superclass </a:t>
+            </a:r>
+            <a:r>
+              <a:rPr lang="en-GB" sz="1600" i="1" dirty="0"/>
+              <a:t>overrides</a:t>
+            </a:r>
+            <a:r>
+              <a:rPr lang="en-GB" sz="1600" dirty="0"/>
+              <a:t> the superclass's </a:t>
+            </a:r>
+            <a:r>
+              <a:rPr lang="en-GB" sz="1600" dirty="0" smtClean="0"/>
+              <a:t>method</a:t>
+            </a:r>
+          </a:p>
+          <a:p>
+            <a:r>
+              <a:rPr lang="en-GB" sz="1600" b="1" dirty="0" smtClean="0"/>
+              <a:t>Static Methods</a:t>
+            </a:r>
+            <a:r>
+              <a:rPr lang="en-GB" sz="1600" dirty="0" smtClean="0"/>
+              <a:t> </a:t>
+            </a:r>
+            <a:r>
+              <a:rPr lang="en-GB" sz="1600" dirty="0"/>
+              <a:t>- If a subclass defines a </a:t>
+            </a:r>
+            <a:r>
+              <a:rPr lang="en-GB" sz="1600" b="1" dirty="0"/>
+              <a:t>static</a:t>
+            </a:r>
+            <a:r>
+              <a:rPr lang="en-GB" sz="1600" dirty="0"/>
+              <a:t> method with the same signature as a static method in the superclass, then the method in the subclass </a:t>
+            </a:r>
+            <a:r>
+              <a:rPr lang="en-GB" sz="1600" i="1" dirty="0"/>
+              <a:t>hides</a:t>
+            </a:r>
+            <a:r>
+              <a:rPr lang="en-GB" sz="1600" dirty="0"/>
+              <a:t> the one in the </a:t>
+            </a:r>
+            <a:r>
+              <a:rPr lang="en-GB" sz="1600" dirty="0" smtClean="0"/>
+              <a:t>superclass</a:t>
+            </a:r>
+          </a:p>
+          <a:p>
+            <a:r>
+              <a:rPr lang="en-GB" sz="1600" dirty="0"/>
+              <a:t>The distinction between hiding a static method and overriding an instance method has important implications:</a:t>
+            </a:r>
+          </a:p>
+          <a:p>
+            <a:pPr lvl="1">
+              <a:buFont typeface="Wingdings" panose="05000000000000000000" pitchFamily="2" charset="2"/>
+              <a:buChar char="Ø"/>
+            </a:pPr>
+            <a:r>
+              <a:rPr lang="en-GB" sz="1400" dirty="0"/>
+              <a:t>The version of the overridden instance method that gets invoked is the one in the </a:t>
+            </a:r>
+            <a:r>
+              <a:rPr lang="en-GB" sz="1400" dirty="0" smtClean="0"/>
+              <a:t>subclass</a:t>
+            </a:r>
+            <a:endParaRPr lang="en-GB" sz="1400" dirty="0"/>
+          </a:p>
+          <a:p>
+            <a:pPr lvl="1">
+              <a:buFont typeface="Wingdings" panose="05000000000000000000" pitchFamily="2" charset="2"/>
+              <a:buChar char="Ø"/>
+            </a:pPr>
+            <a:r>
+              <a:rPr lang="en-GB" sz="1400" dirty="0"/>
+              <a:t>The version of the hidden static method that gets invoked depends on whether it is invoked from the superclass or the </a:t>
+            </a:r>
+            <a:r>
+              <a:rPr lang="en-GB" sz="1400" dirty="0" smtClean="0"/>
+              <a:t>subclass</a:t>
+            </a:r>
+            <a:endParaRPr lang="en-GB" sz="1400" dirty="0"/>
+          </a:p>
+          <a:p>
+            <a:endParaRPr lang="en-US" sz="1600" dirty="0"/>
+          </a:p>
+        </p:txBody>
+      </p:sp>
+      <p:graphicFrame>
+        <p:nvGraphicFramePr>
+          <p:cNvPr id="6" name="Table 5"/>
+          <p:cNvGraphicFramePr>
+            <a:graphicFrameLocks noGrp="1"/>
+          </p:cNvGraphicFramePr>
+          <p:nvPr>
+            <p:extLst>
+              <p:ext uri="{D42A27DB-BD31-4B8C-83A1-F6EECF244321}">
+                <p14:modId xmlns:p14="http://schemas.microsoft.com/office/powerpoint/2010/main" val="2706547765"/>
+              </p:ext>
+            </p:extLst>
+          </p:nvPr>
+        </p:nvGraphicFramePr>
+        <p:xfrm>
+          <a:off x="827584" y="4725144"/>
+          <a:ext cx="6096000" cy="1737360"/>
+        </p:xfrm>
+        <a:graphic>
+          <a:graphicData uri="http://schemas.openxmlformats.org/drawingml/2006/table">
+            <a:tbl>
+              <a:tblPr firstRow="1" bandRow="1">
+                <a:tableStyleId>{5A111915-BE36-4E01-A7E5-04B1672EAD32}</a:tableStyleId>
+              </a:tblPr>
+              <a:tblGrid>
+                <a:gridCol w="2032000"/>
+                <a:gridCol w="2032000"/>
+                <a:gridCol w="2032000"/>
+              </a:tblGrid>
+              <a:tr h="370840">
+                <a:tc>
+                  <a:txBody>
+                    <a:bodyPr/>
+                    <a:lstStyle/>
+                    <a:p>
+                      <a:r>
+                        <a:rPr lang="en-US" sz="1600" dirty="0" smtClean="0"/>
+                        <a:t>Scenario</a:t>
+                      </a:r>
+                      <a:endParaRPr lang="en-US" sz="1600" dirty="0"/>
+                    </a:p>
+                  </a:txBody>
+                  <a:tcPr>
+                    <a:lnL w="12700" cap="flat" cmpd="sng" algn="ctr">
+                      <a:solidFill>
+                        <a:schemeClr val="tx1"/>
+                      </a:solidFill>
+                      <a:prstDash val="solid"/>
+                      <a:round/>
+                      <a:headEnd type="none" w="med" len="med"/>
+                      <a:tailEnd type="none" w="med" len="med"/>
+                    </a:lnL>
+                    <a:lnR w="12700" cap="flat" cmpd="sng" algn="ctr">
+                      <a:solidFill>
+                        <a:schemeClr val="tx1"/>
+                      </a:solidFill>
+                      <a:prstDash val="solid"/>
+                      <a:round/>
+                      <a:headEnd type="none" w="med" len="med"/>
+                      <a:tailEnd type="none" w="med" len="med"/>
+                    </a:lnR>
+                    <a:lnT w="12700" cap="flat" cmpd="sng" algn="ctr">
+                      <a:solidFill>
+                        <a:schemeClr val="tx1"/>
+                      </a:solidFill>
+                      <a:prstDash val="solid"/>
+                      <a:round/>
+                      <a:headEnd type="none" w="med" len="med"/>
+                      <a:tailEnd type="none" w="med" len="med"/>
+                    </a:lnT>
+                    <a:lnB w="12700" cap="flat" cmpd="sng" algn="ctr">
+                      <a:solidFill>
+                        <a:schemeClr val="tx1"/>
+                      </a:solidFill>
+                      <a:prstDash val="solid"/>
+                      <a:round/>
+                      <a:headEnd type="none" w="med" len="med"/>
+                      <a:tailEnd type="none" w="med" len="med"/>
+                    </a:lnB>
+                  </a:tcPr>
+                </a:tc>
+                <a:tc>
+                  <a:txBody>
+                    <a:bodyPr/>
+                    <a:lstStyle/>
+                    <a:p>
+                      <a:r>
+                        <a:rPr lang="en-US" sz="1600" b="1" i="0" kern="1200" dirty="0" smtClean="0">
+                          <a:solidFill>
+                            <a:schemeClr val="bg1"/>
+                          </a:solidFill>
+                          <a:effectLst/>
+                          <a:latin typeface="+mn-lt"/>
+                          <a:ea typeface="+mn-ea"/>
+                          <a:cs typeface="+mn-cs"/>
+                        </a:rPr>
+                        <a:t>Superclass Instance Method</a:t>
+                      </a:r>
+                      <a:endParaRPr lang="en-US" sz="1600" dirty="0"/>
+                    </a:p>
+                  </a:txBody>
+                  <a:tcPr>
+                    <a:lnL w="12700" cap="flat" cmpd="sng" algn="ctr">
+                      <a:solidFill>
+                        <a:schemeClr val="tx1"/>
+                      </a:solidFill>
+                      <a:prstDash val="solid"/>
+                      <a:round/>
+                      <a:headEnd type="none" w="med" len="med"/>
+                      <a:tailEnd type="none" w="med" len="med"/>
+                    </a:lnL>
+                    <a:lnR w="12700" cap="flat" cmpd="sng" algn="ctr">
+                      <a:solidFill>
+                        <a:schemeClr val="tx1"/>
+                      </a:solidFill>
+                      <a:prstDash val="solid"/>
+                      <a:round/>
+                      <a:headEnd type="none" w="med" len="med"/>
+                      <a:tailEnd type="none" w="med" len="med"/>
+                    </a:lnR>
+                    <a:lnT w="12700" cap="flat" cmpd="sng" algn="ctr">
+                      <a:solidFill>
+                        <a:schemeClr val="tx1"/>
+                      </a:solidFill>
+                      <a:prstDash val="solid"/>
+                      <a:round/>
+                      <a:headEnd type="none" w="med" len="med"/>
+                      <a:tailEnd type="none" w="med" len="med"/>
+                    </a:lnT>
+                    <a:lnB w="12700" cap="flat" cmpd="sng" algn="ctr">
+                      <a:solidFill>
+                        <a:schemeClr val="tx1"/>
+                      </a:solidFill>
+                      <a:prstDash val="solid"/>
+                      <a:round/>
+                      <a:headEnd type="none" w="med" len="med"/>
+                      <a:tailEnd type="none" w="med" len="med"/>
+                    </a:lnB>
+                  </a:tcPr>
+                </a:tc>
+                <a:tc>
+                  <a:txBody>
+                    <a:bodyPr/>
+                    <a:lstStyle/>
+                    <a:p>
+                      <a:r>
+                        <a:rPr lang="en-US" sz="1600" b="1" i="0" kern="1200" dirty="0" smtClean="0">
+                          <a:solidFill>
+                            <a:schemeClr val="bg1"/>
+                          </a:solidFill>
+                          <a:effectLst/>
+                          <a:latin typeface="+mn-lt"/>
+                          <a:ea typeface="+mn-ea"/>
+                          <a:cs typeface="+mn-cs"/>
+                        </a:rPr>
+                        <a:t>Superclass Static Method</a:t>
+                      </a:r>
+                      <a:endParaRPr lang="en-US" sz="1600" dirty="0"/>
+                    </a:p>
+                  </a:txBody>
+                  <a:tcPr>
+                    <a:lnL w="12700" cap="flat" cmpd="sng" algn="ctr">
+                      <a:solidFill>
+                        <a:schemeClr val="tx1"/>
+                      </a:solidFill>
+                      <a:prstDash val="solid"/>
+                      <a:round/>
+                      <a:headEnd type="none" w="med" len="med"/>
+                      <a:tailEnd type="none" w="med" len="med"/>
+                    </a:lnL>
+                    <a:lnR w="12700" cap="flat" cmpd="sng" algn="ctr">
+                      <a:solidFill>
+                        <a:schemeClr val="tx1"/>
+                      </a:solidFill>
+                      <a:prstDash val="solid"/>
+                      <a:round/>
+                      <a:headEnd type="none" w="med" len="med"/>
+                      <a:tailEnd type="none" w="med" len="med"/>
+                    </a:lnR>
+                    <a:lnT w="12700" cap="flat" cmpd="sng" algn="ctr">
+                      <a:solidFill>
+                        <a:schemeClr val="tx1"/>
+                      </a:solidFill>
+                      <a:prstDash val="solid"/>
+                      <a:round/>
+                      <a:headEnd type="none" w="med" len="med"/>
+                      <a:tailEnd type="none" w="med" len="med"/>
+                    </a:lnT>
+                    <a:lnB w="12700" cap="flat" cmpd="sng" algn="ctr">
+                      <a:solidFill>
+                        <a:schemeClr val="tx1"/>
+                      </a:solidFill>
+                      <a:prstDash val="solid"/>
+                      <a:round/>
+                      <a:headEnd type="none" w="med" len="med"/>
+                      <a:tailEnd type="none" w="med" len="med"/>
+                    </a:lnB>
+                  </a:tcPr>
+                </a:tc>
+              </a:tr>
+              <a:tr h="370840">
+                <a:tc>
+                  <a:txBody>
+                    <a:bodyPr/>
+                    <a:lstStyle/>
+                    <a:p>
+                      <a:r>
+                        <a:rPr lang="en-US" sz="1600" b="1" i="0" kern="1200" dirty="0" smtClean="0">
+                          <a:solidFill>
+                            <a:schemeClr val="tx1"/>
+                          </a:solidFill>
+                          <a:effectLst/>
+                          <a:latin typeface="+mn-lt"/>
+                          <a:ea typeface="+mn-ea"/>
+                          <a:cs typeface="+mn-cs"/>
+                        </a:rPr>
+                        <a:t>Subclass Instance Method</a:t>
+                      </a:r>
+                      <a:endParaRPr lang="en-US" sz="1600" dirty="0"/>
+                    </a:p>
+                  </a:txBody>
+                  <a:tcPr>
+                    <a:lnL w="12700" cap="flat" cmpd="sng" algn="ctr">
+                      <a:solidFill>
+                        <a:schemeClr val="tx1"/>
+                      </a:solidFill>
+                      <a:prstDash val="solid"/>
+                      <a:round/>
+                      <a:headEnd type="none" w="med" len="med"/>
+                      <a:tailEnd type="none" w="med" len="med"/>
+                    </a:lnL>
+                    <a:lnR w="12700" cap="flat" cmpd="sng" algn="ctr">
+                      <a:solidFill>
+                        <a:schemeClr val="tx1"/>
+                      </a:solidFill>
+                      <a:prstDash val="solid"/>
+                      <a:round/>
+                      <a:headEnd type="none" w="med" len="med"/>
+                      <a:tailEnd type="none" w="med" len="med"/>
+                    </a:lnR>
+                    <a:lnT w="12700" cap="flat" cmpd="sng" algn="ctr">
+                      <a:solidFill>
+                        <a:schemeClr val="tx1"/>
+                      </a:solidFill>
+                      <a:prstDash val="solid"/>
+                      <a:round/>
+                      <a:headEnd type="none" w="med" len="med"/>
+                      <a:tailEnd type="none" w="med" len="med"/>
+                    </a:lnT>
+                    <a:lnB w="12700" cap="flat" cmpd="sng" algn="ctr">
+                      <a:solidFill>
+                        <a:schemeClr val="tx1"/>
+                      </a:solidFill>
+                      <a:prstDash val="solid"/>
+                      <a:round/>
+                      <a:headEnd type="none" w="med" len="med"/>
+                      <a:tailEnd type="none" w="med" len="med"/>
+                    </a:lnB>
+                  </a:tcPr>
+                </a:tc>
+                <a:tc>
+                  <a:txBody>
+                    <a:bodyPr/>
+                    <a:lstStyle/>
+                    <a:p>
+                      <a:r>
+                        <a:rPr lang="en-US" sz="1600" b="0" i="0" kern="1200" dirty="0" smtClean="0">
+                          <a:solidFill>
+                            <a:schemeClr val="tx1"/>
+                          </a:solidFill>
+                          <a:effectLst/>
+                          <a:latin typeface="+mn-lt"/>
+                          <a:ea typeface="+mn-ea"/>
+                          <a:cs typeface="+mn-cs"/>
+                        </a:rPr>
+                        <a:t>Overrides</a:t>
+                      </a:r>
+                      <a:endParaRPr lang="en-US" sz="1600" dirty="0"/>
+                    </a:p>
+                  </a:txBody>
+                  <a:tcPr>
+                    <a:lnL w="12700" cap="flat" cmpd="sng" algn="ctr">
+                      <a:solidFill>
+                        <a:schemeClr val="tx1"/>
+                      </a:solidFill>
+                      <a:prstDash val="solid"/>
+                      <a:round/>
+                      <a:headEnd type="none" w="med" len="med"/>
+                      <a:tailEnd type="none" w="med" len="med"/>
+                    </a:lnL>
+                    <a:lnR w="12700" cap="flat" cmpd="sng" algn="ctr">
+                      <a:solidFill>
+                        <a:schemeClr val="tx1"/>
+                      </a:solidFill>
+                      <a:prstDash val="solid"/>
+                      <a:round/>
+                      <a:headEnd type="none" w="med" len="med"/>
+                      <a:tailEnd type="none" w="med" len="med"/>
+                    </a:lnR>
+                    <a:lnT w="12700" cap="flat" cmpd="sng" algn="ctr">
+                      <a:solidFill>
+                        <a:schemeClr val="tx1"/>
+                      </a:solidFill>
+                      <a:prstDash val="solid"/>
+                      <a:round/>
+                      <a:headEnd type="none" w="med" len="med"/>
+                      <a:tailEnd type="none" w="med" len="med"/>
+                    </a:lnT>
+                    <a:lnB w="12700" cap="flat" cmpd="sng" algn="ctr">
+                      <a:solidFill>
+                        <a:schemeClr val="tx1"/>
+                      </a:solidFill>
+                      <a:prstDash val="solid"/>
+                      <a:round/>
+                      <a:headEnd type="none" w="med" len="med"/>
+                      <a:tailEnd type="none" w="med" len="med"/>
+                    </a:lnB>
+                  </a:tcPr>
+                </a:tc>
+                <a:tc>
+                  <a:txBody>
+                    <a:bodyPr/>
+                    <a:lstStyle/>
+                    <a:p>
+                      <a:r>
+                        <a:rPr lang="en-US" sz="1600" b="0" i="0" kern="1200" dirty="0" smtClean="0">
+                          <a:solidFill>
+                            <a:schemeClr val="tx1"/>
+                          </a:solidFill>
+                          <a:effectLst/>
+                          <a:latin typeface="+mn-lt"/>
+                          <a:ea typeface="+mn-ea"/>
+                          <a:cs typeface="+mn-cs"/>
+                        </a:rPr>
+                        <a:t>Generates a compile-time error</a:t>
+                      </a:r>
+                      <a:endParaRPr lang="en-US" sz="1600" dirty="0"/>
+                    </a:p>
+                  </a:txBody>
+                  <a:tcPr>
+                    <a:lnL w="12700" cap="flat" cmpd="sng" algn="ctr">
+                      <a:solidFill>
+                        <a:schemeClr val="tx1"/>
+                      </a:solidFill>
+                      <a:prstDash val="solid"/>
+                      <a:round/>
+                      <a:headEnd type="none" w="med" len="med"/>
+                      <a:tailEnd type="none" w="med" len="med"/>
+                    </a:lnL>
+                    <a:lnR w="12700" cap="flat" cmpd="sng" algn="ctr">
+                      <a:solidFill>
+                        <a:schemeClr val="tx1"/>
+                      </a:solidFill>
+                      <a:prstDash val="solid"/>
+                      <a:round/>
+                      <a:headEnd type="none" w="med" len="med"/>
+                      <a:tailEnd type="none" w="med" len="med"/>
+                    </a:lnR>
+                    <a:lnT w="12700" cap="flat" cmpd="sng" algn="ctr">
+                      <a:solidFill>
+                        <a:schemeClr val="tx1"/>
+                      </a:solidFill>
+                      <a:prstDash val="solid"/>
+                      <a:round/>
+                      <a:headEnd type="none" w="med" len="med"/>
+                      <a:tailEnd type="none" w="med" len="med"/>
+                    </a:lnT>
+                    <a:lnB w="12700" cap="flat" cmpd="sng" algn="ctr">
+                      <a:solidFill>
+                        <a:schemeClr val="tx1"/>
+                      </a:solidFill>
+                      <a:prstDash val="solid"/>
+                      <a:round/>
+                      <a:headEnd type="none" w="med" len="med"/>
+                      <a:tailEnd type="none" w="med" len="med"/>
+                    </a:lnB>
+                  </a:tcPr>
+                </a:tc>
+              </a:tr>
+              <a:tr h="370840">
+                <a:tc>
+                  <a:txBody>
+                    <a:bodyPr/>
+                    <a:lstStyle/>
+                    <a:p>
+                      <a:r>
+                        <a:rPr lang="en-US" sz="1600" b="1" i="0" kern="1200" dirty="0" smtClean="0">
+                          <a:solidFill>
+                            <a:schemeClr val="tx1"/>
+                          </a:solidFill>
+                          <a:effectLst/>
+                          <a:latin typeface="+mn-lt"/>
+                          <a:ea typeface="+mn-ea"/>
+                          <a:cs typeface="+mn-cs"/>
+                        </a:rPr>
+                        <a:t>Subclass Static Method</a:t>
+                      </a:r>
+                      <a:endParaRPr lang="en-US" sz="1600" dirty="0"/>
+                    </a:p>
+                  </a:txBody>
+                  <a:tcPr>
+                    <a:lnL w="12700" cap="flat" cmpd="sng" algn="ctr">
+                      <a:solidFill>
+                        <a:schemeClr val="tx1"/>
+                      </a:solidFill>
+                      <a:prstDash val="solid"/>
+                      <a:round/>
+                      <a:headEnd type="none" w="med" len="med"/>
+                      <a:tailEnd type="none" w="med" len="med"/>
+                    </a:lnL>
+                    <a:lnR w="12700" cap="flat" cmpd="sng" algn="ctr">
+                      <a:solidFill>
+                        <a:schemeClr val="tx1"/>
+                      </a:solidFill>
+                      <a:prstDash val="solid"/>
+                      <a:round/>
+                      <a:headEnd type="none" w="med" len="med"/>
+                      <a:tailEnd type="none" w="med" len="med"/>
+                    </a:lnR>
+                    <a:lnT w="12700" cap="flat" cmpd="sng" algn="ctr">
+                      <a:solidFill>
+                        <a:schemeClr val="tx1"/>
+                      </a:solidFill>
+                      <a:prstDash val="solid"/>
+                      <a:round/>
+                      <a:headEnd type="none" w="med" len="med"/>
+                      <a:tailEnd type="none" w="med" len="med"/>
+                    </a:lnT>
+                    <a:lnB w="12700" cap="flat" cmpd="sng" algn="ctr">
+                      <a:solidFill>
+                        <a:schemeClr val="tx1"/>
+                      </a:solidFill>
+                      <a:prstDash val="solid"/>
+                      <a:round/>
+                      <a:headEnd type="none" w="med" len="med"/>
+                      <a:tailEnd type="none" w="med" len="med"/>
+                    </a:lnB>
+                  </a:tcPr>
+                </a:tc>
+                <a:tc>
+                  <a:txBody>
+                    <a:bodyPr/>
+                    <a:lstStyle/>
+                    <a:p>
+                      <a:r>
+                        <a:rPr lang="en-US" sz="1600" b="0" i="0" kern="1200" dirty="0" smtClean="0">
+                          <a:solidFill>
+                            <a:schemeClr val="tx1"/>
+                          </a:solidFill>
+                          <a:effectLst/>
+                          <a:latin typeface="+mn-lt"/>
+                          <a:ea typeface="+mn-ea"/>
+                          <a:cs typeface="+mn-cs"/>
+                        </a:rPr>
+                        <a:t>Generates a compile-time error</a:t>
+                      </a:r>
+                      <a:endParaRPr lang="en-US" sz="1600" dirty="0"/>
+                    </a:p>
+                  </a:txBody>
+                  <a:tcPr>
+                    <a:lnL w="12700" cap="flat" cmpd="sng" algn="ctr">
+                      <a:solidFill>
+                        <a:schemeClr val="tx1"/>
+                      </a:solidFill>
+                      <a:prstDash val="solid"/>
+                      <a:round/>
+                      <a:headEnd type="none" w="med" len="med"/>
+                      <a:tailEnd type="none" w="med" len="med"/>
+                    </a:lnL>
+                    <a:lnR w="12700" cap="flat" cmpd="sng" algn="ctr">
+                      <a:solidFill>
+                        <a:schemeClr val="tx1"/>
+                      </a:solidFill>
+                      <a:prstDash val="solid"/>
+                      <a:round/>
+                      <a:headEnd type="none" w="med" len="med"/>
+                      <a:tailEnd type="none" w="med" len="med"/>
+                    </a:lnR>
+                    <a:lnT w="12700" cap="flat" cmpd="sng" algn="ctr">
+                      <a:solidFill>
+                        <a:schemeClr val="tx1"/>
+                      </a:solidFill>
+                      <a:prstDash val="solid"/>
+                      <a:round/>
+                      <a:headEnd type="none" w="med" len="med"/>
+                      <a:tailEnd type="none" w="med" len="med"/>
+                    </a:lnT>
+                    <a:lnB w="12700" cap="flat" cmpd="sng" algn="ctr">
+                      <a:solidFill>
+                        <a:schemeClr val="tx1"/>
+                      </a:solidFill>
+                      <a:prstDash val="solid"/>
+                      <a:round/>
+                      <a:headEnd type="none" w="med" len="med"/>
+                      <a:tailEnd type="none" w="med" len="med"/>
+                    </a:lnB>
+                  </a:tcPr>
+                </a:tc>
+                <a:tc>
+                  <a:txBody>
+                    <a:bodyPr/>
+                    <a:lstStyle/>
+                    <a:p>
+                      <a:r>
+                        <a:rPr lang="en-US" sz="1600" b="0" i="0" kern="1200" dirty="0" smtClean="0">
+                          <a:solidFill>
+                            <a:schemeClr val="tx1"/>
+                          </a:solidFill>
+                          <a:effectLst/>
+                          <a:latin typeface="+mn-lt"/>
+                          <a:ea typeface="+mn-ea"/>
+                          <a:cs typeface="+mn-cs"/>
+                        </a:rPr>
+                        <a:t>Hides</a:t>
+                      </a:r>
+                      <a:endParaRPr lang="en-US" sz="1600" dirty="0"/>
+                    </a:p>
+                  </a:txBody>
+                  <a:tcPr>
+                    <a:lnL w="12700" cap="flat" cmpd="sng" algn="ctr">
+                      <a:solidFill>
+                        <a:schemeClr val="tx1"/>
+                      </a:solidFill>
+                      <a:prstDash val="solid"/>
+                      <a:round/>
+                      <a:headEnd type="none" w="med" len="med"/>
+                      <a:tailEnd type="none" w="med" len="med"/>
+                    </a:lnL>
+                    <a:lnR w="12700" cap="flat" cmpd="sng" algn="ctr">
+                      <a:solidFill>
+                        <a:schemeClr val="tx1"/>
+                      </a:solidFill>
+                      <a:prstDash val="solid"/>
+                      <a:round/>
+                      <a:headEnd type="none" w="med" len="med"/>
+                      <a:tailEnd type="none" w="med" len="med"/>
+                    </a:lnR>
+                    <a:lnT w="12700" cap="flat" cmpd="sng" algn="ctr">
+                      <a:solidFill>
+                        <a:schemeClr val="tx1"/>
+                      </a:solidFill>
+                      <a:prstDash val="solid"/>
+                      <a:round/>
+                      <a:headEnd type="none" w="med" len="med"/>
+                      <a:tailEnd type="none" w="med" len="med"/>
+                    </a:lnT>
+                    <a:lnB w="12700" cap="flat" cmpd="sng" algn="ctr">
+                      <a:solidFill>
+                        <a:schemeClr val="tx1"/>
+                      </a:solidFill>
+                      <a:prstDash val="solid"/>
+                      <a:round/>
+                      <a:headEnd type="none" w="med" len="med"/>
+                      <a:tailEnd type="none" w="med" len="med"/>
+                    </a:lnB>
+                  </a:tcPr>
+                </a:tc>
+              </a:tr>
+            </a:tbl>
+          </a:graphicData>
+        </a:graphic>
+      </p:graphicFrame>
+    </p:spTree>
+    <p:extLst>
+      <p:ext uri="{BB962C8B-B14F-4D97-AF65-F5344CB8AC3E}">
+        <p14:creationId xmlns:p14="http://schemas.microsoft.com/office/powerpoint/2010/main" val="334538808"/>
+      </p:ext>
+    </p:extLst>
+  </p:cSld>
+  <p:clrMapOvr>
+    <a:masterClrMapping/>
+  </p:clrMapOvr>
+  <p:timing>
+    <p:tnLst>
+      <p:par>
+        <p:cTn id="1" dur="indefinite" restart="never" nodeType="tmRoot"/>
+      </p:par>
+    </p:tnLst>
+  </p:timing>
+</p:sld>
+</file>
+
+<file path=ppt/slides/slide22.xml><?xml version="1.0" encoding="utf-8"?>
+<p:sld xmlns:a="http://schemas.openxmlformats.org/drawingml/2006/main" xmlns:r="http://schemas.openxmlformats.org/officeDocument/2006/relationships" xmlns:p="http://schemas.openxmlformats.org/presentationml/2006/main">
+  <p:cSld>
+    <p:bg>
+      <p:bgPr>
+        <a:noFill/>
+        <a:effectLst/>
+      </p:bgPr>
+    </p:bg>
+    <p:spTree>
+      <p:nvGrpSpPr>
+        <p:cNvPr id="1" name=""/>
+        <p:cNvGrpSpPr/>
+        <p:nvPr/>
+      </p:nvGrpSpPr>
+      <p:grpSpPr>
+        <a:xfrm>
+          <a:off x="0" y="0"/>
+          <a:ext cx="0" cy="0"/>
+          <a:chOff x="0" y="0"/>
+          <a:chExt cx="0" cy="0"/>
+        </a:xfrm>
+      </p:grpSpPr>
+      <p:sp>
+        <p:nvSpPr>
+          <p:cNvPr id="2" name="Title 1"/>
+          <p:cNvSpPr>
+            <a:spLocks noGrp="1"/>
+          </p:cNvSpPr>
+          <p:nvPr>
+            <p:ph type="title"/>
+          </p:nvPr>
+        </p:nvSpPr>
+        <p:spPr/>
+        <p:txBody>
+          <a:bodyPr>
+            <a:normAutofit/>
+          </a:bodyPr>
+          <a:lstStyle/>
+          <a:p>
+            <a:r>
+              <a:rPr lang="en-US" dirty="0" smtClean="0"/>
+              <a:t>Checked Vs Unchecked Exceptions</a:t>
+            </a:r>
+            <a:endParaRPr lang="en-US" dirty="0"/>
+          </a:p>
+        </p:txBody>
+      </p:sp>
+      <p:sp>
+        <p:nvSpPr>
+          <p:cNvPr id="5" name="Rectangle 1"/>
+          <p:cNvSpPr>
+            <a:spLocks noChangeArrowheads="1"/>
+          </p:cNvSpPr>
+          <p:nvPr/>
+        </p:nvSpPr>
+        <p:spPr bwMode="auto">
+          <a:xfrm>
+            <a:off x="457200" y="2530475"/>
+            <a:ext cx="9144000" cy="0"/>
+          </a:xfrm>
+          <a:prstGeom prst="rect">
+            <a:avLst/>
+          </a:prstGeom>
+          <a:noFill/>
+          <a:ln>
+            <a:noFill/>
+          </a:ln>
+          <a:effectLst/>
+          <a:extLst>
+            <a:ext uri="{909E8E84-426E-40DD-AFC4-6F175D3DCCD1}">
+              <a14:hiddenFill xmlns:a14="http://schemas.microsoft.com/office/drawing/2010/main">
+                <a:solidFill>
+                  <a:schemeClr val="accent1"/>
+                </a:solidFill>
+              </a14:hiddenFill>
+            </a:ext>
+            <a:ext uri="{91240B29-F687-4F45-9708-019B960494DF}">
+              <a14:hiddenLine xmlns:a14="http://schemas.microsoft.com/office/drawing/2010/main" w="9525">
+                <a:solidFill>
+                  <a:schemeClr val="tx1"/>
+                </a:solidFill>
+                <a:miter lim="800000"/>
+                <a:headEnd/>
+                <a:tailEnd/>
+              </a14:hiddenLine>
+            </a:ext>
+            <a:ext uri="{AF507438-7753-43E0-B8FC-AC1667EBCBE1}">
+              <a14:hiddenEffects xmlns:a14="http://schemas.microsoft.com/office/drawing/2010/main">
+                <a:effectLst>
+                  <a:outerShdw dist="35921" dir="2700000" algn="ctr" rotWithShape="0">
+                    <a:schemeClr val="bg2"/>
+                  </a:outerShdw>
+                </a:effectLst>
+              </a14:hiddenEffects>
+            </a:ext>
+          </a:extLst>
+        </p:spPr>
+        <p:txBody>
+          <a:bodyPr vert="horz" wrap="none" lIns="91440" tIns="45720" rIns="91440" bIns="45720" numCol="1" anchor="ctr" anchorCtr="0" compatLnSpc="1">
+            <a:prstTxWarp prst="textNoShape">
+              <a:avLst/>
+            </a:prstTxWarp>
+            <a:spAutoFit/>
+          </a:bodyPr>
+          <a:lstStyle/>
+          <a:p>
+            <a:pPr marL="0" marR="0" lvl="0" indent="0" algn="l" defTabSz="914400" rtl="0" eaLnBrk="1" fontAlgn="base" latinLnBrk="0" hangingPunct="1">
+              <a:lnSpc>
+                <a:spcPct val="100000"/>
+              </a:lnSpc>
+              <a:spcBef>
+                <a:spcPct val="0"/>
+              </a:spcBef>
+              <a:spcAft>
+                <a:spcPct val="0"/>
+              </a:spcAft>
+              <a:buClrTx/>
+              <a:buSzTx/>
+              <a:buFontTx/>
+              <a:buNone/>
+              <a:tabLst/>
+            </a:pPr>
+            <a:endParaRPr kumimoji="0" lang="en-US" altLang="en-US" sz="1800" b="0" i="0" u="none" strike="noStrike" cap="none" normalizeH="0" baseline="0" smtClean="0">
+              <a:ln>
+                <a:noFill/>
+              </a:ln>
+              <a:solidFill>
+                <a:schemeClr val="tx1"/>
+              </a:solidFill>
+              <a:effectLst/>
+              <a:latin typeface="Arial" pitchFamily="34" charset="0"/>
+              <a:cs typeface="Arial" pitchFamily="34" charset="0"/>
+            </a:endParaRPr>
+          </a:p>
+          <a:p>
+            <a:pPr marL="0" marR="0" lvl="0" indent="0" algn="l" defTabSz="914400" rtl="0" eaLnBrk="0" fontAlgn="base" latinLnBrk="0" hangingPunct="0">
+              <a:lnSpc>
+                <a:spcPct val="100000"/>
+              </a:lnSpc>
+              <a:spcBef>
+                <a:spcPct val="0"/>
+              </a:spcBef>
+              <a:spcAft>
+                <a:spcPct val="0"/>
+              </a:spcAft>
+              <a:buClrTx/>
+              <a:buSzTx/>
+              <a:buFontTx/>
+              <a:buNone/>
+              <a:tabLst/>
+            </a:pPr>
+            <a:r>
+              <a:rPr kumimoji="0" lang="en-US" altLang="en-US" sz="1800" b="0" i="0" u="none" strike="noStrike" cap="none" normalizeH="0" baseline="0" smtClean="0">
+                <a:ln>
+                  <a:noFill/>
+                </a:ln>
+                <a:solidFill>
+                  <a:schemeClr val="tx1"/>
+                </a:solidFill>
+                <a:effectLst/>
+                <a:latin typeface="Arial" pitchFamily="34" charset="0"/>
+                <a:cs typeface="Arial" pitchFamily="34" charset="0"/>
+              </a:rPr>
+              <a:t/>
+            </a:r>
+            <a:br>
+              <a:rPr kumimoji="0" lang="en-US" altLang="en-US" sz="1800" b="0" i="0" u="none" strike="noStrike" cap="none" normalizeH="0" baseline="0" smtClean="0">
+                <a:ln>
+                  <a:noFill/>
+                </a:ln>
+                <a:solidFill>
+                  <a:schemeClr val="tx1"/>
+                </a:solidFill>
+                <a:effectLst/>
+                <a:latin typeface="Arial" pitchFamily="34" charset="0"/>
+                <a:cs typeface="Arial" pitchFamily="34" charset="0"/>
+              </a:rPr>
+            </a:br>
+            <a:endParaRPr kumimoji="0" lang="en-US" altLang="en-US" sz="1800" b="0" i="0" u="none" strike="noStrike" cap="none" normalizeH="0" baseline="0" smtClean="0">
+              <a:ln>
+                <a:noFill/>
+              </a:ln>
+              <a:solidFill>
+                <a:schemeClr val="tx1"/>
+              </a:solidFill>
+              <a:effectLst/>
+              <a:latin typeface="Arial" pitchFamily="34" charset="0"/>
+              <a:cs typeface="Arial" pitchFamily="34" charset="0"/>
+            </a:endParaRPr>
+          </a:p>
+        </p:txBody>
+      </p:sp>
+      <p:graphicFrame>
+        <p:nvGraphicFramePr>
+          <p:cNvPr id="4" name="Content Placeholder 3"/>
+          <p:cNvGraphicFramePr>
+            <a:graphicFrameLocks noGrp="1"/>
+          </p:cNvGraphicFramePr>
+          <p:nvPr>
+            <p:ph idx="1"/>
+            <p:extLst>
+              <p:ext uri="{D42A27DB-BD31-4B8C-83A1-F6EECF244321}">
+                <p14:modId xmlns:p14="http://schemas.microsoft.com/office/powerpoint/2010/main" val="3986210381"/>
+              </p:ext>
+            </p:extLst>
+          </p:nvPr>
+        </p:nvGraphicFramePr>
+        <p:xfrm>
+          <a:off x="611560" y="1628800"/>
+          <a:ext cx="7787208" cy="3685416"/>
+        </p:xfrm>
+        <a:graphic>
+          <a:graphicData uri="http://schemas.openxmlformats.org/drawingml/2006/table">
+            <a:tbl>
+              <a:tblPr firstRow="1" bandRow="1">
+                <a:tableStyleId>{17292A2E-F333-43FB-9621-5CBBE7FDCDCB}</a:tableStyleId>
+              </a:tblPr>
+              <a:tblGrid>
+                <a:gridCol w="3893604"/>
+                <a:gridCol w="3893604"/>
+              </a:tblGrid>
+              <a:tr h="393576">
+                <a:tc>
+                  <a:txBody>
+                    <a:bodyPr/>
+                    <a:lstStyle/>
+                    <a:p>
+                      <a:r>
+                        <a:rPr lang="en-US" dirty="0" smtClean="0"/>
+                        <a:t>Checked</a:t>
+                      </a:r>
+                      <a:endParaRPr lang="en-US" dirty="0"/>
+                    </a:p>
+                  </a:txBody>
+                  <a:tcPr>
+                    <a:lnL w="12700" cap="flat" cmpd="sng" algn="ctr">
+                      <a:solidFill>
+                        <a:schemeClr val="tx1"/>
+                      </a:solidFill>
+                      <a:prstDash val="solid"/>
+                      <a:round/>
+                      <a:headEnd type="none" w="med" len="med"/>
+                      <a:tailEnd type="none" w="med" len="med"/>
+                    </a:lnL>
+                    <a:lnR w="12700" cap="flat" cmpd="sng" algn="ctr">
+                      <a:solidFill>
+                        <a:schemeClr val="tx1"/>
+                      </a:solidFill>
+                      <a:prstDash val="solid"/>
+                      <a:round/>
+                      <a:headEnd type="none" w="med" len="med"/>
+                      <a:tailEnd type="none" w="med" len="med"/>
+                    </a:lnR>
+                    <a:lnT w="12700" cap="flat" cmpd="sng" algn="ctr">
+                      <a:solidFill>
+                        <a:schemeClr val="tx1"/>
+                      </a:solidFill>
+                      <a:prstDash val="solid"/>
+                      <a:round/>
+                      <a:headEnd type="none" w="med" len="med"/>
+                      <a:tailEnd type="none" w="med" len="med"/>
+                    </a:lnT>
+                    <a:lnB w="12700" cap="flat" cmpd="sng" algn="ctr">
+                      <a:solidFill>
+                        <a:schemeClr val="tx1"/>
+                      </a:solidFill>
+                      <a:prstDash val="solid"/>
+                      <a:round/>
+                      <a:headEnd type="none" w="med" len="med"/>
+                      <a:tailEnd type="none" w="med" len="med"/>
+                    </a:lnB>
+                  </a:tcPr>
+                </a:tc>
+                <a:tc>
+                  <a:txBody>
+                    <a:bodyPr/>
+                    <a:lstStyle/>
+                    <a:p>
+                      <a:r>
+                        <a:rPr lang="en-US" dirty="0" smtClean="0"/>
+                        <a:t>Unchecked</a:t>
+                      </a:r>
+                      <a:endParaRPr lang="en-US" dirty="0"/>
+                    </a:p>
+                  </a:txBody>
+                  <a:tcPr>
+                    <a:lnL w="12700" cap="flat" cmpd="sng" algn="ctr">
+                      <a:solidFill>
+                        <a:schemeClr val="tx1"/>
+                      </a:solidFill>
+                      <a:prstDash val="solid"/>
+                      <a:round/>
+                      <a:headEnd type="none" w="med" len="med"/>
+                      <a:tailEnd type="none" w="med" len="med"/>
+                    </a:lnL>
+                    <a:lnR w="12700" cap="flat" cmpd="sng" algn="ctr">
+                      <a:solidFill>
+                        <a:schemeClr val="tx1"/>
+                      </a:solidFill>
+                      <a:prstDash val="solid"/>
+                      <a:round/>
+                      <a:headEnd type="none" w="med" len="med"/>
+                      <a:tailEnd type="none" w="med" len="med"/>
+                    </a:lnR>
+                    <a:lnT w="12700" cap="flat" cmpd="sng" algn="ctr">
+                      <a:solidFill>
+                        <a:schemeClr val="tx1"/>
+                      </a:solidFill>
+                      <a:prstDash val="solid"/>
+                      <a:round/>
+                      <a:headEnd type="none" w="med" len="med"/>
+                      <a:tailEnd type="none" w="med" len="med"/>
+                    </a:lnT>
+                    <a:lnB w="12700" cap="flat" cmpd="sng" algn="ctr">
+                      <a:solidFill>
+                        <a:schemeClr val="tx1"/>
+                      </a:solidFill>
+                      <a:prstDash val="solid"/>
+                      <a:round/>
+                      <a:headEnd type="none" w="med" len="med"/>
+                      <a:tailEnd type="none" w="med" len="med"/>
+                    </a:lnB>
+                  </a:tcPr>
+                </a:tc>
+              </a:tr>
+              <a:tr h="393576">
+                <a:tc>
+                  <a:txBody>
+                    <a:bodyPr/>
+                    <a:lstStyle/>
+                    <a:p>
+                      <a:r>
+                        <a:rPr lang="en-US" dirty="0" smtClean="0"/>
+                        <a:t>Compile</a:t>
+                      </a:r>
+                      <a:r>
+                        <a:rPr lang="en-US" baseline="0" dirty="0" smtClean="0"/>
+                        <a:t> time exceptions</a:t>
+                      </a:r>
+                      <a:endParaRPr lang="en-US" dirty="0"/>
+                    </a:p>
+                  </a:txBody>
+                  <a:tcPr>
+                    <a:lnL w="12700" cap="flat" cmpd="sng" algn="ctr">
+                      <a:solidFill>
+                        <a:schemeClr val="tx1"/>
+                      </a:solidFill>
+                      <a:prstDash val="solid"/>
+                      <a:round/>
+                      <a:headEnd type="none" w="med" len="med"/>
+                      <a:tailEnd type="none" w="med" len="med"/>
+                    </a:lnL>
+                    <a:lnR w="12700" cap="flat" cmpd="sng" algn="ctr">
+                      <a:solidFill>
+                        <a:schemeClr val="tx1"/>
+                      </a:solidFill>
+                      <a:prstDash val="solid"/>
+                      <a:round/>
+                      <a:headEnd type="none" w="med" len="med"/>
+                      <a:tailEnd type="none" w="med" len="med"/>
+                    </a:lnR>
+                    <a:lnT w="12700" cap="flat" cmpd="sng" algn="ctr">
+                      <a:solidFill>
+                        <a:schemeClr val="tx1"/>
+                      </a:solidFill>
+                      <a:prstDash val="solid"/>
+                      <a:round/>
+                      <a:headEnd type="none" w="med" len="med"/>
+                      <a:tailEnd type="none" w="med" len="med"/>
+                    </a:lnT>
+                    <a:lnB w="12700" cap="flat" cmpd="sng" algn="ctr">
+                      <a:solidFill>
+                        <a:schemeClr val="tx1"/>
+                      </a:solidFill>
+                      <a:prstDash val="solid"/>
+                      <a:round/>
+                      <a:headEnd type="none" w="med" len="med"/>
+                      <a:tailEnd type="none" w="med" len="med"/>
+                    </a:lnB>
+                  </a:tcPr>
+                </a:tc>
+                <a:tc>
+                  <a:txBody>
+                    <a:bodyPr/>
+                    <a:lstStyle/>
+                    <a:p>
+                      <a:r>
+                        <a:rPr lang="en-US" dirty="0" smtClean="0"/>
+                        <a:t>Run time exceptions i.e. not verified</a:t>
+                      </a:r>
+                      <a:r>
+                        <a:rPr lang="en-US" baseline="0" dirty="0" smtClean="0"/>
+                        <a:t> during compile time</a:t>
+                      </a:r>
+                      <a:endParaRPr lang="en-US" dirty="0"/>
+                    </a:p>
+                  </a:txBody>
+                  <a:tcPr>
+                    <a:lnL w="12700" cap="flat" cmpd="sng" algn="ctr">
+                      <a:solidFill>
+                        <a:schemeClr val="tx1"/>
+                      </a:solidFill>
+                      <a:prstDash val="solid"/>
+                      <a:round/>
+                      <a:headEnd type="none" w="med" len="med"/>
+                      <a:tailEnd type="none" w="med" len="med"/>
+                    </a:lnL>
+                    <a:lnR w="12700" cap="flat" cmpd="sng" algn="ctr">
+                      <a:solidFill>
+                        <a:schemeClr val="tx1"/>
+                      </a:solidFill>
+                      <a:prstDash val="solid"/>
+                      <a:round/>
+                      <a:headEnd type="none" w="med" len="med"/>
+                      <a:tailEnd type="none" w="med" len="med"/>
+                    </a:lnR>
+                    <a:lnT w="12700" cap="flat" cmpd="sng" algn="ctr">
+                      <a:solidFill>
+                        <a:schemeClr val="tx1"/>
+                      </a:solidFill>
+                      <a:prstDash val="solid"/>
+                      <a:round/>
+                      <a:headEnd type="none" w="med" len="med"/>
+                      <a:tailEnd type="none" w="med" len="med"/>
+                    </a:lnT>
+                    <a:lnB w="12700" cap="flat" cmpd="sng" algn="ctr">
+                      <a:solidFill>
+                        <a:schemeClr val="tx1"/>
+                      </a:solidFill>
+                      <a:prstDash val="solid"/>
+                      <a:round/>
+                      <a:headEnd type="none" w="med" len="med"/>
+                      <a:tailEnd type="none" w="med" len="med"/>
+                    </a:lnB>
+                  </a:tcPr>
+                </a:tc>
+              </a:tr>
+              <a:tr h="393576">
+                <a:tc>
+                  <a:txBody>
+                    <a:bodyPr/>
+                    <a:lstStyle/>
+                    <a:p>
+                      <a:r>
+                        <a:rPr lang="en-US" dirty="0" smtClean="0"/>
+                        <a:t>Handle</a:t>
+                      </a:r>
+                      <a:r>
+                        <a:rPr lang="en-US" baseline="0" dirty="0" smtClean="0"/>
+                        <a:t> the exception or use </a:t>
+                      </a:r>
+                      <a:r>
+                        <a:rPr lang="en-US" b="1" baseline="0" dirty="0" smtClean="0"/>
+                        <a:t>throws </a:t>
+                      </a:r>
+                      <a:r>
+                        <a:rPr lang="en-US" b="0" baseline="0" dirty="0" smtClean="0"/>
+                        <a:t>keyword</a:t>
+                      </a:r>
+                      <a:endParaRPr lang="en-US" dirty="0"/>
+                    </a:p>
+                  </a:txBody>
+                  <a:tcPr>
+                    <a:lnL w="12700" cap="flat" cmpd="sng" algn="ctr">
+                      <a:solidFill>
+                        <a:schemeClr val="tx1"/>
+                      </a:solidFill>
+                      <a:prstDash val="solid"/>
+                      <a:round/>
+                      <a:headEnd type="none" w="med" len="med"/>
+                      <a:tailEnd type="none" w="med" len="med"/>
+                    </a:lnL>
+                    <a:lnR w="12700" cap="flat" cmpd="sng" algn="ctr">
+                      <a:solidFill>
+                        <a:schemeClr val="tx1"/>
+                      </a:solidFill>
+                      <a:prstDash val="solid"/>
+                      <a:round/>
+                      <a:headEnd type="none" w="med" len="med"/>
+                      <a:tailEnd type="none" w="med" len="med"/>
+                    </a:lnR>
+                    <a:lnT w="12700" cap="flat" cmpd="sng" algn="ctr">
+                      <a:solidFill>
+                        <a:schemeClr val="tx1"/>
+                      </a:solidFill>
+                      <a:prstDash val="solid"/>
+                      <a:round/>
+                      <a:headEnd type="none" w="med" len="med"/>
+                      <a:tailEnd type="none" w="med" len="med"/>
+                    </a:lnT>
+                    <a:lnB w="12700" cap="flat" cmpd="sng" algn="ctr">
+                      <a:solidFill>
+                        <a:schemeClr val="tx1"/>
+                      </a:solidFill>
+                      <a:prstDash val="solid"/>
+                      <a:round/>
+                      <a:headEnd type="none" w="med" len="med"/>
+                      <a:tailEnd type="none" w="med" len="med"/>
+                    </a:lnB>
+                  </a:tcPr>
+                </a:tc>
+                <a:tc>
+                  <a:txBody>
+                    <a:bodyPr/>
+                    <a:lstStyle/>
+                    <a:p>
+                      <a:r>
+                        <a:rPr lang="en-GB" sz="1800" b="0" i="0" kern="1200" dirty="0" smtClean="0">
+                          <a:solidFill>
+                            <a:schemeClr val="tx1"/>
+                          </a:solidFill>
+                          <a:effectLst/>
+                          <a:latin typeface="+mn-lt"/>
+                          <a:ea typeface="+mn-ea"/>
+                          <a:cs typeface="+mn-cs"/>
+                        </a:rPr>
+                        <a:t>All Unchecked exceptions are direct sub classes of </a:t>
+                      </a:r>
+                      <a:r>
+                        <a:rPr lang="en-GB" b="1" dirty="0" smtClean="0"/>
+                        <a:t>RuntimeException</a:t>
+                      </a:r>
+                      <a:r>
+                        <a:rPr lang="en-GB" sz="1800" b="0" i="0" kern="1200" dirty="0" smtClean="0">
+                          <a:solidFill>
+                            <a:schemeClr val="tx1"/>
+                          </a:solidFill>
+                          <a:effectLst/>
+                          <a:latin typeface="+mn-lt"/>
+                          <a:ea typeface="+mn-ea"/>
+                          <a:cs typeface="+mn-cs"/>
+                        </a:rPr>
+                        <a:t> class</a:t>
+                      </a:r>
+                      <a:endParaRPr lang="en-US" dirty="0"/>
+                    </a:p>
+                  </a:txBody>
+                  <a:tcPr>
+                    <a:lnL w="12700" cap="flat" cmpd="sng" algn="ctr">
+                      <a:solidFill>
+                        <a:schemeClr val="tx1"/>
+                      </a:solidFill>
+                      <a:prstDash val="solid"/>
+                      <a:round/>
+                      <a:headEnd type="none" w="med" len="med"/>
+                      <a:tailEnd type="none" w="med" len="med"/>
+                    </a:lnL>
+                    <a:lnR w="12700" cap="flat" cmpd="sng" algn="ctr">
+                      <a:solidFill>
+                        <a:schemeClr val="tx1"/>
+                      </a:solidFill>
+                      <a:prstDash val="solid"/>
+                      <a:round/>
+                      <a:headEnd type="none" w="med" len="med"/>
+                      <a:tailEnd type="none" w="med" len="med"/>
+                    </a:lnR>
+                    <a:lnT w="12700" cap="flat" cmpd="sng" algn="ctr">
+                      <a:solidFill>
+                        <a:schemeClr val="tx1"/>
+                      </a:solidFill>
+                      <a:prstDash val="solid"/>
+                      <a:round/>
+                      <a:headEnd type="none" w="med" len="med"/>
+                      <a:tailEnd type="none" w="med" len="med"/>
+                    </a:lnT>
+                    <a:lnB w="12700" cap="flat" cmpd="sng" algn="ctr">
+                      <a:solidFill>
+                        <a:schemeClr val="tx1"/>
+                      </a:solidFill>
+                      <a:prstDash val="solid"/>
+                      <a:round/>
+                      <a:headEnd type="none" w="med" len="med"/>
+                      <a:tailEnd type="none" w="med" len="med"/>
+                    </a:lnB>
+                  </a:tcPr>
+                </a:tc>
+              </a:tr>
+              <a:tr h="393576">
+                <a:tc>
+                  <a:txBody>
+                    <a:bodyPr/>
+                    <a:lstStyle/>
+                    <a:p>
+                      <a:r>
+                        <a:rPr lang="en-US" sz="1800" b="0" i="0" kern="1200" dirty="0" smtClean="0">
+                          <a:solidFill>
+                            <a:schemeClr val="tx1"/>
+                          </a:solidFill>
+                          <a:effectLst/>
+                          <a:latin typeface="+mn-lt"/>
+                          <a:ea typeface="+mn-ea"/>
+                          <a:cs typeface="+mn-cs"/>
+                        </a:rPr>
+                        <a:t>IOException</a:t>
+                      </a:r>
+                    </a:p>
+                    <a:p>
+                      <a:r>
+                        <a:rPr lang="en-US" sz="1800" b="0" i="0" kern="1200" dirty="0" smtClean="0">
+                          <a:solidFill>
+                            <a:schemeClr val="tx1"/>
+                          </a:solidFill>
+                          <a:effectLst/>
+                          <a:latin typeface="+mn-lt"/>
+                          <a:ea typeface="+mn-ea"/>
+                          <a:cs typeface="+mn-cs"/>
+                        </a:rPr>
+                        <a:t>SQLException</a:t>
+                      </a:r>
+                    </a:p>
+                    <a:p>
+                      <a:r>
+                        <a:rPr lang="en-US" sz="1800" b="0" i="0" kern="1200" dirty="0" smtClean="0">
+                          <a:solidFill>
+                            <a:schemeClr val="tx1"/>
+                          </a:solidFill>
+                          <a:effectLst/>
+                          <a:latin typeface="+mn-lt"/>
+                          <a:ea typeface="+mn-ea"/>
+                          <a:cs typeface="+mn-cs"/>
+                        </a:rPr>
+                        <a:t>DataAccessException</a:t>
+                      </a:r>
+                    </a:p>
+                    <a:p>
+                      <a:r>
+                        <a:rPr lang="en-US" sz="1800" b="0" i="0" kern="1200" dirty="0" smtClean="0">
+                          <a:solidFill>
+                            <a:schemeClr val="tx1"/>
+                          </a:solidFill>
+                          <a:effectLst/>
+                          <a:latin typeface="+mn-lt"/>
+                          <a:ea typeface="+mn-ea"/>
+                          <a:cs typeface="+mn-cs"/>
+                        </a:rPr>
+                        <a:t>ClassNotFoundException</a:t>
+                      </a:r>
+                    </a:p>
+                    <a:p>
+                      <a:r>
+                        <a:rPr lang="en-US" sz="1800" b="0" i="0" kern="1200" dirty="0" smtClean="0">
+                          <a:solidFill>
+                            <a:schemeClr val="tx1"/>
+                          </a:solidFill>
+                          <a:effectLst/>
+                          <a:latin typeface="+mn-lt"/>
+                          <a:ea typeface="+mn-ea"/>
+                          <a:cs typeface="+mn-cs"/>
+                        </a:rPr>
+                        <a:t>InvocationTargetException</a:t>
+                      </a:r>
+                    </a:p>
+                    <a:p>
+                      <a:r>
+                        <a:rPr lang="en-US" sz="1800" b="0" i="0" kern="1200" dirty="0" smtClean="0">
+                          <a:solidFill>
+                            <a:schemeClr val="tx1"/>
+                          </a:solidFill>
+                          <a:effectLst/>
+                          <a:latin typeface="+mn-lt"/>
+                          <a:ea typeface="+mn-ea"/>
+                          <a:cs typeface="+mn-cs"/>
+                        </a:rPr>
+                        <a:t>MalformedURLException</a:t>
+                      </a:r>
+                    </a:p>
+                  </a:txBody>
+                  <a:tcPr>
+                    <a:lnL w="12700" cap="flat" cmpd="sng" algn="ctr">
+                      <a:solidFill>
+                        <a:schemeClr val="tx1"/>
+                      </a:solidFill>
+                      <a:prstDash val="solid"/>
+                      <a:round/>
+                      <a:headEnd type="none" w="med" len="med"/>
+                      <a:tailEnd type="none" w="med" len="med"/>
+                    </a:lnL>
+                    <a:lnR w="12700" cap="flat" cmpd="sng" algn="ctr">
+                      <a:solidFill>
+                        <a:schemeClr val="tx1"/>
+                      </a:solidFill>
+                      <a:prstDash val="solid"/>
+                      <a:round/>
+                      <a:headEnd type="none" w="med" len="med"/>
+                      <a:tailEnd type="none" w="med" len="med"/>
+                    </a:lnR>
+                    <a:lnT w="12700" cap="flat" cmpd="sng" algn="ctr">
+                      <a:solidFill>
+                        <a:schemeClr val="tx1"/>
+                      </a:solidFill>
+                      <a:prstDash val="solid"/>
+                      <a:round/>
+                      <a:headEnd type="none" w="med" len="med"/>
+                      <a:tailEnd type="none" w="med" len="med"/>
+                    </a:lnT>
+                    <a:lnB w="12700" cap="flat" cmpd="sng" algn="ctr">
+                      <a:solidFill>
+                        <a:schemeClr val="tx1"/>
+                      </a:solidFill>
+                      <a:prstDash val="solid"/>
+                      <a:round/>
+                      <a:headEnd type="none" w="med" len="med"/>
+                      <a:tailEnd type="none" w="med" len="med"/>
+                    </a:lnB>
+                  </a:tcPr>
+                </a:tc>
+                <a:tc>
+                  <a:txBody>
+                    <a:bodyPr/>
+                    <a:lstStyle/>
+                    <a:p>
+                      <a:r>
+                        <a:rPr lang="en-US" sz="1800" b="0" i="0" kern="1200" dirty="0" smtClean="0">
+                          <a:solidFill>
+                            <a:schemeClr val="tx1"/>
+                          </a:solidFill>
+                          <a:effectLst/>
+                          <a:latin typeface="+mn-lt"/>
+                          <a:ea typeface="+mn-ea"/>
+                          <a:cs typeface="+mn-cs"/>
+                        </a:rPr>
+                        <a:t>NullPointerException</a:t>
+                      </a:r>
+                    </a:p>
+                    <a:p>
+                      <a:r>
+                        <a:rPr lang="en-US" sz="1800" b="0" i="0" kern="1200" dirty="0" smtClean="0">
+                          <a:solidFill>
+                            <a:schemeClr val="tx1"/>
+                          </a:solidFill>
+                          <a:effectLst/>
+                          <a:latin typeface="+mn-lt"/>
+                          <a:ea typeface="+mn-ea"/>
+                          <a:cs typeface="+mn-cs"/>
+                        </a:rPr>
+                        <a:t>ArrayIndexOutOfBound</a:t>
+                      </a:r>
+                    </a:p>
+                    <a:p>
+                      <a:r>
+                        <a:rPr lang="en-US" sz="1800" b="0" i="0" kern="1200" dirty="0" smtClean="0">
+                          <a:solidFill>
+                            <a:schemeClr val="tx1"/>
+                          </a:solidFill>
+                          <a:effectLst/>
+                          <a:latin typeface="+mn-lt"/>
+                          <a:ea typeface="+mn-ea"/>
+                          <a:cs typeface="+mn-cs"/>
+                        </a:rPr>
+                        <a:t>IllegalArgumentException</a:t>
+                      </a:r>
+                    </a:p>
+                    <a:p>
+                      <a:r>
+                        <a:rPr lang="en-US" sz="1800" b="0" i="0" kern="1200" dirty="0" smtClean="0">
+                          <a:solidFill>
+                            <a:schemeClr val="tx1"/>
+                          </a:solidFill>
+                          <a:effectLst/>
+                          <a:latin typeface="+mn-lt"/>
+                          <a:ea typeface="+mn-ea"/>
+                          <a:cs typeface="+mn-cs"/>
+                        </a:rPr>
+                        <a:t>IllegalStateException</a:t>
+                      </a:r>
+                    </a:p>
+                  </a:txBody>
+                  <a:tcPr>
+                    <a:lnL w="12700" cap="flat" cmpd="sng" algn="ctr">
+                      <a:solidFill>
+                        <a:schemeClr val="tx1"/>
+                      </a:solidFill>
+                      <a:prstDash val="solid"/>
+                      <a:round/>
+                      <a:headEnd type="none" w="med" len="med"/>
+                      <a:tailEnd type="none" w="med" len="med"/>
+                    </a:lnL>
+                    <a:lnR w="12700" cap="flat" cmpd="sng" algn="ctr">
+                      <a:solidFill>
+                        <a:schemeClr val="tx1"/>
+                      </a:solidFill>
+                      <a:prstDash val="solid"/>
+                      <a:round/>
+                      <a:headEnd type="none" w="med" len="med"/>
+                      <a:tailEnd type="none" w="med" len="med"/>
+                    </a:lnR>
+                    <a:lnT w="12700" cap="flat" cmpd="sng" algn="ctr">
+                      <a:solidFill>
+                        <a:schemeClr val="tx1"/>
+                      </a:solidFill>
+                      <a:prstDash val="solid"/>
+                      <a:round/>
+                      <a:headEnd type="none" w="med" len="med"/>
+                      <a:tailEnd type="none" w="med" len="med"/>
+                    </a:lnT>
+                    <a:lnB w="12700" cap="flat" cmpd="sng" algn="ctr">
+                      <a:solidFill>
+                        <a:schemeClr val="tx1"/>
+                      </a:solidFill>
+                      <a:prstDash val="solid"/>
+                      <a:round/>
+                      <a:headEnd type="none" w="med" len="med"/>
+                      <a:tailEnd type="none" w="med" len="med"/>
+                    </a:lnB>
+                  </a:tcPr>
+                </a:tc>
+              </a:tr>
+            </a:tbl>
+          </a:graphicData>
+        </a:graphic>
+      </p:graphicFrame>
+    </p:spTree>
+    <p:extLst>
+      <p:ext uri="{BB962C8B-B14F-4D97-AF65-F5344CB8AC3E}">
+        <p14:creationId xmlns:p14="http://schemas.microsoft.com/office/powerpoint/2010/main" val="3571919442"/>
+      </p:ext>
+    </p:extLst>
+  </p:cSld>
+  <p:clrMapOvr>
+    <a:masterClrMapping/>
+  </p:clrMapOvr>
+  <p:timing>
+    <p:tnLst>
+      <p:par>
+        <p:cTn id="1" dur="indefinite" restart="never" nodeType="tmRoot"/>
+      </p:par>
+    </p:tnLst>
+  </p:timing>
+</p:sld>
+</file>
+
+<file path=ppt/slides/slide23.xml><?xml version="1.0" encoding="utf-8"?>
+<p:sld xmlns:a="http://schemas.openxmlformats.org/drawingml/2006/main" xmlns:r="http://schemas.openxmlformats.org/officeDocument/2006/relationships" xmlns:p="http://schemas.openxmlformats.org/presentationml/2006/main">
+  <p:cSld>
+    <p:bg>
+      <p:bgPr>
+        <a:noFill/>
+        <a:effectLst/>
+      </p:bgPr>
+    </p:bg>
+    <p:spTree>
+      <p:nvGrpSpPr>
+        <p:cNvPr id="1" name=""/>
+        <p:cNvGrpSpPr/>
+        <p:nvPr/>
+      </p:nvGrpSpPr>
+      <p:grpSpPr>
+        <a:xfrm>
+          <a:off x="0" y="0"/>
+          <a:ext cx="0" cy="0"/>
+          <a:chOff x="0" y="0"/>
+          <a:chExt cx="0" cy="0"/>
+        </a:xfrm>
+      </p:grpSpPr>
+      <p:sp>
+        <p:nvSpPr>
+          <p:cNvPr id="2" name="Title 1"/>
+          <p:cNvSpPr>
+            <a:spLocks noGrp="1"/>
+          </p:cNvSpPr>
+          <p:nvPr>
+            <p:ph type="title"/>
+          </p:nvPr>
+        </p:nvSpPr>
+        <p:spPr/>
+        <p:txBody>
+          <a:bodyPr>
+            <a:normAutofit/>
+          </a:bodyPr>
+          <a:lstStyle/>
+          <a:p>
+            <a:r>
+              <a:rPr lang="en-US" dirty="0" smtClean="0"/>
+              <a:t>Checked Vs Unchecked Exceptions</a:t>
+            </a:r>
+            <a:endParaRPr lang="en-US" dirty="0"/>
+          </a:p>
+        </p:txBody>
+      </p:sp>
+      <p:sp>
+        <p:nvSpPr>
+          <p:cNvPr id="5" name="Rectangle 1"/>
+          <p:cNvSpPr>
+            <a:spLocks noChangeArrowheads="1"/>
+          </p:cNvSpPr>
+          <p:nvPr/>
+        </p:nvSpPr>
+        <p:spPr bwMode="auto">
+          <a:xfrm>
+            <a:off x="457200" y="2530475"/>
+            <a:ext cx="9144000" cy="0"/>
+          </a:xfrm>
+          <a:prstGeom prst="rect">
+            <a:avLst/>
+          </a:prstGeom>
+          <a:noFill/>
+          <a:ln>
+            <a:noFill/>
+          </a:ln>
+          <a:effectLst/>
+          <a:extLst>
+            <a:ext uri="{909E8E84-426E-40DD-AFC4-6F175D3DCCD1}">
+              <a14:hiddenFill xmlns:a14="http://schemas.microsoft.com/office/drawing/2010/main">
+                <a:solidFill>
+                  <a:schemeClr val="accent1"/>
+                </a:solidFill>
+              </a14:hiddenFill>
+            </a:ext>
+            <a:ext uri="{91240B29-F687-4F45-9708-019B960494DF}">
+              <a14:hiddenLine xmlns:a14="http://schemas.microsoft.com/office/drawing/2010/main" w="9525">
+                <a:solidFill>
+                  <a:schemeClr val="tx1"/>
+                </a:solidFill>
+                <a:miter lim="800000"/>
+                <a:headEnd/>
+                <a:tailEnd/>
+              </a14:hiddenLine>
+            </a:ext>
+            <a:ext uri="{AF507438-7753-43E0-B8FC-AC1667EBCBE1}">
+              <a14:hiddenEffects xmlns:a14="http://schemas.microsoft.com/office/drawing/2010/main">
+                <a:effectLst>
+                  <a:outerShdw dist="35921" dir="2700000" algn="ctr" rotWithShape="0">
+                    <a:schemeClr val="bg2"/>
+                  </a:outerShdw>
+                </a:effectLst>
+              </a14:hiddenEffects>
+            </a:ext>
+          </a:extLst>
+        </p:spPr>
+        <p:txBody>
+          <a:bodyPr vert="horz" wrap="none" lIns="91440" tIns="45720" rIns="91440" bIns="45720" numCol="1" anchor="ctr" anchorCtr="0" compatLnSpc="1">
+            <a:prstTxWarp prst="textNoShape">
+              <a:avLst/>
+            </a:prstTxWarp>
+            <a:spAutoFit/>
+          </a:bodyPr>
+          <a:lstStyle/>
+          <a:p>
+            <a:pPr marL="0" marR="0" lvl="0" indent="0" algn="l" defTabSz="914400" rtl="0" eaLnBrk="1" fontAlgn="base" latinLnBrk="0" hangingPunct="1">
+              <a:lnSpc>
+                <a:spcPct val="100000"/>
+              </a:lnSpc>
+              <a:spcBef>
+                <a:spcPct val="0"/>
+              </a:spcBef>
+              <a:spcAft>
+                <a:spcPct val="0"/>
+              </a:spcAft>
+              <a:buClrTx/>
+              <a:buSzTx/>
+              <a:buFontTx/>
+              <a:buNone/>
+              <a:tabLst/>
+            </a:pPr>
+            <a:endParaRPr kumimoji="0" lang="en-US" altLang="en-US" sz="1800" b="0" i="0" u="none" strike="noStrike" cap="none" normalizeH="0" baseline="0" smtClean="0">
+              <a:ln>
+                <a:noFill/>
+              </a:ln>
+              <a:solidFill>
+                <a:schemeClr val="tx1"/>
+              </a:solidFill>
+              <a:effectLst/>
+              <a:latin typeface="Arial" pitchFamily="34" charset="0"/>
+              <a:cs typeface="Arial" pitchFamily="34" charset="0"/>
+            </a:endParaRPr>
+          </a:p>
+          <a:p>
+            <a:pPr marL="0" marR="0" lvl="0" indent="0" algn="l" defTabSz="914400" rtl="0" eaLnBrk="0" fontAlgn="base" latinLnBrk="0" hangingPunct="0">
+              <a:lnSpc>
+                <a:spcPct val="100000"/>
+              </a:lnSpc>
+              <a:spcBef>
+                <a:spcPct val="0"/>
+              </a:spcBef>
+              <a:spcAft>
+                <a:spcPct val="0"/>
+              </a:spcAft>
+              <a:buClrTx/>
+              <a:buSzTx/>
+              <a:buFontTx/>
+              <a:buNone/>
+              <a:tabLst/>
+            </a:pPr>
+            <a:r>
+              <a:rPr kumimoji="0" lang="en-US" altLang="en-US" sz="1800" b="0" i="0" u="none" strike="noStrike" cap="none" normalizeH="0" baseline="0" smtClean="0">
+                <a:ln>
+                  <a:noFill/>
+                </a:ln>
+                <a:solidFill>
+                  <a:schemeClr val="tx1"/>
+                </a:solidFill>
+                <a:effectLst/>
+                <a:latin typeface="Arial" pitchFamily="34" charset="0"/>
+                <a:cs typeface="Arial" pitchFamily="34" charset="0"/>
+              </a:rPr>
+              <a:t/>
+            </a:r>
+            <a:br>
+              <a:rPr kumimoji="0" lang="en-US" altLang="en-US" sz="1800" b="0" i="0" u="none" strike="noStrike" cap="none" normalizeH="0" baseline="0" smtClean="0">
+                <a:ln>
+                  <a:noFill/>
+                </a:ln>
+                <a:solidFill>
+                  <a:schemeClr val="tx1"/>
+                </a:solidFill>
+                <a:effectLst/>
+                <a:latin typeface="Arial" pitchFamily="34" charset="0"/>
+                <a:cs typeface="Arial" pitchFamily="34" charset="0"/>
+              </a:rPr>
+            </a:br>
+            <a:endParaRPr kumimoji="0" lang="en-US" altLang="en-US" sz="1800" b="0" i="0" u="none" strike="noStrike" cap="none" normalizeH="0" baseline="0" smtClean="0">
+              <a:ln>
+                <a:noFill/>
+              </a:ln>
+              <a:solidFill>
+                <a:schemeClr val="tx1"/>
+              </a:solidFill>
+              <a:effectLst/>
+              <a:latin typeface="Arial" pitchFamily="34" charset="0"/>
+              <a:cs typeface="Arial" pitchFamily="34" charset="0"/>
+            </a:endParaRPr>
+          </a:p>
+        </p:txBody>
+      </p:sp>
+      <p:pic>
+        <p:nvPicPr>
+          <p:cNvPr id="4098" name="Picture 2"/>
+          <p:cNvPicPr>
+            <a:picLocks noGrp="1" noChangeAspect="1" noChangeArrowheads="1"/>
+          </p:cNvPicPr>
+          <p:nvPr>
+            <p:ph idx="1"/>
+          </p:nvPr>
+        </p:nvPicPr>
+        <p:blipFill>
+          <a:blip r:embed="rId2">
+            <a:extLst>
+              <a:ext uri="{28A0092B-C50C-407E-A947-70E740481C1C}">
+                <a14:useLocalDpi xmlns:a14="http://schemas.microsoft.com/office/drawing/2010/main" val="0"/>
+              </a:ext>
+            </a:extLst>
+          </a:blip>
+          <a:srcRect/>
+          <a:stretch>
+            <a:fillRect/>
+          </a:stretch>
+        </p:blipFill>
+        <p:spPr bwMode="auto">
+          <a:xfrm>
+            <a:off x="611560" y="1700808"/>
+            <a:ext cx="5448300" cy="3448050"/>
+          </a:xfrm>
+          <a:prstGeom prst="rect">
+            <a:avLst/>
+          </a:prstGeom>
+          <a:noFill/>
+          <a:ln>
+            <a:noFill/>
+          </a:ln>
+          <a:extLst>
+            <a:ext uri="{909E8E84-426E-40DD-AFC4-6F175D3DCCD1}">
+              <a14:hiddenFill xmlns:a14="http://schemas.microsoft.com/office/drawing/2010/main">
+                <a:solidFill>
+                  <a:schemeClr val="accent1"/>
+                </a:solidFill>
+              </a14:hiddenFill>
+            </a:ext>
+            <a:ext uri="{91240B29-F687-4F45-9708-019B960494DF}">
+              <a14:hiddenLine xmlns:a14="http://schemas.microsoft.com/office/drawing/2010/main" w="9525">
+                <a:solidFill>
+                  <a:schemeClr val="tx1"/>
+                </a:solidFill>
+                <a:miter lim="800000"/>
+                <a:headEnd/>
+                <a:tailEnd/>
+              </a14:hiddenLine>
+            </a:ext>
+          </a:extLst>
+        </p:spPr>
+      </p:pic>
+    </p:spTree>
+    <p:extLst>
+      <p:ext uri="{BB962C8B-B14F-4D97-AF65-F5344CB8AC3E}">
+        <p14:creationId xmlns:p14="http://schemas.microsoft.com/office/powerpoint/2010/main" val="3518018295"/>
+      </p:ext>
+    </p:extLst>
+  </p:cSld>
+  <p:clrMapOvr>
+    <a:masterClrMapping/>
+  </p:clrMapOvr>
+  <p:timing>
+    <p:tnLst>
+      <p:par>
+        <p:cTn id="1" dur="indefinite" restart="never" nodeType="tmRoot"/>
+      </p:par>
+    </p:tnLst>
+  </p:timing>
+</p:sld>
+</file>
+
+<file path=ppt/slides/slide24.xml><?xml version="1.0" encoding="utf-8"?>
+<p:sld xmlns:a="http://schemas.openxmlformats.org/drawingml/2006/main" xmlns:r="http://schemas.openxmlformats.org/officeDocument/2006/relationships" xmlns:p="http://schemas.openxmlformats.org/presentationml/2006/main">
+  <p:cSld>
+    <p:bg>
+      <p:bgPr>
+        <a:noFill/>
+        <a:effectLst/>
+      </p:bgPr>
+    </p:bg>
+    <p:spTree>
+      <p:nvGrpSpPr>
+        <p:cNvPr id="1" name=""/>
+        <p:cNvGrpSpPr/>
+        <p:nvPr/>
+      </p:nvGrpSpPr>
+      <p:grpSpPr>
+        <a:xfrm>
+          <a:off x="0" y="0"/>
+          <a:ext cx="0" cy="0"/>
+          <a:chOff x="0" y="0"/>
+          <a:chExt cx="0" cy="0"/>
+        </a:xfrm>
+      </p:grpSpPr>
+      <p:sp>
+        <p:nvSpPr>
+          <p:cNvPr id="2" name="Title 1"/>
+          <p:cNvSpPr>
+            <a:spLocks noGrp="1"/>
+          </p:cNvSpPr>
+          <p:nvPr>
+            <p:ph type="title"/>
+          </p:nvPr>
+        </p:nvSpPr>
+        <p:spPr/>
+        <p:txBody>
+          <a:bodyPr>
+            <a:normAutofit/>
+          </a:bodyPr>
+          <a:lstStyle/>
+          <a:p>
+            <a:r>
+              <a:rPr lang="en-US" dirty="0" smtClean="0"/>
+              <a:t>Code Review – Main</a:t>
+            </a:r>
+            <a:endParaRPr lang="en-US" dirty="0"/>
+          </a:p>
+        </p:txBody>
+      </p:sp>
+      <p:sp>
+        <p:nvSpPr>
+          <p:cNvPr id="5" name="Rectangle 1"/>
+          <p:cNvSpPr>
+            <a:spLocks noChangeArrowheads="1"/>
+          </p:cNvSpPr>
+          <p:nvPr/>
+        </p:nvSpPr>
+        <p:spPr bwMode="auto">
+          <a:xfrm>
+            <a:off x="457200" y="2530475"/>
+            <a:ext cx="9144000" cy="0"/>
+          </a:xfrm>
+          <a:prstGeom prst="rect">
+            <a:avLst/>
+          </a:prstGeom>
+          <a:noFill/>
+          <a:ln>
+            <a:noFill/>
+          </a:ln>
+          <a:effectLst/>
+          <a:extLst>
+            <a:ext uri="{909E8E84-426E-40DD-AFC4-6F175D3DCCD1}">
+              <a14:hiddenFill xmlns:a14="http://schemas.microsoft.com/office/drawing/2010/main">
+                <a:solidFill>
+                  <a:schemeClr val="accent1"/>
+                </a:solidFill>
+              </a14:hiddenFill>
+            </a:ext>
+            <a:ext uri="{91240B29-F687-4F45-9708-019B960494DF}">
+              <a14:hiddenLine xmlns:a14="http://schemas.microsoft.com/office/drawing/2010/main" w="9525">
+                <a:solidFill>
+                  <a:schemeClr val="tx1"/>
+                </a:solidFill>
+                <a:miter lim="800000"/>
+                <a:headEnd/>
+                <a:tailEnd/>
+              </a14:hiddenLine>
+            </a:ext>
+            <a:ext uri="{AF507438-7753-43E0-B8FC-AC1667EBCBE1}">
+              <a14:hiddenEffects xmlns:a14="http://schemas.microsoft.com/office/drawing/2010/main">
+                <a:effectLst>
+                  <a:outerShdw dist="35921" dir="2700000" algn="ctr" rotWithShape="0">
+                    <a:schemeClr val="bg2"/>
+                  </a:outerShdw>
+                </a:effectLst>
+              </a14:hiddenEffects>
+            </a:ext>
+          </a:extLst>
+        </p:spPr>
+        <p:txBody>
+          <a:bodyPr vert="horz" wrap="none" lIns="91440" tIns="45720" rIns="91440" bIns="45720" numCol="1" anchor="ctr" anchorCtr="0" compatLnSpc="1">
+            <a:prstTxWarp prst="textNoShape">
+              <a:avLst/>
+            </a:prstTxWarp>
+            <a:spAutoFit/>
+          </a:bodyPr>
+          <a:lstStyle/>
+          <a:p>
+            <a:pPr marL="0" marR="0" lvl="0" indent="0" algn="l" defTabSz="914400" rtl="0" eaLnBrk="1" fontAlgn="base" latinLnBrk="0" hangingPunct="1">
+              <a:lnSpc>
+                <a:spcPct val="100000"/>
+              </a:lnSpc>
+              <a:spcBef>
+                <a:spcPct val="0"/>
+              </a:spcBef>
+              <a:spcAft>
+                <a:spcPct val="0"/>
+              </a:spcAft>
+              <a:buClrTx/>
+              <a:buSzTx/>
+              <a:buFontTx/>
+              <a:buNone/>
+              <a:tabLst/>
+            </a:pPr>
+            <a:endParaRPr kumimoji="0" lang="en-US" altLang="en-US" sz="1800" b="0" i="0" u="none" strike="noStrike" cap="none" normalizeH="0" baseline="0" smtClean="0">
+              <a:ln>
+                <a:noFill/>
+              </a:ln>
+              <a:solidFill>
+                <a:schemeClr val="tx1"/>
+              </a:solidFill>
+              <a:effectLst/>
+              <a:latin typeface="Arial" pitchFamily="34" charset="0"/>
+              <a:cs typeface="Arial" pitchFamily="34" charset="0"/>
+            </a:endParaRPr>
+          </a:p>
+          <a:p>
+            <a:pPr marL="0" marR="0" lvl="0" indent="0" algn="l" defTabSz="914400" rtl="0" eaLnBrk="0" fontAlgn="base" latinLnBrk="0" hangingPunct="0">
+              <a:lnSpc>
+                <a:spcPct val="100000"/>
+              </a:lnSpc>
+              <a:spcBef>
+                <a:spcPct val="0"/>
+              </a:spcBef>
+              <a:spcAft>
+                <a:spcPct val="0"/>
+              </a:spcAft>
+              <a:buClrTx/>
+              <a:buSzTx/>
+              <a:buFontTx/>
+              <a:buNone/>
+              <a:tabLst/>
+            </a:pPr>
+            <a:r>
+              <a:rPr kumimoji="0" lang="en-US" altLang="en-US" sz="1800" b="0" i="0" u="none" strike="noStrike" cap="none" normalizeH="0" baseline="0" smtClean="0">
+                <a:ln>
+                  <a:noFill/>
+                </a:ln>
+                <a:solidFill>
+                  <a:schemeClr val="tx1"/>
+                </a:solidFill>
+                <a:effectLst/>
+                <a:latin typeface="Arial" pitchFamily="34" charset="0"/>
+                <a:cs typeface="Arial" pitchFamily="34" charset="0"/>
+              </a:rPr>
+              <a:t/>
+            </a:r>
+            <a:br>
+              <a:rPr kumimoji="0" lang="en-US" altLang="en-US" sz="1800" b="0" i="0" u="none" strike="noStrike" cap="none" normalizeH="0" baseline="0" smtClean="0">
+                <a:ln>
+                  <a:noFill/>
+                </a:ln>
+                <a:solidFill>
+                  <a:schemeClr val="tx1"/>
+                </a:solidFill>
+                <a:effectLst/>
+                <a:latin typeface="Arial" pitchFamily="34" charset="0"/>
+                <a:cs typeface="Arial" pitchFamily="34" charset="0"/>
+              </a:rPr>
+            </a:br>
+            <a:endParaRPr kumimoji="0" lang="en-US" altLang="en-US" sz="1800" b="0" i="0" u="none" strike="noStrike" cap="none" normalizeH="0" baseline="0" smtClean="0">
+              <a:ln>
+                <a:noFill/>
+              </a:ln>
+              <a:solidFill>
+                <a:schemeClr val="tx1"/>
+              </a:solidFill>
+              <a:effectLst/>
+              <a:latin typeface="Arial" pitchFamily="34" charset="0"/>
+              <a:cs typeface="Arial" pitchFamily="34" charset="0"/>
+            </a:endParaRPr>
+          </a:p>
+        </p:txBody>
+      </p:sp>
+      <p:sp>
+        <p:nvSpPr>
+          <p:cNvPr id="3" name="Content Placeholder 2"/>
+          <p:cNvSpPr>
+            <a:spLocks noGrp="1"/>
+          </p:cNvSpPr>
+          <p:nvPr>
+            <p:ph idx="1"/>
+          </p:nvPr>
+        </p:nvSpPr>
+        <p:spPr/>
+        <p:txBody>
+          <a:bodyPr>
+            <a:normAutofit/>
+          </a:bodyPr>
+          <a:lstStyle/>
+          <a:p>
+            <a:r>
+              <a:rPr lang="en-US" sz="1600" dirty="0" smtClean="0"/>
+              <a:t>Does code meet functional requirement</a:t>
+            </a:r>
+          </a:p>
+          <a:p>
+            <a:r>
+              <a:rPr lang="en-US" sz="1600" dirty="0" smtClean="0"/>
+              <a:t>Any side effect of this change</a:t>
+            </a:r>
+          </a:p>
+          <a:p>
+            <a:r>
+              <a:rPr lang="en-US" sz="1600" dirty="0" smtClean="0"/>
+              <a:t>Concurrency – Is thread safe?</a:t>
+            </a:r>
+          </a:p>
+          <a:p>
+            <a:r>
+              <a:rPr lang="en-US" sz="1600" dirty="0" smtClean="0"/>
+              <a:t>Readability and Maintenance </a:t>
+            </a:r>
+          </a:p>
+          <a:p>
+            <a:r>
+              <a:rPr lang="en-US" sz="1600" dirty="0" smtClean="0"/>
+              <a:t>Consistency</a:t>
+            </a:r>
+          </a:p>
+          <a:p>
+            <a:r>
+              <a:rPr lang="en-US" sz="1600" dirty="0" smtClean="0"/>
+              <a:t>Performance</a:t>
+            </a:r>
+          </a:p>
+          <a:p>
+            <a:r>
+              <a:rPr lang="en-US" sz="1600" dirty="0" smtClean="0"/>
+              <a:t>Exception Handling</a:t>
+            </a:r>
+          </a:p>
+          <a:p>
+            <a:r>
+              <a:rPr lang="en-US" sz="1600" dirty="0" smtClean="0"/>
+              <a:t>Simplicity</a:t>
+            </a:r>
+          </a:p>
+          <a:p>
+            <a:r>
+              <a:rPr lang="en-US" sz="1600" dirty="0" smtClean="0"/>
+              <a:t>Reuse of existing code</a:t>
+            </a:r>
+          </a:p>
+          <a:p>
+            <a:r>
+              <a:rPr lang="en-US" sz="1600" dirty="0" smtClean="0"/>
+              <a:t>Unit test </a:t>
+            </a:r>
+            <a:endParaRPr lang="en-US" sz="1600" dirty="0"/>
+          </a:p>
+        </p:txBody>
+      </p:sp>
+    </p:spTree>
+    <p:extLst>
+      <p:ext uri="{BB962C8B-B14F-4D97-AF65-F5344CB8AC3E}">
+        <p14:creationId xmlns:p14="http://schemas.microsoft.com/office/powerpoint/2010/main" val="3874676822"/>
+      </p:ext>
+    </p:extLst>
+  </p:cSld>
+  <p:clrMapOvr>
+    <a:masterClrMapping/>
+  </p:clrMapOvr>
+  <p:timing>
+    <p:tnLst>
+      <p:par>
+        <p:cTn id="1" dur="indefinite" restart="never" nodeType="tmRoot"/>
+      </p:par>
+    </p:tnLst>
+  </p:timing>
+</p:sld>
+</file>
+
+<file path=ppt/slides/slide25.xml><?xml version="1.0" encoding="utf-8"?>
+<p:sld xmlns:a="http://schemas.openxmlformats.org/drawingml/2006/main" xmlns:r="http://schemas.openxmlformats.org/officeDocument/2006/relationships" xmlns:p="http://schemas.openxmlformats.org/presentationml/2006/main">
+  <p:cSld>
+    <p:bg>
+      <p:bgPr>
+        <a:noFill/>
+        <a:effectLst/>
+      </p:bgPr>
+    </p:bg>
+    <p:spTree>
+      <p:nvGrpSpPr>
+        <p:cNvPr id="1" name=""/>
+        <p:cNvGrpSpPr/>
+        <p:nvPr/>
+      </p:nvGrpSpPr>
+      <p:grpSpPr>
+        <a:xfrm>
+          <a:off x="0" y="0"/>
+          <a:ext cx="0" cy="0"/>
+          <a:chOff x="0" y="0"/>
+          <a:chExt cx="0" cy="0"/>
+        </a:xfrm>
+      </p:grpSpPr>
+      <p:sp>
+        <p:nvSpPr>
+          <p:cNvPr id="2" name="Title 1"/>
+          <p:cNvSpPr>
+            <a:spLocks noGrp="1"/>
+          </p:cNvSpPr>
+          <p:nvPr>
+            <p:ph type="title"/>
+          </p:nvPr>
+        </p:nvSpPr>
+        <p:spPr/>
+        <p:txBody>
+          <a:bodyPr>
+            <a:normAutofit/>
+          </a:bodyPr>
+          <a:lstStyle/>
+          <a:p>
+            <a:r>
+              <a:rPr lang="en-US" dirty="0" smtClean="0"/>
+              <a:t>Code Review – Clean Code</a:t>
+            </a:r>
+            <a:endParaRPr lang="en-US" dirty="0"/>
+          </a:p>
+        </p:txBody>
+      </p:sp>
+      <p:sp>
+        <p:nvSpPr>
+          <p:cNvPr id="5" name="Rectangle 1"/>
+          <p:cNvSpPr>
+            <a:spLocks noChangeArrowheads="1"/>
+          </p:cNvSpPr>
+          <p:nvPr/>
+        </p:nvSpPr>
+        <p:spPr bwMode="auto">
+          <a:xfrm>
+            <a:off x="457200" y="2530475"/>
+            <a:ext cx="9144000" cy="0"/>
+          </a:xfrm>
+          <a:prstGeom prst="rect">
+            <a:avLst/>
+          </a:prstGeom>
+          <a:noFill/>
+          <a:ln>
+            <a:noFill/>
+          </a:ln>
+          <a:effectLst/>
+          <a:extLst>
+            <a:ext uri="{909E8E84-426E-40DD-AFC4-6F175D3DCCD1}">
+              <a14:hiddenFill xmlns:a14="http://schemas.microsoft.com/office/drawing/2010/main">
+                <a:solidFill>
+                  <a:schemeClr val="accent1"/>
+                </a:solidFill>
+              </a14:hiddenFill>
+            </a:ext>
+            <a:ext uri="{91240B29-F687-4F45-9708-019B960494DF}">
+              <a14:hiddenLine xmlns:a14="http://schemas.microsoft.com/office/drawing/2010/main" w="9525">
+                <a:solidFill>
+                  <a:schemeClr val="tx1"/>
+                </a:solidFill>
+                <a:miter lim="800000"/>
+                <a:headEnd/>
+                <a:tailEnd/>
+              </a14:hiddenLine>
+            </a:ext>
+            <a:ext uri="{AF507438-7753-43E0-B8FC-AC1667EBCBE1}">
+              <a14:hiddenEffects xmlns:a14="http://schemas.microsoft.com/office/drawing/2010/main">
+                <a:effectLst>
+                  <a:outerShdw dist="35921" dir="2700000" algn="ctr" rotWithShape="0">
+                    <a:schemeClr val="bg2"/>
+                  </a:outerShdw>
+                </a:effectLst>
+              </a14:hiddenEffects>
+            </a:ext>
+          </a:extLst>
+        </p:spPr>
+        <p:txBody>
+          <a:bodyPr vert="horz" wrap="none" lIns="91440" tIns="45720" rIns="91440" bIns="45720" numCol="1" anchor="ctr" anchorCtr="0" compatLnSpc="1">
+            <a:prstTxWarp prst="textNoShape">
+              <a:avLst/>
+            </a:prstTxWarp>
+            <a:spAutoFit/>
+          </a:bodyPr>
+          <a:lstStyle/>
+          <a:p>
+            <a:pPr marL="0" marR="0" lvl="0" indent="0" algn="l" defTabSz="914400" rtl="0" eaLnBrk="1" fontAlgn="base" latinLnBrk="0" hangingPunct="1">
+              <a:lnSpc>
+                <a:spcPct val="100000"/>
+              </a:lnSpc>
+              <a:spcBef>
+                <a:spcPct val="0"/>
+              </a:spcBef>
+              <a:spcAft>
+                <a:spcPct val="0"/>
+              </a:spcAft>
+              <a:buClrTx/>
+              <a:buSzTx/>
+              <a:buFontTx/>
+              <a:buNone/>
+              <a:tabLst/>
+            </a:pPr>
+            <a:endParaRPr kumimoji="0" lang="en-US" altLang="en-US" sz="1800" b="0" i="0" u="none" strike="noStrike" cap="none" normalizeH="0" baseline="0" smtClean="0">
+              <a:ln>
+                <a:noFill/>
+              </a:ln>
+              <a:solidFill>
+                <a:schemeClr val="tx1"/>
+              </a:solidFill>
+              <a:effectLst/>
+              <a:latin typeface="Arial" pitchFamily="34" charset="0"/>
+              <a:cs typeface="Arial" pitchFamily="34" charset="0"/>
+            </a:endParaRPr>
+          </a:p>
+          <a:p>
+            <a:pPr marL="0" marR="0" lvl="0" indent="0" algn="l" defTabSz="914400" rtl="0" eaLnBrk="0" fontAlgn="base" latinLnBrk="0" hangingPunct="0">
+              <a:lnSpc>
+                <a:spcPct val="100000"/>
+              </a:lnSpc>
+              <a:spcBef>
+                <a:spcPct val="0"/>
+              </a:spcBef>
+              <a:spcAft>
+                <a:spcPct val="0"/>
+              </a:spcAft>
+              <a:buClrTx/>
+              <a:buSzTx/>
+              <a:buFontTx/>
+              <a:buNone/>
+              <a:tabLst/>
+            </a:pPr>
+            <a:r>
+              <a:rPr kumimoji="0" lang="en-US" altLang="en-US" sz="1800" b="0" i="0" u="none" strike="noStrike" cap="none" normalizeH="0" baseline="0" smtClean="0">
+                <a:ln>
+                  <a:noFill/>
+                </a:ln>
+                <a:solidFill>
+                  <a:schemeClr val="tx1"/>
+                </a:solidFill>
+                <a:effectLst/>
+                <a:latin typeface="Arial" pitchFamily="34" charset="0"/>
+                <a:cs typeface="Arial" pitchFamily="34" charset="0"/>
+              </a:rPr>
+              <a:t/>
+            </a:r>
+            <a:br>
+              <a:rPr kumimoji="0" lang="en-US" altLang="en-US" sz="1800" b="0" i="0" u="none" strike="noStrike" cap="none" normalizeH="0" baseline="0" smtClean="0">
+                <a:ln>
+                  <a:noFill/>
+                </a:ln>
+                <a:solidFill>
+                  <a:schemeClr val="tx1"/>
+                </a:solidFill>
+                <a:effectLst/>
+                <a:latin typeface="Arial" pitchFamily="34" charset="0"/>
+                <a:cs typeface="Arial" pitchFamily="34" charset="0"/>
+              </a:rPr>
+            </a:br>
+            <a:endParaRPr kumimoji="0" lang="en-US" altLang="en-US" sz="1800" b="0" i="0" u="none" strike="noStrike" cap="none" normalizeH="0" baseline="0" smtClean="0">
+              <a:ln>
+                <a:noFill/>
+              </a:ln>
+              <a:solidFill>
+                <a:schemeClr val="tx1"/>
+              </a:solidFill>
+              <a:effectLst/>
+              <a:latin typeface="Arial" pitchFamily="34" charset="0"/>
+              <a:cs typeface="Arial" pitchFamily="34" charset="0"/>
+            </a:endParaRPr>
+          </a:p>
+        </p:txBody>
+      </p:sp>
+      <p:pic>
+        <p:nvPicPr>
+          <p:cNvPr id="1026" name="Picture 2"/>
+          <p:cNvPicPr>
+            <a:picLocks noGrp="1" noChangeAspect="1" noChangeArrowheads="1"/>
+          </p:cNvPicPr>
+          <p:nvPr>
+            <p:ph idx="1"/>
+          </p:nvPr>
+        </p:nvPicPr>
+        <p:blipFill>
+          <a:blip r:embed="rId2">
+            <a:extLst>
+              <a:ext uri="{28A0092B-C50C-407E-A947-70E740481C1C}">
+                <a14:useLocalDpi xmlns:a14="http://schemas.microsoft.com/office/drawing/2010/main" val="0"/>
+              </a:ext>
+            </a:extLst>
+          </a:blip>
+          <a:srcRect/>
+          <a:stretch>
+            <a:fillRect/>
+          </a:stretch>
+        </p:blipFill>
+        <p:spPr bwMode="auto">
+          <a:xfrm>
+            <a:off x="500062" y="1609725"/>
+            <a:ext cx="8143875" cy="4857750"/>
+          </a:xfrm>
+          <a:prstGeom prst="rect">
+            <a:avLst/>
+          </a:prstGeom>
+          <a:noFill/>
+          <a:ln>
+            <a:noFill/>
+          </a:ln>
+          <a:extLst>
+            <a:ext uri="{909E8E84-426E-40DD-AFC4-6F175D3DCCD1}">
+              <a14:hiddenFill xmlns:a14="http://schemas.microsoft.com/office/drawing/2010/main">
+                <a:solidFill>
+                  <a:schemeClr val="accent1"/>
+                </a:solidFill>
+              </a14:hiddenFill>
+            </a:ext>
+            <a:ext uri="{91240B29-F687-4F45-9708-019B960494DF}">
+              <a14:hiddenLine xmlns:a14="http://schemas.microsoft.com/office/drawing/2010/main" w="9525">
+                <a:solidFill>
+                  <a:schemeClr val="tx1"/>
+                </a:solidFill>
+                <a:miter lim="800000"/>
+                <a:headEnd/>
+                <a:tailEnd/>
+              </a14:hiddenLine>
+            </a:ext>
+          </a:extLst>
+        </p:spPr>
+      </p:pic>
+    </p:spTree>
+    <p:extLst>
+      <p:ext uri="{BB962C8B-B14F-4D97-AF65-F5344CB8AC3E}">
+        <p14:creationId xmlns:p14="http://schemas.microsoft.com/office/powerpoint/2010/main" val="3596920643"/>
+      </p:ext>
+    </p:extLst>
+  </p:cSld>
+  <p:clrMapOvr>
+    <a:masterClrMapping/>
+  </p:clrMapOvr>
+  <p:timing>
+    <p:tnLst>
+      <p:par>
+        <p:cTn id="1" dur="indefinite" restart="never" nodeType="tmRoot"/>
+      </p:par>
+    </p:tnLst>
+  </p:timing>
+</p:sld>
+</file>
+
+<file path=ppt/slides/slide26.xml><?xml version="1.0" encoding="utf-8"?>
+<p:sld xmlns:a="http://schemas.openxmlformats.org/drawingml/2006/main" xmlns:r="http://schemas.openxmlformats.org/officeDocument/2006/relationships" xmlns:p="http://schemas.openxmlformats.org/presentationml/2006/main">
+  <p:cSld>
+    <p:bg>
+      <p:bgPr>
+        <a:noFill/>
+        <a:effectLst/>
+      </p:bgPr>
+    </p:bg>
+    <p:spTree>
+      <p:nvGrpSpPr>
+        <p:cNvPr id="1" name=""/>
+        <p:cNvGrpSpPr/>
+        <p:nvPr/>
+      </p:nvGrpSpPr>
+      <p:grpSpPr>
+        <a:xfrm>
+          <a:off x="0" y="0"/>
+          <a:ext cx="0" cy="0"/>
+          <a:chOff x="0" y="0"/>
+          <a:chExt cx="0" cy="0"/>
+        </a:xfrm>
+      </p:grpSpPr>
+      <p:sp>
+        <p:nvSpPr>
+          <p:cNvPr id="2" name="Title 1"/>
+          <p:cNvSpPr>
+            <a:spLocks noGrp="1"/>
+          </p:cNvSpPr>
+          <p:nvPr>
+            <p:ph type="title"/>
+          </p:nvPr>
+        </p:nvSpPr>
+        <p:spPr/>
+        <p:txBody>
+          <a:bodyPr>
+            <a:normAutofit/>
+          </a:bodyPr>
+          <a:lstStyle/>
+          <a:p>
+            <a:r>
+              <a:rPr lang="en-US" dirty="0" smtClean="0"/>
+              <a:t>Code Review – Performance</a:t>
+            </a:r>
+            <a:endParaRPr lang="en-US" dirty="0"/>
+          </a:p>
+        </p:txBody>
+      </p:sp>
+      <p:sp>
+        <p:nvSpPr>
+          <p:cNvPr id="5" name="Rectangle 1"/>
+          <p:cNvSpPr>
+            <a:spLocks noChangeArrowheads="1"/>
+          </p:cNvSpPr>
+          <p:nvPr/>
+        </p:nvSpPr>
+        <p:spPr bwMode="auto">
+          <a:xfrm>
+            <a:off x="457200" y="2530475"/>
+            <a:ext cx="9144000" cy="0"/>
+          </a:xfrm>
+          <a:prstGeom prst="rect">
+            <a:avLst/>
+          </a:prstGeom>
+          <a:noFill/>
+          <a:ln>
+            <a:noFill/>
+          </a:ln>
+          <a:effectLst/>
+          <a:extLst>
+            <a:ext uri="{909E8E84-426E-40DD-AFC4-6F175D3DCCD1}">
+              <a14:hiddenFill xmlns:a14="http://schemas.microsoft.com/office/drawing/2010/main">
+                <a:solidFill>
+                  <a:schemeClr val="accent1"/>
+                </a:solidFill>
+              </a14:hiddenFill>
+            </a:ext>
+            <a:ext uri="{91240B29-F687-4F45-9708-019B960494DF}">
+              <a14:hiddenLine xmlns:a14="http://schemas.microsoft.com/office/drawing/2010/main" w="9525">
+                <a:solidFill>
+                  <a:schemeClr val="tx1"/>
+                </a:solidFill>
+                <a:miter lim="800000"/>
+                <a:headEnd/>
+                <a:tailEnd/>
+              </a14:hiddenLine>
+            </a:ext>
+            <a:ext uri="{AF507438-7753-43E0-B8FC-AC1667EBCBE1}">
+              <a14:hiddenEffects xmlns:a14="http://schemas.microsoft.com/office/drawing/2010/main">
+                <a:effectLst>
+                  <a:outerShdw dist="35921" dir="2700000" algn="ctr" rotWithShape="0">
+                    <a:schemeClr val="bg2"/>
+                  </a:outerShdw>
+                </a:effectLst>
+              </a14:hiddenEffects>
+            </a:ext>
+          </a:extLst>
+        </p:spPr>
+        <p:txBody>
+          <a:bodyPr vert="horz" wrap="none" lIns="91440" tIns="45720" rIns="91440" bIns="45720" numCol="1" anchor="ctr" anchorCtr="0" compatLnSpc="1">
+            <a:prstTxWarp prst="textNoShape">
+              <a:avLst/>
+            </a:prstTxWarp>
+            <a:spAutoFit/>
+          </a:bodyPr>
+          <a:lstStyle/>
+          <a:p>
+            <a:pPr marL="0" marR="0" lvl="0" indent="0" algn="l" defTabSz="914400" rtl="0" eaLnBrk="1" fontAlgn="base" latinLnBrk="0" hangingPunct="1">
+              <a:lnSpc>
+                <a:spcPct val="100000"/>
+              </a:lnSpc>
+              <a:spcBef>
+                <a:spcPct val="0"/>
+              </a:spcBef>
+              <a:spcAft>
+                <a:spcPct val="0"/>
+              </a:spcAft>
+              <a:buClrTx/>
+              <a:buSzTx/>
+              <a:buFontTx/>
+              <a:buNone/>
+              <a:tabLst/>
+            </a:pPr>
+            <a:endParaRPr kumimoji="0" lang="en-US" altLang="en-US" sz="1800" b="0" i="0" u="none" strike="noStrike" cap="none" normalizeH="0" baseline="0" smtClean="0">
+              <a:ln>
+                <a:noFill/>
+              </a:ln>
+              <a:solidFill>
+                <a:schemeClr val="tx1"/>
+              </a:solidFill>
+              <a:effectLst/>
+              <a:latin typeface="Arial" pitchFamily="34" charset="0"/>
+              <a:cs typeface="Arial" pitchFamily="34" charset="0"/>
+            </a:endParaRPr>
+          </a:p>
+          <a:p>
+            <a:pPr marL="0" marR="0" lvl="0" indent="0" algn="l" defTabSz="914400" rtl="0" eaLnBrk="0" fontAlgn="base" latinLnBrk="0" hangingPunct="0">
+              <a:lnSpc>
+                <a:spcPct val="100000"/>
+              </a:lnSpc>
+              <a:spcBef>
+                <a:spcPct val="0"/>
+              </a:spcBef>
+              <a:spcAft>
+                <a:spcPct val="0"/>
+              </a:spcAft>
+              <a:buClrTx/>
+              <a:buSzTx/>
+              <a:buFontTx/>
+              <a:buNone/>
+              <a:tabLst/>
+            </a:pPr>
+            <a:r>
+              <a:rPr kumimoji="0" lang="en-US" altLang="en-US" sz="1800" b="0" i="0" u="none" strike="noStrike" cap="none" normalizeH="0" baseline="0" smtClean="0">
+                <a:ln>
+                  <a:noFill/>
+                </a:ln>
+                <a:solidFill>
+                  <a:schemeClr val="tx1"/>
+                </a:solidFill>
+                <a:effectLst/>
+                <a:latin typeface="Arial" pitchFamily="34" charset="0"/>
+                <a:cs typeface="Arial" pitchFamily="34" charset="0"/>
+              </a:rPr>
+              <a:t/>
+            </a:r>
+            <a:br>
+              <a:rPr kumimoji="0" lang="en-US" altLang="en-US" sz="1800" b="0" i="0" u="none" strike="noStrike" cap="none" normalizeH="0" baseline="0" smtClean="0">
+                <a:ln>
+                  <a:noFill/>
+                </a:ln>
+                <a:solidFill>
+                  <a:schemeClr val="tx1"/>
+                </a:solidFill>
+                <a:effectLst/>
+                <a:latin typeface="Arial" pitchFamily="34" charset="0"/>
+                <a:cs typeface="Arial" pitchFamily="34" charset="0"/>
+              </a:rPr>
+            </a:br>
+            <a:endParaRPr kumimoji="0" lang="en-US" altLang="en-US" sz="1800" b="0" i="0" u="none" strike="noStrike" cap="none" normalizeH="0" baseline="0" smtClean="0">
+              <a:ln>
+                <a:noFill/>
+              </a:ln>
+              <a:solidFill>
+                <a:schemeClr val="tx1"/>
+              </a:solidFill>
+              <a:effectLst/>
+              <a:latin typeface="Arial" pitchFamily="34" charset="0"/>
+              <a:cs typeface="Arial" pitchFamily="34" charset="0"/>
+            </a:endParaRPr>
+          </a:p>
+        </p:txBody>
+      </p:sp>
+      <p:pic>
+        <p:nvPicPr>
+          <p:cNvPr id="2050" name="Picture 2"/>
+          <p:cNvPicPr>
+            <a:picLocks noGrp="1" noChangeAspect="1" noChangeArrowheads="1"/>
+          </p:cNvPicPr>
+          <p:nvPr>
+            <p:ph idx="1"/>
+          </p:nvPr>
+        </p:nvPicPr>
+        <p:blipFill>
+          <a:blip r:embed="rId2">
+            <a:extLst>
+              <a:ext uri="{28A0092B-C50C-407E-A947-70E740481C1C}">
+                <a14:useLocalDpi xmlns:a14="http://schemas.microsoft.com/office/drawing/2010/main" val="0"/>
+              </a:ext>
+            </a:extLst>
+          </a:blip>
+          <a:srcRect/>
+          <a:stretch>
+            <a:fillRect/>
+          </a:stretch>
+        </p:blipFill>
+        <p:spPr bwMode="auto">
+          <a:xfrm>
+            <a:off x="611560" y="1700808"/>
+            <a:ext cx="8143875" cy="2486025"/>
+          </a:xfrm>
+          <a:prstGeom prst="rect">
+            <a:avLst/>
+          </a:prstGeom>
+          <a:noFill/>
+          <a:ln>
+            <a:noFill/>
+          </a:ln>
+          <a:extLst>
+            <a:ext uri="{909E8E84-426E-40DD-AFC4-6F175D3DCCD1}">
+              <a14:hiddenFill xmlns:a14="http://schemas.microsoft.com/office/drawing/2010/main">
+                <a:solidFill>
+                  <a:schemeClr val="accent1"/>
+                </a:solidFill>
+              </a14:hiddenFill>
+            </a:ext>
+            <a:ext uri="{91240B29-F687-4F45-9708-019B960494DF}">
+              <a14:hiddenLine xmlns:a14="http://schemas.microsoft.com/office/drawing/2010/main" w="9525">
+                <a:solidFill>
+                  <a:schemeClr val="tx1"/>
+                </a:solidFill>
+                <a:miter lim="800000"/>
+                <a:headEnd/>
+                <a:tailEnd/>
+              </a14:hiddenLine>
+            </a:ext>
+          </a:extLst>
+        </p:spPr>
+      </p:pic>
+    </p:spTree>
+    <p:extLst>
+      <p:ext uri="{BB962C8B-B14F-4D97-AF65-F5344CB8AC3E}">
+        <p14:creationId xmlns:p14="http://schemas.microsoft.com/office/powerpoint/2010/main" val="3429070184"/>
+      </p:ext>
+    </p:extLst>
+  </p:cSld>
+  <p:clrMapOvr>
+    <a:masterClrMapping/>
+  </p:clrMapOvr>
+  <p:timing>
+    <p:tnLst>
+      <p:par>
+        <p:cTn id="1" dur="indefinite" restart="never" nodeType="tmRoot"/>
+      </p:par>
+    </p:tnLst>
+  </p:timing>
+</p:sld>
+</file>
+
+<file path=ppt/slides/slide27.xml><?xml version="1.0" encoding="utf-8"?>
+<p:sld xmlns:a="http://schemas.openxmlformats.org/drawingml/2006/main" xmlns:r="http://schemas.openxmlformats.org/officeDocument/2006/relationships" xmlns:p="http://schemas.openxmlformats.org/presentationml/2006/main">
+  <p:cSld>
+    <p:bg>
+      <p:bgPr>
+        <a:noFill/>
+        <a:effectLst/>
+      </p:bgPr>
+    </p:bg>
+    <p:spTree>
+      <p:nvGrpSpPr>
+        <p:cNvPr id="1" name=""/>
+        <p:cNvGrpSpPr/>
+        <p:nvPr/>
+      </p:nvGrpSpPr>
+      <p:grpSpPr>
+        <a:xfrm>
+          <a:off x="0" y="0"/>
+          <a:ext cx="0" cy="0"/>
+          <a:chOff x="0" y="0"/>
+          <a:chExt cx="0" cy="0"/>
+        </a:xfrm>
+      </p:grpSpPr>
+      <p:sp>
+        <p:nvSpPr>
+          <p:cNvPr id="2" name="Title 1"/>
+          <p:cNvSpPr>
+            <a:spLocks noGrp="1"/>
+          </p:cNvSpPr>
+          <p:nvPr>
+            <p:ph type="title"/>
+          </p:nvPr>
+        </p:nvSpPr>
+        <p:spPr/>
+        <p:txBody>
+          <a:bodyPr>
+            <a:normAutofit/>
+          </a:bodyPr>
+          <a:lstStyle/>
+          <a:p>
+            <a:r>
+              <a:rPr lang="en-US" dirty="0" smtClean="0"/>
+              <a:t>Code Review – General </a:t>
+            </a:r>
+            <a:endParaRPr lang="en-US" dirty="0"/>
+          </a:p>
+        </p:txBody>
+      </p:sp>
+      <p:sp>
+        <p:nvSpPr>
+          <p:cNvPr id="5" name="Rectangle 1"/>
+          <p:cNvSpPr>
+            <a:spLocks noChangeArrowheads="1"/>
+          </p:cNvSpPr>
+          <p:nvPr/>
+        </p:nvSpPr>
+        <p:spPr bwMode="auto">
+          <a:xfrm>
+            <a:off x="457200" y="2530475"/>
+            <a:ext cx="9144000" cy="0"/>
+          </a:xfrm>
+          <a:prstGeom prst="rect">
+            <a:avLst/>
+          </a:prstGeom>
+          <a:noFill/>
+          <a:ln>
+            <a:noFill/>
+          </a:ln>
+          <a:effectLst/>
+          <a:extLst>
+            <a:ext uri="{909E8E84-426E-40DD-AFC4-6F175D3DCCD1}">
+              <a14:hiddenFill xmlns:a14="http://schemas.microsoft.com/office/drawing/2010/main">
+                <a:solidFill>
+                  <a:schemeClr val="accent1"/>
+                </a:solidFill>
+              </a14:hiddenFill>
+            </a:ext>
+            <a:ext uri="{91240B29-F687-4F45-9708-019B960494DF}">
+              <a14:hiddenLine xmlns:a14="http://schemas.microsoft.com/office/drawing/2010/main" w="9525">
+                <a:solidFill>
+                  <a:schemeClr val="tx1"/>
+                </a:solidFill>
+                <a:miter lim="800000"/>
+                <a:headEnd/>
+                <a:tailEnd/>
+              </a14:hiddenLine>
+            </a:ext>
+            <a:ext uri="{AF507438-7753-43E0-B8FC-AC1667EBCBE1}">
+              <a14:hiddenEffects xmlns:a14="http://schemas.microsoft.com/office/drawing/2010/main">
+                <a:effectLst>
+                  <a:outerShdw dist="35921" dir="2700000" algn="ctr" rotWithShape="0">
+                    <a:schemeClr val="bg2"/>
+                  </a:outerShdw>
+                </a:effectLst>
+              </a14:hiddenEffects>
+            </a:ext>
+          </a:extLst>
+        </p:spPr>
+        <p:txBody>
+          <a:bodyPr vert="horz" wrap="none" lIns="91440" tIns="45720" rIns="91440" bIns="45720" numCol="1" anchor="ctr" anchorCtr="0" compatLnSpc="1">
+            <a:prstTxWarp prst="textNoShape">
+              <a:avLst/>
+            </a:prstTxWarp>
+            <a:spAutoFit/>
+          </a:bodyPr>
+          <a:lstStyle/>
+          <a:p>
+            <a:pPr marL="0" marR="0" lvl="0" indent="0" algn="l" defTabSz="914400" rtl="0" eaLnBrk="1" fontAlgn="base" latinLnBrk="0" hangingPunct="1">
+              <a:lnSpc>
+                <a:spcPct val="100000"/>
+              </a:lnSpc>
+              <a:spcBef>
+                <a:spcPct val="0"/>
+              </a:spcBef>
+              <a:spcAft>
+                <a:spcPct val="0"/>
+              </a:spcAft>
+              <a:buClrTx/>
+              <a:buSzTx/>
+              <a:buFontTx/>
+              <a:buNone/>
+              <a:tabLst/>
+            </a:pPr>
+            <a:endParaRPr kumimoji="0" lang="en-US" altLang="en-US" sz="1800" b="0" i="0" u="none" strike="noStrike" cap="none" normalizeH="0" baseline="0" smtClean="0">
+              <a:ln>
+                <a:noFill/>
+              </a:ln>
+              <a:solidFill>
+                <a:schemeClr val="tx1"/>
+              </a:solidFill>
+              <a:effectLst/>
+              <a:latin typeface="Arial" pitchFamily="34" charset="0"/>
+              <a:cs typeface="Arial" pitchFamily="34" charset="0"/>
+            </a:endParaRPr>
+          </a:p>
+          <a:p>
+            <a:pPr marL="0" marR="0" lvl="0" indent="0" algn="l" defTabSz="914400" rtl="0" eaLnBrk="0" fontAlgn="base" latinLnBrk="0" hangingPunct="0">
+              <a:lnSpc>
+                <a:spcPct val="100000"/>
+              </a:lnSpc>
+              <a:spcBef>
+                <a:spcPct val="0"/>
+              </a:spcBef>
+              <a:spcAft>
+                <a:spcPct val="0"/>
+              </a:spcAft>
+              <a:buClrTx/>
+              <a:buSzTx/>
+              <a:buFontTx/>
+              <a:buNone/>
+              <a:tabLst/>
+            </a:pPr>
+            <a:r>
+              <a:rPr kumimoji="0" lang="en-US" altLang="en-US" sz="1800" b="0" i="0" u="none" strike="noStrike" cap="none" normalizeH="0" baseline="0" smtClean="0">
+                <a:ln>
+                  <a:noFill/>
+                </a:ln>
+                <a:solidFill>
+                  <a:schemeClr val="tx1"/>
+                </a:solidFill>
+                <a:effectLst/>
+                <a:latin typeface="Arial" pitchFamily="34" charset="0"/>
+                <a:cs typeface="Arial" pitchFamily="34" charset="0"/>
+              </a:rPr>
+              <a:t/>
+            </a:r>
+            <a:br>
+              <a:rPr kumimoji="0" lang="en-US" altLang="en-US" sz="1800" b="0" i="0" u="none" strike="noStrike" cap="none" normalizeH="0" baseline="0" smtClean="0">
+                <a:ln>
+                  <a:noFill/>
+                </a:ln>
+                <a:solidFill>
+                  <a:schemeClr val="tx1"/>
+                </a:solidFill>
+                <a:effectLst/>
+                <a:latin typeface="Arial" pitchFamily="34" charset="0"/>
+                <a:cs typeface="Arial" pitchFamily="34" charset="0"/>
+              </a:rPr>
+            </a:br>
+            <a:endParaRPr kumimoji="0" lang="en-US" altLang="en-US" sz="1800" b="0" i="0" u="none" strike="noStrike" cap="none" normalizeH="0" baseline="0" smtClean="0">
+              <a:ln>
+                <a:noFill/>
+              </a:ln>
+              <a:solidFill>
+                <a:schemeClr val="tx1"/>
+              </a:solidFill>
+              <a:effectLst/>
+              <a:latin typeface="Arial" pitchFamily="34" charset="0"/>
+              <a:cs typeface="Arial" pitchFamily="34" charset="0"/>
+            </a:endParaRPr>
+          </a:p>
+        </p:txBody>
+      </p:sp>
+      <p:graphicFrame>
+        <p:nvGraphicFramePr>
+          <p:cNvPr id="6" name="Content Placeholder 5"/>
+          <p:cNvGraphicFramePr>
+            <a:graphicFrameLocks noGrp="1"/>
+          </p:cNvGraphicFramePr>
+          <p:nvPr>
+            <p:ph idx="1"/>
+            <p:extLst>
+              <p:ext uri="{D42A27DB-BD31-4B8C-83A1-F6EECF244321}">
+                <p14:modId xmlns:p14="http://schemas.microsoft.com/office/powerpoint/2010/main" val="2552246151"/>
+              </p:ext>
+            </p:extLst>
+          </p:nvPr>
+        </p:nvGraphicFramePr>
+        <p:xfrm>
+          <a:off x="611560" y="1546912"/>
+          <a:ext cx="6972300" cy="4762500"/>
+        </p:xfrm>
+        <a:graphic>
+          <a:graphicData uri="http://schemas.openxmlformats.org/drawingml/2006/table">
+            <a:tbl>
+              <a:tblPr/>
+              <a:tblGrid>
+                <a:gridCol w="3467100"/>
+                <a:gridCol w="3505200"/>
+              </a:tblGrid>
+              <a:tr h="190500">
+                <a:tc>
+                  <a:txBody>
+                    <a:bodyPr/>
+                    <a:lstStyle/>
+                    <a:p>
+                      <a:pPr algn="l" fontAlgn="ctr"/>
+                      <a:r>
+                        <a:rPr lang="en-US" sz="1200" b="1" i="0" u="none" strike="noStrike" dirty="0">
+                          <a:solidFill>
+                            <a:srgbClr val="262626"/>
+                          </a:solidFill>
+                          <a:effectLst/>
+                          <a:latin typeface="+mj-lt"/>
+                        </a:rPr>
+                        <a:t>Category</a:t>
+                      </a:r>
+                    </a:p>
+                  </a:txBody>
+                  <a:tcPr marL="85725" marR="9525" marT="9525" marB="0" anchor="ctr">
+                    <a:lnL w="6350" cap="flat" cmpd="sng" algn="ctr">
+                      <a:solidFill>
+                        <a:srgbClr val="000000"/>
+                      </a:solidFill>
+                      <a:prstDash val="solid"/>
+                      <a:round/>
+                      <a:headEnd type="none" w="med" len="med"/>
+                      <a:tailEnd type="none" w="med" len="med"/>
+                    </a:lnL>
+                    <a:lnR w="6350" cap="flat" cmpd="sng" algn="ctr">
+                      <a:solidFill>
+                        <a:srgbClr val="000000"/>
+                      </a:solidFill>
+                      <a:prstDash val="solid"/>
+                      <a:round/>
+                      <a:headEnd type="none" w="med" len="med"/>
+                      <a:tailEnd type="none" w="med" len="med"/>
+                    </a:lnR>
+                    <a:lnT w="6350" cap="flat" cmpd="sng" algn="ctr">
+                      <a:solidFill>
+                        <a:srgbClr val="000000"/>
+                      </a:solidFill>
+                      <a:prstDash val="solid"/>
+                      <a:round/>
+                      <a:headEnd type="none" w="med" len="med"/>
+                      <a:tailEnd type="none" w="med" len="med"/>
+                    </a:lnT>
+                    <a:lnB w="6350" cap="flat" cmpd="sng" algn="ctr">
+                      <a:solidFill>
+                        <a:srgbClr val="000000"/>
+                      </a:solidFill>
+                      <a:prstDash val="solid"/>
+                      <a:round/>
+                      <a:headEnd type="none" w="med" len="med"/>
+                      <a:tailEnd type="none" w="med" len="med"/>
+                    </a:lnB>
+                    <a:solidFill>
+                      <a:schemeClr val="bg2">
+                        <a:lumMod val="75000"/>
+                      </a:schemeClr>
+                    </a:solidFill>
+                  </a:tcPr>
+                </a:tc>
+                <a:tc>
+                  <a:txBody>
+                    <a:bodyPr/>
+                    <a:lstStyle/>
+                    <a:p>
+                      <a:pPr algn="l" fontAlgn="ctr"/>
+                      <a:r>
+                        <a:rPr lang="en-US" sz="1200" b="1" i="0" u="none" strike="noStrike" dirty="0">
+                          <a:solidFill>
+                            <a:srgbClr val="262626"/>
+                          </a:solidFill>
+                          <a:effectLst/>
+                          <a:latin typeface="+mj-lt"/>
+                        </a:rPr>
+                        <a:t>Checklist Item</a:t>
+                      </a:r>
+                    </a:p>
+                  </a:txBody>
+                  <a:tcPr marL="85725" marR="9525" marT="9525" marB="0" anchor="ctr">
+                    <a:lnL w="6350" cap="flat" cmpd="sng" algn="ctr">
+                      <a:solidFill>
+                        <a:srgbClr val="000000"/>
+                      </a:solidFill>
+                      <a:prstDash val="solid"/>
+                      <a:round/>
+                      <a:headEnd type="none" w="med" len="med"/>
+                      <a:tailEnd type="none" w="med" len="med"/>
+                    </a:lnL>
+                    <a:lnR w="6350" cap="flat" cmpd="sng" algn="ctr">
+                      <a:solidFill>
+                        <a:srgbClr val="000000"/>
+                      </a:solidFill>
+                      <a:prstDash val="solid"/>
+                      <a:round/>
+                      <a:headEnd type="none" w="med" len="med"/>
+                      <a:tailEnd type="none" w="med" len="med"/>
+                    </a:lnR>
+                    <a:lnT w="6350" cap="flat" cmpd="sng" algn="ctr">
+                      <a:solidFill>
+                        <a:srgbClr val="000000"/>
+                      </a:solidFill>
+                      <a:prstDash val="solid"/>
+                      <a:round/>
+                      <a:headEnd type="none" w="med" len="med"/>
+                      <a:tailEnd type="none" w="med" len="med"/>
+                    </a:lnT>
+                    <a:lnB w="6350" cap="flat" cmpd="sng" algn="ctr">
+                      <a:solidFill>
+                        <a:srgbClr val="000000"/>
+                      </a:solidFill>
+                      <a:prstDash val="solid"/>
+                      <a:round/>
+                      <a:headEnd type="none" w="med" len="med"/>
+                      <a:tailEnd type="none" w="med" len="med"/>
+                    </a:lnB>
+                    <a:solidFill>
+                      <a:schemeClr val="bg2">
+                        <a:lumMod val="75000"/>
+                      </a:schemeClr>
+                    </a:solidFill>
+                  </a:tcPr>
+                </a:tc>
+              </a:tr>
+              <a:tr h="323850">
+                <a:tc>
+                  <a:txBody>
+                    <a:bodyPr/>
+                    <a:lstStyle/>
+                    <a:p>
+                      <a:pPr algn="l" fontAlgn="ctr"/>
+                      <a:r>
+                        <a:rPr lang="en-GB" sz="1200" b="0" i="0" u="none" strike="noStrike" dirty="0">
+                          <a:solidFill>
+                            <a:srgbClr val="262626"/>
+                          </a:solidFill>
+                          <a:effectLst/>
+                          <a:latin typeface="+mj-lt"/>
+                        </a:rPr>
+                        <a:t>Use checked exceptions for recoverable conditions and runtime exceptions for programming errors</a:t>
+                      </a:r>
+                    </a:p>
+                  </a:txBody>
+                  <a:tcPr marL="85725" marR="9525" marT="9525" marB="0" anchor="ctr">
+                    <a:lnL w="6350" cap="flat" cmpd="sng" algn="ctr">
+                      <a:solidFill>
+                        <a:srgbClr val="000000"/>
+                      </a:solidFill>
+                      <a:prstDash val="solid"/>
+                      <a:round/>
+                      <a:headEnd type="none" w="med" len="med"/>
+                      <a:tailEnd type="none" w="med" len="med"/>
+                    </a:lnL>
+                    <a:lnR w="6350" cap="flat" cmpd="sng" algn="ctr">
+                      <a:solidFill>
+                        <a:srgbClr val="000000"/>
+                      </a:solidFill>
+                      <a:prstDash val="solid"/>
+                      <a:round/>
+                      <a:headEnd type="none" w="med" len="med"/>
+                      <a:tailEnd type="none" w="med" len="med"/>
+                    </a:lnR>
+                    <a:lnT w="6350" cap="flat" cmpd="sng" algn="ctr">
+                      <a:solidFill>
+                        <a:srgbClr val="000000"/>
+                      </a:solidFill>
+                      <a:prstDash val="solid"/>
+                      <a:round/>
+                      <a:headEnd type="none" w="med" len="med"/>
+                      <a:tailEnd type="none" w="med" len="med"/>
+                    </a:lnT>
+                    <a:lnB w="6350" cap="flat" cmpd="sng" algn="ctr">
+                      <a:solidFill>
+                        <a:srgbClr val="000000"/>
+                      </a:solidFill>
+                      <a:prstDash val="solid"/>
+                      <a:round/>
+                      <a:headEnd type="none" w="med" len="med"/>
+                      <a:tailEnd type="none" w="med" len="med"/>
+                    </a:lnB>
+                    <a:solidFill>
+                      <a:schemeClr val="bg1"/>
+                    </a:solidFill>
+                  </a:tcPr>
+                </a:tc>
+                <a:tc>
+                  <a:txBody>
+                    <a:bodyPr/>
+                    <a:lstStyle/>
+                    <a:p>
+                      <a:pPr algn="l" fontAlgn="ctr"/>
+                      <a:r>
+                        <a:rPr lang="en-US" sz="1200" b="0" i="0" u="none" strike="noStrike">
+                          <a:solidFill>
+                            <a:srgbClr val="262626"/>
+                          </a:solidFill>
+                          <a:effectLst/>
+                          <a:latin typeface="+mj-lt"/>
+                        </a:rPr>
+                        <a:t>Exceptions</a:t>
+                      </a:r>
+                    </a:p>
+                  </a:txBody>
+                  <a:tcPr marL="85725" marR="9525" marT="9525" marB="0" anchor="ctr">
+                    <a:lnL w="6350" cap="flat" cmpd="sng" algn="ctr">
+                      <a:solidFill>
+                        <a:srgbClr val="000000"/>
+                      </a:solidFill>
+                      <a:prstDash val="solid"/>
+                      <a:round/>
+                      <a:headEnd type="none" w="med" len="med"/>
+                      <a:tailEnd type="none" w="med" len="med"/>
+                    </a:lnL>
+                    <a:lnR w="6350" cap="flat" cmpd="sng" algn="ctr">
+                      <a:solidFill>
+                        <a:srgbClr val="000000"/>
+                      </a:solidFill>
+                      <a:prstDash val="solid"/>
+                      <a:round/>
+                      <a:headEnd type="none" w="med" len="med"/>
+                      <a:tailEnd type="none" w="med" len="med"/>
+                    </a:lnR>
+                    <a:lnT w="6350" cap="flat" cmpd="sng" algn="ctr">
+                      <a:solidFill>
+                        <a:srgbClr val="000000"/>
+                      </a:solidFill>
+                      <a:prstDash val="solid"/>
+                      <a:round/>
+                      <a:headEnd type="none" w="med" len="med"/>
+                      <a:tailEnd type="none" w="med" len="med"/>
+                    </a:lnT>
+                    <a:lnB w="6350" cap="flat" cmpd="sng" algn="ctr">
+                      <a:solidFill>
+                        <a:srgbClr val="000000"/>
+                      </a:solidFill>
+                      <a:prstDash val="solid"/>
+                      <a:round/>
+                      <a:headEnd type="none" w="med" len="med"/>
+                      <a:tailEnd type="none" w="med" len="med"/>
+                    </a:lnB>
+                    <a:solidFill>
+                      <a:schemeClr val="bg1"/>
+                    </a:solidFill>
+                  </a:tcPr>
+                </a:tc>
+              </a:tr>
+              <a:tr h="190500">
+                <a:tc>
+                  <a:txBody>
+                    <a:bodyPr/>
+                    <a:lstStyle/>
+                    <a:p>
+                      <a:pPr algn="l" fontAlgn="ctr"/>
+                      <a:r>
+                        <a:rPr lang="en-GB" sz="1200" b="0" i="0" u="none" strike="noStrike" dirty="0" smtClean="0">
+                          <a:solidFill>
+                            <a:srgbClr val="262626"/>
+                          </a:solidFill>
+                          <a:effectLst/>
+                          <a:latin typeface="+mj-lt"/>
+                        </a:rPr>
+                        <a:t>Favour </a:t>
+                      </a:r>
+                      <a:r>
+                        <a:rPr lang="en-GB" sz="1200" b="0" i="0" u="none" strike="noStrike" dirty="0">
+                          <a:solidFill>
+                            <a:srgbClr val="262626"/>
+                          </a:solidFill>
+                          <a:effectLst/>
+                          <a:latin typeface="+mj-lt"/>
+                        </a:rPr>
+                        <a:t>the use of standard exceptions</a:t>
+                      </a:r>
+                    </a:p>
+                  </a:txBody>
+                  <a:tcPr marL="85725" marR="9525" marT="9525" marB="0" anchor="ctr">
+                    <a:lnL w="6350" cap="flat" cmpd="sng" algn="ctr">
+                      <a:solidFill>
+                        <a:srgbClr val="000000"/>
+                      </a:solidFill>
+                      <a:prstDash val="solid"/>
+                      <a:round/>
+                      <a:headEnd type="none" w="med" len="med"/>
+                      <a:tailEnd type="none" w="med" len="med"/>
+                    </a:lnL>
+                    <a:lnR w="6350" cap="flat" cmpd="sng" algn="ctr">
+                      <a:solidFill>
+                        <a:srgbClr val="000000"/>
+                      </a:solidFill>
+                      <a:prstDash val="solid"/>
+                      <a:round/>
+                      <a:headEnd type="none" w="med" len="med"/>
+                      <a:tailEnd type="none" w="med" len="med"/>
+                    </a:lnR>
+                    <a:lnT w="6350" cap="flat" cmpd="sng" algn="ctr">
+                      <a:solidFill>
+                        <a:srgbClr val="000000"/>
+                      </a:solidFill>
+                      <a:prstDash val="solid"/>
+                      <a:round/>
+                      <a:headEnd type="none" w="med" len="med"/>
+                      <a:tailEnd type="none" w="med" len="med"/>
+                    </a:lnT>
+                    <a:lnB w="6350" cap="flat" cmpd="sng" algn="ctr">
+                      <a:solidFill>
+                        <a:srgbClr val="000000"/>
+                      </a:solidFill>
+                      <a:prstDash val="solid"/>
+                      <a:round/>
+                      <a:headEnd type="none" w="med" len="med"/>
+                      <a:tailEnd type="none" w="med" len="med"/>
+                    </a:lnB>
+                    <a:solidFill>
+                      <a:schemeClr val="bg1"/>
+                    </a:solidFill>
+                  </a:tcPr>
+                </a:tc>
+                <a:tc>
+                  <a:txBody>
+                    <a:bodyPr/>
+                    <a:lstStyle/>
+                    <a:p>
+                      <a:pPr algn="l" fontAlgn="ctr"/>
+                      <a:r>
+                        <a:rPr lang="en-US" sz="1200" b="0" i="0" u="none" strike="noStrike">
+                          <a:solidFill>
+                            <a:srgbClr val="262626"/>
+                          </a:solidFill>
+                          <a:effectLst/>
+                          <a:latin typeface="+mj-lt"/>
+                        </a:rPr>
+                        <a:t>Exceptions</a:t>
+                      </a:r>
+                    </a:p>
+                  </a:txBody>
+                  <a:tcPr marL="85725" marR="9525" marT="9525" marB="0" anchor="ctr">
+                    <a:lnL w="6350" cap="flat" cmpd="sng" algn="ctr">
+                      <a:solidFill>
+                        <a:srgbClr val="000000"/>
+                      </a:solidFill>
+                      <a:prstDash val="solid"/>
+                      <a:round/>
+                      <a:headEnd type="none" w="med" len="med"/>
+                      <a:tailEnd type="none" w="med" len="med"/>
+                    </a:lnL>
+                    <a:lnR w="6350" cap="flat" cmpd="sng" algn="ctr">
+                      <a:solidFill>
+                        <a:srgbClr val="000000"/>
+                      </a:solidFill>
+                      <a:prstDash val="solid"/>
+                      <a:round/>
+                      <a:headEnd type="none" w="med" len="med"/>
+                      <a:tailEnd type="none" w="med" len="med"/>
+                    </a:lnR>
+                    <a:lnT w="6350" cap="flat" cmpd="sng" algn="ctr">
+                      <a:solidFill>
+                        <a:srgbClr val="000000"/>
+                      </a:solidFill>
+                      <a:prstDash val="solid"/>
+                      <a:round/>
+                      <a:headEnd type="none" w="med" len="med"/>
+                      <a:tailEnd type="none" w="med" len="med"/>
+                    </a:lnT>
+                    <a:lnB w="6350" cap="flat" cmpd="sng" algn="ctr">
+                      <a:solidFill>
+                        <a:srgbClr val="000000"/>
+                      </a:solidFill>
+                      <a:prstDash val="solid"/>
+                      <a:round/>
+                      <a:headEnd type="none" w="med" len="med"/>
+                      <a:tailEnd type="none" w="med" len="med"/>
+                    </a:lnB>
+                    <a:solidFill>
+                      <a:schemeClr val="bg1"/>
+                    </a:solidFill>
+                  </a:tcPr>
+                </a:tc>
+              </a:tr>
+              <a:tr h="190500">
+                <a:tc>
+                  <a:txBody>
+                    <a:bodyPr/>
+                    <a:lstStyle/>
+                    <a:p>
+                      <a:pPr algn="l" fontAlgn="ctr"/>
+                      <a:r>
+                        <a:rPr lang="en-US" sz="1200" b="0" i="0" u="none" strike="noStrike" dirty="0">
+                          <a:solidFill>
+                            <a:srgbClr val="262626"/>
+                          </a:solidFill>
+                          <a:effectLst/>
+                          <a:latin typeface="+mj-lt"/>
+                        </a:rPr>
+                        <a:t>Don't ignore exceptions</a:t>
+                      </a:r>
+                    </a:p>
+                  </a:txBody>
+                  <a:tcPr marL="85725" marR="9525" marT="9525" marB="0" anchor="ctr">
+                    <a:lnL w="6350" cap="flat" cmpd="sng" algn="ctr">
+                      <a:solidFill>
+                        <a:srgbClr val="000000"/>
+                      </a:solidFill>
+                      <a:prstDash val="solid"/>
+                      <a:round/>
+                      <a:headEnd type="none" w="med" len="med"/>
+                      <a:tailEnd type="none" w="med" len="med"/>
+                    </a:lnL>
+                    <a:lnR w="6350" cap="flat" cmpd="sng" algn="ctr">
+                      <a:solidFill>
+                        <a:srgbClr val="000000"/>
+                      </a:solidFill>
+                      <a:prstDash val="solid"/>
+                      <a:round/>
+                      <a:headEnd type="none" w="med" len="med"/>
+                      <a:tailEnd type="none" w="med" len="med"/>
+                    </a:lnR>
+                    <a:lnT w="6350" cap="flat" cmpd="sng" algn="ctr">
+                      <a:solidFill>
+                        <a:srgbClr val="000000"/>
+                      </a:solidFill>
+                      <a:prstDash val="solid"/>
+                      <a:round/>
+                      <a:headEnd type="none" w="med" len="med"/>
+                      <a:tailEnd type="none" w="med" len="med"/>
+                    </a:lnT>
+                    <a:lnB w="6350" cap="flat" cmpd="sng" algn="ctr">
+                      <a:solidFill>
+                        <a:srgbClr val="000000"/>
+                      </a:solidFill>
+                      <a:prstDash val="solid"/>
+                      <a:round/>
+                      <a:headEnd type="none" w="med" len="med"/>
+                      <a:tailEnd type="none" w="med" len="med"/>
+                    </a:lnB>
+                    <a:solidFill>
+                      <a:schemeClr val="bg1"/>
+                    </a:solidFill>
+                  </a:tcPr>
+                </a:tc>
+                <a:tc>
+                  <a:txBody>
+                    <a:bodyPr/>
+                    <a:lstStyle/>
+                    <a:p>
+                      <a:pPr algn="l" fontAlgn="ctr"/>
+                      <a:r>
+                        <a:rPr lang="en-US" sz="1200" b="0" i="0" u="none" strike="noStrike">
+                          <a:solidFill>
+                            <a:srgbClr val="262626"/>
+                          </a:solidFill>
+                          <a:effectLst/>
+                          <a:latin typeface="+mj-lt"/>
+                        </a:rPr>
+                        <a:t>Exceptions</a:t>
+                      </a:r>
+                    </a:p>
+                  </a:txBody>
+                  <a:tcPr marL="85725" marR="9525" marT="9525" marB="0" anchor="ctr">
+                    <a:lnL w="6350" cap="flat" cmpd="sng" algn="ctr">
+                      <a:solidFill>
+                        <a:srgbClr val="000000"/>
+                      </a:solidFill>
+                      <a:prstDash val="solid"/>
+                      <a:round/>
+                      <a:headEnd type="none" w="med" len="med"/>
+                      <a:tailEnd type="none" w="med" len="med"/>
+                    </a:lnL>
+                    <a:lnR w="6350" cap="flat" cmpd="sng" algn="ctr">
+                      <a:solidFill>
+                        <a:srgbClr val="000000"/>
+                      </a:solidFill>
+                      <a:prstDash val="solid"/>
+                      <a:round/>
+                      <a:headEnd type="none" w="med" len="med"/>
+                      <a:tailEnd type="none" w="med" len="med"/>
+                    </a:lnR>
+                    <a:lnT w="6350" cap="flat" cmpd="sng" algn="ctr">
+                      <a:solidFill>
+                        <a:srgbClr val="000000"/>
+                      </a:solidFill>
+                      <a:prstDash val="solid"/>
+                      <a:round/>
+                      <a:headEnd type="none" w="med" len="med"/>
+                      <a:tailEnd type="none" w="med" len="med"/>
+                    </a:lnT>
+                    <a:lnB w="6350" cap="flat" cmpd="sng" algn="ctr">
+                      <a:solidFill>
+                        <a:srgbClr val="000000"/>
+                      </a:solidFill>
+                      <a:prstDash val="solid"/>
+                      <a:round/>
+                      <a:headEnd type="none" w="med" len="med"/>
+                      <a:tailEnd type="none" w="med" len="med"/>
+                    </a:lnB>
+                    <a:solidFill>
+                      <a:schemeClr val="bg1"/>
+                    </a:solidFill>
+                  </a:tcPr>
+                </a:tc>
+              </a:tr>
+              <a:tr h="190500">
+                <a:tc>
+                  <a:txBody>
+                    <a:bodyPr/>
+                    <a:lstStyle/>
+                    <a:p>
+                      <a:pPr algn="l" fontAlgn="ctr"/>
+                      <a:r>
+                        <a:rPr lang="en-US" sz="1200" b="0" i="0" u="none" strike="noStrike" dirty="0">
+                          <a:solidFill>
+                            <a:srgbClr val="262626"/>
+                          </a:solidFill>
+                          <a:effectLst/>
+                          <a:latin typeface="+mj-lt"/>
+                        </a:rPr>
+                        <a:t>Check parameters for validity</a:t>
+                      </a:r>
+                    </a:p>
+                  </a:txBody>
+                  <a:tcPr marL="85725" marR="9525" marT="9525" marB="0" anchor="ctr">
+                    <a:lnL w="6350" cap="flat" cmpd="sng" algn="ctr">
+                      <a:solidFill>
+                        <a:srgbClr val="000000"/>
+                      </a:solidFill>
+                      <a:prstDash val="solid"/>
+                      <a:round/>
+                      <a:headEnd type="none" w="med" len="med"/>
+                      <a:tailEnd type="none" w="med" len="med"/>
+                    </a:lnL>
+                    <a:lnR w="6350" cap="flat" cmpd="sng" algn="ctr">
+                      <a:solidFill>
+                        <a:srgbClr val="000000"/>
+                      </a:solidFill>
+                      <a:prstDash val="solid"/>
+                      <a:round/>
+                      <a:headEnd type="none" w="med" len="med"/>
+                      <a:tailEnd type="none" w="med" len="med"/>
+                    </a:lnR>
+                    <a:lnT w="6350" cap="flat" cmpd="sng" algn="ctr">
+                      <a:solidFill>
+                        <a:srgbClr val="000000"/>
+                      </a:solidFill>
+                      <a:prstDash val="solid"/>
+                      <a:round/>
+                      <a:headEnd type="none" w="med" len="med"/>
+                      <a:tailEnd type="none" w="med" len="med"/>
+                    </a:lnT>
+                    <a:lnB w="6350" cap="flat" cmpd="sng" algn="ctr">
+                      <a:solidFill>
+                        <a:srgbClr val="000000"/>
+                      </a:solidFill>
+                      <a:prstDash val="solid"/>
+                      <a:round/>
+                      <a:headEnd type="none" w="med" len="med"/>
+                      <a:tailEnd type="none" w="med" len="med"/>
+                    </a:lnB>
+                    <a:solidFill>
+                      <a:schemeClr val="bg1"/>
+                    </a:solidFill>
+                  </a:tcPr>
+                </a:tc>
+                <a:tc>
+                  <a:txBody>
+                    <a:bodyPr/>
+                    <a:lstStyle/>
+                    <a:p>
+                      <a:pPr algn="l" fontAlgn="ctr"/>
+                      <a:r>
+                        <a:rPr lang="en-US" sz="1200" b="0" i="0" u="none" strike="noStrike">
+                          <a:solidFill>
+                            <a:srgbClr val="262626"/>
+                          </a:solidFill>
+                          <a:effectLst/>
+                          <a:latin typeface="+mj-lt"/>
+                        </a:rPr>
+                        <a:t>Methods</a:t>
+                      </a:r>
+                    </a:p>
+                  </a:txBody>
+                  <a:tcPr marL="85725" marR="9525" marT="9525" marB="0" anchor="ctr">
+                    <a:lnL w="6350" cap="flat" cmpd="sng" algn="ctr">
+                      <a:solidFill>
+                        <a:srgbClr val="000000"/>
+                      </a:solidFill>
+                      <a:prstDash val="solid"/>
+                      <a:round/>
+                      <a:headEnd type="none" w="med" len="med"/>
+                      <a:tailEnd type="none" w="med" len="med"/>
+                    </a:lnL>
+                    <a:lnR w="6350" cap="flat" cmpd="sng" algn="ctr">
+                      <a:solidFill>
+                        <a:srgbClr val="000000"/>
+                      </a:solidFill>
+                      <a:prstDash val="solid"/>
+                      <a:round/>
+                      <a:headEnd type="none" w="med" len="med"/>
+                      <a:tailEnd type="none" w="med" len="med"/>
+                    </a:lnR>
+                    <a:lnT w="6350" cap="flat" cmpd="sng" algn="ctr">
+                      <a:solidFill>
+                        <a:srgbClr val="000000"/>
+                      </a:solidFill>
+                      <a:prstDash val="solid"/>
+                      <a:round/>
+                      <a:headEnd type="none" w="med" len="med"/>
+                      <a:tailEnd type="none" w="med" len="med"/>
+                    </a:lnT>
+                    <a:lnB w="6350" cap="flat" cmpd="sng" algn="ctr">
+                      <a:solidFill>
+                        <a:srgbClr val="000000"/>
+                      </a:solidFill>
+                      <a:prstDash val="solid"/>
+                      <a:round/>
+                      <a:headEnd type="none" w="med" len="med"/>
+                      <a:tailEnd type="none" w="med" len="med"/>
+                    </a:lnB>
+                    <a:solidFill>
+                      <a:schemeClr val="bg1"/>
+                    </a:solidFill>
+                  </a:tcPr>
+                </a:tc>
+              </a:tr>
+              <a:tr h="190500">
+                <a:tc>
+                  <a:txBody>
+                    <a:bodyPr/>
+                    <a:lstStyle/>
+                    <a:p>
+                      <a:pPr algn="l" fontAlgn="ctr"/>
+                      <a:r>
+                        <a:rPr lang="en-GB" sz="1200" b="0" i="0" u="none" strike="noStrike" dirty="0">
+                          <a:solidFill>
+                            <a:srgbClr val="262626"/>
+                          </a:solidFill>
+                          <a:effectLst/>
+                          <a:latin typeface="+mj-lt"/>
+                        </a:rPr>
+                        <a:t>Return empty arrays or collections, not nulls</a:t>
+                      </a:r>
+                    </a:p>
+                  </a:txBody>
+                  <a:tcPr marL="85725" marR="9525" marT="9525" marB="0" anchor="ctr">
+                    <a:lnL w="6350" cap="flat" cmpd="sng" algn="ctr">
+                      <a:solidFill>
+                        <a:srgbClr val="000000"/>
+                      </a:solidFill>
+                      <a:prstDash val="solid"/>
+                      <a:round/>
+                      <a:headEnd type="none" w="med" len="med"/>
+                      <a:tailEnd type="none" w="med" len="med"/>
+                    </a:lnL>
+                    <a:lnR w="6350" cap="flat" cmpd="sng" algn="ctr">
+                      <a:solidFill>
+                        <a:srgbClr val="000000"/>
+                      </a:solidFill>
+                      <a:prstDash val="solid"/>
+                      <a:round/>
+                      <a:headEnd type="none" w="med" len="med"/>
+                      <a:tailEnd type="none" w="med" len="med"/>
+                    </a:lnR>
+                    <a:lnT w="6350" cap="flat" cmpd="sng" algn="ctr">
+                      <a:solidFill>
+                        <a:srgbClr val="000000"/>
+                      </a:solidFill>
+                      <a:prstDash val="solid"/>
+                      <a:round/>
+                      <a:headEnd type="none" w="med" len="med"/>
+                      <a:tailEnd type="none" w="med" len="med"/>
+                    </a:lnT>
+                    <a:lnB w="6350" cap="flat" cmpd="sng" algn="ctr">
+                      <a:solidFill>
+                        <a:srgbClr val="000000"/>
+                      </a:solidFill>
+                      <a:prstDash val="solid"/>
+                      <a:round/>
+                      <a:headEnd type="none" w="med" len="med"/>
+                      <a:tailEnd type="none" w="med" len="med"/>
+                    </a:lnB>
+                    <a:solidFill>
+                      <a:schemeClr val="bg1"/>
+                    </a:solidFill>
+                  </a:tcPr>
+                </a:tc>
+                <a:tc>
+                  <a:txBody>
+                    <a:bodyPr/>
+                    <a:lstStyle/>
+                    <a:p>
+                      <a:pPr algn="l" fontAlgn="ctr"/>
+                      <a:r>
+                        <a:rPr lang="en-US" sz="1200" b="0" i="0" u="none" strike="noStrike">
+                          <a:solidFill>
+                            <a:srgbClr val="262626"/>
+                          </a:solidFill>
+                          <a:effectLst/>
+                          <a:latin typeface="+mj-lt"/>
+                        </a:rPr>
+                        <a:t>Methods</a:t>
+                      </a:r>
+                    </a:p>
+                  </a:txBody>
+                  <a:tcPr marL="85725" marR="9525" marT="9525" marB="0" anchor="ctr">
+                    <a:lnL w="6350" cap="flat" cmpd="sng" algn="ctr">
+                      <a:solidFill>
+                        <a:srgbClr val="000000"/>
+                      </a:solidFill>
+                      <a:prstDash val="solid"/>
+                      <a:round/>
+                      <a:headEnd type="none" w="med" len="med"/>
+                      <a:tailEnd type="none" w="med" len="med"/>
+                    </a:lnL>
+                    <a:lnR w="6350" cap="flat" cmpd="sng" algn="ctr">
+                      <a:solidFill>
+                        <a:srgbClr val="000000"/>
+                      </a:solidFill>
+                      <a:prstDash val="solid"/>
+                      <a:round/>
+                      <a:headEnd type="none" w="med" len="med"/>
+                      <a:tailEnd type="none" w="med" len="med"/>
+                    </a:lnR>
+                    <a:lnT w="6350" cap="flat" cmpd="sng" algn="ctr">
+                      <a:solidFill>
+                        <a:srgbClr val="000000"/>
+                      </a:solidFill>
+                      <a:prstDash val="solid"/>
+                      <a:round/>
+                      <a:headEnd type="none" w="med" len="med"/>
+                      <a:tailEnd type="none" w="med" len="med"/>
+                    </a:lnT>
+                    <a:lnB w="6350" cap="flat" cmpd="sng" algn="ctr">
+                      <a:solidFill>
+                        <a:srgbClr val="000000"/>
+                      </a:solidFill>
+                      <a:prstDash val="solid"/>
+                      <a:round/>
+                      <a:headEnd type="none" w="med" len="med"/>
+                      <a:tailEnd type="none" w="med" len="med"/>
+                    </a:lnB>
+                    <a:solidFill>
+                      <a:schemeClr val="bg1"/>
+                    </a:solidFill>
+                  </a:tcPr>
+                </a:tc>
+              </a:tr>
+              <a:tr h="190500">
+                <a:tc>
+                  <a:txBody>
+                    <a:bodyPr/>
+                    <a:lstStyle/>
+                    <a:p>
+                      <a:pPr algn="l" fontAlgn="ctr"/>
+                      <a:r>
+                        <a:rPr lang="en-GB" sz="1200" b="0" i="0" u="none" strike="noStrike" dirty="0">
+                          <a:solidFill>
+                            <a:srgbClr val="262626"/>
+                          </a:solidFill>
+                          <a:effectLst/>
+                          <a:latin typeface="+mj-lt"/>
+                        </a:rPr>
+                        <a:t>Minimize the accessibility of classes and members</a:t>
+                      </a:r>
+                    </a:p>
+                  </a:txBody>
+                  <a:tcPr marL="85725" marR="9525" marT="9525" marB="0" anchor="ctr">
+                    <a:lnL w="6350" cap="flat" cmpd="sng" algn="ctr">
+                      <a:solidFill>
+                        <a:srgbClr val="000000"/>
+                      </a:solidFill>
+                      <a:prstDash val="solid"/>
+                      <a:round/>
+                      <a:headEnd type="none" w="med" len="med"/>
+                      <a:tailEnd type="none" w="med" len="med"/>
+                    </a:lnL>
+                    <a:lnR w="6350" cap="flat" cmpd="sng" algn="ctr">
+                      <a:solidFill>
+                        <a:srgbClr val="000000"/>
+                      </a:solidFill>
+                      <a:prstDash val="solid"/>
+                      <a:round/>
+                      <a:headEnd type="none" w="med" len="med"/>
+                      <a:tailEnd type="none" w="med" len="med"/>
+                    </a:lnR>
+                    <a:lnT w="6350" cap="flat" cmpd="sng" algn="ctr">
+                      <a:solidFill>
+                        <a:srgbClr val="000000"/>
+                      </a:solidFill>
+                      <a:prstDash val="solid"/>
+                      <a:round/>
+                      <a:headEnd type="none" w="med" len="med"/>
+                      <a:tailEnd type="none" w="med" len="med"/>
+                    </a:lnT>
+                    <a:lnB w="6350" cap="flat" cmpd="sng" algn="ctr">
+                      <a:solidFill>
+                        <a:srgbClr val="000000"/>
+                      </a:solidFill>
+                      <a:prstDash val="solid"/>
+                      <a:round/>
+                      <a:headEnd type="none" w="med" len="med"/>
+                      <a:tailEnd type="none" w="med" len="med"/>
+                    </a:lnB>
+                    <a:solidFill>
+                      <a:schemeClr val="bg1"/>
+                    </a:solidFill>
+                  </a:tcPr>
+                </a:tc>
+                <a:tc>
+                  <a:txBody>
+                    <a:bodyPr/>
+                    <a:lstStyle/>
+                    <a:p>
+                      <a:pPr algn="l" fontAlgn="ctr"/>
+                      <a:r>
+                        <a:rPr lang="en-US" sz="1200" b="0" i="0" u="none" strike="noStrike">
+                          <a:solidFill>
+                            <a:srgbClr val="262626"/>
+                          </a:solidFill>
+                          <a:effectLst/>
+                          <a:latin typeface="+mj-lt"/>
+                        </a:rPr>
+                        <a:t>Classes and Interfaces</a:t>
+                      </a:r>
+                    </a:p>
+                  </a:txBody>
+                  <a:tcPr marL="85725" marR="9525" marT="9525" marB="0" anchor="ctr">
+                    <a:lnL w="6350" cap="flat" cmpd="sng" algn="ctr">
+                      <a:solidFill>
+                        <a:srgbClr val="000000"/>
+                      </a:solidFill>
+                      <a:prstDash val="solid"/>
+                      <a:round/>
+                      <a:headEnd type="none" w="med" len="med"/>
+                      <a:tailEnd type="none" w="med" len="med"/>
+                    </a:lnL>
+                    <a:lnR w="6350" cap="flat" cmpd="sng" algn="ctr">
+                      <a:solidFill>
+                        <a:srgbClr val="000000"/>
+                      </a:solidFill>
+                      <a:prstDash val="solid"/>
+                      <a:round/>
+                      <a:headEnd type="none" w="med" len="med"/>
+                      <a:tailEnd type="none" w="med" len="med"/>
+                    </a:lnR>
+                    <a:lnT w="6350" cap="flat" cmpd="sng" algn="ctr">
+                      <a:solidFill>
+                        <a:srgbClr val="000000"/>
+                      </a:solidFill>
+                      <a:prstDash val="solid"/>
+                      <a:round/>
+                      <a:headEnd type="none" w="med" len="med"/>
+                      <a:tailEnd type="none" w="med" len="med"/>
+                    </a:lnT>
+                    <a:lnB w="6350" cap="flat" cmpd="sng" algn="ctr">
+                      <a:solidFill>
+                        <a:srgbClr val="000000"/>
+                      </a:solidFill>
+                      <a:prstDash val="solid"/>
+                      <a:round/>
+                      <a:headEnd type="none" w="med" len="med"/>
+                      <a:tailEnd type="none" w="med" len="med"/>
+                    </a:lnB>
+                    <a:solidFill>
+                      <a:schemeClr val="bg1"/>
+                    </a:solidFill>
+                  </a:tcPr>
+                </a:tc>
+              </a:tr>
+              <a:tr h="323850">
+                <a:tc>
+                  <a:txBody>
+                    <a:bodyPr/>
+                    <a:lstStyle/>
+                    <a:p>
+                      <a:pPr algn="l" fontAlgn="ctr"/>
+                      <a:r>
+                        <a:rPr lang="en-GB" sz="1200" b="0" i="0" u="none" strike="noStrike" dirty="0">
+                          <a:solidFill>
+                            <a:srgbClr val="262626"/>
+                          </a:solidFill>
+                          <a:effectLst/>
+                          <a:latin typeface="+mj-lt"/>
+                        </a:rPr>
+                        <a:t>In public classes, use accessor methods, not public fields</a:t>
+                      </a:r>
+                    </a:p>
+                  </a:txBody>
+                  <a:tcPr marL="85725" marR="9525" marT="9525" marB="0" anchor="ctr">
+                    <a:lnL w="6350" cap="flat" cmpd="sng" algn="ctr">
+                      <a:solidFill>
+                        <a:srgbClr val="000000"/>
+                      </a:solidFill>
+                      <a:prstDash val="solid"/>
+                      <a:round/>
+                      <a:headEnd type="none" w="med" len="med"/>
+                      <a:tailEnd type="none" w="med" len="med"/>
+                    </a:lnL>
+                    <a:lnR w="6350" cap="flat" cmpd="sng" algn="ctr">
+                      <a:solidFill>
+                        <a:srgbClr val="000000"/>
+                      </a:solidFill>
+                      <a:prstDash val="solid"/>
+                      <a:round/>
+                      <a:headEnd type="none" w="med" len="med"/>
+                      <a:tailEnd type="none" w="med" len="med"/>
+                    </a:lnR>
+                    <a:lnT w="6350" cap="flat" cmpd="sng" algn="ctr">
+                      <a:solidFill>
+                        <a:srgbClr val="000000"/>
+                      </a:solidFill>
+                      <a:prstDash val="solid"/>
+                      <a:round/>
+                      <a:headEnd type="none" w="med" len="med"/>
+                      <a:tailEnd type="none" w="med" len="med"/>
+                    </a:lnT>
+                    <a:lnB w="6350" cap="flat" cmpd="sng" algn="ctr">
+                      <a:solidFill>
+                        <a:srgbClr val="000000"/>
+                      </a:solidFill>
+                      <a:prstDash val="solid"/>
+                      <a:round/>
+                      <a:headEnd type="none" w="med" len="med"/>
+                      <a:tailEnd type="none" w="med" len="med"/>
+                    </a:lnB>
+                    <a:solidFill>
+                      <a:schemeClr val="bg1"/>
+                    </a:solidFill>
+                  </a:tcPr>
+                </a:tc>
+                <a:tc>
+                  <a:txBody>
+                    <a:bodyPr/>
+                    <a:lstStyle/>
+                    <a:p>
+                      <a:pPr algn="l" fontAlgn="ctr"/>
+                      <a:r>
+                        <a:rPr lang="en-US" sz="1200" b="0" i="0" u="none" strike="noStrike">
+                          <a:solidFill>
+                            <a:srgbClr val="262626"/>
+                          </a:solidFill>
+                          <a:effectLst/>
+                          <a:latin typeface="+mj-lt"/>
+                        </a:rPr>
+                        <a:t>Classes and Interfaces</a:t>
+                      </a:r>
+                    </a:p>
+                  </a:txBody>
+                  <a:tcPr marL="85725" marR="9525" marT="9525" marB="0" anchor="ctr">
+                    <a:lnL w="6350" cap="flat" cmpd="sng" algn="ctr">
+                      <a:solidFill>
+                        <a:srgbClr val="000000"/>
+                      </a:solidFill>
+                      <a:prstDash val="solid"/>
+                      <a:round/>
+                      <a:headEnd type="none" w="med" len="med"/>
+                      <a:tailEnd type="none" w="med" len="med"/>
+                    </a:lnL>
+                    <a:lnR w="6350" cap="flat" cmpd="sng" algn="ctr">
+                      <a:solidFill>
+                        <a:srgbClr val="000000"/>
+                      </a:solidFill>
+                      <a:prstDash val="solid"/>
+                      <a:round/>
+                      <a:headEnd type="none" w="med" len="med"/>
+                      <a:tailEnd type="none" w="med" len="med"/>
+                    </a:lnR>
+                    <a:lnT w="6350" cap="flat" cmpd="sng" algn="ctr">
+                      <a:solidFill>
+                        <a:srgbClr val="000000"/>
+                      </a:solidFill>
+                      <a:prstDash val="solid"/>
+                      <a:round/>
+                      <a:headEnd type="none" w="med" len="med"/>
+                      <a:tailEnd type="none" w="med" len="med"/>
+                    </a:lnT>
+                    <a:lnB w="6350" cap="flat" cmpd="sng" algn="ctr">
+                      <a:solidFill>
+                        <a:srgbClr val="000000"/>
+                      </a:solidFill>
+                      <a:prstDash val="solid"/>
+                      <a:round/>
+                      <a:headEnd type="none" w="med" len="med"/>
+                      <a:tailEnd type="none" w="med" len="med"/>
+                    </a:lnB>
+                    <a:solidFill>
+                      <a:schemeClr val="bg1"/>
+                    </a:solidFill>
+                  </a:tcPr>
+                </a:tc>
+              </a:tr>
+              <a:tr h="190500">
+                <a:tc>
+                  <a:txBody>
+                    <a:bodyPr/>
+                    <a:lstStyle/>
+                    <a:p>
+                      <a:pPr algn="l" fontAlgn="ctr"/>
+                      <a:r>
+                        <a:rPr lang="en-GB" sz="1200" b="0" i="0" u="none" strike="noStrike">
+                          <a:solidFill>
+                            <a:srgbClr val="262626"/>
+                          </a:solidFill>
+                          <a:effectLst/>
+                          <a:latin typeface="+mj-lt"/>
+                        </a:rPr>
+                        <a:t>Minimize the scope of local variables</a:t>
+                      </a:r>
+                    </a:p>
+                  </a:txBody>
+                  <a:tcPr marL="85725" marR="9525" marT="9525" marB="0" anchor="ctr">
+                    <a:lnL w="6350" cap="flat" cmpd="sng" algn="ctr">
+                      <a:solidFill>
+                        <a:srgbClr val="000000"/>
+                      </a:solidFill>
+                      <a:prstDash val="solid"/>
+                      <a:round/>
+                      <a:headEnd type="none" w="med" len="med"/>
+                      <a:tailEnd type="none" w="med" len="med"/>
+                    </a:lnL>
+                    <a:lnR w="6350" cap="flat" cmpd="sng" algn="ctr">
+                      <a:solidFill>
+                        <a:srgbClr val="000000"/>
+                      </a:solidFill>
+                      <a:prstDash val="solid"/>
+                      <a:round/>
+                      <a:headEnd type="none" w="med" len="med"/>
+                      <a:tailEnd type="none" w="med" len="med"/>
+                    </a:lnR>
+                    <a:lnT w="6350" cap="flat" cmpd="sng" algn="ctr">
+                      <a:solidFill>
+                        <a:srgbClr val="000000"/>
+                      </a:solidFill>
+                      <a:prstDash val="solid"/>
+                      <a:round/>
+                      <a:headEnd type="none" w="med" len="med"/>
+                      <a:tailEnd type="none" w="med" len="med"/>
+                    </a:lnT>
+                    <a:lnB w="6350" cap="flat" cmpd="sng" algn="ctr">
+                      <a:solidFill>
+                        <a:srgbClr val="000000"/>
+                      </a:solidFill>
+                      <a:prstDash val="solid"/>
+                      <a:round/>
+                      <a:headEnd type="none" w="med" len="med"/>
+                      <a:tailEnd type="none" w="med" len="med"/>
+                    </a:lnB>
+                    <a:solidFill>
+                      <a:schemeClr val="bg1"/>
+                    </a:solidFill>
+                  </a:tcPr>
+                </a:tc>
+                <a:tc>
+                  <a:txBody>
+                    <a:bodyPr/>
+                    <a:lstStyle/>
+                    <a:p>
+                      <a:pPr algn="l" fontAlgn="ctr"/>
+                      <a:r>
+                        <a:rPr lang="en-US" sz="1200" b="0" i="0" u="none" strike="noStrike" dirty="0">
+                          <a:solidFill>
+                            <a:srgbClr val="262626"/>
+                          </a:solidFill>
+                          <a:effectLst/>
+                          <a:latin typeface="+mj-lt"/>
+                        </a:rPr>
+                        <a:t>General Programming</a:t>
+                      </a:r>
+                    </a:p>
+                  </a:txBody>
+                  <a:tcPr marL="85725" marR="9525" marT="9525" marB="0" anchor="ctr">
+                    <a:lnL w="6350" cap="flat" cmpd="sng" algn="ctr">
+                      <a:solidFill>
+                        <a:srgbClr val="000000"/>
+                      </a:solidFill>
+                      <a:prstDash val="solid"/>
+                      <a:round/>
+                      <a:headEnd type="none" w="med" len="med"/>
+                      <a:tailEnd type="none" w="med" len="med"/>
+                    </a:lnL>
+                    <a:lnR w="6350" cap="flat" cmpd="sng" algn="ctr">
+                      <a:solidFill>
+                        <a:srgbClr val="000000"/>
+                      </a:solidFill>
+                      <a:prstDash val="solid"/>
+                      <a:round/>
+                      <a:headEnd type="none" w="med" len="med"/>
+                      <a:tailEnd type="none" w="med" len="med"/>
+                    </a:lnR>
+                    <a:lnT w="6350" cap="flat" cmpd="sng" algn="ctr">
+                      <a:solidFill>
+                        <a:srgbClr val="000000"/>
+                      </a:solidFill>
+                      <a:prstDash val="solid"/>
+                      <a:round/>
+                      <a:headEnd type="none" w="med" len="med"/>
+                      <a:tailEnd type="none" w="med" len="med"/>
+                    </a:lnT>
+                    <a:lnB w="6350" cap="flat" cmpd="sng" algn="ctr">
+                      <a:solidFill>
+                        <a:srgbClr val="000000"/>
+                      </a:solidFill>
+                      <a:prstDash val="solid"/>
+                      <a:round/>
+                      <a:headEnd type="none" w="med" len="med"/>
+                      <a:tailEnd type="none" w="med" len="med"/>
+                    </a:lnB>
+                    <a:solidFill>
+                      <a:schemeClr val="bg1"/>
+                    </a:solidFill>
+                  </a:tcPr>
+                </a:tc>
+              </a:tr>
+              <a:tr h="190500">
+                <a:tc>
+                  <a:txBody>
+                    <a:bodyPr/>
+                    <a:lstStyle/>
+                    <a:p>
+                      <a:pPr algn="l" fontAlgn="ctr"/>
+                      <a:r>
+                        <a:rPr lang="en-GB" sz="1200" b="0" i="0" u="none" strike="noStrike">
+                          <a:solidFill>
+                            <a:srgbClr val="262626"/>
+                          </a:solidFill>
+                          <a:effectLst/>
+                          <a:latin typeface="+mj-lt"/>
+                        </a:rPr>
+                        <a:t>Refer to objects by their interfaces</a:t>
+                      </a:r>
+                    </a:p>
+                  </a:txBody>
+                  <a:tcPr marL="85725" marR="9525" marT="9525" marB="0" anchor="ctr">
+                    <a:lnL w="6350" cap="flat" cmpd="sng" algn="ctr">
+                      <a:solidFill>
+                        <a:srgbClr val="000000"/>
+                      </a:solidFill>
+                      <a:prstDash val="solid"/>
+                      <a:round/>
+                      <a:headEnd type="none" w="med" len="med"/>
+                      <a:tailEnd type="none" w="med" len="med"/>
+                    </a:lnL>
+                    <a:lnR w="6350" cap="flat" cmpd="sng" algn="ctr">
+                      <a:solidFill>
+                        <a:srgbClr val="000000"/>
+                      </a:solidFill>
+                      <a:prstDash val="solid"/>
+                      <a:round/>
+                      <a:headEnd type="none" w="med" len="med"/>
+                      <a:tailEnd type="none" w="med" len="med"/>
+                    </a:lnR>
+                    <a:lnT w="6350" cap="flat" cmpd="sng" algn="ctr">
+                      <a:solidFill>
+                        <a:srgbClr val="000000"/>
+                      </a:solidFill>
+                      <a:prstDash val="solid"/>
+                      <a:round/>
+                      <a:headEnd type="none" w="med" len="med"/>
+                      <a:tailEnd type="none" w="med" len="med"/>
+                    </a:lnT>
+                    <a:lnB w="6350" cap="flat" cmpd="sng" algn="ctr">
+                      <a:solidFill>
+                        <a:srgbClr val="000000"/>
+                      </a:solidFill>
+                      <a:prstDash val="solid"/>
+                      <a:round/>
+                      <a:headEnd type="none" w="med" len="med"/>
+                      <a:tailEnd type="none" w="med" len="med"/>
+                    </a:lnB>
+                    <a:solidFill>
+                      <a:schemeClr val="bg1"/>
+                    </a:solidFill>
+                  </a:tcPr>
+                </a:tc>
+                <a:tc>
+                  <a:txBody>
+                    <a:bodyPr/>
+                    <a:lstStyle/>
+                    <a:p>
+                      <a:pPr algn="l" fontAlgn="ctr"/>
+                      <a:r>
+                        <a:rPr lang="en-US" sz="1200" b="0" i="0" u="none" strike="noStrike" dirty="0">
+                          <a:solidFill>
+                            <a:srgbClr val="262626"/>
+                          </a:solidFill>
+                          <a:effectLst/>
+                          <a:latin typeface="+mj-lt"/>
+                        </a:rPr>
+                        <a:t>General Programming</a:t>
+                      </a:r>
+                    </a:p>
+                  </a:txBody>
+                  <a:tcPr marL="85725" marR="9525" marT="9525" marB="0" anchor="ctr">
+                    <a:lnL w="6350" cap="flat" cmpd="sng" algn="ctr">
+                      <a:solidFill>
+                        <a:srgbClr val="000000"/>
+                      </a:solidFill>
+                      <a:prstDash val="solid"/>
+                      <a:round/>
+                      <a:headEnd type="none" w="med" len="med"/>
+                      <a:tailEnd type="none" w="med" len="med"/>
+                    </a:lnL>
+                    <a:lnR w="6350" cap="flat" cmpd="sng" algn="ctr">
+                      <a:solidFill>
+                        <a:srgbClr val="000000"/>
+                      </a:solidFill>
+                      <a:prstDash val="solid"/>
+                      <a:round/>
+                      <a:headEnd type="none" w="med" len="med"/>
+                      <a:tailEnd type="none" w="med" len="med"/>
+                    </a:lnR>
+                    <a:lnT w="6350" cap="flat" cmpd="sng" algn="ctr">
+                      <a:solidFill>
+                        <a:srgbClr val="000000"/>
+                      </a:solidFill>
+                      <a:prstDash val="solid"/>
+                      <a:round/>
+                      <a:headEnd type="none" w="med" len="med"/>
+                      <a:tailEnd type="none" w="med" len="med"/>
+                    </a:lnT>
+                    <a:lnB w="6350" cap="flat" cmpd="sng" algn="ctr">
+                      <a:solidFill>
+                        <a:srgbClr val="000000"/>
+                      </a:solidFill>
+                      <a:prstDash val="solid"/>
+                      <a:round/>
+                      <a:headEnd type="none" w="med" len="med"/>
+                      <a:tailEnd type="none" w="med" len="med"/>
+                    </a:lnB>
+                    <a:solidFill>
+                      <a:schemeClr val="bg1"/>
+                    </a:solidFill>
+                  </a:tcPr>
+                </a:tc>
+              </a:tr>
+              <a:tr h="190500">
+                <a:tc>
+                  <a:txBody>
+                    <a:bodyPr/>
+                    <a:lstStyle/>
+                    <a:p>
+                      <a:pPr algn="l" fontAlgn="ctr"/>
+                      <a:r>
+                        <a:rPr lang="en-GB" sz="1200" b="0" i="0" u="none" strike="noStrike">
+                          <a:solidFill>
+                            <a:srgbClr val="262626"/>
+                          </a:solidFill>
+                          <a:effectLst/>
+                          <a:latin typeface="+mj-lt"/>
+                        </a:rPr>
+                        <a:t>Adhere to generally accepted naming conventions</a:t>
+                      </a:r>
+                    </a:p>
+                  </a:txBody>
+                  <a:tcPr marL="85725" marR="9525" marT="9525" marB="0" anchor="ctr">
+                    <a:lnL w="6350" cap="flat" cmpd="sng" algn="ctr">
+                      <a:solidFill>
+                        <a:srgbClr val="000000"/>
+                      </a:solidFill>
+                      <a:prstDash val="solid"/>
+                      <a:round/>
+                      <a:headEnd type="none" w="med" len="med"/>
+                      <a:tailEnd type="none" w="med" len="med"/>
+                    </a:lnL>
+                    <a:lnR w="6350" cap="flat" cmpd="sng" algn="ctr">
+                      <a:solidFill>
+                        <a:srgbClr val="000000"/>
+                      </a:solidFill>
+                      <a:prstDash val="solid"/>
+                      <a:round/>
+                      <a:headEnd type="none" w="med" len="med"/>
+                      <a:tailEnd type="none" w="med" len="med"/>
+                    </a:lnR>
+                    <a:lnT w="6350" cap="flat" cmpd="sng" algn="ctr">
+                      <a:solidFill>
+                        <a:srgbClr val="000000"/>
+                      </a:solidFill>
+                      <a:prstDash val="solid"/>
+                      <a:round/>
+                      <a:headEnd type="none" w="med" len="med"/>
+                      <a:tailEnd type="none" w="med" len="med"/>
+                    </a:lnT>
+                    <a:lnB w="6350" cap="flat" cmpd="sng" algn="ctr">
+                      <a:solidFill>
+                        <a:srgbClr val="000000"/>
+                      </a:solidFill>
+                      <a:prstDash val="solid"/>
+                      <a:round/>
+                      <a:headEnd type="none" w="med" len="med"/>
+                      <a:tailEnd type="none" w="med" len="med"/>
+                    </a:lnB>
+                    <a:solidFill>
+                      <a:schemeClr val="bg1"/>
+                    </a:solidFill>
+                  </a:tcPr>
+                </a:tc>
+                <a:tc>
+                  <a:txBody>
+                    <a:bodyPr/>
+                    <a:lstStyle/>
+                    <a:p>
+                      <a:pPr algn="l" fontAlgn="ctr"/>
+                      <a:r>
+                        <a:rPr lang="en-US" sz="1200" b="0" i="0" u="none" strike="noStrike" dirty="0">
+                          <a:solidFill>
+                            <a:srgbClr val="262626"/>
+                          </a:solidFill>
+                          <a:effectLst/>
+                          <a:latin typeface="+mj-lt"/>
+                        </a:rPr>
+                        <a:t>General Programming</a:t>
+                      </a:r>
+                    </a:p>
+                  </a:txBody>
+                  <a:tcPr marL="85725" marR="9525" marT="9525" marB="0" anchor="ctr">
+                    <a:lnL w="6350" cap="flat" cmpd="sng" algn="ctr">
+                      <a:solidFill>
+                        <a:srgbClr val="000000"/>
+                      </a:solidFill>
+                      <a:prstDash val="solid"/>
+                      <a:round/>
+                      <a:headEnd type="none" w="med" len="med"/>
+                      <a:tailEnd type="none" w="med" len="med"/>
+                    </a:lnL>
+                    <a:lnR w="6350" cap="flat" cmpd="sng" algn="ctr">
+                      <a:solidFill>
+                        <a:srgbClr val="000000"/>
+                      </a:solidFill>
+                      <a:prstDash val="solid"/>
+                      <a:round/>
+                      <a:headEnd type="none" w="med" len="med"/>
+                      <a:tailEnd type="none" w="med" len="med"/>
+                    </a:lnR>
+                    <a:lnT w="6350" cap="flat" cmpd="sng" algn="ctr">
+                      <a:solidFill>
+                        <a:srgbClr val="000000"/>
+                      </a:solidFill>
+                      <a:prstDash val="solid"/>
+                      <a:round/>
+                      <a:headEnd type="none" w="med" len="med"/>
+                      <a:tailEnd type="none" w="med" len="med"/>
+                    </a:lnT>
+                    <a:lnB w="6350" cap="flat" cmpd="sng" algn="ctr">
+                      <a:solidFill>
+                        <a:srgbClr val="000000"/>
+                      </a:solidFill>
+                      <a:prstDash val="solid"/>
+                      <a:round/>
+                      <a:headEnd type="none" w="med" len="med"/>
+                      <a:tailEnd type="none" w="med" len="med"/>
+                    </a:lnB>
+                    <a:solidFill>
+                      <a:schemeClr val="bg1"/>
+                    </a:solidFill>
+                  </a:tcPr>
+                </a:tc>
+              </a:tr>
+              <a:tr h="190500">
+                <a:tc>
+                  <a:txBody>
+                    <a:bodyPr/>
+                    <a:lstStyle/>
+                    <a:p>
+                      <a:pPr algn="l" fontAlgn="ctr"/>
+                      <a:r>
+                        <a:rPr lang="en-US" sz="1200" b="0" i="0" u="none" strike="noStrike">
+                          <a:solidFill>
+                            <a:srgbClr val="262626"/>
+                          </a:solidFill>
+                          <a:effectLst/>
+                          <a:latin typeface="+mj-lt"/>
+                        </a:rPr>
+                        <a:t>Avoid finalizers</a:t>
+                      </a:r>
+                    </a:p>
+                  </a:txBody>
+                  <a:tcPr marL="85725" marR="9525" marT="9525" marB="0" anchor="ctr">
+                    <a:lnL w="6350" cap="flat" cmpd="sng" algn="ctr">
+                      <a:solidFill>
+                        <a:srgbClr val="000000"/>
+                      </a:solidFill>
+                      <a:prstDash val="solid"/>
+                      <a:round/>
+                      <a:headEnd type="none" w="med" len="med"/>
+                      <a:tailEnd type="none" w="med" len="med"/>
+                    </a:lnL>
+                    <a:lnR w="6350" cap="flat" cmpd="sng" algn="ctr">
+                      <a:solidFill>
+                        <a:srgbClr val="000000"/>
+                      </a:solidFill>
+                      <a:prstDash val="solid"/>
+                      <a:round/>
+                      <a:headEnd type="none" w="med" len="med"/>
+                      <a:tailEnd type="none" w="med" len="med"/>
+                    </a:lnR>
+                    <a:lnT w="6350" cap="flat" cmpd="sng" algn="ctr">
+                      <a:solidFill>
+                        <a:srgbClr val="000000"/>
+                      </a:solidFill>
+                      <a:prstDash val="solid"/>
+                      <a:round/>
+                      <a:headEnd type="none" w="med" len="med"/>
+                      <a:tailEnd type="none" w="med" len="med"/>
+                    </a:lnT>
+                    <a:lnB w="6350" cap="flat" cmpd="sng" algn="ctr">
+                      <a:solidFill>
+                        <a:srgbClr val="000000"/>
+                      </a:solidFill>
+                      <a:prstDash val="solid"/>
+                      <a:round/>
+                      <a:headEnd type="none" w="med" len="med"/>
+                      <a:tailEnd type="none" w="med" len="med"/>
+                    </a:lnB>
+                    <a:solidFill>
+                      <a:schemeClr val="bg1"/>
+                    </a:solidFill>
+                  </a:tcPr>
+                </a:tc>
+                <a:tc>
+                  <a:txBody>
+                    <a:bodyPr/>
+                    <a:lstStyle/>
+                    <a:p>
+                      <a:pPr algn="l" fontAlgn="ctr"/>
+                      <a:r>
+                        <a:rPr lang="en-US" sz="1200" b="0" i="0" u="none" strike="noStrike" dirty="0">
+                          <a:solidFill>
+                            <a:srgbClr val="262626"/>
+                          </a:solidFill>
+                          <a:effectLst/>
+                          <a:latin typeface="+mj-lt"/>
+                        </a:rPr>
+                        <a:t>Creating and Destroying Objects</a:t>
+                      </a:r>
+                    </a:p>
+                  </a:txBody>
+                  <a:tcPr marL="85725" marR="9525" marT="9525" marB="0" anchor="ctr">
+                    <a:lnL w="6350" cap="flat" cmpd="sng" algn="ctr">
+                      <a:solidFill>
+                        <a:srgbClr val="000000"/>
+                      </a:solidFill>
+                      <a:prstDash val="solid"/>
+                      <a:round/>
+                      <a:headEnd type="none" w="med" len="med"/>
+                      <a:tailEnd type="none" w="med" len="med"/>
+                    </a:lnL>
+                    <a:lnR w="6350" cap="flat" cmpd="sng" algn="ctr">
+                      <a:solidFill>
+                        <a:srgbClr val="000000"/>
+                      </a:solidFill>
+                      <a:prstDash val="solid"/>
+                      <a:round/>
+                      <a:headEnd type="none" w="med" len="med"/>
+                      <a:tailEnd type="none" w="med" len="med"/>
+                    </a:lnR>
+                    <a:lnT w="6350" cap="flat" cmpd="sng" algn="ctr">
+                      <a:solidFill>
+                        <a:srgbClr val="000000"/>
+                      </a:solidFill>
+                      <a:prstDash val="solid"/>
+                      <a:round/>
+                      <a:headEnd type="none" w="med" len="med"/>
+                      <a:tailEnd type="none" w="med" len="med"/>
+                    </a:lnT>
+                    <a:lnB w="6350" cap="flat" cmpd="sng" algn="ctr">
+                      <a:solidFill>
+                        <a:srgbClr val="000000"/>
+                      </a:solidFill>
+                      <a:prstDash val="solid"/>
+                      <a:round/>
+                      <a:headEnd type="none" w="med" len="med"/>
+                      <a:tailEnd type="none" w="med" len="med"/>
+                    </a:lnB>
+                    <a:solidFill>
+                      <a:schemeClr val="bg1"/>
+                    </a:solidFill>
+                  </a:tcPr>
+                </a:tc>
+              </a:tr>
+              <a:tr h="190500">
+                <a:tc>
+                  <a:txBody>
+                    <a:bodyPr/>
+                    <a:lstStyle/>
+                    <a:p>
+                      <a:pPr algn="l" fontAlgn="ctr"/>
+                      <a:r>
+                        <a:rPr lang="en-GB" sz="1200" b="0" i="0" u="none" strike="noStrike">
+                          <a:solidFill>
+                            <a:srgbClr val="262626"/>
+                          </a:solidFill>
+                          <a:effectLst/>
+                          <a:latin typeface="+mj-lt"/>
+                        </a:rPr>
+                        <a:t>Always override hashCode when you override equals</a:t>
+                      </a:r>
+                    </a:p>
+                  </a:txBody>
+                  <a:tcPr marL="85725" marR="9525" marT="9525" marB="0" anchor="ctr">
+                    <a:lnL w="6350" cap="flat" cmpd="sng" algn="ctr">
+                      <a:solidFill>
+                        <a:srgbClr val="000000"/>
+                      </a:solidFill>
+                      <a:prstDash val="solid"/>
+                      <a:round/>
+                      <a:headEnd type="none" w="med" len="med"/>
+                      <a:tailEnd type="none" w="med" len="med"/>
+                    </a:lnL>
+                    <a:lnR w="6350" cap="flat" cmpd="sng" algn="ctr">
+                      <a:solidFill>
+                        <a:srgbClr val="000000"/>
+                      </a:solidFill>
+                      <a:prstDash val="solid"/>
+                      <a:round/>
+                      <a:headEnd type="none" w="med" len="med"/>
+                      <a:tailEnd type="none" w="med" len="med"/>
+                    </a:lnR>
+                    <a:lnT w="6350" cap="flat" cmpd="sng" algn="ctr">
+                      <a:solidFill>
+                        <a:srgbClr val="000000"/>
+                      </a:solidFill>
+                      <a:prstDash val="solid"/>
+                      <a:round/>
+                      <a:headEnd type="none" w="med" len="med"/>
+                      <a:tailEnd type="none" w="med" len="med"/>
+                    </a:lnT>
+                    <a:lnB w="6350" cap="flat" cmpd="sng" algn="ctr">
+                      <a:solidFill>
+                        <a:srgbClr val="000000"/>
+                      </a:solidFill>
+                      <a:prstDash val="solid"/>
+                      <a:round/>
+                      <a:headEnd type="none" w="med" len="med"/>
+                      <a:tailEnd type="none" w="med" len="med"/>
+                    </a:lnB>
+                    <a:solidFill>
+                      <a:schemeClr val="bg1"/>
+                    </a:solidFill>
+                  </a:tcPr>
+                </a:tc>
+                <a:tc>
+                  <a:txBody>
+                    <a:bodyPr/>
+                    <a:lstStyle/>
+                    <a:p>
+                      <a:pPr algn="l" fontAlgn="ctr"/>
+                      <a:r>
+                        <a:rPr lang="en-US" sz="1200" b="0" i="0" u="none" strike="noStrike" dirty="0">
+                          <a:solidFill>
+                            <a:srgbClr val="262626"/>
+                          </a:solidFill>
+                          <a:effectLst/>
+                          <a:latin typeface="+mj-lt"/>
+                        </a:rPr>
+                        <a:t>General Programming</a:t>
+                      </a:r>
+                    </a:p>
+                  </a:txBody>
+                  <a:tcPr marL="85725" marR="9525" marT="9525" marB="0" anchor="ctr">
+                    <a:lnL w="6350" cap="flat" cmpd="sng" algn="ctr">
+                      <a:solidFill>
+                        <a:srgbClr val="000000"/>
+                      </a:solidFill>
+                      <a:prstDash val="solid"/>
+                      <a:round/>
+                      <a:headEnd type="none" w="med" len="med"/>
+                      <a:tailEnd type="none" w="med" len="med"/>
+                    </a:lnL>
+                    <a:lnR w="6350" cap="flat" cmpd="sng" algn="ctr">
+                      <a:solidFill>
+                        <a:srgbClr val="000000"/>
+                      </a:solidFill>
+                      <a:prstDash val="solid"/>
+                      <a:round/>
+                      <a:headEnd type="none" w="med" len="med"/>
+                      <a:tailEnd type="none" w="med" len="med"/>
+                    </a:lnR>
+                    <a:lnT w="6350" cap="flat" cmpd="sng" algn="ctr">
+                      <a:solidFill>
+                        <a:srgbClr val="000000"/>
+                      </a:solidFill>
+                      <a:prstDash val="solid"/>
+                      <a:round/>
+                      <a:headEnd type="none" w="med" len="med"/>
+                      <a:tailEnd type="none" w="med" len="med"/>
+                    </a:lnT>
+                    <a:lnB w="6350" cap="flat" cmpd="sng" algn="ctr">
+                      <a:solidFill>
+                        <a:srgbClr val="000000"/>
+                      </a:solidFill>
+                      <a:prstDash val="solid"/>
+                      <a:round/>
+                      <a:headEnd type="none" w="med" len="med"/>
+                      <a:tailEnd type="none" w="med" len="med"/>
+                    </a:lnB>
+                    <a:solidFill>
+                      <a:schemeClr val="bg1"/>
+                    </a:solidFill>
+                  </a:tcPr>
+                </a:tc>
+              </a:tr>
+              <a:tr h="190500">
+                <a:tc>
+                  <a:txBody>
+                    <a:bodyPr/>
+                    <a:lstStyle/>
+                    <a:p>
+                      <a:pPr algn="l" fontAlgn="ctr"/>
+                      <a:r>
+                        <a:rPr lang="en-US" sz="1200" b="0" i="0" u="none" strike="noStrike">
+                          <a:solidFill>
+                            <a:srgbClr val="262626"/>
+                          </a:solidFill>
+                          <a:effectLst/>
+                          <a:latin typeface="+mj-lt"/>
+                        </a:rPr>
+                        <a:t>Always override toString</a:t>
+                      </a:r>
+                    </a:p>
+                  </a:txBody>
+                  <a:tcPr marL="85725" marR="9525" marT="9525" marB="0" anchor="ctr">
+                    <a:lnL w="6350" cap="flat" cmpd="sng" algn="ctr">
+                      <a:solidFill>
+                        <a:srgbClr val="000000"/>
+                      </a:solidFill>
+                      <a:prstDash val="solid"/>
+                      <a:round/>
+                      <a:headEnd type="none" w="med" len="med"/>
+                      <a:tailEnd type="none" w="med" len="med"/>
+                    </a:lnL>
+                    <a:lnR w="6350" cap="flat" cmpd="sng" algn="ctr">
+                      <a:solidFill>
+                        <a:srgbClr val="000000"/>
+                      </a:solidFill>
+                      <a:prstDash val="solid"/>
+                      <a:round/>
+                      <a:headEnd type="none" w="med" len="med"/>
+                      <a:tailEnd type="none" w="med" len="med"/>
+                    </a:lnR>
+                    <a:lnT w="6350" cap="flat" cmpd="sng" algn="ctr">
+                      <a:solidFill>
+                        <a:srgbClr val="000000"/>
+                      </a:solidFill>
+                      <a:prstDash val="solid"/>
+                      <a:round/>
+                      <a:headEnd type="none" w="med" len="med"/>
+                      <a:tailEnd type="none" w="med" len="med"/>
+                    </a:lnT>
+                    <a:lnB w="6350" cap="flat" cmpd="sng" algn="ctr">
+                      <a:solidFill>
+                        <a:srgbClr val="000000"/>
+                      </a:solidFill>
+                      <a:prstDash val="solid"/>
+                      <a:round/>
+                      <a:headEnd type="none" w="med" len="med"/>
+                      <a:tailEnd type="none" w="med" len="med"/>
+                    </a:lnB>
+                    <a:solidFill>
+                      <a:schemeClr val="bg1"/>
+                    </a:solidFill>
+                  </a:tcPr>
+                </a:tc>
+                <a:tc>
+                  <a:txBody>
+                    <a:bodyPr/>
+                    <a:lstStyle/>
+                    <a:p>
+                      <a:pPr algn="l" fontAlgn="ctr"/>
+                      <a:r>
+                        <a:rPr lang="en-US" sz="1200" b="0" i="0" u="none" strike="noStrike" dirty="0">
+                          <a:solidFill>
+                            <a:srgbClr val="262626"/>
+                          </a:solidFill>
+                          <a:effectLst/>
+                          <a:latin typeface="+mj-lt"/>
+                        </a:rPr>
+                        <a:t>General Programming</a:t>
+                      </a:r>
+                    </a:p>
+                  </a:txBody>
+                  <a:tcPr marL="85725" marR="9525" marT="9525" marB="0" anchor="ctr">
+                    <a:lnL w="6350" cap="flat" cmpd="sng" algn="ctr">
+                      <a:solidFill>
+                        <a:srgbClr val="000000"/>
+                      </a:solidFill>
+                      <a:prstDash val="solid"/>
+                      <a:round/>
+                      <a:headEnd type="none" w="med" len="med"/>
+                      <a:tailEnd type="none" w="med" len="med"/>
+                    </a:lnL>
+                    <a:lnR w="6350" cap="flat" cmpd="sng" algn="ctr">
+                      <a:solidFill>
+                        <a:srgbClr val="000000"/>
+                      </a:solidFill>
+                      <a:prstDash val="solid"/>
+                      <a:round/>
+                      <a:headEnd type="none" w="med" len="med"/>
+                      <a:tailEnd type="none" w="med" len="med"/>
+                    </a:lnR>
+                    <a:lnT w="6350" cap="flat" cmpd="sng" algn="ctr">
+                      <a:solidFill>
+                        <a:srgbClr val="000000"/>
+                      </a:solidFill>
+                      <a:prstDash val="solid"/>
+                      <a:round/>
+                      <a:headEnd type="none" w="med" len="med"/>
+                      <a:tailEnd type="none" w="med" len="med"/>
+                    </a:lnT>
+                    <a:lnB w="6350" cap="flat" cmpd="sng" algn="ctr">
+                      <a:solidFill>
+                        <a:srgbClr val="000000"/>
+                      </a:solidFill>
+                      <a:prstDash val="solid"/>
+                      <a:round/>
+                      <a:headEnd type="none" w="med" len="med"/>
+                      <a:tailEnd type="none" w="med" len="med"/>
+                    </a:lnB>
+                    <a:solidFill>
+                      <a:schemeClr val="bg1"/>
+                    </a:solidFill>
+                  </a:tcPr>
+                </a:tc>
+              </a:tr>
+              <a:tr h="190500">
+                <a:tc>
+                  <a:txBody>
+                    <a:bodyPr/>
+                    <a:lstStyle/>
+                    <a:p>
+                      <a:pPr algn="l" fontAlgn="ctr"/>
+                      <a:r>
+                        <a:rPr lang="en-GB" sz="1200" b="0" i="0" u="none" strike="noStrike">
+                          <a:solidFill>
+                            <a:srgbClr val="262626"/>
+                          </a:solidFill>
+                          <a:effectLst/>
+                          <a:latin typeface="+mj-lt"/>
+                        </a:rPr>
+                        <a:t>Use enums instead of int constants</a:t>
+                      </a:r>
+                    </a:p>
+                  </a:txBody>
+                  <a:tcPr marL="85725" marR="9525" marT="9525" marB="0" anchor="ctr">
+                    <a:lnL w="6350" cap="flat" cmpd="sng" algn="ctr">
+                      <a:solidFill>
+                        <a:srgbClr val="000000"/>
+                      </a:solidFill>
+                      <a:prstDash val="solid"/>
+                      <a:round/>
+                      <a:headEnd type="none" w="med" len="med"/>
+                      <a:tailEnd type="none" w="med" len="med"/>
+                    </a:lnL>
+                    <a:lnR w="6350" cap="flat" cmpd="sng" algn="ctr">
+                      <a:solidFill>
+                        <a:srgbClr val="000000"/>
+                      </a:solidFill>
+                      <a:prstDash val="solid"/>
+                      <a:round/>
+                      <a:headEnd type="none" w="med" len="med"/>
+                      <a:tailEnd type="none" w="med" len="med"/>
+                    </a:lnR>
+                    <a:lnT w="6350" cap="flat" cmpd="sng" algn="ctr">
+                      <a:solidFill>
+                        <a:srgbClr val="000000"/>
+                      </a:solidFill>
+                      <a:prstDash val="solid"/>
+                      <a:round/>
+                      <a:headEnd type="none" w="med" len="med"/>
+                      <a:tailEnd type="none" w="med" len="med"/>
+                    </a:lnT>
+                    <a:lnB w="6350" cap="flat" cmpd="sng" algn="ctr">
+                      <a:solidFill>
+                        <a:srgbClr val="000000"/>
+                      </a:solidFill>
+                      <a:prstDash val="solid"/>
+                      <a:round/>
+                      <a:headEnd type="none" w="med" len="med"/>
+                      <a:tailEnd type="none" w="med" len="med"/>
+                    </a:lnB>
+                    <a:solidFill>
+                      <a:schemeClr val="bg1"/>
+                    </a:solidFill>
+                  </a:tcPr>
+                </a:tc>
+                <a:tc>
+                  <a:txBody>
+                    <a:bodyPr/>
+                    <a:lstStyle/>
+                    <a:p>
+                      <a:pPr algn="l" fontAlgn="ctr"/>
+                      <a:r>
+                        <a:rPr lang="en-US" sz="1200" b="0" i="0" u="none" strike="noStrike" dirty="0">
+                          <a:solidFill>
+                            <a:srgbClr val="262626"/>
+                          </a:solidFill>
+                          <a:effectLst/>
+                          <a:latin typeface="+mj-lt"/>
+                        </a:rPr>
+                        <a:t>Enums and Annotations</a:t>
+                      </a:r>
+                    </a:p>
+                  </a:txBody>
+                  <a:tcPr marL="85725" marR="9525" marT="9525" marB="0" anchor="ctr">
+                    <a:lnL w="6350" cap="flat" cmpd="sng" algn="ctr">
+                      <a:solidFill>
+                        <a:srgbClr val="000000"/>
+                      </a:solidFill>
+                      <a:prstDash val="solid"/>
+                      <a:round/>
+                      <a:headEnd type="none" w="med" len="med"/>
+                      <a:tailEnd type="none" w="med" len="med"/>
+                    </a:lnL>
+                    <a:lnR w="6350" cap="flat" cmpd="sng" algn="ctr">
+                      <a:solidFill>
+                        <a:srgbClr val="000000"/>
+                      </a:solidFill>
+                      <a:prstDash val="solid"/>
+                      <a:round/>
+                      <a:headEnd type="none" w="med" len="med"/>
+                      <a:tailEnd type="none" w="med" len="med"/>
+                    </a:lnR>
+                    <a:lnT w="6350" cap="flat" cmpd="sng" algn="ctr">
+                      <a:solidFill>
+                        <a:srgbClr val="000000"/>
+                      </a:solidFill>
+                      <a:prstDash val="solid"/>
+                      <a:round/>
+                      <a:headEnd type="none" w="med" len="med"/>
+                      <a:tailEnd type="none" w="med" len="med"/>
+                    </a:lnT>
+                    <a:lnB w="6350" cap="flat" cmpd="sng" algn="ctr">
+                      <a:solidFill>
+                        <a:srgbClr val="000000"/>
+                      </a:solidFill>
+                      <a:prstDash val="solid"/>
+                      <a:round/>
+                      <a:headEnd type="none" w="med" len="med"/>
+                      <a:tailEnd type="none" w="med" len="med"/>
+                    </a:lnB>
+                    <a:solidFill>
+                      <a:schemeClr val="bg1"/>
+                    </a:solidFill>
+                  </a:tcPr>
+                </a:tc>
+              </a:tr>
+              <a:tr h="190500">
+                <a:tc>
+                  <a:txBody>
+                    <a:bodyPr/>
+                    <a:lstStyle/>
+                    <a:p>
+                      <a:pPr algn="l" fontAlgn="ctr"/>
+                      <a:r>
+                        <a:rPr lang="en-GB" sz="1200" b="0" i="0" u="none" strike="noStrike">
+                          <a:solidFill>
+                            <a:srgbClr val="262626"/>
+                          </a:solidFill>
+                          <a:effectLst/>
+                          <a:latin typeface="+mj-lt"/>
+                        </a:rPr>
+                        <a:t>Use marker interfaces to define types</a:t>
+                      </a:r>
+                    </a:p>
+                  </a:txBody>
+                  <a:tcPr marL="85725" marR="9525" marT="9525" marB="0" anchor="ctr">
+                    <a:lnL w="6350" cap="flat" cmpd="sng" algn="ctr">
+                      <a:solidFill>
+                        <a:srgbClr val="000000"/>
+                      </a:solidFill>
+                      <a:prstDash val="solid"/>
+                      <a:round/>
+                      <a:headEnd type="none" w="med" len="med"/>
+                      <a:tailEnd type="none" w="med" len="med"/>
+                    </a:lnL>
+                    <a:lnR w="6350" cap="flat" cmpd="sng" algn="ctr">
+                      <a:solidFill>
+                        <a:srgbClr val="000000"/>
+                      </a:solidFill>
+                      <a:prstDash val="solid"/>
+                      <a:round/>
+                      <a:headEnd type="none" w="med" len="med"/>
+                      <a:tailEnd type="none" w="med" len="med"/>
+                    </a:lnR>
+                    <a:lnT w="6350" cap="flat" cmpd="sng" algn="ctr">
+                      <a:solidFill>
+                        <a:srgbClr val="000000"/>
+                      </a:solidFill>
+                      <a:prstDash val="solid"/>
+                      <a:round/>
+                      <a:headEnd type="none" w="med" len="med"/>
+                      <a:tailEnd type="none" w="med" len="med"/>
+                    </a:lnT>
+                    <a:lnB w="6350" cap="flat" cmpd="sng" algn="ctr">
+                      <a:solidFill>
+                        <a:srgbClr val="000000"/>
+                      </a:solidFill>
+                      <a:prstDash val="solid"/>
+                      <a:round/>
+                      <a:headEnd type="none" w="med" len="med"/>
+                      <a:tailEnd type="none" w="med" len="med"/>
+                    </a:lnB>
+                    <a:solidFill>
+                      <a:schemeClr val="bg1"/>
+                    </a:solidFill>
+                  </a:tcPr>
+                </a:tc>
+                <a:tc>
+                  <a:txBody>
+                    <a:bodyPr/>
+                    <a:lstStyle/>
+                    <a:p>
+                      <a:pPr algn="l" fontAlgn="ctr"/>
+                      <a:r>
+                        <a:rPr lang="en-US" sz="1200" b="0" i="0" u="none" strike="noStrike" dirty="0">
+                          <a:solidFill>
+                            <a:srgbClr val="262626"/>
+                          </a:solidFill>
+                          <a:effectLst/>
+                          <a:latin typeface="+mj-lt"/>
+                        </a:rPr>
+                        <a:t>Enums and Annotations</a:t>
+                      </a:r>
+                    </a:p>
+                  </a:txBody>
+                  <a:tcPr marL="85725" marR="9525" marT="9525" marB="0" anchor="ctr">
+                    <a:lnL w="6350" cap="flat" cmpd="sng" algn="ctr">
+                      <a:solidFill>
+                        <a:srgbClr val="000000"/>
+                      </a:solidFill>
+                      <a:prstDash val="solid"/>
+                      <a:round/>
+                      <a:headEnd type="none" w="med" len="med"/>
+                      <a:tailEnd type="none" w="med" len="med"/>
+                    </a:lnL>
+                    <a:lnR w="6350" cap="flat" cmpd="sng" algn="ctr">
+                      <a:solidFill>
+                        <a:srgbClr val="000000"/>
+                      </a:solidFill>
+                      <a:prstDash val="solid"/>
+                      <a:round/>
+                      <a:headEnd type="none" w="med" len="med"/>
+                      <a:tailEnd type="none" w="med" len="med"/>
+                    </a:lnR>
+                    <a:lnT w="6350" cap="flat" cmpd="sng" algn="ctr">
+                      <a:solidFill>
+                        <a:srgbClr val="000000"/>
+                      </a:solidFill>
+                      <a:prstDash val="solid"/>
+                      <a:round/>
+                      <a:headEnd type="none" w="med" len="med"/>
+                      <a:tailEnd type="none" w="med" len="med"/>
+                    </a:lnT>
+                    <a:lnB w="6350" cap="flat" cmpd="sng" algn="ctr">
+                      <a:solidFill>
+                        <a:srgbClr val="000000"/>
+                      </a:solidFill>
+                      <a:prstDash val="solid"/>
+                      <a:round/>
+                      <a:headEnd type="none" w="med" len="med"/>
+                      <a:tailEnd type="none" w="med" len="med"/>
+                    </a:lnB>
+                    <a:solidFill>
+                      <a:schemeClr val="bg1"/>
+                    </a:solidFill>
+                  </a:tcPr>
+                </a:tc>
+              </a:tr>
+              <a:tr h="190500">
+                <a:tc>
+                  <a:txBody>
+                    <a:bodyPr/>
+                    <a:lstStyle/>
+                    <a:p>
+                      <a:pPr algn="l" fontAlgn="ctr"/>
+                      <a:r>
+                        <a:rPr lang="en-GB" sz="1200" b="0" i="0" u="none" strike="noStrike">
+                          <a:solidFill>
+                            <a:srgbClr val="262626"/>
+                          </a:solidFill>
+                          <a:effectLst/>
+                          <a:latin typeface="+mj-lt"/>
+                        </a:rPr>
+                        <a:t>Synchronize access to shared mutable data</a:t>
+                      </a:r>
+                    </a:p>
+                  </a:txBody>
+                  <a:tcPr marL="85725" marR="9525" marT="9525" marB="0" anchor="ctr">
+                    <a:lnL w="6350" cap="flat" cmpd="sng" algn="ctr">
+                      <a:solidFill>
+                        <a:srgbClr val="000000"/>
+                      </a:solidFill>
+                      <a:prstDash val="solid"/>
+                      <a:round/>
+                      <a:headEnd type="none" w="med" len="med"/>
+                      <a:tailEnd type="none" w="med" len="med"/>
+                    </a:lnL>
+                    <a:lnR w="6350" cap="flat" cmpd="sng" algn="ctr">
+                      <a:solidFill>
+                        <a:srgbClr val="000000"/>
+                      </a:solidFill>
+                      <a:prstDash val="solid"/>
+                      <a:round/>
+                      <a:headEnd type="none" w="med" len="med"/>
+                      <a:tailEnd type="none" w="med" len="med"/>
+                    </a:lnR>
+                    <a:lnT w="6350" cap="flat" cmpd="sng" algn="ctr">
+                      <a:solidFill>
+                        <a:srgbClr val="000000"/>
+                      </a:solidFill>
+                      <a:prstDash val="solid"/>
+                      <a:round/>
+                      <a:headEnd type="none" w="med" len="med"/>
+                      <a:tailEnd type="none" w="med" len="med"/>
+                    </a:lnT>
+                    <a:lnB w="6350" cap="flat" cmpd="sng" algn="ctr">
+                      <a:solidFill>
+                        <a:srgbClr val="000000"/>
+                      </a:solidFill>
+                      <a:prstDash val="solid"/>
+                      <a:round/>
+                      <a:headEnd type="none" w="med" len="med"/>
+                      <a:tailEnd type="none" w="med" len="med"/>
+                    </a:lnB>
+                    <a:solidFill>
+                      <a:schemeClr val="bg1"/>
+                    </a:solidFill>
+                  </a:tcPr>
+                </a:tc>
+                <a:tc>
+                  <a:txBody>
+                    <a:bodyPr/>
+                    <a:lstStyle/>
+                    <a:p>
+                      <a:pPr algn="l" fontAlgn="ctr"/>
+                      <a:r>
+                        <a:rPr lang="en-US" sz="1200" b="0" i="0" u="none" strike="noStrike" dirty="0">
+                          <a:solidFill>
+                            <a:srgbClr val="262626"/>
+                          </a:solidFill>
+                          <a:effectLst/>
+                          <a:latin typeface="+mj-lt"/>
+                        </a:rPr>
+                        <a:t>Concurrency</a:t>
+                      </a:r>
+                    </a:p>
+                  </a:txBody>
+                  <a:tcPr marL="85725" marR="9525" marT="9525" marB="0" anchor="ctr">
+                    <a:lnL w="6350" cap="flat" cmpd="sng" algn="ctr">
+                      <a:solidFill>
+                        <a:srgbClr val="000000"/>
+                      </a:solidFill>
+                      <a:prstDash val="solid"/>
+                      <a:round/>
+                      <a:headEnd type="none" w="med" len="med"/>
+                      <a:tailEnd type="none" w="med" len="med"/>
+                    </a:lnL>
+                    <a:lnR w="6350" cap="flat" cmpd="sng" algn="ctr">
+                      <a:solidFill>
+                        <a:srgbClr val="000000"/>
+                      </a:solidFill>
+                      <a:prstDash val="solid"/>
+                      <a:round/>
+                      <a:headEnd type="none" w="med" len="med"/>
+                      <a:tailEnd type="none" w="med" len="med"/>
+                    </a:lnR>
+                    <a:lnT w="6350" cap="flat" cmpd="sng" algn="ctr">
+                      <a:solidFill>
+                        <a:srgbClr val="000000"/>
+                      </a:solidFill>
+                      <a:prstDash val="solid"/>
+                      <a:round/>
+                      <a:headEnd type="none" w="med" len="med"/>
+                      <a:tailEnd type="none" w="med" len="med"/>
+                    </a:lnT>
+                    <a:lnB w="6350" cap="flat" cmpd="sng" algn="ctr">
+                      <a:solidFill>
+                        <a:srgbClr val="000000"/>
+                      </a:solidFill>
+                      <a:prstDash val="solid"/>
+                      <a:round/>
+                      <a:headEnd type="none" w="med" len="med"/>
+                      <a:tailEnd type="none" w="med" len="med"/>
+                    </a:lnB>
+                    <a:solidFill>
+                      <a:schemeClr val="bg1"/>
+                    </a:solidFill>
+                  </a:tcPr>
+                </a:tc>
+              </a:tr>
+              <a:tr h="190500">
+                <a:tc>
+                  <a:txBody>
+                    <a:bodyPr/>
+                    <a:lstStyle/>
+                    <a:p>
+                      <a:pPr algn="l" fontAlgn="ctr"/>
+                      <a:r>
+                        <a:rPr lang="en-GB" sz="1200" b="0" i="0" u="none" strike="noStrike">
+                          <a:solidFill>
+                            <a:srgbClr val="262626"/>
+                          </a:solidFill>
+                          <a:effectLst/>
+                          <a:latin typeface="+mj-lt"/>
+                        </a:rPr>
+                        <a:t>Prefer executors to tasks and threads</a:t>
+                      </a:r>
+                    </a:p>
+                  </a:txBody>
+                  <a:tcPr marL="85725" marR="9525" marT="9525" marB="0" anchor="ctr">
+                    <a:lnL w="6350" cap="flat" cmpd="sng" algn="ctr">
+                      <a:solidFill>
+                        <a:srgbClr val="000000"/>
+                      </a:solidFill>
+                      <a:prstDash val="solid"/>
+                      <a:round/>
+                      <a:headEnd type="none" w="med" len="med"/>
+                      <a:tailEnd type="none" w="med" len="med"/>
+                    </a:lnL>
+                    <a:lnR w="6350" cap="flat" cmpd="sng" algn="ctr">
+                      <a:solidFill>
+                        <a:srgbClr val="000000"/>
+                      </a:solidFill>
+                      <a:prstDash val="solid"/>
+                      <a:round/>
+                      <a:headEnd type="none" w="med" len="med"/>
+                      <a:tailEnd type="none" w="med" len="med"/>
+                    </a:lnR>
+                    <a:lnT w="6350" cap="flat" cmpd="sng" algn="ctr">
+                      <a:solidFill>
+                        <a:srgbClr val="000000"/>
+                      </a:solidFill>
+                      <a:prstDash val="solid"/>
+                      <a:round/>
+                      <a:headEnd type="none" w="med" len="med"/>
+                      <a:tailEnd type="none" w="med" len="med"/>
+                    </a:lnT>
+                    <a:lnB w="6350" cap="flat" cmpd="sng" algn="ctr">
+                      <a:solidFill>
+                        <a:srgbClr val="000000"/>
+                      </a:solidFill>
+                      <a:prstDash val="solid"/>
+                      <a:round/>
+                      <a:headEnd type="none" w="med" len="med"/>
+                      <a:tailEnd type="none" w="med" len="med"/>
+                    </a:lnB>
+                    <a:solidFill>
+                      <a:schemeClr val="bg1"/>
+                    </a:solidFill>
+                  </a:tcPr>
+                </a:tc>
+                <a:tc>
+                  <a:txBody>
+                    <a:bodyPr/>
+                    <a:lstStyle/>
+                    <a:p>
+                      <a:pPr algn="l" fontAlgn="ctr"/>
+                      <a:r>
+                        <a:rPr lang="en-US" sz="1200" b="0" i="0" u="none" strike="noStrike" dirty="0">
+                          <a:solidFill>
+                            <a:srgbClr val="262626"/>
+                          </a:solidFill>
+                          <a:effectLst/>
+                          <a:latin typeface="+mj-lt"/>
+                        </a:rPr>
+                        <a:t>Concurrency</a:t>
+                      </a:r>
+                    </a:p>
+                  </a:txBody>
+                  <a:tcPr marL="85725" marR="9525" marT="9525" marB="0" anchor="ctr">
+                    <a:lnL w="6350" cap="flat" cmpd="sng" algn="ctr">
+                      <a:solidFill>
+                        <a:srgbClr val="000000"/>
+                      </a:solidFill>
+                      <a:prstDash val="solid"/>
+                      <a:round/>
+                      <a:headEnd type="none" w="med" len="med"/>
+                      <a:tailEnd type="none" w="med" len="med"/>
+                    </a:lnL>
+                    <a:lnR w="6350" cap="flat" cmpd="sng" algn="ctr">
+                      <a:solidFill>
+                        <a:srgbClr val="000000"/>
+                      </a:solidFill>
+                      <a:prstDash val="solid"/>
+                      <a:round/>
+                      <a:headEnd type="none" w="med" len="med"/>
+                      <a:tailEnd type="none" w="med" len="med"/>
+                    </a:lnR>
+                    <a:lnT w="6350" cap="flat" cmpd="sng" algn="ctr">
+                      <a:solidFill>
+                        <a:srgbClr val="000000"/>
+                      </a:solidFill>
+                      <a:prstDash val="solid"/>
+                      <a:round/>
+                      <a:headEnd type="none" w="med" len="med"/>
+                      <a:tailEnd type="none" w="med" len="med"/>
+                    </a:lnT>
+                    <a:lnB w="6350" cap="flat" cmpd="sng" algn="ctr">
+                      <a:solidFill>
+                        <a:srgbClr val="000000"/>
+                      </a:solidFill>
+                      <a:prstDash val="solid"/>
+                      <a:round/>
+                      <a:headEnd type="none" w="med" len="med"/>
+                      <a:tailEnd type="none" w="med" len="med"/>
+                    </a:lnB>
+                    <a:solidFill>
+                      <a:schemeClr val="bg1"/>
+                    </a:solidFill>
+                  </a:tcPr>
+                </a:tc>
+              </a:tr>
+              <a:tr h="190500">
+                <a:tc>
+                  <a:txBody>
+                    <a:bodyPr/>
+                    <a:lstStyle/>
+                    <a:p>
+                      <a:pPr algn="l" fontAlgn="ctr"/>
+                      <a:r>
+                        <a:rPr lang="en-US" sz="1200" b="0" i="0" u="none" strike="noStrike">
+                          <a:solidFill>
+                            <a:srgbClr val="262626"/>
+                          </a:solidFill>
+                          <a:effectLst/>
+                          <a:latin typeface="+mj-lt"/>
+                        </a:rPr>
+                        <a:t>Document thread safety</a:t>
+                      </a:r>
+                    </a:p>
+                  </a:txBody>
+                  <a:tcPr marL="85725" marR="9525" marT="9525" marB="0" anchor="ctr">
+                    <a:lnL w="6350" cap="flat" cmpd="sng" algn="ctr">
+                      <a:solidFill>
+                        <a:srgbClr val="000000"/>
+                      </a:solidFill>
+                      <a:prstDash val="solid"/>
+                      <a:round/>
+                      <a:headEnd type="none" w="med" len="med"/>
+                      <a:tailEnd type="none" w="med" len="med"/>
+                    </a:lnL>
+                    <a:lnR w="6350" cap="flat" cmpd="sng" algn="ctr">
+                      <a:solidFill>
+                        <a:srgbClr val="000000"/>
+                      </a:solidFill>
+                      <a:prstDash val="solid"/>
+                      <a:round/>
+                      <a:headEnd type="none" w="med" len="med"/>
+                      <a:tailEnd type="none" w="med" len="med"/>
+                    </a:lnR>
+                    <a:lnT w="6350" cap="flat" cmpd="sng" algn="ctr">
+                      <a:solidFill>
+                        <a:srgbClr val="000000"/>
+                      </a:solidFill>
+                      <a:prstDash val="solid"/>
+                      <a:round/>
+                      <a:headEnd type="none" w="med" len="med"/>
+                      <a:tailEnd type="none" w="med" len="med"/>
+                    </a:lnT>
+                    <a:lnB w="6350" cap="flat" cmpd="sng" algn="ctr">
+                      <a:solidFill>
+                        <a:srgbClr val="000000"/>
+                      </a:solidFill>
+                      <a:prstDash val="solid"/>
+                      <a:round/>
+                      <a:headEnd type="none" w="med" len="med"/>
+                      <a:tailEnd type="none" w="med" len="med"/>
+                    </a:lnB>
+                    <a:solidFill>
+                      <a:schemeClr val="bg1"/>
+                    </a:solidFill>
+                  </a:tcPr>
+                </a:tc>
+                <a:tc>
+                  <a:txBody>
+                    <a:bodyPr/>
+                    <a:lstStyle/>
+                    <a:p>
+                      <a:pPr algn="l" fontAlgn="ctr"/>
+                      <a:r>
+                        <a:rPr lang="en-US" sz="1200" b="0" i="0" u="none" strike="noStrike" dirty="0">
+                          <a:solidFill>
+                            <a:srgbClr val="262626"/>
+                          </a:solidFill>
+                          <a:effectLst/>
+                          <a:latin typeface="+mj-lt"/>
+                        </a:rPr>
+                        <a:t>Concurrency</a:t>
+                      </a:r>
+                    </a:p>
+                  </a:txBody>
+                  <a:tcPr marL="85725" marR="9525" marT="9525" marB="0" anchor="ctr">
+                    <a:lnL w="6350" cap="flat" cmpd="sng" algn="ctr">
+                      <a:solidFill>
+                        <a:srgbClr val="000000"/>
+                      </a:solidFill>
+                      <a:prstDash val="solid"/>
+                      <a:round/>
+                      <a:headEnd type="none" w="med" len="med"/>
+                      <a:tailEnd type="none" w="med" len="med"/>
+                    </a:lnL>
+                    <a:lnR w="6350" cap="flat" cmpd="sng" algn="ctr">
+                      <a:solidFill>
+                        <a:srgbClr val="000000"/>
+                      </a:solidFill>
+                      <a:prstDash val="solid"/>
+                      <a:round/>
+                      <a:headEnd type="none" w="med" len="med"/>
+                      <a:tailEnd type="none" w="med" len="med"/>
+                    </a:lnR>
+                    <a:lnT w="6350" cap="flat" cmpd="sng" algn="ctr">
+                      <a:solidFill>
+                        <a:srgbClr val="000000"/>
+                      </a:solidFill>
+                      <a:prstDash val="solid"/>
+                      <a:round/>
+                      <a:headEnd type="none" w="med" len="med"/>
+                      <a:tailEnd type="none" w="med" len="med"/>
+                    </a:lnT>
+                    <a:lnB w="6350" cap="flat" cmpd="sng" algn="ctr">
+                      <a:solidFill>
+                        <a:srgbClr val="000000"/>
+                      </a:solidFill>
+                      <a:prstDash val="solid"/>
+                      <a:round/>
+                      <a:headEnd type="none" w="med" len="med"/>
+                      <a:tailEnd type="none" w="med" len="med"/>
+                    </a:lnB>
+                    <a:solidFill>
+                      <a:schemeClr val="bg1"/>
+                    </a:solidFill>
+                  </a:tcPr>
+                </a:tc>
+              </a:tr>
+              <a:tr h="190500">
+                <a:tc>
+                  <a:txBody>
+                    <a:bodyPr/>
+                    <a:lstStyle/>
+                    <a:p>
+                      <a:pPr algn="l" fontAlgn="ctr"/>
+                      <a:r>
+                        <a:rPr lang="en-GB" sz="1200" b="0" i="0" u="none" strike="noStrike">
+                          <a:solidFill>
+                            <a:srgbClr val="262626"/>
+                          </a:solidFill>
+                          <a:effectLst/>
+                          <a:latin typeface="+mj-lt"/>
+                        </a:rPr>
+                        <a:t>Valid JUnit / JBehave test cases exist</a:t>
+                      </a:r>
+                    </a:p>
+                  </a:txBody>
+                  <a:tcPr marL="85725" marR="9525" marT="9525" marB="0" anchor="ctr">
+                    <a:lnL w="6350" cap="flat" cmpd="sng" algn="ctr">
+                      <a:solidFill>
+                        <a:srgbClr val="000000"/>
+                      </a:solidFill>
+                      <a:prstDash val="solid"/>
+                      <a:round/>
+                      <a:headEnd type="none" w="med" len="med"/>
+                      <a:tailEnd type="none" w="med" len="med"/>
+                    </a:lnL>
+                    <a:lnR w="6350" cap="flat" cmpd="sng" algn="ctr">
+                      <a:solidFill>
+                        <a:srgbClr val="000000"/>
+                      </a:solidFill>
+                      <a:prstDash val="solid"/>
+                      <a:round/>
+                      <a:headEnd type="none" w="med" len="med"/>
+                      <a:tailEnd type="none" w="med" len="med"/>
+                    </a:lnR>
+                    <a:lnT w="6350" cap="flat" cmpd="sng" algn="ctr">
+                      <a:solidFill>
+                        <a:srgbClr val="000000"/>
+                      </a:solidFill>
+                      <a:prstDash val="solid"/>
+                      <a:round/>
+                      <a:headEnd type="none" w="med" len="med"/>
+                      <a:tailEnd type="none" w="med" len="med"/>
+                    </a:lnT>
+                    <a:lnB w="6350" cap="flat" cmpd="sng" algn="ctr">
+                      <a:solidFill>
+                        <a:srgbClr val="000000"/>
+                      </a:solidFill>
+                      <a:prstDash val="solid"/>
+                      <a:round/>
+                      <a:headEnd type="none" w="med" len="med"/>
+                      <a:tailEnd type="none" w="med" len="med"/>
+                    </a:lnB>
+                    <a:solidFill>
+                      <a:schemeClr val="bg1"/>
+                    </a:solidFill>
+                  </a:tcPr>
+                </a:tc>
+                <a:tc>
+                  <a:txBody>
+                    <a:bodyPr/>
+                    <a:lstStyle/>
+                    <a:p>
+                      <a:pPr algn="l" fontAlgn="ctr"/>
+                      <a:r>
+                        <a:rPr lang="en-US" sz="1200" b="0" i="0" u="none" strike="noStrike" dirty="0">
+                          <a:solidFill>
+                            <a:srgbClr val="262626"/>
+                          </a:solidFill>
+                          <a:effectLst/>
+                          <a:latin typeface="+mj-lt"/>
+                        </a:rPr>
+                        <a:t>Testing</a:t>
+                      </a:r>
+                    </a:p>
+                  </a:txBody>
+                  <a:tcPr marL="85725" marR="9525" marT="9525" marB="0" anchor="ctr">
+                    <a:lnL w="6350" cap="flat" cmpd="sng" algn="ctr">
+                      <a:solidFill>
+                        <a:srgbClr val="000000"/>
+                      </a:solidFill>
+                      <a:prstDash val="solid"/>
+                      <a:round/>
+                      <a:headEnd type="none" w="med" len="med"/>
+                      <a:tailEnd type="none" w="med" len="med"/>
+                    </a:lnL>
+                    <a:lnR w="6350" cap="flat" cmpd="sng" algn="ctr">
+                      <a:solidFill>
+                        <a:srgbClr val="000000"/>
+                      </a:solidFill>
+                      <a:prstDash val="solid"/>
+                      <a:round/>
+                      <a:headEnd type="none" w="med" len="med"/>
+                      <a:tailEnd type="none" w="med" len="med"/>
+                    </a:lnR>
+                    <a:lnT w="6350" cap="flat" cmpd="sng" algn="ctr">
+                      <a:solidFill>
+                        <a:srgbClr val="000000"/>
+                      </a:solidFill>
+                      <a:prstDash val="solid"/>
+                      <a:round/>
+                      <a:headEnd type="none" w="med" len="med"/>
+                      <a:tailEnd type="none" w="med" len="med"/>
+                    </a:lnT>
+                    <a:lnB w="6350" cap="flat" cmpd="sng" algn="ctr">
+                      <a:solidFill>
+                        <a:srgbClr val="000000"/>
+                      </a:solidFill>
+                      <a:prstDash val="solid"/>
+                      <a:round/>
+                      <a:headEnd type="none" w="med" len="med"/>
+                      <a:tailEnd type="none" w="med" len="med"/>
+                    </a:lnB>
+                    <a:solidFill>
+                      <a:schemeClr val="bg1"/>
+                    </a:solidFill>
+                  </a:tcPr>
+                </a:tc>
+              </a:tr>
+            </a:tbl>
+          </a:graphicData>
+        </a:graphic>
+      </p:graphicFrame>
+    </p:spTree>
+    <p:extLst>
+      <p:ext uri="{BB962C8B-B14F-4D97-AF65-F5344CB8AC3E}">
+        <p14:creationId xmlns:p14="http://schemas.microsoft.com/office/powerpoint/2010/main" val="788581825"/>
+      </p:ext>
+    </p:extLst>
+  </p:cSld>
+  <p:clrMapOvr>
+    <a:masterClrMapping/>
+  </p:clrMapOvr>
+  <p:timing>
+    <p:tnLst>
+      <p:par>
+        <p:cTn id="1" dur="indefinite" restart="never" nodeType="tmRoot"/>
+      </p:par>
+    </p:tnLst>
+  </p:timing>
+</p:sld>
+</file>
+
+<file path=ppt/slides/slide28.xml><?xml version="1.0" encoding="utf-8"?>
+<p:sld xmlns:a="http://schemas.openxmlformats.org/drawingml/2006/main" xmlns:r="http://schemas.openxmlformats.org/officeDocument/2006/relationships" xmlns:p="http://schemas.openxmlformats.org/presentationml/2006/main">
+  <p:cSld>
+    <p:spTree>
+      <p:nvGrpSpPr>
+        <p:cNvPr id="1" name=""/>
+        <p:cNvGrpSpPr/>
+        <p:nvPr/>
+      </p:nvGrpSpPr>
+      <p:grpSpPr>
+        <a:xfrm>
+          <a:off x="0" y="0"/>
+          <a:ext cx="0" cy="0"/>
+          <a:chOff x="0" y="0"/>
+          <a:chExt cx="0" cy="0"/>
+        </a:xfrm>
+      </p:grpSpPr>
+      <p:sp>
+        <p:nvSpPr>
+          <p:cNvPr id="2" name="Title 1"/>
+          <p:cNvSpPr>
+            <a:spLocks noGrp="1"/>
+          </p:cNvSpPr>
+          <p:nvPr>
+            <p:ph type="title"/>
+          </p:nvPr>
+        </p:nvSpPr>
+        <p:spPr/>
+        <p:txBody>
+          <a:bodyPr/>
+          <a:lstStyle/>
+          <a:p>
+            <a:r>
+              <a:rPr lang="en-US" dirty="0" smtClean="0"/>
+              <a:t>References</a:t>
+            </a:r>
+            <a:endParaRPr lang="en-US" dirty="0"/>
+          </a:p>
+        </p:txBody>
+      </p:sp>
+      <p:sp>
+        <p:nvSpPr>
+          <p:cNvPr id="3" name="Content Placeholder 2"/>
+          <p:cNvSpPr>
+            <a:spLocks noGrp="1"/>
+          </p:cNvSpPr>
+          <p:nvPr>
+            <p:ph idx="1"/>
+          </p:nvPr>
+        </p:nvSpPr>
+        <p:spPr/>
+        <p:txBody>
+          <a:bodyPr>
+            <a:normAutofit/>
+          </a:bodyPr>
+          <a:lstStyle/>
+          <a:p>
+            <a:r>
+              <a:rPr lang="en-US" sz="1600" dirty="0">
+                <a:hlinkClick r:id="rId2"/>
+              </a:rPr>
+              <a:t>https://</a:t>
+            </a:r>
+            <a:r>
+              <a:rPr lang="en-US" sz="1600" dirty="0" smtClean="0">
+                <a:hlinkClick r:id="rId2"/>
+              </a:rPr>
+              <a:t>en.wikipedia.org/wiki/Java_Classloader</a:t>
+            </a:r>
+            <a:endParaRPr lang="en-US" sz="1600" dirty="0" smtClean="0"/>
+          </a:p>
+          <a:p>
+            <a:r>
+              <a:rPr lang="en-US" sz="1600" dirty="0">
+                <a:hlinkClick r:id="rId3"/>
+              </a:rPr>
+              <a:t>https://</a:t>
+            </a:r>
+            <a:r>
+              <a:rPr lang="en-US" sz="1600" dirty="0" smtClean="0">
+                <a:hlinkClick r:id="rId3"/>
+              </a:rPr>
+              <a:t>en.wikipedia.org/wiki/OSGi</a:t>
+            </a:r>
+            <a:endParaRPr lang="en-US" sz="1600" dirty="0" smtClean="0"/>
+          </a:p>
+          <a:p>
+            <a:r>
+              <a:rPr lang="en-US" sz="1600" dirty="0">
+                <a:hlinkClick r:id="rId4"/>
+              </a:rPr>
+              <a:t>http://</a:t>
+            </a:r>
+            <a:r>
+              <a:rPr lang="en-US" sz="1600" dirty="0" smtClean="0">
+                <a:hlinkClick r:id="rId4"/>
+              </a:rPr>
+              <a:t>www.oracle.com/webfolder/technetwork/tutorials/obe/java/gc01/index.html</a:t>
+            </a:r>
+            <a:endParaRPr lang="en-US" sz="1600" dirty="0" smtClean="0"/>
+          </a:p>
+          <a:p>
+            <a:r>
+              <a:rPr lang="en-US" sz="1600" dirty="0">
+                <a:hlinkClick r:id="rId5"/>
+              </a:rPr>
+              <a:t>http://</a:t>
+            </a:r>
+            <a:r>
+              <a:rPr lang="en-US" sz="1600" dirty="0" smtClean="0">
+                <a:hlinkClick r:id="rId5"/>
+              </a:rPr>
+              <a:t>www.oracle.com/webfolder/technetwork/tutorials/obe/java/G1GettingStarted/index.html</a:t>
+            </a:r>
+            <a:endParaRPr lang="en-US" sz="1600" dirty="0" smtClean="0"/>
+          </a:p>
+          <a:p>
+            <a:r>
+              <a:rPr lang="en-US" sz="1600" dirty="0">
+                <a:hlinkClick r:id="rId6"/>
+              </a:rPr>
+              <a:t>http://</a:t>
+            </a:r>
+            <a:r>
+              <a:rPr lang="en-US" sz="1600" dirty="0" smtClean="0">
+                <a:hlinkClick r:id="rId6"/>
+              </a:rPr>
+              <a:t>javarevisited.blogspot.co.uk/2012/10/10-garbage-collection-interview-question-answer.html</a:t>
+            </a:r>
+            <a:endParaRPr lang="en-US" sz="1600" dirty="0" smtClean="0"/>
+          </a:p>
+          <a:p>
+            <a:r>
+              <a:rPr lang="en-US" sz="1600" dirty="0">
+                <a:hlinkClick r:id="rId7"/>
+              </a:rPr>
+              <a:t>https://</a:t>
+            </a:r>
+            <a:r>
+              <a:rPr lang="en-US" sz="1600" dirty="0" smtClean="0">
+                <a:hlinkClick r:id="rId7"/>
+              </a:rPr>
+              <a:t>docs.oracle.com/javase/tutorial/java/IandI/override.html</a:t>
+            </a:r>
+            <a:endParaRPr lang="en-US" sz="1600" dirty="0" smtClean="0"/>
+          </a:p>
+          <a:p>
+            <a:r>
+              <a:rPr lang="en-US" sz="1600" dirty="0">
+                <a:hlinkClick r:id="rId8"/>
+              </a:rPr>
+              <a:t>http://</a:t>
+            </a:r>
+            <a:r>
+              <a:rPr lang="en-US" sz="1600" dirty="0" smtClean="0">
+                <a:hlinkClick r:id="rId8"/>
+              </a:rPr>
+              <a:t>javarevisited.blogspot.co.uk/2011/09/code-review-checklist-best-practice.html</a:t>
+            </a:r>
+            <a:endParaRPr lang="en-US" sz="1600" dirty="0" smtClean="0"/>
+          </a:p>
+          <a:p>
+            <a:r>
+              <a:rPr lang="en-US" sz="1600" dirty="0">
+                <a:hlinkClick r:id="rId9"/>
+              </a:rPr>
+              <a:t>https://</a:t>
+            </a:r>
+            <a:r>
+              <a:rPr lang="en-US" sz="1600" dirty="0" smtClean="0">
+                <a:hlinkClick r:id="rId9"/>
+              </a:rPr>
+              <a:t>dzone.com/articles/java-code-review-checklist</a:t>
+            </a:r>
+            <a:endParaRPr lang="en-US" sz="1600" dirty="0" smtClean="0"/>
+          </a:p>
+          <a:p>
+            <a:r>
+              <a:rPr lang="en-US" sz="1600" dirty="0"/>
+              <a:t>http://crunchify.com/better-understanding-on-checked-vs-unchecked-exceptions-how-to-handle-exception-better-way-in-java/</a:t>
+            </a:r>
+            <a:endParaRPr lang="en-US" sz="1600" dirty="0" smtClean="0"/>
+          </a:p>
+        </p:txBody>
+      </p:sp>
+    </p:spTree>
+    <p:extLst>
+      <p:ext uri="{BB962C8B-B14F-4D97-AF65-F5344CB8AC3E}">
+        <p14:creationId xmlns:p14="http://schemas.microsoft.com/office/powerpoint/2010/main" val="924403351"/>
       </p:ext>
     </p:extLst>
   </p:cSld>
@@ -6719,11 +13945,7 @@
           <a:p>
             <a:r>
               <a:rPr lang="en-US" dirty="0" smtClean="0"/>
-              <a:t>Java </a:t>
-            </a:r>
-            <a:r>
-              <a:rPr lang="en-US" dirty="0" smtClean="0"/>
-              <a:t>– User Defined Class Loader</a:t>
+              <a:t>Java – User Defined Class Loader</a:t>
             </a:r>
             <a:endParaRPr lang="en-US" dirty="0"/>
           </a:p>
@@ -7034,7 +14256,6 @@
               <a:rPr lang="en-GB" sz="1600" dirty="0" smtClean="0"/>
               <a:t>Java Module System – expected in Java 9</a:t>
             </a:r>
-            <a:endParaRPr lang="en-GB" sz="1600" dirty="0" smtClean="0"/>
           </a:p>
           <a:p>
             <a:endParaRPr lang="en-GB" sz="1600" b="1" dirty="0">
@@ -7637,7 +14858,6 @@
               <a:rPr lang="en-GB" sz="1600" dirty="0"/>
               <a:t>To further improve performance, in addition to deleting unreferenced objects, you can also compact the remaining referenced objects. By moving referenced object together, this makes new memory allocation much easier and faster</a:t>
             </a:r>
-            <a:endParaRPr lang="en-GB" sz="1600" dirty="0"/>
           </a:p>
           <a:p>
             <a:pPr marL="274320" lvl="1" indent="0">

--- a/CoreJava.pptx
+++ b/CoreJava.pptx
@@ -322,7 +322,7 @@
           <a:p>
             <a:fld id="{8F235549-BF0A-4B98-8561-3786244E808C}" type="datetimeFigureOut">
               <a:rPr lang="en-US" smtClean="0"/>
-              <a:t>4/1/2016</a:t>
+              <a:t>4/4/2016</a:t>
             </a:fld>
             <a:endParaRPr lang="en-US"/>
           </a:p>
@@ -522,7 +522,7 @@
           <a:p>
             <a:fld id="{8F235549-BF0A-4B98-8561-3786244E808C}" type="datetimeFigureOut">
               <a:rPr lang="en-US" smtClean="0"/>
-              <a:t>4/1/2016</a:t>
+              <a:t>4/4/2016</a:t>
             </a:fld>
             <a:endParaRPr lang="en-US"/>
           </a:p>
@@ -697,7 +697,7 @@
           <a:p>
             <a:fld id="{8F235549-BF0A-4B98-8561-3786244E808C}" type="datetimeFigureOut">
               <a:rPr lang="en-US" smtClean="0"/>
-              <a:t>4/1/2016</a:t>
+              <a:t>4/4/2016</a:t>
             </a:fld>
             <a:endParaRPr lang="en-US"/>
           </a:p>
@@ -862,7 +862,7 @@
           <a:p>
             <a:fld id="{8F235549-BF0A-4B98-8561-3786244E808C}" type="datetimeFigureOut">
               <a:rPr lang="en-US" smtClean="0"/>
-              <a:t>4/1/2016</a:t>
+              <a:t>4/4/2016</a:t>
             </a:fld>
             <a:endParaRPr lang="en-US"/>
           </a:p>
@@ -1110,7 +1110,7 @@
           <a:p>
             <a:fld id="{8F235549-BF0A-4B98-8561-3786244E808C}" type="datetimeFigureOut">
               <a:rPr lang="en-US" smtClean="0"/>
-              <a:t>4/1/2016</a:t>
+              <a:t>4/4/2016</a:t>
             </a:fld>
             <a:endParaRPr lang="en-US"/>
           </a:p>
@@ -1428,7 +1428,7 @@
           <a:p>
             <a:fld id="{8F235549-BF0A-4B98-8561-3786244E808C}" type="datetimeFigureOut">
               <a:rPr lang="en-US" smtClean="0"/>
-              <a:t>4/1/2016</a:t>
+              <a:t>4/4/2016</a:t>
             </a:fld>
             <a:endParaRPr lang="en-US"/>
           </a:p>
@@ -1894,7 +1894,7 @@
           <a:p>
             <a:fld id="{8F235549-BF0A-4B98-8561-3786244E808C}" type="datetimeFigureOut">
               <a:rPr lang="en-US" smtClean="0"/>
-              <a:t>4/1/2016</a:t>
+              <a:t>4/4/2016</a:t>
             </a:fld>
             <a:endParaRPr lang="en-US"/>
           </a:p>
@@ -2042,7 +2042,7 @@
           <a:p>
             <a:fld id="{8F235549-BF0A-4B98-8561-3786244E808C}" type="datetimeFigureOut">
               <a:rPr lang="en-US" smtClean="0"/>
-              <a:t>4/1/2016</a:t>
+              <a:t>4/4/2016</a:t>
             </a:fld>
             <a:endParaRPr lang="en-US"/>
           </a:p>
@@ -2132,7 +2132,7 @@
           <a:p>
             <a:fld id="{8F235549-BF0A-4B98-8561-3786244E808C}" type="datetimeFigureOut">
               <a:rPr lang="en-US" smtClean="0"/>
-              <a:t>4/1/2016</a:t>
+              <a:t>4/4/2016</a:t>
             </a:fld>
             <a:endParaRPr lang="en-US"/>
           </a:p>
@@ -2406,7 +2406,7 @@
           <a:p>
             <a:fld id="{8F235549-BF0A-4B98-8561-3786244E808C}" type="datetimeFigureOut">
               <a:rPr lang="en-US" smtClean="0"/>
-              <a:t>4/1/2016</a:t>
+              <a:t>4/4/2016</a:t>
             </a:fld>
             <a:endParaRPr lang="en-US"/>
           </a:p>
@@ -2711,7 +2711,7 @@
           <a:p>
             <a:fld id="{8F235549-BF0A-4B98-8561-3786244E808C}" type="datetimeFigureOut">
               <a:rPr lang="en-US" smtClean="0"/>
-              <a:t>4/1/2016</a:t>
+              <a:t>4/4/2016</a:t>
             </a:fld>
             <a:endParaRPr lang="en-US"/>
           </a:p>
@@ -3009,7 +3009,7 @@
           <a:p>
             <a:fld id="{8F235549-BF0A-4B98-8561-3786244E808C}" type="datetimeFigureOut">
               <a:rPr lang="en-US" smtClean="0"/>
-              <a:t>4/1/2016</a:t>
+              <a:t>4/4/2016</a:t>
             </a:fld>
             <a:endParaRPr lang="en-US"/>
           </a:p>
@@ -13878,8 +13878,23 @@
           </a:p>
           <a:p>
             <a:r>
+              <a:rPr lang="en-US" sz="1600" dirty="0">
+                <a:hlinkClick r:id="rId10"/>
+              </a:rPr>
+              <a:t>http://crunchify.com/better-understanding-on-checked-vs-unchecked-exceptions-how-to-handle-exception-better-way-in-java</a:t>
+            </a:r>
+            <a:r>
+              <a:rPr lang="en-US" sz="1600" dirty="0" smtClean="0">
+                <a:hlinkClick r:id="rId10"/>
+              </a:rPr>
+              <a:t>/</a:t>
+            </a:r>
+            <a:endParaRPr lang="en-US" sz="1600" dirty="0" smtClean="0"/>
+          </a:p>
+          <a:p>
+            <a:r>
               <a:rPr lang="en-US" sz="1600" dirty="0"/>
-              <a:t>http://crunchify.com/better-understanding-on-checked-vs-unchecked-exceptions-how-to-handle-exception-better-way-in-java/</a:t>
+              <a:t>http://misko.hevery.com/code-reviewers-guide/</a:t>
             </a:r>
             <a:endParaRPr lang="en-US" sz="1600" dirty="0" smtClean="0"/>
           </a:p>

--- a/CoreJava.pptx
+++ b/CoreJava.pptx
@@ -28,11 +28,12 @@
     <p:sldId id="318" r:id="rId22"/>
     <p:sldId id="319" r:id="rId23"/>
     <p:sldId id="324" r:id="rId24"/>
-    <p:sldId id="323" r:id="rId25"/>
-    <p:sldId id="320" r:id="rId26"/>
-    <p:sldId id="321" r:id="rId27"/>
-    <p:sldId id="322" r:id="rId28"/>
-    <p:sldId id="269" r:id="rId29"/>
+    <p:sldId id="325" r:id="rId25"/>
+    <p:sldId id="323" r:id="rId26"/>
+    <p:sldId id="320" r:id="rId27"/>
+    <p:sldId id="321" r:id="rId28"/>
+    <p:sldId id="322" r:id="rId29"/>
+    <p:sldId id="269" r:id="rId30"/>
   </p:sldIdLst>
   <p:sldSz cx="9144000" cy="6858000" type="screen4x3"/>
   <p:notesSz cx="6858000" cy="9144000"/>
@@ -322,7 +323,7 @@
           <a:p>
             <a:fld id="{8F235549-BF0A-4B98-8561-3786244E808C}" type="datetimeFigureOut">
               <a:rPr lang="en-US" smtClean="0"/>
-              <a:t>4/4/2016</a:t>
+              <a:t>12/20/2017</a:t>
             </a:fld>
             <a:endParaRPr lang="en-US"/>
           </a:p>
@@ -522,7 +523,7 @@
           <a:p>
             <a:fld id="{8F235549-BF0A-4B98-8561-3786244E808C}" type="datetimeFigureOut">
               <a:rPr lang="en-US" smtClean="0"/>
-              <a:t>4/4/2016</a:t>
+              <a:t>12/20/2017</a:t>
             </a:fld>
             <a:endParaRPr lang="en-US"/>
           </a:p>
@@ -697,7 +698,7 @@
           <a:p>
             <a:fld id="{8F235549-BF0A-4B98-8561-3786244E808C}" type="datetimeFigureOut">
               <a:rPr lang="en-US" smtClean="0"/>
-              <a:t>4/4/2016</a:t>
+              <a:t>12/20/2017</a:t>
             </a:fld>
             <a:endParaRPr lang="en-US"/>
           </a:p>
@@ -862,7 +863,7 @@
           <a:p>
             <a:fld id="{8F235549-BF0A-4B98-8561-3786244E808C}" type="datetimeFigureOut">
               <a:rPr lang="en-US" smtClean="0"/>
-              <a:t>4/4/2016</a:t>
+              <a:t>12/20/2017</a:t>
             </a:fld>
             <a:endParaRPr lang="en-US"/>
           </a:p>
@@ -1110,7 +1111,7 @@
           <a:p>
             <a:fld id="{8F235549-BF0A-4B98-8561-3786244E808C}" type="datetimeFigureOut">
               <a:rPr lang="en-US" smtClean="0"/>
-              <a:t>4/4/2016</a:t>
+              <a:t>12/20/2017</a:t>
             </a:fld>
             <a:endParaRPr lang="en-US"/>
           </a:p>
@@ -1428,7 +1429,7 @@
           <a:p>
             <a:fld id="{8F235549-BF0A-4B98-8561-3786244E808C}" type="datetimeFigureOut">
               <a:rPr lang="en-US" smtClean="0"/>
-              <a:t>4/4/2016</a:t>
+              <a:t>12/20/2017</a:t>
             </a:fld>
             <a:endParaRPr lang="en-US"/>
           </a:p>
@@ -1894,7 +1895,7 @@
           <a:p>
             <a:fld id="{8F235549-BF0A-4B98-8561-3786244E808C}" type="datetimeFigureOut">
               <a:rPr lang="en-US" smtClean="0"/>
-              <a:t>4/4/2016</a:t>
+              <a:t>12/20/2017</a:t>
             </a:fld>
             <a:endParaRPr lang="en-US"/>
           </a:p>
@@ -2042,7 +2043,7 @@
           <a:p>
             <a:fld id="{8F235549-BF0A-4B98-8561-3786244E808C}" type="datetimeFigureOut">
               <a:rPr lang="en-US" smtClean="0"/>
-              <a:t>4/4/2016</a:t>
+              <a:t>12/20/2017</a:t>
             </a:fld>
             <a:endParaRPr lang="en-US"/>
           </a:p>
@@ -2132,7 +2133,7 @@
           <a:p>
             <a:fld id="{8F235549-BF0A-4B98-8561-3786244E808C}" type="datetimeFigureOut">
               <a:rPr lang="en-US" smtClean="0"/>
-              <a:t>4/4/2016</a:t>
+              <a:t>12/20/2017</a:t>
             </a:fld>
             <a:endParaRPr lang="en-US"/>
           </a:p>
@@ -2406,7 +2407,7 @@
           <a:p>
             <a:fld id="{8F235549-BF0A-4B98-8561-3786244E808C}" type="datetimeFigureOut">
               <a:rPr lang="en-US" smtClean="0"/>
-              <a:t>4/4/2016</a:t>
+              <a:t>12/20/2017</a:t>
             </a:fld>
             <a:endParaRPr lang="en-US"/>
           </a:p>
@@ -2711,7 +2712,7 @@
           <a:p>
             <a:fld id="{8F235549-BF0A-4B98-8561-3786244E808C}" type="datetimeFigureOut">
               <a:rPr lang="en-US" smtClean="0"/>
-              <a:t>4/4/2016</a:t>
+              <a:t>12/20/2017</a:t>
             </a:fld>
             <a:endParaRPr lang="en-US"/>
           </a:p>
@@ -3009,7 +3010,7 @@
           <a:p>
             <a:fld id="{8F235549-BF0A-4B98-8561-3786244E808C}" type="datetimeFigureOut">
               <a:rPr lang="en-US" smtClean="0"/>
-              <a:t>4/4/2016</a:t>
+              <a:t>12/20/2017</a:t>
             </a:fld>
             <a:endParaRPr lang="en-US"/>
           </a:p>
@@ -10214,7 +10215,7 @@
           <a:p>
             <a:r>
               <a:rPr lang="en-US" dirty="0" smtClean="0"/>
-              <a:t>Code Review – Main</a:t>
+              <a:t>Restrictions on Generics</a:t>
             </a:r>
             <a:endParaRPr lang="en-US" dirty="0"/>
           </a:p>
@@ -10383,6 +10384,324 @@
           <a:lstStyle/>
           <a:p>
             <a:r>
+              <a:rPr lang="en-GB" sz="1600" dirty="0"/>
+              <a:t>To use Java generics effectively, you must consider the following restrictions:</a:t>
+            </a:r>
+          </a:p>
+          <a:p>
+            <a:endParaRPr lang="en-GB" sz="1600" dirty="0"/>
+          </a:p>
+          <a:p>
+            <a:pPr>
+              <a:buFont typeface="Wingdings" panose="05000000000000000000" pitchFamily="2" charset="2"/>
+              <a:buChar char="Ø"/>
+            </a:pPr>
+            <a:r>
+              <a:rPr lang="en-GB" sz="1600" dirty="0"/>
+              <a:t>Cannot Instantiate Generic Types with Primitive Types</a:t>
+            </a:r>
+          </a:p>
+          <a:p>
+            <a:pPr>
+              <a:buFont typeface="Wingdings" panose="05000000000000000000" pitchFamily="2" charset="2"/>
+              <a:buChar char="Ø"/>
+            </a:pPr>
+            <a:r>
+              <a:rPr lang="en-GB" sz="1600" dirty="0"/>
+              <a:t>Cannot Create Instances of Type Parameters</a:t>
+            </a:r>
+          </a:p>
+          <a:p>
+            <a:pPr>
+              <a:buFont typeface="Wingdings" panose="05000000000000000000" pitchFamily="2" charset="2"/>
+              <a:buChar char="Ø"/>
+            </a:pPr>
+            <a:r>
+              <a:rPr lang="en-GB" sz="1600" dirty="0"/>
+              <a:t>Cannot Declare Static Fields Whose Types are Type Parameters</a:t>
+            </a:r>
+          </a:p>
+          <a:p>
+            <a:pPr>
+              <a:buFont typeface="Wingdings" panose="05000000000000000000" pitchFamily="2" charset="2"/>
+              <a:buChar char="Ø"/>
+            </a:pPr>
+            <a:r>
+              <a:rPr lang="en-GB" sz="1600" dirty="0"/>
+              <a:t>Cannot Use Casts or </a:t>
+            </a:r>
+            <a:r>
+              <a:rPr lang="en-GB" sz="1600" dirty="0" err="1"/>
+              <a:t>instanceof</a:t>
+            </a:r>
+            <a:r>
+              <a:rPr lang="en-GB" sz="1600" dirty="0"/>
+              <a:t> With Parameterized Types</a:t>
+            </a:r>
+          </a:p>
+          <a:p>
+            <a:pPr>
+              <a:buFont typeface="Wingdings" panose="05000000000000000000" pitchFamily="2" charset="2"/>
+              <a:buChar char="Ø"/>
+            </a:pPr>
+            <a:r>
+              <a:rPr lang="en-GB" sz="1600" dirty="0"/>
+              <a:t>Cannot Create Arrays of Parameterized Types</a:t>
+            </a:r>
+          </a:p>
+          <a:p>
+            <a:pPr>
+              <a:buFont typeface="Wingdings" panose="05000000000000000000" pitchFamily="2" charset="2"/>
+              <a:buChar char="Ø"/>
+            </a:pPr>
+            <a:r>
+              <a:rPr lang="en-GB" sz="1600" dirty="0"/>
+              <a:t>Cannot Create, Catch, or Throw Objects of Parameterized Types</a:t>
+            </a:r>
+          </a:p>
+          <a:p>
+            <a:pPr>
+              <a:buFont typeface="Wingdings" panose="05000000000000000000" pitchFamily="2" charset="2"/>
+              <a:buChar char="Ø"/>
+            </a:pPr>
+            <a:r>
+              <a:rPr lang="en-GB" sz="1600" dirty="0"/>
+              <a:t>Cannot Overload a Method Where the Formal Parameter Types of Each Overload Erase to the Same Raw Type</a:t>
+            </a:r>
+          </a:p>
+        </p:txBody>
+      </p:sp>
+    </p:spTree>
+    <p:extLst>
+      <p:ext uri="{BB962C8B-B14F-4D97-AF65-F5344CB8AC3E}">
+        <p14:creationId xmlns:p14="http://schemas.microsoft.com/office/powerpoint/2010/main" val="2300107651"/>
+      </p:ext>
+    </p:extLst>
+  </p:cSld>
+  <p:clrMapOvr>
+    <a:masterClrMapping/>
+  </p:clrMapOvr>
+  <p:timing>
+    <p:tnLst>
+      <p:par>
+        <p:cTn id="1" dur="indefinite" restart="never" nodeType="tmRoot"/>
+      </p:par>
+    </p:tnLst>
+  </p:timing>
+</p:sld>
+</file>
+
+<file path=ppt/slides/slide25.xml><?xml version="1.0" encoding="utf-8"?>
+<p:sld xmlns:a="http://schemas.openxmlformats.org/drawingml/2006/main" xmlns:r="http://schemas.openxmlformats.org/officeDocument/2006/relationships" xmlns:p="http://schemas.openxmlformats.org/presentationml/2006/main">
+  <p:cSld>
+    <p:bg>
+      <p:bgPr>
+        <a:noFill/>
+        <a:effectLst/>
+      </p:bgPr>
+    </p:bg>
+    <p:spTree>
+      <p:nvGrpSpPr>
+        <p:cNvPr id="1" name=""/>
+        <p:cNvGrpSpPr/>
+        <p:nvPr/>
+      </p:nvGrpSpPr>
+      <p:grpSpPr>
+        <a:xfrm>
+          <a:off x="0" y="0"/>
+          <a:ext cx="0" cy="0"/>
+          <a:chOff x="0" y="0"/>
+          <a:chExt cx="0" cy="0"/>
+        </a:xfrm>
+      </p:grpSpPr>
+      <p:sp>
+        <p:nvSpPr>
+          <p:cNvPr id="2" name="Title 1"/>
+          <p:cNvSpPr>
+            <a:spLocks noGrp="1"/>
+          </p:cNvSpPr>
+          <p:nvPr>
+            <p:ph type="title"/>
+          </p:nvPr>
+        </p:nvSpPr>
+        <p:spPr/>
+        <p:txBody>
+          <a:bodyPr>
+            <a:normAutofit/>
+          </a:bodyPr>
+          <a:lstStyle/>
+          <a:p>
+            <a:r>
+              <a:rPr lang="en-US" dirty="0" smtClean="0"/>
+              <a:t>Code Review – Main</a:t>
+            </a:r>
+            <a:endParaRPr lang="en-US" dirty="0"/>
+          </a:p>
+        </p:txBody>
+      </p:sp>
+      <p:sp>
+        <p:nvSpPr>
+          <p:cNvPr id="5" name="Rectangle 1"/>
+          <p:cNvSpPr>
+            <a:spLocks noChangeArrowheads="1"/>
+          </p:cNvSpPr>
+          <p:nvPr/>
+        </p:nvSpPr>
+        <p:spPr bwMode="auto">
+          <a:xfrm>
+            <a:off x="457200" y="2530475"/>
+            <a:ext cx="9144000" cy="0"/>
+          </a:xfrm>
+          <a:prstGeom prst="rect">
+            <a:avLst/>
+          </a:prstGeom>
+          <a:noFill/>
+          <a:ln>
+            <a:noFill/>
+          </a:ln>
+          <a:effectLst/>
+          <a:extLst>
+            <a:ext uri="{909E8E84-426E-40DD-AFC4-6F175D3DCCD1}">
+              <a14:hiddenFill xmlns:a14="http://schemas.microsoft.com/office/drawing/2010/main">
+                <a:solidFill>
+                  <a:schemeClr val="accent1"/>
+                </a:solidFill>
+              </a14:hiddenFill>
+            </a:ext>
+            <a:ext uri="{91240B29-F687-4F45-9708-019B960494DF}">
+              <a14:hiddenLine xmlns:a14="http://schemas.microsoft.com/office/drawing/2010/main" w="9525">
+                <a:solidFill>
+                  <a:schemeClr val="tx1"/>
+                </a:solidFill>
+                <a:miter lim="800000"/>
+                <a:headEnd/>
+                <a:tailEnd/>
+              </a14:hiddenLine>
+            </a:ext>
+            <a:ext uri="{AF507438-7753-43E0-B8FC-AC1667EBCBE1}">
+              <a14:hiddenEffects xmlns:a14="http://schemas.microsoft.com/office/drawing/2010/main">
+                <a:effectLst>
+                  <a:outerShdw dist="35921" dir="2700000" algn="ctr" rotWithShape="0">
+                    <a:schemeClr val="bg2"/>
+                  </a:outerShdw>
+                </a:effectLst>
+              </a14:hiddenEffects>
+            </a:ext>
+          </a:extLst>
+        </p:spPr>
+        <p:txBody>
+          <a:bodyPr vert="horz" wrap="none" lIns="91440" tIns="45720" rIns="91440" bIns="45720" numCol="1" anchor="ctr" anchorCtr="0" compatLnSpc="1">
+            <a:prstTxWarp prst="textNoShape">
+              <a:avLst/>
+            </a:prstTxWarp>
+            <a:spAutoFit/>
+          </a:bodyPr>
+          <a:lstStyle/>
+          <a:p>
+            <a:pPr marL="0" marR="0" lvl="0" indent="0" algn="l" defTabSz="914400" rtl="0" eaLnBrk="1" fontAlgn="base" latinLnBrk="0" hangingPunct="1">
+              <a:lnSpc>
+                <a:spcPct val="100000"/>
+              </a:lnSpc>
+              <a:spcBef>
+                <a:spcPct val="0"/>
+              </a:spcBef>
+              <a:spcAft>
+                <a:spcPct val="0"/>
+              </a:spcAft>
+              <a:buClrTx/>
+              <a:buSzTx/>
+              <a:buFontTx/>
+              <a:buNone/>
+              <a:tabLst/>
+            </a:pPr>
+            <a:endParaRPr kumimoji="0" lang="en-US" altLang="en-US" sz="1800" b="0" i="0" u="none" strike="noStrike" cap="none" normalizeH="0" baseline="0" smtClean="0">
+              <a:ln>
+                <a:noFill/>
+              </a:ln>
+              <a:solidFill>
+                <a:schemeClr val="tx1"/>
+              </a:solidFill>
+              <a:effectLst/>
+              <a:latin typeface="Arial" pitchFamily="34" charset="0"/>
+              <a:cs typeface="Arial" pitchFamily="34" charset="0"/>
+            </a:endParaRPr>
+          </a:p>
+          <a:p>
+            <a:pPr marL="0" marR="0" lvl="0" indent="0" algn="l" defTabSz="914400" rtl="0" eaLnBrk="0" fontAlgn="base" latinLnBrk="0" hangingPunct="0">
+              <a:lnSpc>
+                <a:spcPct val="100000"/>
+              </a:lnSpc>
+              <a:spcBef>
+                <a:spcPct val="0"/>
+              </a:spcBef>
+              <a:spcAft>
+                <a:spcPct val="0"/>
+              </a:spcAft>
+              <a:buClrTx/>
+              <a:buSzTx/>
+              <a:buFontTx/>
+              <a:buNone/>
+              <a:tabLst/>
+            </a:pPr>
+            <a:r>
+              <a:rPr kumimoji="0" lang="en-US" altLang="en-US" sz="1800" b="0" i="0" u="none" strike="noStrike" cap="none" normalizeH="0" baseline="0" smtClean="0">
+                <a:ln>
+                  <a:noFill/>
+                </a:ln>
+                <a:solidFill>
+                  <a:schemeClr val="tx1"/>
+                </a:solidFill>
+                <a:effectLst/>
+                <a:latin typeface="Arial" pitchFamily="34" charset="0"/>
+                <a:cs typeface="Arial" pitchFamily="34" charset="0"/>
+              </a:rPr>
+              <a:t/>
+            </a:r>
+            <a:br>
+              <a:rPr kumimoji="0" lang="en-US" altLang="en-US" sz="1800" b="0" i="0" u="none" strike="noStrike" cap="none" normalizeH="0" baseline="0" smtClean="0">
+                <a:ln>
+                  <a:noFill/>
+                </a:ln>
+                <a:solidFill>
+                  <a:schemeClr val="tx1"/>
+                </a:solidFill>
+                <a:effectLst/>
+                <a:latin typeface="Arial" pitchFamily="34" charset="0"/>
+                <a:cs typeface="Arial" pitchFamily="34" charset="0"/>
+              </a:rPr>
+            </a:br>
+            <a:endParaRPr kumimoji="0" lang="en-US" altLang="en-US" sz="1800" b="0" i="0" u="none" strike="noStrike" cap="none" normalizeH="0" baseline="0" smtClean="0">
+              <a:ln>
+                <a:noFill/>
+              </a:ln>
+              <a:solidFill>
+                <a:schemeClr val="tx1"/>
+              </a:solidFill>
+              <a:effectLst/>
+              <a:latin typeface="Arial" pitchFamily="34" charset="0"/>
+              <a:cs typeface="Arial" pitchFamily="34" charset="0"/>
+            </a:endParaRPr>
+          </a:p>
+        </p:txBody>
+      </p:sp>
+      <p:sp>
+        <p:nvSpPr>
+          <p:cNvPr id="3" name="Content Placeholder 2"/>
+          <p:cNvSpPr>
+            <a:spLocks noGrp="1"/>
+          </p:cNvSpPr>
+          <p:nvPr>
+            <p:ph idx="1"/>
+          </p:nvPr>
+        </p:nvSpPr>
+        <p:spPr/>
+        <p:txBody>
+          <a:bodyPr>
+            <a:normAutofit/>
+          </a:bodyPr>
+          <a:lstStyle/>
+          <a:p>
+            <a:r>
               <a:rPr lang="en-US" sz="1600" dirty="0" smtClean="0"/>
               <a:t>Does code meet functional requirement</a:t>
             </a:r>
@@ -10464,7 +10783,7 @@
 </p:sld>
 </file>
 
-<file path=ppt/slides/slide25.xml><?xml version="1.0" encoding="utf-8"?>
+<file path=ppt/slides/slide26.xml><?xml version="1.0" encoding="utf-8"?>
 <p:sld xmlns:a="http://schemas.openxmlformats.org/drawingml/2006/main" xmlns:r="http://schemas.openxmlformats.org/officeDocument/2006/relationships" xmlns:p="http://schemas.openxmlformats.org/presentationml/2006/main">
   <p:cSld>
     <p:bg>
@@ -10733,7 +11052,7 @@
 </p:sld>
 </file>
 
-<file path=ppt/slides/slide26.xml><?xml version="1.0" encoding="utf-8"?>
+<file path=ppt/slides/slide27.xml><?xml version="1.0" encoding="utf-8"?>
 <p:sld xmlns:a="http://schemas.openxmlformats.org/drawingml/2006/main" xmlns:r="http://schemas.openxmlformats.org/officeDocument/2006/relationships" xmlns:p="http://schemas.openxmlformats.org/presentationml/2006/main">
   <p:cSld>
     <p:bg>
@@ -11002,7 +11321,7 @@
 </p:sld>
 </file>
 
-<file path=ppt/slides/slide27.xml><?xml version="1.0" encoding="utf-8"?>
+<file path=ppt/slides/slide28.xml><?xml version="1.0" encoding="utf-8"?>
 <p:sld xmlns:a="http://schemas.openxmlformats.org/drawingml/2006/main" xmlns:r="http://schemas.openxmlformats.org/officeDocument/2006/relationships" xmlns:p="http://schemas.openxmlformats.org/presentationml/2006/main">
   <p:cSld>
     <p:bg>
@@ -13700,7 +14019,7 @@
 </p:sld>
 </file>
 
-<file path=ppt/slides/slide28.xml><?xml version="1.0" encoding="utf-8"?>
+<file path=ppt/slides/slide29.xml><?xml version="1.0" encoding="utf-8"?>
 <p:sld xmlns:a="http://schemas.openxmlformats.org/drawingml/2006/main" xmlns:r="http://schemas.openxmlformats.org/officeDocument/2006/relationships" xmlns:p="http://schemas.openxmlformats.org/presentationml/2006/main">
   <p:cSld>
     <p:spTree>

--- a/CoreJava.pptx
+++ b/CoreJava.pptx
@@ -29,11 +29,12 @@
     <p:sldId id="319" r:id="rId23"/>
     <p:sldId id="324" r:id="rId24"/>
     <p:sldId id="325" r:id="rId25"/>
-    <p:sldId id="323" r:id="rId26"/>
-    <p:sldId id="320" r:id="rId27"/>
-    <p:sldId id="321" r:id="rId28"/>
-    <p:sldId id="322" r:id="rId29"/>
-    <p:sldId id="269" r:id="rId30"/>
+    <p:sldId id="326" r:id="rId26"/>
+    <p:sldId id="323" r:id="rId27"/>
+    <p:sldId id="320" r:id="rId28"/>
+    <p:sldId id="321" r:id="rId29"/>
+    <p:sldId id="322" r:id="rId30"/>
+    <p:sldId id="269" r:id="rId31"/>
   </p:sldIdLst>
   <p:sldSz cx="9144000" cy="6858000" type="screen4x3"/>
   <p:notesSz cx="6858000" cy="9144000"/>
@@ -323,7 +324,7 @@
           <a:p>
             <a:fld id="{8F235549-BF0A-4B98-8561-3786244E808C}" type="datetimeFigureOut">
               <a:rPr lang="en-US" smtClean="0"/>
-              <a:t>12/20/2017</a:t>
+              <a:t>2/7/2018</a:t>
             </a:fld>
             <a:endParaRPr lang="en-US"/>
           </a:p>
@@ -523,7 +524,7 @@
           <a:p>
             <a:fld id="{8F235549-BF0A-4B98-8561-3786244E808C}" type="datetimeFigureOut">
               <a:rPr lang="en-US" smtClean="0"/>
-              <a:t>12/20/2017</a:t>
+              <a:t>2/7/2018</a:t>
             </a:fld>
             <a:endParaRPr lang="en-US"/>
           </a:p>
@@ -698,7 +699,7 @@
           <a:p>
             <a:fld id="{8F235549-BF0A-4B98-8561-3786244E808C}" type="datetimeFigureOut">
               <a:rPr lang="en-US" smtClean="0"/>
-              <a:t>12/20/2017</a:t>
+              <a:t>2/7/2018</a:t>
             </a:fld>
             <a:endParaRPr lang="en-US"/>
           </a:p>
@@ -863,7 +864,7 @@
           <a:p>
             <a:fld id="{8F235549-BF0A-4B98-8561-3786244E808C}" type="datetimeFigureOut">
               <a:rPr lang="en-US" smtClean="0"/>
-              <a:t>12/20/2017</a:t>
+              <a:t>2/7/2018</a:t>
             </a:fld>
             <a:endParaRPr lang="en-US"/>
           </a:p>
@@ -1111,7 +1112,7 @@
           <a:p>
             <a:fld id="{8F235549-BF0A-4B98-8561-3786244E808C}" type="datetimeFigureOut">
               <a:rPr lang="en-US" smtClean="0"/>
-              <a:t>12/20/2017</a:t>
+              <a:t>2/7/2018</a:t>
             </a:fld>
             <a:endParaRPr lang="en-US"/>
           </a:p>
@@ -1429,7 +1430,7 @@
           <a:p>
             <a:fld id="{8F235549-BF0A-4B98-8561-3786244E808C}" type="datetimeFigureOut">
               <a:rPr lang="en-US" smtClean="0"/>
-              <a:t>12/20/2017</a:t>
+              <a:t>2/7/2018</a:t>
             </a:fld>
             <a:endParaRPr lang="en-US"/>
           </a:p>
@@ -1895,7 +1896,7 @@
           <a:p>
             <a:fld id="{8F235549-BF0A-4B98-8561-3786244E808C}" type="datetimeFigureOut">
               <a:rPr lang="en-US" smtClean="0"/>
-              <a:t>12/20/2017</a:t>
+              <a:t>2/7/2018</a:t>
             </a:fld>
             <a:endParaRPr lang="en-US"/>
           </a:p>
@@ -2043,7 +2044,7 @@
           <a:p>
             <a:fld id="{8F235549-BF0A-4B98-8561-3786244E808C}" type="datetimeFigureOut">
               <a:rPr lang="en-US" smtClean="0"/>
-              <a:t>12/20/2017</a:t>
+              <a:t>2/7/2018</a:t>
             </a:fld>
             <a:endParaRPr lang="en-US"/>
           </a:p>
@@ -2133,7 +2134,7 @@
           <a:p>
             <a:fld id="{8F235549-BF0A-4B98-8561-3786244E808C}" type="datetimeFigureOut">
               <a:rPr lang="en-US" smtClean="0"/>
-              <a:t>12/20/2017</a:t>
+              <a:t>2/7/2018</a:t>
             </a:fld>
             <a:endParaRPr lang="en-US"/>
           </a:p>
@@ -2407,7 +2408,7 @@
           <a:p>
             <a:fld id="{8F235549-BF0A-4B98-8561-3786244E808C}" type="datetimeFigureOut">
               <a:rPr lang="en-US" smtClean="0"/>
-              <a:t>12/20/2017</a:t>
+              <a:t>2/7/2018</a:t>
             </a:fld>
             <a:endParaRPr lang="en-US"/>
           </a:p>
@@ -2712,7 +2713,7 @@
           <a:p>
             <a:fld id="{8F235549-BF0A-4B98-8561-3786244E808C}" type="datetimeFigureOut">
               <a:rPr lang="en-US" smtClean="0"/>
-              <a:t>12/20/2017</a:t>
+              <a:t>2/7/2018</a:t>
             </a:fld>
             <a:endParaRPr lang="en-US"/>
           </a:p>
@@ -3010,7 +3011,7 @@
           <a:p>
             <a:fld id="{8F235549-BF0A-4B98-8561-3786244E808C}" type="datetimeFigureOut">
               <a:rPr lang="en-US" smtClean="0"/>
-              <a:t>12/20/2017</a:t>
+              <a:t>2/7/2018</a:t>
             </a:fld>
             <a:endParaRPr lang="en-US"/>
           </a:p>
@@ -10533,7 +10534,7 @@
           <a:p>
             <a:r>
               <a:rPr lang="en-US" dirty="0" smtClean="0"/>
-              <a:t>Code Review – Main</a:t>
+              <a:t>HashTable Vs HashMap</a:t>
             </a:r>
             <a:endParaRPr lang="en-US" dirty="0"/>
           </a:p>
@@ -10684,6 +10685,672 @@
           </a:p>
         </p:txBody>
       </p:sp>
+      <p:graphicFrame>
+        <p:nvGraphicFramePr>
+          <p:cNvPr id="4" name="Content Placeholder 3"/>
+          <p:cNvGraphicFramePr>
+            <a:graphicFrameLocks noGrp="1"/>
+          </p:cNvGraphicFramePr>
+          <p:nvPr>
+            <p:ph idx="1"/>
+            <p:extLst>
+              <p:ext uri="{D42A27DB-BD31-4B8C-83A1-F6EECF244321}">
+                <p14:modId xmlns:p14="http://schemas.microsoft.com/office/powerpoint/2010/main" val="738296195"/>
+              </p:ext>
+            </p:extLst>
+          </p:nvPr>
+        </p:nvGraphicFramePr>
+        <p:xfrm>
+          <a:off x="457200" y="1600200"/>
+          <a:ext cx="8229600" cy="1752600"/>
+        </p:xfrm>
+        <a:graphic>
+          <a:graphicData uri="http://schemas.openxmlformats.org/drawingml/2006/table">
+            <a:tbl>
+              <a:tblPr firstRow="1" bandRow="1">
+                <a:tableStyleId>{5C22544A-7EE6-4342-B048-85BDC9FD1C3A}</a:tableStyleId>
+              </a:tblPr>
+              <a:tblGrid>
+                <a:gridCol w="4114800"/>
+                <a:gridCol w="4114800"/>
+              </a:tblGrid>
+              <a:tr h="370840">
+                <a:tc>
+                  <a:txBody>
+                    <a:bodyPr/>
+                    <a:lstStyle/>
+                    <a:p>
+                      <a:r>
+                        <a:rPr lang="en-GB" dirty="0" smtClean="0"/>
+                        <a:t>HashTable</a:t>
+                      </a:r>
+                      <a:endParaRPr lang="en-GB" dirty="0"/>
+                    </a:p>
+                  </a:txBody>
+                  <a:tcPr>
+                    <a:lnL w="12700" cap="flat" cmpd="sng" algn="ctr">
+                      <a:solidFill>
+                        <a:schemeClr val="tx1"/>
+                      </a:solidFill>
+                      <a:prstDash val="solid"/>
+                      <a:round/>
+                      <a:headEnd type="none" w="med" len="med"/>
+                      <a:tailEnd type="none" w="med" len="med"/>
+                    </a:lnL>
+                    <a:lnR w="12700" cap="flat" cmpd="sng" algn="ctr">
+                      <a:solidFill>
+                        <a:schemeClr val="tx1"/>
+                      </a:solidFill>
+                      <a:prstDash val="solid"/>
+                      <a:round/>
+                      <a:headEnd type="none" w="med" len="med"/>
+                      <a:tailEnd type="none" w="med" len="med"/>
+                    </a:lnR>
+                    <a:lnT w="12700" cap="flat" cmpd="sng" algn="ctr">
+                      <a:solidFill>
+                        <a:schemeClr val="tx1"/>
+                      </a:solidFill>
+                      <a:prstDash val="solid"/>
+                      <a:round/>
+                      <a:headEnd type="none" w="med" len="med"/>
+                      <a:tailEnd type="none" w="med" len="med"/>
+                    </a:lnT>
+                    <a:lnB w="12700" cap="flat" cmpd="sng" algn="ctr">
+                      <a:solidFill>
+                        <a:schemeClr val="tx1"/>
+                      </a:solidFill>
+                      <a:prstDash val="solid"/>
+                      <a:round/>
+                      <a:headEnd type="none" w="med" len="med"/>
+                      <a:tailEnd type="none" w="med" len="med"/>
+                    </a:lnB>
+                  </a:tcPr>
+                </a:tc>
+                <a:tc>
+                  <a:txBody>
+                    <a:bodyPr/>
+                    <a:lstStyle/>
+                    <a:p>
+                      <a:r>
+                        <a:rPr lang="en-GB" dirty="0" smtClean="0"/>
+                        <a:t>HashMap</a:t>
+                      </a:r>
+                      <a:endParaRPr lang="en-GB" dirty="0"/>
+                    </a:p>
+                  </a:txBody>
+                  <a:tcPr>
+                    <a:lnL w="12700" cap="flat" cmpd="sng" algn="ctr">
+                      <a:solidFill>
+                        <a:schemeClr val="tx1"/>
+                      </a:solidFill>
+                      <a:prstDash val="solid"/>
+                      <a:round/>
+                      <a:headEnd type="none" w="med" len="med"/>
+                      <a:tailEnd type="none" w="med" len="med"/>
+                    </a:lnL>
+                    <a:lnR w="12700" cap="flat" cmpd="sng" algn="ctr">
+                      <a:solidFill>
+                        <a:schemeClr val="tx1"/>
+                      </a:solidFill>
+                      <a:prstDash val="solid"/>
+                      <a:round/>
+                      <a:headEnd type="none" w="med" len="med"/>
+                      <a:tailEnd type="none" w="med" len="med"/>
+                    </a:lnR>
+                    <a:lnT w="12700" cap="flat" cmpd="sng" algn="ctr">
+                      <a:solidFill>
+                        <a:schemeClr val="tx1"/>
+                      </a:solidFill>
+                      <a:prstDash val="solid"/>
+                      <a:round/>
+                      <a:headEnd type="none" w="med" len="med"/>
+                      <a:tailEnd type="none" w="med" len="med"/>
+                    </a:lnT>
+                    <a:lnB w="12700" cap="flat" cmpd="sng" algn="ctr">
+                      <a:solidFill>
+                        <a:schemeClr val="tx1"/>
+                      </a:solidFill>
+                      <a:prstDash val="solid"/>
+                      <a:round/>
+                      <a:headEnd type="none" w="med" len="med"/>
+                      <a:tailEnd type="none" w="med" len="med"/>
+                    </a:lnB>
+                  </a:tcPr>
+                </a:tc>
+              </a:tr>
+              <a:tr h="370840">
+                <a:tc>
+                  <a:txBody>
+                    <a:bodyPr/>
+                    <a:lstStyle/>
+                    <a:p>
+                      <a:r>
+                        <a:rPr lang="en-GB" dirty="0" smtClean="0"/>
+                        <a:t>Synchronized</a:t>
+                      </a:r>
+                      <a:endParaRPr lang="en-GB" dirty="0"/>
+                    </a:p>
+                  </a:txBody>
+                  <a:tcPr>
+                    <a:lnL w="12700" cap="flat" cmpd="sng" algn="ctr">
+                      <a:solidFill>
+                        <a:schemeClr val="tx1"/>
+                      </a:solidFill>
+                      <a:prstDash val="solid"/>
+                      <a:round/>
+                      <a:headEnd type="none" w="med" len="med"/>
+                      <a:tailEnd type="none" w="med" len="med"/>
+                    </a:lnL>
+                    <a:lnR w="12700" cap="flat" cmpd="sng" algn="ctr">
+                      <a:solidFill>
+                        <a:schemeClr val="tx1"/>
+                      </a:solidFill>
+                      <a:prstDash val="solid"/>
+                      <a:round/>
+                      <a:headEnd type="none" w="med" len="med"/>
+                      <a:tailEnd type="none" w="med" len="med"/>
+                    </a:lnR>
+                    <a:lnT w="12700" cap="flat" cmpd="sng" algn="ctr">
+                      <a:solidFill>
+                        <a:schemeClr val="tx1"/>
+                      </a:solidFill>
+                      <a:prstDash val="solid"/>
+                      <a:round/>
+                      <a:headEnd type="none" w="med" len="med"/>
+                      <a:tailEnd type="none" w="med" len="med"/>
+                    </a:lnT>
+                    <a:lnB w="12700" cap="flat" cmpd="sng" algn="ctr">
+                      <a:solidFill>
+                        <a:schemeClr val="tx1"/>
+                      </a:solidFill>
+                      <a:prstDash val="solid"/>
+                      <a:round/>
+                      <a:headEnd type="none" w="med" len="med"/>
+                      <a:tailEnd type="none" w="med" len="med"/>
+                    </a:lnB>
+                  </a:tcPr>
+                </a:tc>
+                <a:tc>
+                  <a:txBody>
+                    <a:bodyPr/>
+                    <a:lstStyle/>
+                    <a:p>
+                      <a:r>
+                        <a:rPr lang="en-GB" dirty="0" smtClean="0"/>
+                        <a:t>Not synchronized</a:t>
+                      </a:r>
+                      <a:endParaRPr lang="en-GB" dirty="0"/>
+                    </a:p>
+                  </a:txBody>
+                  <a:tcPr>
+                    <a:lnL w="12700" cap="flat" cmpd="sng" algn="ctr">
+                      <a:solidFill>
+                        <a:schemeClr val="tx1"/>
+                      </a:solidFill>
+                      <a:prstDash val="solid"/>
+                      <a:round/>
+                      <a:headEnd type="none" w="med" len="med"/>
+                      <a:tailEnd type="none" w="med" len="med"/>
+                    </a:lnL>
+                    <a:lnR w="12700" cap="flat" cmpd="sng" algn="ctr">
+                      <a:solidFill>
+                        <a:schemeClr val="tx1"/>
+                      </a:solidFill>
+                      <a:prstDash val="solid"/>
+                      <a:round/>
+                      <a:headEnd type="none" w="med" len="med"/>
+                      <a:tailEnd type="none" w="med" len="med"/>
+                    </a:lnR>
+                    <a:lnT w="12700" cap="flat" cmpd="sng" algn="ctr">
+                      <a:solidFill>
+                        <a:schemeClr val="tx1"/>
+                      </a:solidFill>
+                      <a:prstDash val="solid"/>
+                      <a:round/>
+                      <a:headEnd type="none" w="med" len="med"/>
+                      <a:tailEnd type="none" w="med" len="med"/>
+                    </a:lnT>
+                    <a:lnB w="12700" cap="flat" cmpd="sng" algn="ctr">
+                      <a:solidFill>
+                        <a:schemeClr val="tx1"/>
+                      </a:solidFill>
+                      <a:prstDash val="solid"/>
+                      <a:round/>
+                      <a:headEnd type="none" w="med" len="med"/>
+                      <a:tailEnd type="none" w="med" len="med"/>
+                    </a:lnB>
+                  </a:tcPr>
+                </a:tc>
+              </a:tr>
+              <a:tr h="370840">
+                <a:tc>
+                  <a:txBody>
+                    <a:bodyPr/>
+                    <a:lstStyle/>
+                    <a:p>
+                      <a:r>
+                        <a:rPr lang="en-GB" dirty="0" smtClean="0"/>
+                        <a:t>Does not allow null</a:t>
+                      </a:r>
+                      <a:endParaRPr lang="en-GB" dirty="0"/>
+                    </a:p>
+                  </a:txBody>
+                  <a:tcPr>
+                    <a:lnL w="12700" cap="flat" cmpd="sng" algn="ctr">
+                      <a:solidFill>
+                        <a:schemeClr val="tx1"/>
+                      </a:solidFill>
+                      <a:prstDash val="solid"/>
+                      <a:round/>
+                      <a:headEnd type="none" w="med" len="med"/>
+                      <a:tailEnd type="none" w="med" len="med"/>
+                    </a:lnL>
+                    <a:lnR w="12700" cap="flat" cmpd="sng" algn="ctr">
+                      <a:solidFill>
+                        <a:schemeClr val="tx1"/>
+                      </a:solidFill>
+                      <a:prstDash val="solid"/>
+                      <a:round/>
+                      <a:headEnd type="none" w="med" len="med"/>
+                      <a:tailEnd type="none" w="med" len="med"/>
+                    </a:lnR>
+                    <a:lnT w="12700" cap="flat" cmpd="sng" algn="ctr">
+                      <a:solidFill>
+                        <a:schemeClr val="tx1"/>
+                      </a:solidFill>
+                      <a:prstDash val="solid"/>
+                      <a:round/>
+                      <a:headEnd type="none" w="med" len="med"/>
+                      <a:tailEnd type="none" w="med" len="med"/>
+                    </a:lnT>
+                    <a:lnB w="12700" cap="flat" cmpd="sng" algn="ctr">
+                      <a:solidFill>
+                        <a:schemeClr val="tx1"/>
+                      </a:solidFill>
+                      <a:prstDash val="solid"/>
+                      <a:round/>
+                      <a:headEnd type="none" w="med" len="med"/>
+                      <a:tailEnd type="none" w="med" len="med"/>
+                    </a:lnB>
+                  </a:tcPr>
+                </a:tc>
+                <a:tc>
+                  <a:txBody>
+                    <a:bodyPr/>
+                    <a:lstStyle/>
+                    <a:p>
+                      <a:r>
+                        <a:rPr lang="en-GB" dirty="0" smtClean="0"/>
+                        <a:t>Allows null</a:t>
+                      </a:r>
+                      <a:endParaRPr lang="en-GB" dirty="0"/>
+                    </a:p>
+                  </a:txBody>
+                  <a:tcPr>
+                    <a:lnL w="12700" cap="flat" cmpd="sng" algn="ctr">
+                      <a:solidFill>
+                        <a:schemeClr val="tx1"/>
+                      </a:solidFill>
+                      <a:prstDash val="solid"/>
+                      <a:round/>
+                      <a:headEnd type="none" w="med" len="med"/>
+                      <a:tailEnd type="none" w="med" len="med"/>
+                    </a:lnL>
+                    <a:lnR w="12700" cap="flat" cmpd="sng" algn="ctr">
+                      <a:solidFill>
+                        <a:schemeClr val="tx1"/>
+                      </a:solidFill>
+                      <a:prstDash val="solid"/>
+                      <a:round/>
+                      <a:headEnd type="none" w="med" len="med"/>
+                      <a:tailEnd type="none" w="med" len="med"/>
+                    </a:lnR>
+                    <a:lnT w="12700" cap="flat" cmpd="sng" algn="ctr">
+                      <a:solidFill>
+                        <a:schemeClr val="tx1"/>
+                      </a:solidFill>
+                      <a:prstDash val="solid"/>
+                      <a:round/>
+                      <a:headEnd type="none" w="med" len="med"/>
+                      <a:tailEnd type="none" w="med" len="med"/>
+                    </a:lnT>
+                    <a:lnB w="12700" cap="flat" cmpd="sng" algn="ctr">
+                      <a:solidFill>
+                        <a:schemeClr val="tx1"/>
+                      </a:solidFill>
+                      <a:prstDash val="solid"/>
+                      <a:round/>
+                      <a:headEnd type="none" w="med" len="med"/>
+                      <a:tailEnd type="none" w="med" len="med"/>
+                    </a:lnB>
+                  </a:tcPr>
+                </a:tc>
+              </a:tr>
+              <a:tr h="370840">
+                <a:tc>
+                  <a:txBody>
+                    <a:bodyPr/>
+                    <a:lstStyle/>
+                    <a:p>
+                      <a:r>
+                        <a:rPr lang="en-GB" dirty="0" smtClean="0"/>
+                        <a:t>Concurrent</a:t>
+                      </a:r>
+                      <a:r>
+                        <a:rPr lang="en-GB" baseline="0" dirty="0" smtClean="0"/>
+                        <a:t>HashMap – similar to HashTable</a:t>
+                      </a:r>
+                      <a:endParaRPr lang="en-GB" dirty="0"/>
+                    </a:p>
+                  </a:txBody>
+                  <a:tcPr>
+                    <a:lnL w="12700" cap="flat" cmpd="sng" algn="ctr">
+                      <a:solidFill>
+                        <a:schemeClr val="tx1"/>
+                      </a:solidFill>
+                      <a:prstDash val="solid"/>
+                      <a:round/>
+                      <a:headEnd type="none" w="med" len="med"/>
+                      <a:tailEnd type="none" w="med" len="med"/>
+                    </a:lnL>
+                    <a:lnR w="12700" cap="flat" cmpd="sng" algn="ctr">
+                      <a:solidFill>
+                        <a:schemeClr val="tx1"/>
+                      </a:solidFill>
+                      <a:prstDash val="solid"/>
+                      <a:round/>
+                      <a:headEnd type="none" w="med" len="med"/>
+                      <a:tailEnd type="none" w="med" len="med"/>
+                    </a:lnR>
+                    <a:lnT w="12700" cap="flat" cmpd="sng" algn="ctr">
+                      <a:solidFill>
+                        <a:schemeClr val="tx1"/>
+                      </a:solidFill>
+                      <a:prstDash val="solid"/>
+                      <a:round/>
+                      <a:headEnd type="none" w="med" len="med"/>
+                      <a:tailEnd type="none" w="med" len="med"/>
+                    </a:lnT>
+                    <a:lnB w="12700" cap="flat" cmpd="sng" algn="ctr">
+                      <a:solidFill>
+                        <a:schemeClr val="tx1"/>
+                      </a:solidFill>
+                      <a:prstDash val="solid"/>
+                      <a:round/>
+                      <a:headEnd type="none" w="med" len="med"/>
+                      <a:tailEnd type="none" w="med" len="med"/>
+                    </a:lnB>
+                  </a:tcPr>
+                </a:tc>
+                <a:tc>
+                  <a:txBody>
+                    <a:bodyPr/>
+                    <a:lstStyle/>
+                    <a:p>
+                      <a:r>
+                        <a:rPr lang="en-GB" dirty="0" smtClean="0"/>
+                        <a:t>LinkedHashMap – predictable iteration order</a:t>
+                      </a:r>
+                      <a:endParaRPr lang="en-GB" dirty="0"/>
+                    </a:p>
+                  </a:txBody>
+                  <a:tcPr>
+                    <a:lnL w="12700" cap="flat" cmpd="sng" algn="ctr">
+                      <a:solidFill>
+                        <a:schemeClr val="tx1"/>
+                      </a:solidFill>
+                      <a:prstDash val="solid"/>
+                      <a:round/>
+                      <a:headEnd type="none" w="med" len="med"/>
+                      <a:tailEnd type="none" w="med" len="med"/>
+                    </a:lnL>
+                    <a:lnR w="12700" cap="flat" cmpd="sng" algn="ctr">
+                      <a:solidFill>
+                        <a:schemeClr val="tx1"/>
+                      </a:solidFill>
+                      <a:prstDash val="solid"/>
+                      <a:round/>
+                      <a:headEnd type="none" w="med" len="med"/>
+                      <a:tailEnd type="none" w="med" len="med"/>
+                    </a:lnR>
+                    <a:lnT w="12700" cap="flat" cmpd="sng" algn="ctr">
+                      <a:solidFill>
+                        <a:schemeClr val="tx1"/>
+                      </a:solidFill>
+                      <a:prstDash val="solid"/>
+                      <a:round/>
+                      <a:headEnd type="none" w="med" len="med"/>
+                      <a:tailEnd type="none" w="med" len="med"/>
+                    </a:lnT>
+                    <a:lnB w="12700" cap="flat" cmpd="sng" algn="ctr">
+                      <a:solidFill>
+                        <a:schemeClr val="tx1"/>
+                      </a:solidFill>
+                      <a:prstDash val="solid"/>
+                      <a:round/>
+                      <a:headEnd type="none" w="med" len="med"/>
+                      <a:tailEnd type="none" w="med" len="med"/>
+                    </a:lnB>
+                  </a:tcPr>
+                </a:tc>
+              </a:tr>
+            </a:tbl>
+          </a:graphicData>
+        </a:graphic>
+      </p:graphicFrame>
+    </p:spTree>
+    <p:extLst>
+      <p:ext uri="{BB962C8B-B14F-4D97-AF65-F5344CB8AC3E}">
+        <p14:creationId xmlns:p14="http://schemas.microsoft.com/office/powerpoint/2010/main" val="2867628259"/>
+      </p:ext>
+    </p:extLst>
+  </p:cSld>
+  <p:clrMapOvr>
+    <a:masterClrMapping/>
+  </p:clrMapOvr>
+  <p:timing>
+    <p:tnLst>
+      <p:par>
+        <p:cTn id="1" dur="indefinite" restart="never" nodeType="tmRoot"/>
+      </p:par>
+    </p:tnLst>
+  </p:timing>
+</p:sld>
+</file>
+
+<file path=ppt/slides/slide26.xml><?xml version="1.0" encoding="utf-8"?>
+<p:sld xmlns:a="http://schemas.openxmlformats.org/drawingml/2006/main" xmlns:r="http://schemas.openxmlformats.org/officeDocument/2006/relationships" xmlns:p="http://schemas.openxmlformats.org/presentationml/2006/main">
+  <p:cSld>
+    <p:bg>
+      <p:bgPr>
+        <a:noFill/>
+        <a:effectLst/>
+      </p:bgPr>
+    </p:bg>
+    <p:spTree>
+      <p:nvGrpSpPr>
+        <p:cNvPr id="1" name=""/>
+        <p:cNvGrpSpPr/>
+        <p:nvPr/>
+      </p:nvGrpSpPr>
+      <p:grpSpPr>
+        <a:xfrm>
+          <a:off x="0" y="0"/>
+          <a:ext cx="0" cy="0"/>
+          <a:chOff x="0" y="0"/>
+          <a:chExt cx="0" cy="0"/>
+        </a:xfrm>
+      </p:grpSpPr>
+      <p:sp>
+        <p:nvSpPr>
+          <p:cNvPr id="2" name="Title 1"/>
+          <p:cNvSpPr>
+            <a:spLocks noGrp="1"/>
+          </p:cNvSpPr>
+          <p:nvPr>
+            <p:ph type="title"/>
+          </p:nvPr>
+        </p:nvSpPr>
+        <p:spPr/>
+        <p:txBody>
+          <a:bodyPr>
+            <a:normAutofit/>
+          </a:bodyPr>
+          <a:lstStyle/>
+          <a:p>
+            <a:r>
+              <a:rPr lang="en-US" dirty="0" smtClean="0"/>
+              <a:t>Code Review – Main</a:t>
+            </a:r>
+            <a:endParaRPr lang="en-US" dirty="0"/>
+          </a:p>
+        </p:txBody>
+      </p:sp>
+      <p:sp>
+        <p:nvSpPr>
+          <p:cNvPr id="5" name="Rectangle 1"/>
+          <p:cNvSpPr>
+            <a:spLocks noChangeArrowheads="1"/>
+          </p:cNvSpPr>
+          <p:nvPr/>
+        </p:nvSpPr>
+        <p:spPr bwMode="auto">
+          <a:xfrm>
+            <a:off x="457200" y="2530475"/>
+            <a:ext cx="9144000" cy="0"/>
+          </a:xfrm>
+          <a:prstGeom prst="rect">
+            <a:avLst/>
+          </a:prstGeom>
+          <a:noFill/>
+          <a:ln>
+            <a:noFill/>
+          </a:ln>
+          <a:effectLst/>
+          <a:extLst>
+            <a:ext uri="{909E8E84-426E-40DD-AFC4-6F175D3DCCD1}">
+              <a14:hiddenFill xmlns:a14="http://schemas.microsoft.com/office/drawing/2010/main">
+                <a:solidFill>
+                  <a:schemeClr val="accent1"/>
+                </a:solidFill>
+              </a14:hiddenFill>
+            </a:ext>
+            <a:ext uri="{91240B29-F687-4F45-9708-019B960494DF}">
+              <a14:hiddenLine xmlns:a14="http://schemas.microsoft.com/office/drawing/2010/main" w="9525">
+                <a:solidFill>
+                  <a:schemeClr val="tx1"/>
+                </a:solidFill>
+                <a:miter lim="800000"/>
+                <a:headEnd/>
+                <a:tailEnd/>
+              </a14:hiddenLine>
+            </a:ext>
+            <a:ext uri="{AF507438-7753-43E0-B8FC-AC1667EBCBE1}">
+              <a14:hiddenEffects xmlns:a14="http://schemas.microsoft.com/office/drawing/2010/main">
+                <a:effectLst>
+                  <a:outerShdw dist="35921" dir="2700000" algn="ctr" rotWithShape="0">
+                    <a:schemeClr val="bg2"/>
+                  </a:outerShdw>
+                </a:effectLst>
+              </a14:hiddenEffects>
+            </a:ext>
+          </a:extLst>
+        </p:spPr>
+        <p:txBody>
+          <a:bodyPr vert="horz" wrap="none" lIns="91440" tIns="45720" rIns="91440" bIns="45720" numCol="1" anchor="ctr" anchorCtr="0" compatLnSpc="1">
+            <a:prstTxWarp prst="textNoShape">
+              <a:avLst/>
+            </a:prstTxWarp>
+            <a:spAutoFit/>
+          </a:bodyPr>
+          <a:lstStyle/>
+          <a:p>
+            <a:pPr marL="0" marR="0" lvl="0" indent="0" algn="l" defTabSz="914400" rtl="0" eaLnBrk="1" fontAlgn="base" latinLnBrk="0" hangingPunct="1">
+              <a:lnSpc>
+                <a:spcPct val="100000"/>
+              </a:lnSpc>
+              <a:spcBef>
+                <a:spcPct val="0"/>
+              </a:spcBef>
+              <a:spcAft>
+                <a:spcPct val="0"/>
+              </a:spcAft>
+              <a:buClrTx/>
+              <a:buSzTx/>
+              <a:buFontTx/>
+              <a:buNone/>
+              <a:tabLst/>
+            </a:pPr>
+            <a:endParaRPr kumimoji="0" lang="en-US" altLang="en-US" sz="1800" b="0" i="0" u="none" strike="noStrike" cap="none" normalizeH="0" baseline="0" smtClean="0">
+              <a:ln>
+                <a:noFill/>
+              </a:ln>
+              <a:solidFill>
+                <a:schemeClr val="tx1"/>
+              </a:solidFill>
+              <a:effectLst/>
+              <a:latin typeface="Arial" pitchFamily="34" charset="0"/>
+              <a:cs typeface="Arial" pitchFamily="34" charset="0"/>
+            </a:endParaRPr>
+          </a:p>
+          <a:p>
+            <a:pPr marL="0" marR="0" lvl="0" indent="0" algn="l" defTabSz="914400" rtl="0" eaLnBrk="0" fontAlgn="base" latinLnBrk="0" hangingPunct="0">
+              <a:lnSpc>
+                <a:spcPct val="100000"/>
+              </a:lnSpc>
+              <a:spcBef>
+                <a:spcPct val="0"/>
+              </a:spcBef>
+              <a:spcAft>
+                <a:spcPct val="0"/>
+              </a:spcAft>
+              <a:buClrTx/>
+              <a:buSzTx/>
+              <a:buFontTx/>
+              <a:buNone/>
+              <a:tabLst/>
+            </a:pPr>
+            <a:r>
+              <a:rPr kumimoji="0" lang="en-US" altLang="en-US" sz="1800" b="0" i="0" u="none" strike="noStrike" cap="none" normalizeH="0" baseline="0" smtClean="0">
+                <a:ln>
+                  <a:noFill/>
+                </a:ln>
+                <a:solidFill>
+                  <a:schemeClr val="tx1"/>
+                </a:solidFill>
+                <a:effectLst/>
+                <a:latin typeface="Arial" pitchFamily="34" charset="0"/>
+                <a:cs typeface="Arial" pitchFamily="34" charset="0"/>
+              </a:rPr>
+              <a:t/>
+            </a:r>
+            <a:br>
+              <a:rPr kumimoji="0" lang="en-US" altLang="en-US" sz="1800" b="0" i="0" u="none" strike="noStrike" cap="none" normalizeH="0" baseline="0" smtClean="0">
+                <a:ln>
+                  <a:noFill/>
+                </a:ln>
+                <a:solidFill>
+                  <a:schemeClr val="tx1"/>
+                </a:solidFill>
+                <a:effectLst/>
+                <a:latin typeface="Arial" pitchFamily="34" charset="0"/>
+                <a:cs typeface="Arial" pitchFamily="34" charset="0"/>
+              </a:rPr>
+            </a:br>
+            <a:endParaRPr kumimoji="0" lang="en-US" altLang="en-US" sz="1800" b="0" i="0" u="none" strike="noStrike" cap="none" normalizeH="0" baseline="0" smtClean="0">
+              <a:ln>
+                <a:noFill/>
+              </a:ln>
+              <a:solidFill>
+                <a:schemeClr val="tx1"/>
+              </a:solidFill>
+              <a:effectLst/>
+              <a:latin typeface="Arial" pitchFamily="34" charset="0"/>
+              <a:cs typeface="Arial" pitchFamily="34" charset="0"/>
+            </a:endParaRPr>
+          </a:p>
+        </p:txBody>
+      </p:sp>
       <p:sp>
         <p:nvSpPr>
           <p:cNvPr id="3" name="Content Placeholder 2"/>
@@ -10783,7 +11450,7 @@
 </p:sld>
 </file>
 
-<file path=ppt/slides/slide26.xml><?xml version="1.0" encoding="utf-8"?>
+<file path=ppt/slides/slide27.xml><?xml version="1.0" encoding="utf-8"?>
 <p:sld xmlns:a="http://schemas.openxmlformats.org/drawingml/2006/main" xmlns:r="http://schemas.openxmlformats.org/officeDocument/2006/relationships" xmlns:p="http://schemas.openxmlformats.org/presentationml/2006/main">
   <p:cSld>
     <p:bg>
@@ -11052,7 +11719,7 @@
 </p:sld>
 </file>
 
-<file path=ppt/slides/slide27.xml><?xml version="1.0" encoding="utf-8"?>
+<file path=ppt/slides/slide28.xml><?xml version="1.0" encoding="utf-8"?>
 <p:sld xmlns:a="http://schemas.openxmlformats.org/drawingml/2006/main" xmlns:r="http://schemas.openxmlformats.org/officeDocument/2006/relationships" xmlns:p="http://schemas.openxmlformats.org/presentationml/2006/main">
   <p:cSld>
     <p:bg>
@@ -11321,7 +11988,7 @@
 </p:sld>
 </file>
 
-<file path=ppt/slides/slide28.xml><?xml version="1.0" encoding="utf-8"?>
+<file path=ppt/slides/slide29.xml><?xml version="1.0" encoding="utf-8"?>
 <p:sld xmlns:a="http://schemas.openxmlformats.org/drawingml/2006/main" xmlns:r="http://schemas.openxmlformats.org/officeDocument/2006/relationships" xmlns:p="http://schemas.openxmlformats.org/presentationml/2006/main">
   <p:cSld>
     <p:bg>
@@ -14019,226 +14686,6 @@
 </p:sld>
 </file>
 
-<file path=ppt/slides/slide29.xml><?xml version="1.0" encoding="utf-8"?>
-<p:sld xmlns:a="http://schemas.openxmlformats.org/drawingml/2006/main" xmlns:r="http://schemas.openxmlformats.org/officeDocument/2006/relationships" xmlns:p="http://schemas.openxmlformats.org/presentationml/2006/main">
-  <p:cSld>
-    <p:spTree>
-      <p:nvGrpSpPr>
-        <p:cNvPr id="1" name=""/>
-        <p:cNvGrpSpPr/>
-        <p:nvPr/>
-      </p:nvGrpSpPr>
-      <p:grpSpPr>
-        <a:xfrm>
-          <a:off x="0" y="0"/>
-          <a:ext cx="0" cy="0"/>
-          <a:chOff x="0" y="0"/>
-          <a:chExt cx="0" cy="0"/>
-        </a:xfrm>
-      </p:grpSpPr>
-      <p:sp>
-        <p:nvSpPr>
-          <p:cNvPr id="2" name="Title 1"/>
-          <p:cNvSpPr>
-            <a:spLocks noGrp="1"/>
-          </p:cNvSpPr>
-          <p:nvPr>
-            <p:ph type="title"/>
-          </p:nvPr>
-        </p:nvSpPr>
-        <p:spPr/>
-        <p:txBody>
-          <a:bodyPr/>
-          <a:lstStyle/>
-          <a:p>
-            <a:r>
-              <a:rPr lang="en-US" dirty="0" smtClean="0"/>
-              <a:t>References</a:t>
-            </a:r>
-            <a:endParaRPr lang="en-US" dirty="0"/>
-          </a:p>
-        </p:txBody>
-      </p:sp>
-      <p:sp>
-        <p:nvSpPr>
-          <p:cNvPr id="3" name="Content Placeholder 2"/>
-          <p:cNvSpPr>
-            <a:spLocks noGrp="1"/>
-          </p:cNvSpPr>
-          <p:nvPr>
-            <p:ph idx="1"/>
-          </p:nvPr>
-        </p:nvSpPr>
-        <p:spPr/>
-        <p:txBody>
-          <a:bodyPr>
-            <a:normAutofit/>
-          </a:bodyPr>
-          <a:lstStyle/>
-          <a:p>
-            <a:r>
-              <a:rPr lang="en-US" sz="1600" dirty="0">
-                <a:hlinkClick r:id="rId2"/>
-              </a:rPr>
-              <a:t>https://</a:t>
-            </a:r>
-            <a:r>
-              <a:rPr lang="en-US" sz="1600" dirty="0" smtClean="0">
-                <a:hlinkClick r:id="rId2"/>
-              </a:rPr>
-              <a:t>en.wikipedia.org/wiki/Java_Classloader</a:t>
-            </a:r>
-            <a:endParaRPr lang="en-US" sz="1600" dirty="0" smtClean="0"/>
-          </a:p>
-          <a:p>
-            <a:r>
-              <a:rPr lang="en-US" sz="1600" dirty="0">
-                <a:hlinkClick r:id="rId3"/>
-              </a:rPr>
-              <a:t>https://</a:t>
-            </a:r>
-            <a:r>
-              <a:rPr lang="en-US" sz="1600" dirty="0" smtClean="0">
-                <a:hlinkClick r:id="rId3"/>
-              </a:rPr>
-              <a:t>en.wikipedia.org/wiki/OSGi</a:t>
-            </a:r>
-            <a:endParaRPr lang="en-US" sz="1600" dirty="0" smtClean="0"/>
-          </a:p>
-          <a:p>
-            <a:r>
-              <a:rPr lang="en-US" sz="1600" dirty="0">
-                <a:hlinkClick r:id="rId4"/>
-              </a:rPr>
-              <a:t>http://</a:t>
-            </a:r>
-            <a:r>
-              <a:rPr lang="en-US" sz="1600" dirty="0" smtClean="0">
-                <a:hlinkClick r:id="rId4"/>
-              </a:rPr>
-              <a:t>www.oracle.com/webfolder/technetwork/tutorials/obe/java/gc01/index.html</a:t>
-            </a:r>
-            <a:endParaRPr lang="en-US" sz="1600" dirty="0" smtClean="0"/>
-          </a:p>
-          <a:p>
-            <a:r>
-              <a:rPr lang="en-US" sz="1600" dirty="0">
-                <a:hlinkClick r:id="rId5"/>
-              </a:rPr>
-              <a:t>http://</a:t>
-            </a:r>
-            <a:r>
-              <a:rPr lang="en-US" sz="1600" dirty="0" smtClean="0">
-                <a:hlinkClick r:id="rId5"/>
-              </a:rPr>
-              <a:t>www.oracle.com/webfolder/technetwork/tutorials/obe/java/G1GettingStarted/index.html</a:t>
-            </a:r>
-            <a:endParaRPr lang="en-US" sz="1600" dirty="0" smtClean="0"/>
-          </a:p>
-          <a:p>
-            <a:r>
-              <a:rPr lang="en-US" sz="1600" dirty="0">
-                <a:hlinkClick r:id="rId6"/>
-              </a:rPr>
-              <a:t>http://</a:t>
-            </a:r>
-            <a:r>
-              <a:rPr lang="en-US" sz="1600" dirty="0" smtClean="0">
-                <a:hlinkClick r:id="rId6"/>
-              </a:rPr>
-              <a:t>javarevisited.blogspot.co.uk/2012/10/10-garbage-collection-interview-question-answer.html</a:t>
-            </a:r>
-            <a:endParaRPr lang="en-US" sz="1600" dirty="0" smtClean="0"/>
-          </a:p>
-          <a:p>
-            <a:r>
-              <a:rPr lang="en-US" sz="1600" dirty="0">
-                <a:hlinkClick r:id="rId7"/>
-              </a:rPr>
-              <a:t>https://</a:t>
-            </a:r>
-            <a:r>
-              <a:rPr lang="en-US" sz="1600" dirty="0" smtClean="0">
-                <a:hlinkClick r:id="rId7"/>
-              </a:rPr>
-              <a:t>docs.oracle.com/javase/tutorial/java/IandI/override.html</a:t>
-            </a:r>
-            <a:endParaRPr lang="en-US" sz="1600" dirty="0" smtClean="0"/>
-          </a:p>
-          <a:p>
-            <a:r>
-              <a:rPr lang="en-US" sz="1600" dirty="0">
-                <a:hlinkClick r:id="rId8"/>
-              </a:rPr>
-              <a:t>http://</a:t>
-            </a:r>
-            <a:r>
-              <a:rPr lang="en-US" sz="1600" dirty="0" smtClean="0">
-                <a:hlinkClick r:id="rId8"/>
-              </a:rPr>
-              <a:t>javarevisited.blogspot.co.uk/2011/09/code-review-checklist-best-practice.html</a:t>
-            </a:r>
-            <a:endParaRPr lang="en-US" sz="1600" dirty="0" smtClean="0"/>
-          </a:p>
-          <a:p>
-            <a:r>
-              <a:rPr lang="en-US" sz="1600" dirty="0">
-                <a:hlinkClick r:id="rId9"/>
-              </a:rPr>
-              <a:t>https://</a:t>
-            </a:r>
-            <a:r>
-              <a:rPr lang="en-US" sz="1600" dirty="0" smtClean="0">
-                <a:hlinkClick r:id="rId9"/>
-              </a:rPr>
-              <a:t>dzone.com/articles/java-code-review-checklist</a:t>
-            </a:r>
-            <a:endParaRPr lang="en-US" sz="1600" dirty="0" smtClean="0"/>
-          </a:p>
-          <a:p>
-            <a:r>
-              <a:rPr lang="en-US" sz="1600" dirty="0">
-                <a:hlinkClick r:id="rId10"/>
-              </a:rPr>
-              <a:t>http://crunchify.com/better-understanding-on-checked-vs-unchecked-exceptions-how-to-handle-exception-better-way-in-java</a:t>
-            </a:r>
-            <a:r>
-              <a:rPr lang="en-US" sz="1600" dirty="0" smtClean="0">
-                <a:hlinkClick r:id="rId10"/>
-              </a:rPr>
-              <a:t>/</a:t>
-            </a:r>
-            <a:endParaRPr lang="en-US" sz="1600" dirty="0" smtClean="0"/>
-          </a:p>
-          <a:p>
-            <a:r>
-              <a:rPr lang="en-US" sz="1600" dirty="0"/>
-              <a:t>http://misko.hevery.com/code-reviewers-guide/</a:t>
-            </a:r>
-            <a:endParaRPr lang="en-US" sz="1600" dirty="0" smtClean="0"/>
-          </a:p>
-        </p:txBody>
-      </p:sp>
-    </p:spTree>
-    <p:extLst>
-      <p:ext uri="{BB962C8B-B14F-4D97-AF65-F5344CB8AC3E}">
-        <p14:creationId xmlns:p14="http://schemas.microsoft.com/office/powerpoint/2010/main" val="924403351"/>
-      </p:ext>
-    </p:extLst>
-  </p:cSld>
-  <p:clrMapOvr>
-    <a:masterClrMapping/>
-  </p:clrMapOvr>
-  <p:timing>
-    <p:tnLst>
-      <p:par>
-        <p:cTn id="1" dur="indefinite" restart="never" nodeType="tmRoot"/>
-      </p:par>
-    </p:tnLst>
-  </p:timing>
-</p:sld>
-</file>
-
 <file path=ppt/slides/slide3.xml><?xml version="1.0" encoding="utf-8"?>
 <p:sld xmlns:a="http://schemas.openxmlformats.org/drawingml/2006/main" xmlns:r="http://schemas.openxmlformats.org/officeDocument/2006/relationships" xmlns:p="http://schemas.openxmlformats.org/presentationml/2006/main">
   <p:cSld>
@@ -14422,6 +14869,226 @@
     <p:extLst>
       <p:ext uri="{BB962C8B-B14F-4D97-AF65-F5344CB8AC3E}">
         <p14:creationId xmlns:p14="http://schemas.microsoft.com/office/powerpoint/2010/main" val="3994620198"/>
+      </p:ext>
+    </p:extLst>
+  </p:cSld>
+  <p:clrMapOvr>
+    <a:masterClrMapping/>
+  </p:clrMapOvr>
+  <p:timing>
+    <p:tnLst>
+      <p:par>
+        <p:cTn id="1" dur="indefinite" restart="never" nodeType="tmRoot"/>
+      </p:par>
+    </p:tnLst>
+  </p:timing>
+</p:sld>
+</file>
+
+<file path=ppt/slides/slide30.xml><?xml version="1.0" encoding="utf-8"?>
+<p:sld xmlns:a="http://schemas.openxmlformats.org/drawingml/2006/main" xmlns:r="http://schemas.openxmlformats.org/officeDocument/2006/relationships" xmlns:p="http://schemas.openxmlformats.org/presentationml/2006/main">
+  <p:cSld>
+    <p:spTree>
+      <p:nvGrpSpPr>
+        <p:cNvPr id="1" name=""/>
+        <p:cNvGrpSpPr/>
+        <p:nvPr/>
+      </p:nvGrpSpPr>
+      <p:grpSpPr>
+        <a:xfrm>
+          <a:off x="0" y="0"/>
+          <a:ext cx="0" cy="0"/>
+          <a:chOff x="0" y="0"/>
+          <a:chExt cx="0" cy="0"/>
+        </a:xfrm>
+      </p:grpSpPr>
+      <p:sp>
+        <p:nvSpPr>
+          <p:cNvPr id="2" name="Title 1"/>
+          <p:cNvSpPr>
+            <a:spLocks noGrp="1"/>
+          </p:cNvSpPr>
+          <p:nvPr>
+            <p:ph type="title"/>
+          </p:nvPr>
+        </p:nvSpPr>
+        <p:spPr/>
+        <p:txBody>
+          <a:bodyPr/>
+          <a:lstStyle/>
+          <a:p>
+            <a:r>
+              <a:rPr lang="en-US" dirty="0" smtClean="0"/>
+              <a:t>References</a:t>
+            </a:r>
+            <a:endParaRPr lang="en-US" dirty="0"/>
+          </a:p>
+        </p:txBody>
+      </p:sp>
+      <p:sp>
+        <p:nvSpPr>
+          <p:cNvPr id="3" name="Content Placeholder 2"/>
+          <p:cNvSpPr>
+            <a:spLocks noGrp="1"/>
+          </p:cNvSpPr>
+          <p:nvPr>
+            <p:ph idx="1"/>
+          </p:nvPr>
+        </p:nvSpPr>
+        <p:spPr/>
+        <p:txBody>
+          <a:bodyPr>
+            <a:normAutofit/>
+          </a:bodyPr>
+          <a:lstStyle/>
+          <a:p>
+            <a:r>
+              <a:rPr lang="en-US" sz="1600" dirty="0">
+                <a:hlinkClick r:id="rId2"/>
+              </a:rPr>
+              <a:t>https://</a:t>
+            </a:r>
+            <a:r>
+              <a:rPr lang="en-US" sz="1600" dirty="0" smtClean="0">
+                <a:hlinkClick r:id="rId2"/>
+              </a:rPr>
+              <a:t>en.wikipedia.org/wiki/Java_Classloader</a:t>
+            </a:r>
+            <a:endParaRPr lang="en-US" sz="1600" dirty="0" smtClean="0"/>
+          </a:p>
+          <a:p>
+            <a:r>
+              <a:rPr lang="en-US" sz="1600" dirty="0">
+                <a:hlinkClick r:id="rId3"/>
+              </a:rPr>
+              <a:t>https://</a:t>
+            </a:r>
+            <a:r>
+              <a:rPr lang="en-US" sz="1600" dirty="0" smtClean="0">
+                <a:hlinkClick r:id="rId3"/>
+              </a:rPr>
+              <a:t>en.wikipedia.org/wiki/OSGi</a:t>
+            </a:r>
+            <a:endParaRPr lang="en-US" sz="1600" dirty="0" smtClean="0"/>
+          </a:p>
+          <a:p>
+            <a:r>
+              <a:rPr lang="en-US" sz="1600" dirty="0">
+                <a:hlinkClick r:id="rId4"/>
+              </a:rPr>
+              <a:t>http://</a:t>
+            </a:r>
+            <a:r>
+              <a:rPr lang="en-US" sz="1600" dirty="0" smtClean="0">
+                <a:hlinkClick r:id="rId4"/>
+              </a:rPr>
+              <a:t>www.oracle.com/webfolder/technetwork/tutorials/obe/java/gc01/index.html</a:t>
+            </a:r>
+            <a:endParaRPr lang="en-US" sz="1600" dirty="0" smtClean="0"/>
+          </a:p>
+          <a:p>
+            <a:r>
+              <a:rPr lang="en-US" sz="1600" dirty="0">
+                <a:hlinkClick r:id="rId5"/>
+              </a:rPr>
+              <a:t>http://</a:t>
+            </a:r>
+            <a:r>
+              <a:rPr lang="en-US" sz="1600" dirty="0" smtClean="0">
+                <a:hlinkClick r:id="rId5"/>
+              </a:rPr>
+              <a:t>www.oracle.com/webfolder/technetwork/tutorials/obe/java/G1GettingStarted/index.html</a:t>
+            </a:r>
+            <a:endParaRPr lang="en-US" sz="1600" dirty="0" smtClean="0"/>
+          </a:p>
+          <a:p>
+            <a:r>
+              <a:rPr lang="en-US" sz="1600" dirty="0">
+                <a:hlinkClick r:id="rId6"/>
+              </a:rPr>
+              <a:t>http://</a:t>
+            </a:r>
+            <a:r>
+              <a:rPr lang="en-US" sz="1600" dirty="0" smtClean="0">
+                <a:hlinkClick r:id="rId6"/>
+              </a:rPr>
+              <a:t>javarevisited.blogspot.co.uk/2012/10/10-garbage-collection-interview-question-answer.html</a:t>
+            </a:r>
+            <a:endParaRPr lang="en-US" sz="1600" dirty="0" smtClean="0"/>
+          </a:p>
+          <a:p>
+            <a:r>
+              <a:rPr lang="en-US" sz="1600" dirty="0">
+                <a:hlinkClick r:id="rId7"/>
+              </a:rPr>
+              <a:t>https://</a:t>
+            </a:r>
+            <a:r>
+              <a:rPr lang="en-US" sz="1600" dirty="0" smtClean="0">
+                <a:hlinkClick r:id="rId7"/>
+              </a:rPr>
+              <a:t>docs.oracle.com/javase/tutorial/java/IandI/override.html</a:t>
+            </a:r>
+            <a:endParaRPr lang="en-US" sz="1600" dirty="0" smtClean="0"/>
+          </a:p>
+          <a:p>
+            <a:r>
+              <a:rPr lang="en-US" sz="1600" dirty="0">
+                <a:hlinkClick r:id="rId8"/>
+              </a:rPr>
+              <a:t>http://</a:t>
+            </a:r>
+            <a:r>
+              <a:rPr lang="en-US" sz="1600" dirty="0" smtClean="0">
+                <a:hlinkClick r:id="rId8"/>
+              </a:rPr>
+              <a:t>javarevisited.blogspot.co.uk/2011/09/code-review-checklist-best-practice.html</a:t>
+            </a:r>
+            <a:endParaRPr lang="en-US" sz="1600" dirty="0" smtClean="0"/>
+          </a:p>
+          <a:p>
+            <a:r>
+              <a:rPr lang="en-US" sz="1600" dirty="0">
+                <a:hlinkClick r:id="rId9"/>
+              </a:rPr>
+              <a:t>https://</a:t>
+            </a:r>
+            <a:r>
+              <a:rPr lang="en-US" sz="1600" dirty="0" smtClean="0">
+                <a:hlinkClick r:id="rId9"/>
+              </a:rPr>
+              <a:t>dzone.com/articles/java-code-review-checklist</a:t>
+            </a:r>
+            <a:endParaRPr lang="en-US" sz="1600" dirty="0" smtClean="0"/>
+          </a:p>
+          <a:p>
+            <a:r>
+              <a:rPr lang="en-US" sz="1600" dirty="0">
+                <a:hlinkClick r:id="rId10"/>
+              </a:rPr>
+              <a:t>http://crunchify.com/better-understanding-on-checked-vs-unchecked-exceptions-how-to-handle-exception-better-way-in-java</a:t>
+            </a:r>
+            <a:r>
+              <a:rPr lang="en-US" sz="1600" dirty="0" smtClean="0">
+                <a:hlinkClick r:id="rId10"/>
+              </a:rPr>
+              <a:t>/</a:t>
+            </a:r>
+            <a:endParaRPr lang="en-US" sz="1600" dirty="0" smtClean="0"/>
+          </a:p>
+          <a:p>
+            <a:r>
+              <a:rPr lang="en-US" sz="1600" dirty="0"/>
+              <a:t>http://misko.hevery.com/code-reviewers-guide/</a:t>
+            </a:r>
+            <a:endParaRPr lang="en-US" sz="1600" dirty="0" smtClean="0"/>
+          </a:p>
+        </p:txBody>
+      </p:sp>
+    </p:spTree>
+    <p:extLst>
+      <p:ext uri="{BB962C8B-B14F-4D97-AF65-F5344CB8AC3E}">
+        <p14:creationId xmlns:p14="http://schemas.microsoft.com/office/powerpoint/2010/main" val="924403351"/>
       </p:ext>
     </p:extLst>
   </p:cSld>

--- a/CoreJava.pptx
+++ b/CoreJava.pptx
@@ -30,11 +30,13 @@
     <p:sldId id="324" r:id="rId24"/>
     <p:sldId id="325" r:id="rId25"/>
     <p:sldId id="326" r:id="rId26"/>
-    <p:sldId id="323" r:id="rId27"/>
-    <p:sldId id="320" r:id="rId28"/>
-    <p:sldId id="321" r:id="rId29"/>
-    <p:sldId id="322" r:id="rId30"/>
-    <p:sldId id="269" r:id="rId31"/>
+    <p:sldId id="327" r:id="rId27"/>
+    <p:sldId id="328" r:id="rId28"/>
+    <p:sldId id="323" r:id="rId29"/>
+    <p:sldId id="320" r:id="rId30"/>
+    <p:sldId id="321" r:id="rId31"/>
+    <p:sldId id="322" r:id="rId32"/>
+    <p:sldId id="269" r:id="rId33"/>
   </p:sldIdLst>
   <p:sldSz cx="9144000" cy="6858000" type="screen4x3"/>
   <p:notesSz cx="6858000" cy="9144000"/>
@@ -324,7 +326,7 @@
           <a:p>
             <a:fld id="{8F235549-BF0A-4B98-8561-3786244E808C}" type="datetimeFigureOut">
               <a:rPr lang="en-US" smtClean="0"/>
-              <a:t>2/7/2018</a:t>
+              <a:t>2/28/2018</a:t>
             </a:fld>
             <a:endParaRPr lang="en-US"/>
           </a:p>
@@ -524,7 +526,7 @@
           <a:p>
             <a:fld id="{8F235549-BF0A-4B98-8561-3786244E808C}" type="datetimeFigureOut">
               <a:rPr lang="en-US" smtClean="0"/>
-              <a:t>2/7/2018</a:t>
+              <a:t>2/28/2018</a:t>
             </a:fld>
             <a:endParaRPr lang="en-US"/>
           </a:p>
@@ -699,7 +701,7 @@
           <a:p>
             <a:fld id="{8F235549-BF0A-4B98-8561-3786244E808C}" type="datetimeFigureOut">
               <a:rPr lang="en-US" smtClean="0"/>
-              <a:t>2/7/2018</a:t>
+              <a:t>2/28/2018</a:t>
             </a:fld>
             <a:endParaRPr lang="en-US"/>
           </a:p>
@@ -864,7 +866,7 @@
           <a:p>
             <a:fld id="{8F235549-BF0A-4B98-8561-3786244E808C}" type="datetimeFigureOut">
               <a:rPr lang="en-US" smtClean="0"/>
-              <a:t>2/7/2018</a:t>
+              <a:t>2/28/2018</a:t>
             </a:fld>
             <a:endParaRPr lang="en-US"/>
           </a:p>
@@ -1112,7 +1114,7 @@
           <a:p>
             <a:fld id="{8F235549-BF0A-4B98-8561-3786244E808C}" type="datetimeFigureOut">
               <a:rPr lang="en-US" smtClean="0"/>
-              <a:t>2/7/2018</a:t>
+              <a:t>2/28/2018</a:t>
             </a:fld>
             <a:endParaRPr lang="en-US"/>
           </a:p>
@@ -1430,7 +1432,7 @@
           <a:p>
             <a:fld id="{8F235549-BF0A-4B98-8561-3786244E808C}" type="datetimeFigureOut">
               <a:rPr lang="en-US" smtClean="0"/>
-              <a:t>2/7/2018</a:t>
+              <a:t>2/28/2018</a:t>
             </a:fld>
             <a:endParaRPr lang="en-US"/>
           </a:p>
@@ -1896,7 +1898,7 @@
           <a:p>
             <a:fld id="{8F235549-BF0A-4B98-8561-3786244E808C}" type="datetimeFigureOut">
               <a:rPr lang="en-US" smtClean="0"/>
-              <a:t>2/7/2018</a:t>
+              <a:t>2/28/2018</a:t>
             </a:fld>
             <a:endParaRPr lang="en-US"/>
           </a:p>
@@ -2044,7 +2046,7 @@
           <a:p>
             <a:fld id="{8F235549-BF0A-4B98-8561-3786244E808C}" type="datetimeFigureOut">
               <a:rPr lang="en-US" smtClean="0"/>
-              <a:t>2/7/2018</a:t>
+              <a:t>2/28/2018</a:t>
             </a:fld>
             <a:endParaRPr lang="en-US"/>
           </a:p>
@@ -2134,7 +2136,7 @@
           <a:p>
             <a:fld id="{8F235549-BF0A-4B98-8561-3786244E808C}" type="datetimeFigureOut">
               <a:rPr lang="en-US" smtClean="0"/>
-              <a:t>2/7/2018</a:t>
+              <a:t>2/28/2018</a:t>
             </a:fld>
             <a:endParaRPr lang="en-US"/>
           </a:p>
@@ -2408,7 +2410,7 @@
           <a:p>
             <a:fld id="{8F235549-BF0A-4B98-8561-3786244E808C}" type="datetimeFigureOut">
               <a:rPr lang="en-US" smtClean="0"/>
-              <a:t>2/7/2018</a:t>
+              <a:t>2/28/2018</a:t>
             </a:fld>
             <a:endParaRPr lang="en-US"/>
           </a:p>
@@ -2713,7 +2715,7 @@
           <a:p>
             <a:fld id="{8F235549-BF0A-4B98-8561-3786244E808C}" type="datetimeFigureOut">
               <a:rPr lang="en-US" smtClean="0"/>
-              <a:t>2/7/2018</a:t>
+              <a:t>2/28/2018</a:t>
             </a:fld>
             <a:endParaRPr lang="en-US"/>
           </a:p>
@@ -3011,7 +3013,7 @@
           <a:p>
             <a:fld id="{8F235549-BF0A-4B98-8561-3786244E808C}" type="datetimeFigureOut">
               <a:rPr lang="en-US" smtClean="0"/>
-              <a:t>2/7/2018</a:t>
+              <a:t>2/28/2018</a:t>
             </a:fld>
             <a:endParaRPr lang="en-US"/>
           </a:p>
@@ -11194,13 +11196,13 @@
         <p:spPr/>
         <p:txBody>
           <a:bodyPr>
-            <a:normAutofit/>
+            <a:normAutofit fontScale="90000"/>
           </a:bodyPr>
           <a:lstStyle/>
           <a:p>
             <a:r>
               <a:rPr lang="en-US" dirty="0" smtClean="0"/>
-              <a:t>Code Review – Main</a:t>
+              <a:t>Count Number of same letters in String</a:t>
             </a:r>
             <a:endParaRPr lang="en-US" dirty="0"/>
           </a:p>
@@ -11369,6 +11371,599 @@
           <a:lstStyle/>
           <a:p>
             <a:r>
+              <a:rPr lang="en-GB" sz="1600" b="1" dirty="0" smtClean="0"/>
+              <a:t>Imperative approach (linear)</a:t>
+            </a:r>
+            <a:r>
+              <a:rPr lang="en-GB" sz="1600" dirty="0" smtClean="0"/>
+              <a:t> – Sequentially going through all the characters and count the matching one</a:t>
+            </a:r>
+          </a:p>
+          <a:p>
+            <a:r>
+              <a:rPr lang="en-GB" sz="1600" dirty="0" smtClean="0"/>
+              <a:t>Recursive approach</a:t>
+            </a:r>
+          </a:p>
+          <a:p>
+            <a:r>
+              <a:rPr lang="en-GB" sz="1600" dirty="0" smtClean="0"/>
+              <a:t>Regular expression</a:t>
+            </a:r>
+          </a:p>
+          <a:p>
+            <a:r>
+              <a:rPr lang="en-GB" sz="1600" dirty="0" smtClean="0"/>
+              <a:t>Java </a:t>
+            </a:r>
+            <a:r>
+              <a:rPr lang="en-GB" sz="1600" dirty="0"/>
+              <a:t>8 – Stream API - </a:t>
+            </a:r>
+            <a:r>
+              <a:rPr lang="en-GB" sz="1600" dirty="0" err="1">
+                <a:solidFill>
+                  <a:srgbClr val="00B050"/>
+                </a:solidFill>
+              </a:rPr>
+              <a:t>someString.chars</a:t>
+            </a:r>
+            <a:r>
+              <a:rPr lang="en-GB" sz="1600" dirty="0">
+                <a:solidFill>
+                  <a:srgbClr val="00B050"/>
+                </a:solidFill>
+              </a:rPr>
+              <a:t>().filter(</a:t>
+            </a:r>
+            <a:r>
+              <a:rPr lang="en-GB" sz="1600" dirty="0" err="1">
+                <a:solidFill>
+                  <a:srgbClr val="00B050"/>
+                </a:solidFill>
+              </a:rPr>
+              <a:t>ch</a:t>
+            </a:r>
+            <a:r>
+              <a:rPr lang="en-GB" sz="1600" dirty="0">
+                <a:solidFill>
+                  <a:srgbClr val="00B050"/>
+                </a:solidFill>
+              </a:rPr>
+              <a:t> -&gt; </a:t>
+            </a:r>
+            <a:r>
+              <a:rPr lang="en-GB" sz="1600" dirty="0" err="1">
+                <a:solidFill>
+                  <a:srgbClr val="00B050"/>
+                </a:solidFill>
+              </a:rPr>
+              <a:t>ch</a:t>
+            </a:r>
+            <a:r>
+              <a:rPr lang="en-GB" sz="1600" dirty="0">
+                <a:solidFill>
+                  <a:srgbClr val="00B050"/>
+                </a:solidFill>
+              </a:rPr>
+              <a:t> == 'e').count</a:t>
+            </a:r>
+            <a:r>
+              <a:rPr lang="en-GB" sz="1600" dirty="0" smtClean="0">
+                <a:solidFill>
+                  <a:srgbClr val="00B050"/>
+                </a:solidFill>
+              </a:rPr>
+              <a:t>()</a:t>
+            </a:r>
+          </a:p>
+          <a:p>
+            <a:r>
+              <a:rPr lang="en-GB" sz="1600" dirty="0" smtClean="0"/>
+              <a:t>External libraries – </a:t>
+            </a:r>
+            <a:r>
+              <a:rPr lang="en-GB" sz="1600" dirty="0" err="1" smtClean="0"/>
+              <a:t>StringUtils</a:t>
+            </a:r>
+            <a:r>
+              <a:rPr lang="en-GB" sz="1600" dirty="0" smtClean="0"/>
+              <a:t> class in apache commons library </a:t>
+            </a:r>
+          </a:p>
+          <a:p>
+            <a:r>
+              <a:rPr lang="en-GB" sz="1600" dirty="0" smtClean="0"/>
+              <a:t>Spring also has </a:t>
+            </a:r>
+            <a:r>
+              <a:rPr lang="en-GB" sz="1600" dirty="0" err="1" smtClean="0"/>
+              <a:t>StringUtils</a:t>
+            </a:r>
+            <a:r>
+              <a:rPr lang="en-GB" sz="1600" dirty="0" smtClean="0"/>
+              <a:t> class</a:t>
+            </a:r>
+            <a:endParaRPr lang="en-GB" sz="1600" dirty="0"/>
+          </a:p>
+          <a:p>
+            <a:endParaRPr lang="en-GB" sz="1600" dirty="0"/>
+          </a:p>
+        </p:txBody>
+      </p:sp>
+    </p:spTree>
+    <p:extLst>
+      <p:ext uri="{BB962C8B-B14F-4D97-AF65-F5344CB8AC3E}">
+        <p14:creationId xmlns:p14="http://schemas.microsoft.com/office/powerpoint/2010/main" val="289274606"/>
+      </p:ext>
+    </p:extLst>
+  </p:cSld>
+  <p:clrMapOvr>
+    <a:masterClrMapping/>
+  </p:clrMapOvr>
+  <p:timing>
+    <p:tnLst>
+      <p:par>
+        <p:cTn id="1" dur="indefinite" restart="never" nodeType="tmRoot"/>
+      </p:par>
+    </p:tnLst>
+  </p:timing>
+</p:sld>
+</file>
+
+<file path=ppt/slides/slide27.xml><?xml version="1.0" encoding="utf-8"?>
+<p:sld xmlns:a="http://schemas.openxmlformats.org/drawingml/2006/main" xmlns:r="http://schemas.openxmlformats.org/officeDocument/2006/relationships" xmlns:p="http://schemas.openxmlformats.org/presentationml/2006/main">
+  <p:cSld>
+    <p:bg>
+      <p:bgPr>
+        <a:noFill/>
+        <a:effectLst/>
+      </p:bgPr>
+    </p:bg>
+    <p:spTree>
+      <p:nvGrpSpPr>
+        <p:cNvPr id="1" name=""/>
+        <p:cNvGrpSpPr/>
+        <p:nvPr/>
+      </p:nvGrpSpPr>
+      <p:grpSpPr>
+        <a:xfrm>
+          <a:off x="0" y="0"/>
+          <a:ext cx="0" cy="0"/>
+          <a:chOff x="0" y="0"/>
+          <a:chExt cx="0" cy="0"/>
+        </a:xfrm>
+      </p:grpSpPr>
+      <p:sp>
+        <p:nvSpPr>
+          <p:cNvPr id="2" name="Title 1"/>
+          <p:cNvSpPr>
+            <a:spLocks noGrp="1"/>
+          </p:cNvSpPr>
+          <p:nvPr>
+            <p:ph type="title"/>
+          </p:nvPr>
+        </p:nvSpPr>
+        <p:spPr/>
+        <p:txBody>
+          <a:bodyPr>
+            <a:normAutofit/>
+          </a:bodyPr>
+          <a:lstStyle/>
+          <a:p>
+            <a:r>
+              <a:rPr lang="en-US" dirty="0" smtClean="0"/>
+              <a:t>Blocking Queue</a:t>
+            </a:r>
+            <a:endParaRPr lang="en-US" dirty="0"/>
+          </a:p>
+        </p:txBody>
+      </p:sp>
+      <p:sp>
+        <p:nvSpPr>
+          <p:cNvPr id="5" name="Rectangle 1"/>
+          <p:cNvSpPr>
+            <a:spLocks noChangeArrowheads="1"/>
+          </p:cNvSpPr>
+          <p:nvPr/>
+        </p:nvSpPr>
+        <p:spPr bwMode="auto">
+          <a:xfrm>
+            <a:off x="457200" y="2530475"/>
+            <a:ext cx="9144000" cy="0"/>
+          </a:xfrm>
+          <a:prstGeom prst="rect">
+            <a:avLst/>
+          </a:prstGeom>
+          <a:noFill/>
+          <a:ln>
+            <a:noFill/>
+          </a:ln>
+          <a:effectLst/>
+          <a:extLst>
+            <a:ext uri="{909E8E84-426E-40DD-AFC4-6F175D3DCCD1}">
+              <a14:hiddenFill xmlns:a14="http://schemas.microsoft.com/office/drawing/2010/main">
+                <a:solidFill>
+                  <a:schemeClr val="accent1"/>
+                </a:solidFill>
+              </a14:hiddenFill>
+            </a:ext>
+            <a:ext uri="{91240B29-F687-4F45-9708-019B960494DF}">
+              <a14:hiddenLine xmlns:a14="http://schemas.microsoft.com/office/drawing/2010/main" w="9525">
+                <a:solidFill>
+                  <a:schemeClr val="tx1"/>
+                </a:solidFill>
+                <a:miter lim="800000"/>
+                <a:headEnd/>
+                <a:tailEnd/>
+              </a14:hiddenLine>
+            </a:ext>
+            <a:ext uri="{AF507438-7753-43E0-B8FC-AC1667EBCBE1}">
+              <a14:hiddenEffects xmlns:a14="http://schemas.microsoft.com/office/drawing/2010/main">
+                <a:effectLst>
+                  <a:outerShdw dist="35921" dir="2700000" algn="ctr" rotWithShape="0">
+                    <a:schemeClr val="bg2"/>
+                  </a:outerShdw>
+                </a:effectLst>
+              </a14:hiddenEffects>
+            </a:ext>
+          </a:extLst>
+        </p:spPr>
+        <p:txBody>
+          <a:bodyPr vert="horz" wrap="none" lIns="91440" tIns="45720" rIns="91440" bIns="45720" numCol="1" anchor="ctr" anchorCtr="0" compatLnSpc="1">
+            <a:prstTxWarp prst="textNoShape">
+              <a:avLst/>
+            </a:prstTxWarp>
+            <a:spAutoFit/>
+          </a:bodyPr>
+          <a:lstStyle/>
+          <a:p>
+            <a:pPr marL="0" marR="0" lvl="0" indent="0" algn="l" defTabSz="914400" rtl="0" eaLnBrk="1" fontAlgn="base" latinLnBrk="0" hangingPunct="1">
+              <a:lnSpc>
+                <a:spcPct val="100000"/>
+              </a:lnSpc>
+              <a:spcBef>
+                <a:spcPct val="0"/>
+              </a:spcBef>
+              <a:spcAft>
+                <a:spcPct val="0"/>
+              </a:spcAft>
+              <a:buClrTx/>
+              <a:buSzTx/>
+              <a:buFontTx/>
+              <a:buNone/>
+              <a:tabLst/>
+            </a:pPr>
+            <a:endParaRPr kumimoji="0" lang="en-US" altLang="en-US" sz="1800" b="0" i="0" u="none" strike="noStrike" cap="none" normalizeH="0" baseline="0" smtClean="0">
+              <a:ln>
+                <a:noFill/>
+              </a:ln>
+              <a:solidFill>
+                <a:schemeClr val="tx1"/>
+              </a:solidFill>
+              <a:effectLst/>
+              <a:latin typeface="Arial" pitchFamily="34" charset="0"/>
+              <a:cs typeface="Arial" pitchFamily="34" charset="0"/>
+            </a:endParaRPr>
+          </a:p>
+          <a:p>
+            <a:pPr marL="0" marR="0" lvl="0" indent="0" algn="l" defTabSz="914400" rtl="0" eaLnBrk="0" fontAlgn="base" latinLnBrk="0" hangingPunct="0">
+              <a:lnSpc>
+                <a:spcPct val="100000"/>
+              </a:lnSpc>
+              <a:spcBef>
+                <a:spcPct val="0"/>
+              </a:spcBef>
+              <a:spcAft>
+                <a:spcPct val="0"/>
+              </a:spcAft>
+              <a:buClrTx/>
+              <a:buSzTx/>
+              <a:buFontTx/>
+              <a:buNone/>
+              <a:tabLst/>
+            </a:pPr>
+            <a:r>
+              <a:rPr kumimoji="0" lang="en-US" altLang="en-US" sz="1800" b="0" i="0" u="none" strike="noStrike" cap="none" normalizeH="0" baseline="0" smtClean="0">
+                <a:ln>
+                  <a:noFill/>
+                </a:ln>
+                <a:solidFill>
+                  <a:schemeClr val="tx1"/>
+                </a:solidFill>
+                <a:effectLst/>
+                <a:latin typeface="Arial" pitchFamily="34" charset="0"/>
+                <a:cs typeface="Arial" pitchFamily="34" charset="0"/>
+              </a:rPr>
+              <a:t/>
+            </a:r>
+            <a:br>
+              <a:rPr kumimoji="0" lang="en-US" altLang="en-US" sz="1800" b="0" i="0" u="none" strike="noStrike" cap="none" normalizeH="0" baseline="0" smtClean="0">
+                <a:ln>
+                  <a:noFill/>
+                </a:ln>
+                <a:solidFill>
+                  <a:schemeClr val="tx1"/>
+                </a:solidFill>
+                <a:effectLst/>
+                <a:latin typeface="Arial" pitchFamily="34" charset="0"/>
+                <a:cs typeface="Arial" pitchFamily="34" charset="0"/>
+              </a:rPr>
+            </a:br>
+            <a:endParaRPr kumimoji="0" lang="en-US" altLang="en-US" sz="1800" b="0" i="0" u="none" strike="noStrike" cap="none" normalizeH="0" baseline="0" smtClean="0">
+              <a:ln>
+                <a:noFill/>
+              </a:ln>
+              <a:solidFill>
+                <a:schemeClr val="tx1"/>
+              </a:solidFill>
+              <a:effectLst/>
+              <a:latin typeface="Arial" pitchFamily="34" charset="0"/>
+              <a:cs typeface="Arial" pitchFamily="34" charset="0"/>
+            </a:endParaRPr>
+          </a:p>
+        </p:txBody>
+      </p:sp>
+      <p:sp>
+        <p:nvSpPr>
+          <p:cNvPr id="3" name="Content Placeholder 2"/>
+          <p:cNvSpPr>
+            <a:spLocks noGrp="1"/>
+          </p:cNvSpPr>
+          <p:nvPr>
+            <p:ph idx="1"/>
+          </p:nvPr>
+        </p:nvSpPr>
+        <p:spPr/>
+        <p:txBody>
+          <a:bodyPr>
+            <a:normAutofit/>
+          </a:bodyPr>
+          <a:lstStyle/>
+          <a:p>
+            <a:r>
+              <a:rPr lang="en-GB" sz="1600" dirty="0" smtClean="0"/>
+              <a:t>How to tell the consumer that the producer is not sending </a:t>
+            </a:r>
+            <a:r>
+              <a:rPr lang="en-GB" sz="1600" smtClean="0"/>
+              <a:t>any values?</a:t>
+            </a:r>
+            <a:endParaRPr lang="en-GB" sz="1600" dirty="0"/>
+          </a:p>
+        </p:txBody>
+      </p:sp>
+    </p:spTree>
+    <p:extLst>
+      <p:ext uri="{BB962C8B-B14F-4D97-AF65-F5344CB8AC3E}">
+        <p14:creationId xmlns:p14="http://schemas.microsoft.com/office/powerpoint/2010/main" val="2748662926"/>
+      </p:ext>
+    </p:extLst>
+  </p:cSld>
+  <p:clrMapOvr>
+    <a:masterClrMapping/>
+  </p:clrMapOvr>
+  <p:timing>
+    <p:tnLst>
+      <p:par>
+        <p:cTn id="1" dur="indefinite" restart="never" nodeType="tmRoot"/>
+      </p:par>
+    </p:tnLst>
+  </p:timing>
+</p:sld>
+</file>
+
+<file path=ppt/slides/slide28.xml><?xml version="1.0" encoding="utf-8"?>
+<p:sld xmlns:a="http://schemas.openxmlformats.org/drawingml/2006/main" xmlns:r="http://schemas.openxmlformats.org/officeDocument/2006/relationships" xmlns:p="http://schemas.openxmlformats.org/presentationml/2006/main">
+  <p:cSld>
+    <p:bg>
+      <p:bgPr>
+        <a:noFill/>
+        <a:effectLst/>
+      </p:bgPr>
+    </p:bg>
+    <p:spTree>
+      <p:nvGrpSpPr>
+        <p:cNvPr id="1" name=""/>
+        <p:cNvGrpSpPr/>
+        <p:nvPr/>
+      </p:nvGrpSpPr>
+      <p:grpSpPr>
+        <a:xfrm>
+          <a:off x="0" y="0"/>
+          <a:ext cx="0" cy="0"/>
+          <a:chOff x="0" y="0"/>
+          <a:chExt cx="0" cy="0"/>
+        </a:xfrm>
+      </p:grpSpPr>
+      <p:sp>
+        <p:nvSpPr>
+          <p:cNvPr id="2" name="Title 1"/>
+          <p:cNvSpPr>
+            <a:spLocks noGrp="1"/>
+          </p:cNvSpPr>
+          <p:nvPr>
+            <p:ph type="title"/>
+          </p:nvPr>
+        </p:nvSpPr>
+        <p:spPr/>
+        <p:txBody>
+          <a:bodyPr>
+            <a:normAutofit/>
+          </a:bodyPr>
+          <a:lstStyle/>
+          <a:p>
+            <a:r>
+              <a:rPr lang="en-US" dirty="0" smtClean="0"/>
+              <a:t>Code Review – Main</a:t>
+            </a:r>
+            <a:endParaRPr lang="en-US" dirty="0"/>
+          </a:p>
+        </p:txBody>
+      </p:sp>
+      <p:sp>
+        <p:nvSpPr>
+          <p:cNvPr id="5" name="Rectangle 1"/>
+          <p:cNvSpPr>
+            <a:spLocks noChangeArrowheads="1"/>
+          </p:cNvSpPr>
+          <p:nvPr/>
+        </p:nvSpPr>
+        <p:spPr bwMode="auto">
+          <a:xfrm>
+            <a:off x="457200" y="2530475"/>
+            <a:ext cx="9144000" cy="0"/>
+          </a:xfrm>
+          <a:prstGeom prst="rect">
+            <a:avLst/>
+          </a:prstGeom>
+          <a:noFill/>
+          <a:ln>
+            <a:noFill/>
+          </a:ln>
+          <a:effectLst/>
+          <a:extLst>
+            <a:ext uri="{909E8E84-426E-40DD-AFC4-6F175D3DCCD1}">
+              <a14:hiddenFill xmlns:a14="http://schemas.microsoft.com/office/drawing/2010/main">
+                <a:solidFill>
+                  <a:schemeClr val="accent1"/>
+                </a:solidFill>
+              </a14:hiddenFill>
+            </a:ext>
+            <a:ext uri="{91240B29-F687-4F45-9708-019B960494DF}">
+              <a14:hiddenLine xmlns:a14="http://schemas.microsoft.com/office/drawing/2010/main" w="9525">
+                <a:solidFill>
+                  <a:schemeClr val="tx1"/>
+                </a:solidFill>
+                <a:miter lim="800000"/>
+                <a:headEnd/>
+                <a:tailEnd/>
+              </a14:hiddenLine>
+            </a:ext>
+            <a:ext uri="{AF507438-7753-43E0-B8FC-AC1667EBCBE1}">
+              <a14:hiddenEffects xmlns:a14="http://schemas.microsoft.com/office/drawing/2010/main">
+                <a:effectLst>
+                  <a:outerShdw dist="35921" dir="2700000" algn="ctr" rotWithShape="0">
+                    <a:schemeClr val="bg2"/>
+                  </a:outerShdw>
+                </a:effectLst>
+              </a14:hiddenEffects>
+            </a:ext>
+          </a:extLst>
+        </p:spPr>
+        <p:txBody>
+          <a:bodyPr vert="horz" wrap="none" lIns="91440" tIns="45720" rIns="91440" bIns="45720" numCol="1" anchor="ctr" anchorCtr="0" compatLnSpc="1">
+            <a:prstTxWarp prst="textNoShape">
+              <a:avLst/>
+            </a:prstTxWarp>
+            <a:spAutoFit/>
+          </a:bodyPr>
+          <a:lstStyle/>
+          <a:p>
+            <a:pPr marL="0" marR="0" lvl="0" indent="0" algn="l" defTabSz="914400" rtl="0" eaLnBrk="1" fontAlgn="base" latinLnBrk="0" hangingPunct="1">
+              <a:lnSpc>
+                <a:spcPct val="100000"/>
+              </a:lnSpc>
+              <a:spcBef>
+                <a:spcPct val="0"/>
+              </a:spcBef>
+              <a:spcAft>
+                <a:spcPct val="0"/>
+              </a:spcAft>
+              <a:buClrTx/>
+              <a:buSzTx/>
+              <a:buFontTx/>
+              <a:buNone/>
+              <a:tabLst/>
+            </a:pPr>
+            <a:endParaRPr kumimoji="0" lang="en-US" altLang="en-US" sz="1800" b="0" i="0" u="none" strike="noStrike" cap="none" normalizeH="0" baseline="0" smtClean="0">
+              <a:ln>
+                <a:noFill/>
+              </a:ln>
+              <a:solidFill>
+                <a:schemeClr val="tx1"/>
+              </a:solidFill>
+              <a:effectLst/>
+              <a:latin typeface="Arial" pitchFamily="34" charset="0"/>
+              <a:cs typeface="Arial" pitchFamily="34" charset="0"/>
+            </a:endParaRPr>
+          </a:p>
+          <a:p>
+            <a:pPr marL="0" marR="0" lvl="0" indent="0" algn="l" defTabSz="914400" rtl="0" eaLnBrk="0" fontAlgn="base" latinLnBrk="0" hangingPunct="0">
+              <a:lnSpc>
+                <a:spcPct val="100000"/>
+              </a:lnSpc>
+              <a:spcBef>
+                <a:spcPct val="0"/>
+              </a:spcBef>
+              <a:spcAft>
+                <a:spcPct val="0"/>
+              </a:spcAft>
+              <a:buClrTx/>
+              <a:buSzTx/>
+              <a:buFontTx/>
+              <a:buNone/>
+              <a:tabLst/>
+            </a:pPr>
+            <a:r>
+              <a:rPr kumimoji="0" lang="en-US" altLang="en-US" sz="1800" b="0" i="0" u="none" strike="noStrike" cap="none" normalizeH="0" baseline="0" smtClean="0">
+                <a:ln>
+                  <a:noFill/>
+                </a:ln>
+                <a:solidFill>
+                  <a:schemeClr val="tx1"/>
+                </a:solidFill>
+                <a:effectLst/>
+                <a:latin typeface="Arial" pitchFamily="34" charset="0"/>
+                <a:cs typeface="Arial" pitchFamily="34" charset="0"/>
+              </a:rPr>
+              <a:t/>
+            </a:r>
+            <a:br>
+              <a:rPr kumimoji="0" lang="en-US" altLang="en-US" sz="1800" b="0" i="0" u="none" strike="noStrike" cap="none" normalizeH="0" baseline="0" smtClean="0">
+                <a:ln>
+                  <a:noFill/>
+                </a:ln>
+                <a:solidFill>
+                  <a:schemeClr val="tx1"/>
+                </a:solidFill>
+                <a:effectLst/>
+                <a:latin typeface="Arial" pitchFamily="34" charset="0"/>
+                <a:cs typeface="Arial" pitchFamily="34" charset="0"/>
+              </a:rPr>
+            </a:br>
+            <a:endParaRPr kumimoji="0" lang="en-US" altLang="en-US" sz="1800" b="0" i="0" u="none" strike="noStrike" cap="none" normalizeH="0" baseline="0" smtClean="0">
+              <a:ln>
+                <a:noFill/>
+              </a:ln>
+              <a:solidFill>
+                <a:schemeClr val="tx1"/>
+              </a:solidFill>
+              <a:effectLst/>
+              <a:latin typeface="Arial" pitchFamily="34" charset="0"/>
+              <a:cs typeface="Arial" pitchFamily="34" charset="0"/>
+            </a:endParaRPr>
+          </a:p>
+        </p:txBody>
+      </p:sp>
+      <p:sp>
+        <p:nvSpPr>
+          <p:cNvPr id="3" name="Content Placeholder 2"/>
+          <p:cNvSpPr>
+            <a:spLocks noGrp="1"/>
+          </p:cNvSpPr>
+          <p:nvPr>
+            <p:ph idx="1"/>
+          </p:nvPr>
+        </p:nvSpPr>
+        <p:spPr/>
+        <p:txBody>
+          <a:bodyPr>
+            <a:normAutofit/>
+          </a:bodyPr>
+          <a:lstStyle/>
+          <a:p>
+            <a:r>
               <a:rPr lang="en-US" sz="1600" dirty="0" smtClean="0"/>
               <a:t>Does code meet functional requirement</a:t>
             </a:r>
@@ -11450,7 +12045,7 @@
 </p:sld>
 </file>
 
-<file path=ppt/slides/slide27.xml><?xml version="1.0" encoding="utf-8"?>
+<file path=ppt/slides/slide29.xml><?xml version="1.0" encoding="utf-8"?>
 <p:sld xmlns:a="http://schemas.openxmlformats.org/drawingml/2006/main" xmlns:r="http://schemas.openxmlformats.org/officeDocument/2006/relationships" xmlns:p="http://schemas.openxmlformats.org/presentationml/2006/main">
   <p:cSld>
     <p:bg>
@@ -11719,7 +12314,206 @@
 </p:sld>
 </file>
 
-<file path=ppt/slides/slide28.xml><?xml version="1.0" encoding="utf-8"?>
+<file path=ppt/slides/slide3.xml><?xml version="1.0" encoding="utf-8"?>
+<p:sld xmlns:a="http://schemas.openxmlformats.org/drawingml/2006/main" xmlns:r="http://schemas.openxmlformats.org/officeDocument/2006/relationships" xmlns:p="http://schemas.openxmlformats.org/presentationml/2006/main">
+  <p:cSld>
+    <p:bg>
+      <p:bgPr>
+        <a:noFill/>
+        <a:effectLst/>
+      </p:bgPr>
+    </p:bg>
+    <p:spTree>
+      <p:nvGrpSpPr>
+        <p:cNvPr id="1" name=""/>
+        <p:cNvGrpSpPr/>
+        <p:nvPr/>
+      </p:nvGrpSpPr>
+      <p:grpSpPr>
+        <a:xfrm>
+          <a:off x="0" y="0"/>
+          <a:ext cx="0" cy="0"/>
+          <a:chOff x="0" y="0"/>
+          <a:chExt cx="0" cy="0"/>
+        </a:xfrm>
+      </p:grpSpPr>
+      <p:sp>
+        <p:nvSpPr>
+          <p:cNvPr id="2" name="Title 1"/>
+          <p:cNvSpPr>
+            <a:spLocks noGrp="1"/>
+          </p:cNvSpPr>
+          <p:nvPr>
+            <p:ph type="title"/>
+          </p:nvPr>
+        </p:nvSpPr>
+        <p:spPr/>
+        <p:txBody>
+          <a:bodyPr/>
+          <a:lstStyle/>
+          <a:p>
+            <a:r>
+              <a:rPr lang="en-US" dirty="0" smtClean="0"/>
+              <a:t>Java – User Defined Class Loader</a:t>
+            </a:r>
+            <a:endParaRPr lang="en-US" dirty="0"/>
+          </a:p>
+        </p:txBody>
+      </p:sp>
+      <p:sp>
+        <p:nvSpPr>
+          <p:cNvPr id="3" name="Content Placeholder 2"/>
+          <p:cNvSpPr>
+            <a:spLocks noGrp="1"/>
+          </p:cNvSpPr>
+          <p:nvPr>
+            <p:ph idx="1"/>
+          </p:nvPr>
+        </p:nvSpPr>
+        <p:spPr/>
+        <p:txBody>
+          <a:bodyPr>
+            <a:normAutofit/>
+          </a:bodyPr>
+          <a:lstStyle/>
+          <a:p>
+            <a:r>
+              <a:rPr lang="en-GB" sz="1600" dirty="0" smtClean="0"/>
+              <a:t>It </a:t>
+            </a:r>
+            <a:r>
+              <a:rPr lang="en-GB" sz="1600" dirty="0"/>
+              <a:t>is </a:t>
+            </a:r>
+            <a:r>
+              <a:rPr lang="en-GB" sz="1600" dirty="0" smtClean="0"/>
+              <a:t>possible </a:t>
+            </a:r>
+            <a:r>
+              <a:rPr lang="en-GB" sz="1600" dirty="0"/>
+              <a:t>to create your own class loader without understanding the finer details of the Java Virtual Machine. Every Java class loader has a parent class loader, defined when a new class loader is instantiated or set to the virtual machine's system default class </a:t>
+            </a:r>
+            <a:r>
+              <a:rPr lang="en-GB" sz="1600" dirty="0" smtClean="0"/>
+              <a:t>loader</a:t>
+            </a:r>
+          </a:p>
+          <a:p>
+            <a:r>
+              <a:rPr lang="en-GB" sz="1600" dirty="0" smtClean="0"/>
+              <a:t>To load or unload classes at runtime</a:t>
+            </a:r>
+          </a:p>
+          <a:p>
+            <a:r>
+              <a:rPr lang="en-GB" sz="1600" dirty="0"/>
+              <a:t>This is an important feature for</a:t>
+            </a:r>
+            <a:r>
+              <a:rPr lang="en-GB" sz="1600" dirty="0" smtClean="0"/>
+              <a:t>:</a:t>
+            </a:r>
+          </a:p>
+          <a:p>
+            <a:pPr lvl="1">
+              <a:buFont typeface="Wingdings" panose="05000000000000000000" pitchFamily="2" charset="2"/>
+              <a:buChar char="Ø"/>
+            </a:pPr>
+            <a:r>
+              <a:rPr lang="en-GB" sz="1400" dirty="0" smtClean="0"/>
+              <a:t>Implementing </a:t>
+            </a:r>
+            <a:r>
+              <a:rPr lang="en-GB" sz="1400" dirty="0"/>
+              <a:t>scripting languages, such as </a:t>
+            </a:r>
+            <a:r>
+              <a:rPr lang="en-GB" sz="1400" dirty="0">
+                <a:hlinkClick r:id="rId2" tooltip="Jython"/>
+              </a:rPr>
+              <a:t>Jython</a:t>
+            </a:r>
+            <a:endParaRPr lang="en-GB" sz="1400" dirty="0"/>
+          </a:p>
+          <a:p>
+            <a:pPr lvl="1">
+              <a:buFont typeface="Wingdings" panose="05000000000000000000" pitchFamily="2" charset="2"/>
+              <a:buChar char="Ø"/>
+            </a:pPr>
+            <a:r>
+              <a:rPr lang="en-GB" sz="1400" dirty="0" smtClean="0"/>
+              <a:t>Allowing </a:t>
+            </a:r>
+            <a:r>
+              <a:rPr lang="en-GB" sz="1400" dirty="0"/>
+              <a:t>multiple namespaces to communicate. This is one of the foundations of CORBA / RMI protocols for </a:t>
+            </a:r>
+            <a:r>
+              <a:rPr lang="en-GB" sz="1400" dirty="0" smtClean="0"/>
+              <a:t>example</a:t>
+            </a:r>
+          </a:p>
+          <a:p>
+            <a:pPr lvl="1">
+              <a:buFont typeface="Wingdings" panose="05000000000000000000" pitchFamily="2" charset="2"/>
+              <a:buChar char="Ø"/>
+            </a:pPr>
+            <a:r>
+              <a:rPr lang="en-GB" sz="1400" dirty="0" smtClean="0"/>
+              <a:t>To modify the loaded bytecode (load time weaving of aspects when using AOP)</a:t>
+            </a:r>
+            <a:endParaRPr lang="en-US" sz="1400" dirty="0" smtClean="0"/>
+          </a:p>
+          <a:p>
+            <a:pPr lvl="1">
+              <a:buFont typeface="Wingdings" panose="05000000000000000000" pitchFamily="2" charset="2"/>
+              <a:buChar char="Ø"/>
+            </a:pPr>
+            <a:r>
+              <a:rPr lang="en-US" sz="1400" dirty="0" smtClean="0"/>
+              <a:t>To change the way bytecode is loaded (i.e. use encrypted Java class bytecode) </a:t>
+            </a:r>
+            <a:endParaRPr lang="en-GB" sz="1400" dirty="0" smtClean="0"/>
+          </a:p>
+          <a:p>
+            <a:endParaRPr lang="en-GB" sz="1600" dirty="0" smtClean="0"/>
+          </a:p>
+          <a:p>
+            <a:endParaRPr lang="en-GB" sz="1600" b="1" dirty="0">
+              <a:solidFill>
+                <a:srgbClr val="00B050"/>
+              </a:solidFill>
+            </a:endParaRPr>
+          </a:p>
+          <a:p>
+            <a:pPr marL="274320" lvl="1" indent="0">
+              <a:buNone/>
+            </a:pPr>
+            <a:endParaRPr lang="en-GB" sz="1400" dirty="0"/>
+          </a:p>
+        </p:txBody>
+      </p:sp>
+    </p:spTree>
+    <p:extLst>
+      <p:ext uri="{BB962C8B-B14F-4D97-AF65-F5344CB8AC3E}">
+        <p14:creationId xmlns:p14="http://schemas.microsoft.com/office/powerpoint/2010/main" val="3994620198"/>
+      </p:ext>
+    </p:extLst>
+  </p:cSld>
+  <p:clrMapOvr>
+    <a:masterClrMapping/>
+  </p:clrMapOvr>
+  <p:timing>
+    <p:tnLst>
+      <p:par>
+        <p:cTn id="1" dur="indefinite" restart="never" nodeType="tmRoot"/>
+      </p:par>
+    </p:tnLst>
+  </p:timing>
+</p:sld>
+</file>
+
+<file path=ppt/slides/slide30.xml><?xml version="1.0" encoding="utf-8"?>
 <p:sld xmlns:a="http://schemas.openxmlformats.org/drawingml/2006/main" xmlns:r="http://schemas.openxmlformats.org/officeDocument/2006/relationships" xmlns:p="http://schemas.openxmlformats.org/presentationml/2006/main">
   <p:cSld>
     <p:bg>
@@ -11988,7 +12782,7 @@
 </p:sld>
 </file>
 
-<file path=ppt/slides/slide29.xml><?xml version="1.0" encoding="utf-8"?>
+<file path=ppt/slides/slide31.xml><?xml version="1.0" encoding="utf-8"?>
 <p:sld xmlns:a="http://schemas.openxmlformats.org/drawingml/2006/main" xmlns:r="http://schemas.openxmlformats.org/officeDocument/2006/relationships" xmlns:p="http://schemas.openxmlformats.org/presentationml/2006/main">
   <p:cSld>
     <p:bg>
@@ -14686,206 +15480,7 @@
 </p:sld>
 </file>
 
-<file path=ppt/slides/slide3.xml><?xml version="1.0" encoding="utf-8"?>
-<p:sld xmlns:a="http://schemas.openxmlformats.org/drawingml/2006/main" xmlns:r="http://schemas.openxmlformats.org/officeDocument/2006/relationships" xmlns:p="http://schemas.openxmlformats.org/presentationml/2006/main">
-  <p:cSld>
-    <p:bg>
-      <p:bgPr>
-        <a:noFill/>
-        <a:effectLst/>
-      </p:bgPr>
-    </p:bg>
-    <p:spTree>
-      <p:nvGrpSpPr>
-        <p:cNvPr id="1" name=""/>
-        <p:cNvGrpSpPr/>
-        <p:nvPr/>
-      </p:nvGrpSpPr>
-      <p:grpSpPr>
-        <a:xfrm>
-          <a:off x="0" y="0"/>
-          <a:ext cx="0" cy="0"/>
-          <a:chOff x="0" y="0"/>
-          <a:chExt cx="0" cy="0"/>
-        </a:xfrm>
-      </p:grpSpPr>
-      <p:sp>
-        <p:nvSpPr>
-          <p:cNvPr id="2" name="Title 1"/>
-          <p:cNvSpPr>
-            <a:spLocks noGrp="1"/>
-          </p:cNvSpPr>
-          <p:nvPr>
-            <p:ph type="title"/>
-          </p:nvPr>
-        </p:nvSpPr>
-        <p:spPr/>
-        <p:txBody>
-          <a:bodyPr/>
-          <a:lstStyle/>
-          <a:p>
-            <a:r>
-              <a:rPr lang="en-US" dirty="0" smtClean="0"/>
-              <a:t>Java – User Defined Class Loader</a:t>
-            </a:r>
-            <a:endParaRPr lang="en-US" dirty="0"/>
-          </a:p>
-        </p:txBody>
-      </p:sp>
-      <p:sp>
-        <p:nvSpPr>
-          <p:cNvPr id="3" name="Content Placeholder 2"/>
-          <p:cNvSpPr>
-            <a:spLocks noGrp="1"/>
-          </p:cNvSpPr>
-          <p:nvPr>
-            <p:ph idx="1"/>
-          </p:nvPr>
-        </p:nvSpPr>
-        <p:spPr/>
-        <p:txBody>
-          <a:bodyPr>
-            <a:normAutofit/>
-          </a:bodyPr>
-          <a:lstStyle/>
-          <a:p>
-            <a:r>
-              <a:rPr lang="en-GB" sz="1600" dirty="0" smtClean="0"/>
-              <a:t>It </a:t>
-            </a:r>
-            <a:r>
-              <a:rPr lang="en-GB" sz="1600" dirty="0"/>
-              <a:t>is </a:t>
-            </a:r>
-            <a:r>
-              <a:rPr lang="en-GB" sz="1600" dirty="0" smtClean="0"/>
-              <a:t>possible </a:t>
-            </a:r>
-            <a:r>
-              <a:rPr lang="en-GB" sz="1600" dirty="0"/>
-              <a:t>to create your own class loader without understanding the finer details of the Java Virtual Machine. Every Java class loader has a parent class loader, defined when a new class loader is instantiated or set to the virtual machine's system default class </a:t>
-            </a:r>
-            <a:r>
-              <a:rPr lang="en-GB" sz="1600" dirty="0" smtClean="0"/>
-              <a:t>loader</a:t>
-            </a:r>
-          </a:p>
-          <a:p>
-            <a:r>
-              <a:rPr lang="en-GB" sz="1600" dirty="0" smtClean="0"/>
-              <a:t>To load or unload classes at runtime</a:t>
-            </a:r>
-          </a:p>
-          <a:p>
-            <a:r>
-              <a:rPr lang="en-GB" sz="1600" dirty="0"/>
-              <a:t>This is an important feature for</a:t>
-            </a:r>
-            <a:r>
-              <a:rPr lang="en-GB" sz="1600" dirty="0" smtClean="0"/>
-              <a:t>:</a:t>
-            </a:r>
-          </a:p>
-          <a:p>
-            <a:pPr lvl="1">
-              <a:buFont typeface="Wingdings" panose="05000000000000000000" pitchFamily="2" charset="2"/>
-              <a:buChar char="Ø"/>
-            </a:pPr>
-            <a:r>
-              <a:rPr lang="en-GB" sz="1400" dirty="0" smtClean="0"/>
-              <a:t>Implementing </a:t>
-            </a:r>
-            <a:r>
-              <a:rPr lang="en-GB" sz="1400" dirty="0"/>
-              <a:t>scripting languages, such as </a:t>
-            </a:r>
-            <a:r>
-              <a:rPr lang="en-GB" sz="1400" dirty="0">
-                <a:hlinkClick r:id="rId2" tooltip="Jython"/>
-              </a:rPr>
-              <a:t>Jython</a:t>
-            </a:r>
-            <a:endParaRPr lang="en-GB" sz="1400" dirty="0"/>
-          </a:p>
-          <a:p>
-            <a:pPr lvl="1">
-              <a:buFont typeface="Wingdings" panose="05000000000000000000" pitchFamily="2" charset="2"/>
-              <a:buChar char="Ø"/>
-            </a:pPr>
-            <a:r>
-              <a:rPr lang="en-GB" sz="1400" dirty="0" smtClean="0"/>
-              <a:t>Allowing </a:t>
-            </a:r>
-            <a:r>
-              <a:rPr lang="en-GB" sz="1400" dirty="0"/>
-              <a:t>multiple namespaces to communicate. This is one of the foundations of CORBA / RMI protocols for </a:t>
-            </a:r>
-            <a:r>
-              <a:rPr lang="en-GB" sz="1400" dirty="0" smtClean="0"/>
-              <a:t>example</a:t>
-            </a:r>
-          </a:p>
-          <a:p>
-            <a:pPr lvl="1">
-              <a:buFont typeface="Wingdings" panose="05000000000000000000" pitchFamily="2" charset="2"/>
-              <a:buChar char="Ø"/>
-            </a:pPr>
-            <a:r>
-              <a:rPr lang="en-GB" sz="1400" dirty="0" smtClean="0"/>
-              <a:t>To modify the loaded bytecode (load time weaving of aspects when using AOP)</a:t>
-            </a:r>
-            <a:endParaRPr lang="en-US" sz="1400" dirty="0" smtClean="0"/>
-          </a:p>
-          <a:p>
-            <a:pPr lvl="1">
-              <a:buFont typeface="Wingdings" panose="05000000000000000000" pitchFamily="2" charset="2"/>
-              <a:buChar char="Ø"/>
-            </a:pPr>
-            <a:r>
-              <a:rPr lang="en-US" sz="1400" dirty="0" smtClean="0"/>
-              <a:t>To change the way bytecode is loaded (i.e. use encrypted Java class bytecode) </a:t>
-            </a:r>
-            <a:endParaRPr lang="en-GB" sz="1400" dirty="0" smtClean="0"/>
-          </a:p>
-          <a:p>
-            <a:endParaRPr lang="en-GB" sz="1600" dirty="0" smtClean="0"/>
-          </a:p>
-          <a:p>
-            <a:endParaRPr lang="en-GB" sz="1600" b="1" dirty="0">
-              <a:solidFill>
-                <a:srgbClr val="00B050"/>
-              </a:solidFill>
-            </a:endParaRPr>
-          </a:p>
-          <a:p>
-            <a:pPr marL="274320" lvl="1" indent="0">
-              <a:buNone/>
-            </a:pPr>
-            <a:endParaRPr lang="en-GB" sz="1400" dirty="0"/>
-          </a:p>
-        </p:txBody>
-      </p:sp>
-    </p:spTree>
-    <p:extLst>
-      <p:ext uri="{BB962C8B-B14F-4D97-AF65-F5344CB8AC3E}">
-        <p14:creationId xmlns:p14="http://schemas.microsoft.com/office/powerpoint/2010/main" val="3994620198"/>
-      </p:ext>
-    </p:extLst>
-  </p:cSld>
-  <p:clrMapOvr>
-    <a:masterClrMapping/>
-  </p:clrMapOvr>
-  <p:timing>
-    <p:tnLst>
-      <p:par>
-        <p:cTn id="1" dur="indefinite" restart="never" nodeType="tmRoot"/>
-      </p:par>
-    </p:tnLst>
-  </p:timing>
-</p:sld>
-</file>
-
-<file path=ppt/slides/slide30.xml><?xml version="1.0" encoding="utf-8"?>
+<file path=ppt/slides/slide32.xml><?xml version="1.0" encoding="utf-8"?>
 <p:sld xmlns:a="http://schemas.openxmlformats.org/drawingml/2006/main" xmlns:r="http://schemas.openxmlformats.org/officeDocument/2006/relationships" xmlns:p="http://schemas.openxmlformats.org/presentationml/2006/main">
   <p:cSld>
     <p:spTree>
@@ -15078,8 +15673,23 @@
           </a:p>
           <a:p>
             <a:r>
+              <a:rPr lang="en-US" sz="1600" dirty="0">
+                <a:hlinkClick r:id="rId11"/>
+              </a:rPr>
+              <a:t>http://misko.hevery.com/code-reviewers-guide</a:t>
+            </a:r>
+            <a:r>
+              <a:rPr lang="en-US" sz="1600" dirty="0" smtClean="0">
+                <a:hlinkClick r:id="rId11"/>
+              </a:rPr>
+              <a:t>/</a:t>
+            </a:r>
+            <a:endParaRPr lang="en-US" sz="1600" dirty="0" smtClean="0"/>
+          </a:p>
+          <a:p>
+            <a:r>
               <a:rPr lang="en-US" sz="1600" dirty="0"/>
-              <a:t>http://misko.hevery.com/code-reviewers-guide/</a:t>
+              <a:t>http://www.baeldung.com/java-count-chars</a:t>
             </a:r>
             <a:endParaRPr lang="en-US" sz="1600" dirty="0" smtClean="0"/>
           </a:p>

--- a/CoreJava.pptx
+++ b/CoreJava.pptx
@@ -32,11 +32,12 @@
     <p:sldId id="326" r:id="rId26"/>
     <p:sldId id="327" r:id="rId27"/>
     <p:sldId id="328" r:id="rId28"/>
-    <p:sldId id="323" r:id="rId29"/>
-    <p:sldId id="320" r:id="rId30"/>
-    <p:sldId id="321" r:id="rId31"/>
-    <p:sldId id="322" r:id="rId32"/>
-    <p:sldId id="269" r:id="rId33"/>
+    <p:sldId id="329" r:id="rId29"/>
+    <p:sldId id="323" r:id="rId30"/>
+    <p:sldId id="320" r:id="rId31"/>
+    <p:sldId id="321" r:id="rId32"/>
+    <p:sldId id="322" r:id="rId33"/>
+    <p:sldId id="269" r:id="rId34"/>
   </p:sldIdLst>
   <p:sldSz cx="9144000" cy="6858000" type="screen4x3"/>
   <p:notesSz cx="6858000" cy="9144000"/>
@@ -326,7 +327,7 @@
           <a:p>
             <a:fld id="{8F235549-BF0A-4B98-8561-3786244E808C}" type="datetimeFigureOut">
               <a:rPr lang="en-US" smtClean="0"/>
-              <a:t>2/28/2018</a:t>
+              <a:t>3/4/2018</a:t>
             </a:fld>
             <a:endParaRPr lang="en-US"/>
           </a:p>
@@ -526,7 +527,7 @@
           <a:p>
             <a:fld id="{8F235549-BF0A-4B98-8561-3786244E808C}" type="datetimeFigureOut">
               <a:rPr lang="en-US" smtClean="0"/>
-              <a:t>2/28/2018</a:t>
+              <a:t>3/4/2018</a:t>
             </a:fld>
             <a:endParaRPr lang="en-US"/>
           </a:p>
@@ -701,7 +702,7 @@
           <a:p>
             <a:fld id="{8F235549-BF0A-4B98-8561-3786244E808C}" type="datetimeFigureOut">
               <a:rPr lang="en-US" smtClean="0"/>
-              <a:t>2/28/2018</a:t>
+              <a:t>3/4/2018</a:t>
             </a:fld>
             <a:endParaRPr lang="en-US"/>
           </a:p>
@@ -866,7 +867,7 @@
           <a:p>
             <a:fld id="{8F235549-BF0A-4B98-8561-3786244E808C}" type="datetimeFigureOut">
               <a:rPr lang="en-US" smtClean="0"/>
-              <a:t>2/28/2018</a:t>
+              <a:t>3/4/2018</a:t>
             </a:fld>
             <a:endParaRPr lang="en-US"/>
           </a:p>
@@ -1114,7 +1115,7 @@
           <a:p>
             <a:fld id="{8F235549-BF0A-4B98-8561-3786244E808C}" type="datetimeFigureOut">
               <a:rPr lang="en-US" smtClean="0"/>
-              <a:t>2/28/2018</a:t>
+              <a:t>3/4/2018</a:t>
             </a:fld>
             <a:endParaRPr lang="en-US"/>
           </a:p>
@@ -1432,7 +1433,7 @@
           <a:p>
             <a:fld id="{8F235549-BF0A-4B98-8561-3786244E808C}" type="datetimeFigureOut">
               <a:rPr lang="en-US" smtClean="0"/>
-              <a:t>2/28/2018</a:t>
+              <a:t>3/4/2018</a:t>
             </a:fld>
             <a:endParaRPr lang="en-US"/>
           </a:p>
@@ -1898,7 +1899,7 @@
           <a:p>
             <a:fld id="{8F235549-BF0A-4B98-8561-3786244E808C}" type="datetimeFigureOut">
               <a:rPr lang="en-US" smtClean="0"/>
-              <a:t>2/28/2018</a:t>
+              <a:t>3/4/2018</a:t>
             </a:fld>
             <a:endParaRPr lang="en-US"/>
           </a:p>
@@ -2046,7 +2047,7 @@
           <a:p>
             <a:fld id="{8F235549-BF0A-4B98-8561-3786244E808C}" type="datetimeFigureOut">
               <a:rPr lang="en-US" smtClean="0"/>
-              <a:t>2/28/2018</a:t>
+              <a:t>3/4/2018</a:t>
             </a:fld>
             <a:endParaRPr lang="en-US"/>
           </a:p>
@@ -2136,7 +2137,7 @@
           <a:p>
             <a:fld id="{8F235549-BF0A-4B98-8561-3786244E808C}" type="datetimeFigureOut">
               <a:rPr lang="en-US" smtClean="0"/>
-              <a:t>2/28/2018</a:t>
+              <a:t>3/4/2018</a:t>
             </a:fld>
             <a:endParaRPr lang="en-US"/>
           </a:p>
@@ -2410,7 +2411,7 @@
           <a:p>
             <a:fld id="{8F235549-BF0A-4B98-8561-3786244E808C}" type="datetimeFigureOut">
               <a:rPr lang="en-US" smtClean="0"/>
-              <a:t>2/28/2018</a:t>
+              <a:t>3/4/2018</a:t>
             </a:fld>
             <a:endParaRPr lang="en-US"/>
           </a:p>
@@ -2715,7 +2716,7 @@
           <a:p>
             <a:fld id="{8F235549-BF0A-4B98-8561-3786244E808C}" type="datetimeFigureOut">
               <a:rPr lang="en-US" smtClean="0"/>
-              <a:t>2/28/2018</a:t>
+              <a:t>3/4/2018</a:t>
             </a:fld>
             <a:endParaRPr lang="en-US"/>
           </a:p>
@@ -3013,7 +3014,7 @@
           <a:p>
             <a:fld id="{8F235549-BF0A-4B98-8561-3786244E808C}" type="datetimeFigureOut">
               <a:rPr lang="en-US" smtClean="0"/>
-              <a:t>2/28/2018</a:t>
+              <a:t>3/4/2018</a:t>
             </a:fld>
             <a:endParaRPr lang="en-US"/>
           </a:p>
@@ -11723,11 +11724,29 @@
           <a:p>
             <a:r>
               <a:rPr lang="en-GB" sz="1600" dirty="0" smtClean="0"/>
-              <a:t>How to tell the consumer that the producer is not sending </a:t>
-            </a:r>
-            <a:r>
-              <a:rPr lang="en-GB" sz="1600" smtClean="0"/>
-              <a:t>any values?</a:t>
+              <a:t>How to tell the consumer that the producer is not sending any values</a:t>
+            </a:r>
+            <a:r>
+              <a:rPr lang="en-GB" sz="1600" dirty="0" smtClean="0"/>
+              <a:t>?</a:t>
+            </a:r>
+          </a:p>
+          <a:p>
+            <a:r>
+              <a:rPr lang="en-GB" sz="1600" dirty="0" smtClean="0"/>
+              <a:t>Answer : </a:t>
+            </a:r>
+            <a:r>
+              <a:rPr lang="en-GB" sz="1600" b="1" dirty="0" smtClean="0">
+                <a:solidFill>
+                  <a:srgbClr val="FF0000"/>
+                </a:solidFill>
+              </a:rPr>
+              <a:t>Poison message</a:t>
+            </a:r>
+            <a:r>
+              <a:rPr lang="en-GB" sz="1600" dirty="0" smtClean="0"/>
+              <a:t> to tell the worker to stop</a:t>
             </a:r>
             <a:endParaRPr lang="en-GB" sz="1600" dirty="0"/>
           </a:p>
@@ -11795,7 +11814,7 @@
           <a:p>
             <a:r>
               <a:rPr lang="en-US" dirty="0" smtClean="0"/>
-              <a:t>Code Review – Main</a:t>
+              <a:t>Reflection Vs Introspection</a:t>
             </a:r>
             <a:endParaRPr lang="en-US" dirty="0"/>
           </a:p>
@@ -11964,6 +11983,339 @@
           <a:lstStyle/>
           <a:p>
             <a:r>
+              <a:rPr lang="en-GB" sz="1600" dirty="0" smtClean="0"/>
+              <a:t>Java – Static typing system</a:t>
+            </a:r>
+          </a:p>
+          <a:p>
+            <a:r>
+              <a:rPr lang="en-GB" sz="1600" dirty="0" smtClean="0"/>
+              <a:t>The </a:t>
+            </a:r>
+            <a:r>
+              <a:rPr lang="en-GB" sz="1600" dirty="0"/>
+              <a:t>ability to inspect the code in the system and see object types is not reflection, but rather Type </a:t>
+            </a:r>
+            <a:r>
+              <a:rPr lang="en-GB" sz="1600" b="1" dirty="0"/>
+              <a:t>Introspection</a:t>
+            </a:r>
+            <a:r>
+              <a:rPr lang="en-GB" sz="1600" dirty="0"/>
+              <a:t>. Reflection is then the ability to make </a:t>
+            </a:r>
+            <a:r>
+              <a:rPr lang="en-GB" sz="1600" b="1" dirty="0">
+                <a:solidFill>
+                  <a:srgbClr val="FF0000"/>
+                </a:solidFill>
+              </a:rPr>
+              <a:t>modifications at runtime</a:t>
+            </a:r>
+            <a:r>
+              <a:rPr lang="en-GB" sz="1600" dirty="0"/>
+              <a:t> by making use of introspection. The distinction is necessary here as some languages support introspection, but do not support reflection. One such example is C</a:t>
+            </a:r>
+            <a:r>
+              <a:rPr lang="en-GB" sz="1600" dirty="0" smtClean="0"/>
+              <a:t>++</a:t>
+            </a:r>
+          </a:p>
+          <a:p>
+            <a:r>
+              <a:rPr lang="en-GB" sz="1600" dirty="0" smtClean="0"/>
+              <a:t>Using reflection to invoke the method</a:t>
+            </a:r>
+          </a:p>
+          <a:p>
+            <a:pPr lvl="1"/>
+            <a:r>
+              <a:rPr lang="en-GB" sz="1400" dirty="0" smtClean="0"/>
+              <a:t>Method </a:t>
+            </a:r>
+            <a:r>
+              <a:rPr lang="en-GB" sz="1400" dirty="0" err="1"/>
+              <a:t>method</a:t>
+            </a:r>
+            <a:r>
+              <a:rPr lang="en-GB" sz="1400" dirty="0"/>
+              <a:t> = </a:t>
+            </a:r>
+            <a:r>
+              <a:rPr lang="en-GB" sz="1400" dirty="0" err="1"/>
+              <a:t>foo.getClass</a:t>
+            </a:r>
+            <a:r>
+              <a:rPr lang="en-GB" sz="1400" dirty="0"/>
+              <a:t>().</a:t>
+            </a:r>
+            <a:r>
+              <a:rPr lang="en-GB" sz="1400" dirty="0" err="1"/>
+              <a:t>getMethod</a:t>
+            </a:r>
+            <a:r>
+              <a:rPr lang="en-GB" sz="1400" dirty="0"/>
+              <a:t>("</a:t>
+            </a:r>
+            <a:r>
+              <a:rPr lang="en-GB" sz="1400" dirty="0" err="1"/>
+              <a:t>doSomething</a:t>
+            </a:r>
+            <a:r>
+              <a:rPr lang="en-GB" sz="1400" dirty="0"/>
+              <a:t>", null); </a:t>
+            </a:r>
+            <a:endParaRPr lang="en-GB" sz="1400" dirty="0" smtClean="0"/>
+          </a:p>
+          <a:p>
+            <a:pPr lvl="1"/>
+            <a:r>
+              <a:rPr lang="en-GB" sz="1400" dirty="0" err="1" smtClean="0"/>
+              <a:t>method.invoke</a:t>
+            </a:r>
+            <a:r>
+              <a:rPr lang="en-GB" sz="1400" dirty="0" smtClean="0"/>
+              <a:t>(foo</a:t>
+            </a:r>
+            <a:r>
+              <a:rPr lang="en-GB" sz="1400" dirty="0"/>
+              <a:t>, null);</a:t>
+            </a:r>
+            <a:endParaRPr lang="en-GB" sz="1400" dirty="0"/>
+          </a:p>
+        </p:txBody>
+      </p:sp>
+    </p:spTree>
+    <p:extLst>
+      <p:ext uri="{BB962C8B-B14F-4D97-AF65-F5344CB8AC3E}">
+        <p14:creationId xmlns:p14="http://schemas.microsoft.com/office/powerpoint/2010/main" val="4102035703"/>
+      </p:ext>
+    </p:extLst>
+  </p:cSld>
+  <p:clrMapOvr>
+    <a:masterClrMapping/>
+  </p:clrMapOvr>
+  <p:timing>
+    <p:tnLst>
+      <p:par>
+        <p:cTn id="1" dur="indefinite" restart="never" nodeType="tmRoot"/>
+      </p:par>
+    </p:tnLst>
+  </p:timing>
+</p:sld>
+</file>
+
+<file path=ppt/slides/slide29.xml><?xml version="1.0" encoding="utf-8"?>
+<p:sld xmlns:a="http://schemas.openxmlformats.org/drawingml/2006/main" xmlns:r="http://schemas.openxmlformats.org/officeDocument/2006/relationships" xmlns:p="http://schemas.openxmlformats.org/presentationml/2006/main">
+  <p:cSld>
+    <p:bg>
+      <p:bgPr>
+        <a:noFill/>
+        <a:effectLst/>
+      </p:bgPr>
+    </p:bg>
+    <p:spTree>
+      <p:nvGrpSpPr>
+        <p:cNvPr id="1" name=""/>
+        <p:cNvGrpSpPr/>
+        <p:nvPr/>
+      </p:nvGrpSpPr>
+      <p:grpSpPr>
+        <a:xfrm>
+          <a:off x="0" y="0"/>
+          <a:ext cx="0" cy="0"/>
+          <a:chOff x="0" y="0"/>
+          <a:chExt cx="0" cy="0"/>
+        </a:xfrm>
+      </p:grpSpPr>
+      <p:sp>
+        <p:nvSpPr>
+          <p:cNvPr id="2" name="Title 1"/>
+          <p:cNvSpPr>
+            <a:spLocks noGrp="1"/>
+          </p:cNvSpPr>
+          <p:nvPr>
+            <p:ph type="title"/>
+          </p:nvPr>
+        </p:nvSpPr>
+        <p:spPr/>
+        <p:txBody>
+          <a:bodyPr>
+            <a:normAutofit/>
+          </a:bodyPr>
+          <a:lstStyle/>
+          <a:p>
+            <a:r>
+              <a:rPr lang="en-US" dirty="0" smtClean="0"/>
+              <a:t>Code Review – Main</a:t>
+            </a:r>
+            <a:endParaRPr lang="en-US" dirty="0"/>
+          </a:p>
+        </p:txBody>
+      </p:sp>
+      <p:sp>
+        <p:nvSpPr>
+          <p:cNvPr id="5" name="Rectangle 1"/>
+          <p:cNvSpPr>
+            <a:spLocks noChangeArrowheads="1"/>
+          </p:cNvSpPr>
+          <p:nvPr/>
+        </p:nvSpPr>
+        <p:spPr bwMode="auto">
+          <a:xfrm>
+            <a:off x="457200" y="2530475"/>
+            <a:ext cx="9144000" cy="0"/>
+          </a:xfrm>
+          <a:prstGeom prst="rect">
+            <a:avLst/>
+          </a:prstGeom>
+          <a:noFill/>
+          <a:ln>
+            <a:noFill/>
+          </a:ln>
+          <a:effectLst/>
+          <a:extLst>
+            <a:ext uri="{909E8E84-426E-40DD-AFC4-6F175D3DCCD1}">
+              <a14:hiddenFill xmlns:a14="http://schemas.microsoft.com/office/drawing/2010/main">
+                <a:solidFill>
+                  <a:schemeClr val="accent1"/>
+                </a:solidFill>
+              </a14:hiddenFill>
+            </a:ext>
+            <a:ext uri="{91240B29-F687-4F45-9708-019B960494DF}">
+              <a14:hiddenLine xmlns:a14="http://schemas.microsoft.com/office/drawing/2010/main" w="9525">
+                <a:solidFill>
+                  <a:schemeClr val="tx1"/>
+                </a:solidFill>
+                <a:miter lim="800000"/>
+                <a:headEnd/>
+                <a:tailEnd/>
+              </a14:hiddenLine>
+            </a:ext>
+            <a:ext uri="{AF507438-7753-43E0-B8FC-AC1667EBCBE1}">
+              <a14:hiddenEffects xmlns:a14="http://schemas.microsoft.com/office/drawing/2010/main">
+                <a:effectLst>
+                  <a:outerShdw dist="35921" dir="2700000" algn="ctr" rotWithShape="0">
+                    <a:schemeClr val="bg2"/>
+                  </a:outerShdw>
+                </a:effectLst>
+              </a14:hiddenEffects>
+            </a:ext>
+          </a:extLst>
+        </p:spPr>
+        <p:txBody>
+          <a:bodyPr vert="horz" wrap="none" lIns="91440" tIns="45720" rIns="91440" bIns="45720" numCol="1" anchor="ctr" anchorCtr="0" compatLnSpc="1">
+            <a:prstTxWarp prst="textNoShape">
+              <a:avLst/>
+            </a:prstTxWarp>
+            <a:spAutoFit/>
+          </a:bodyPr>
+          <a:lstStyle/>
+          <a:p>
+            <a:pPr marL="0" marR="0" lvl="0" indent="0" algn="l" defTabSz="914400" rtl="0" eaLnBrk="1" fontAlgn="base" latinLnBrk="0" hangingPunct="1">
+              <a:lnSpc>
+                <a:spcPct val="100000"/>
+              </a:lnSpc>
+              <a:spcBef>
+                <a:spcPct val="0"/>
+              </a:spcBef>
+              <a:spcAft>
+                <a:spcPct val="0"/>
+              </a:spcAft>
+              <a:buClrTx/>
+              <a:buSzTx/>
+              <a:buFontTx/>
+              <a:buNone/>
+              <a:tabLst/>
+            </a:pPr>
+            <a:endParaRPr kumimoji="0" lang="en-US" altLang="en-US" sz="1800" b="0" i="0" u="none" strike="noStrike" cap="none" normalizeH="0" baseline="0" smtClean="0">
+              <a:ln>
+                <a:noFill/>
+              </a:ln>
+              <a:solidFill>
+                <a:schemeClr val="tx1"/>
+              </a:solidFill>
+              <a:effectLst/>
+              <a:latin typeface="Arial" pitchFamily="34" charset="0"/>
+              <a:cs typeface="Arial" pitchFamily="34" charset="0"/>
+            </a:endParaRPr>
+          </a:p>
+          <a:p>
+            <a:pPr marL="0" marR="0" lvl="0" indent="0" algn="l" defTabSz="914400" rtl="0" eaLnBrk="0" fontAlgn="base" latinLnBrk="0" hangingPunct="0">
+              <a:lnSpc>
+                <a:spcPct val="100000"/>
+              </a:lnSpc>
+              <a:spcBef>
+                <a:spcPct val="0"/>
+              </a:spcBef>
+              <a:spcAft>
+                <a:spcPct val="0"/>
+              </a:spcAft>
+              <a:buClrTx/>
+              <a:buSzTx/>
+              <a:buFontTx/>
+              <a:buNone/>
+              <a:tabLst/>
+            </a:pPr>
+            <a:r>
+              <a:rPr kumimoji="0" lang="en-US" altLang="en-US" sz="1800" b="0" i="0" u="none" strike="noStrike" cap="none" normalizeH="0" baseline="0" smtClean="0">
+                <a:ln>
+                  <a:noFill/>
+                </a:ln>
+                <a:solidFill>
+                  <a:schemeClr val="tx1"/>
+                </a:solidFill>
+                <a:effectLst/>
+                <a:latin typeface="Arial" pitchFamily="34" charset="0"/>
+                <a:cs typeface="Arial" pitchFamily="34" charset="0"/>
+              </a:rPr>
+              <a:t/>
+            </a:r>
+            <a:br>
+              <a:rPr kumimoji="0" lang="en-US" altLang="en-US" sz="1800" b="0" i="0" u="none" strike="noStrike" cap="none" normalizeH="0" baseline="0" smtClean="0">
+                <a:ln>
+                  <a:noFill/>
+                </a:ln>
+                <a:solidFill>
+                  <a:schemeClr val="tx1"/>
+                </a:solidFill>
+                <a:effectLst/>
+                <a:latin typeface="Arial" pitchFamily="34" charset="0"/>
+                <a:cs typeface="Arial" pitchFamily="34" charset="0"/>
+              </a:rPr>
+            </a:br>
+            <a:endParaRPr kumimoji="0" lang="en-US" altLang="en-US" sz="1800" b="0" i="0" u="none" strike="noStrike" cap="none" normalizeH="0" baseline="0" smtClean="0">
+              <a:ln>
+                <a:noFill/>
+              </a:ln>
+              <a:solidFill>
+                <a:schemeClr val="tx1"/>
+              </a:solidFill>
+              <a:effectLst/>
+              <a:latin typeface="Arial" pitchFamily="34" charset="0"/>
+              <a:cs typeface="Arial" pitchFamily="34" charset="0"/>
+            </a:endParaRPr>
+          </a:p>
+        </p:txBody>
+      </p:sp>
+      <p:sp>
+        <p:nvSpPr>
+          <p:cNvPr id="3" name="Content Placeholder 2"/>
+          <p:cNvSpPr>
+            <a:spLocks noGrp="1"/>
+          </p:cNvSpPr>
+          <p:nvPr>
+            <p:ph idx="1"/>
+          </p:nvPr>
+        </p:nvSpPr>
+        <p:spPr/>
+        <p:txBody>
+          <a:bodyPr>
+            <a:normAutofit/>
+          </a:bodyPr>
+          <a:lstStyle/>
+          <a:p>
+            <a:r>
               <a:rPr lang="en-US" sz="1600" dirty="0" smtClean="0"/>
               <a:t>Does code meet functional requirement</a:t>
             </a:r>
@@ -12045,7 +12397,206 @@
 </p:sld>
 </file>
 
-<file path=ppt/slides/slide29.xml><?xml version="1.0" encoding="utf-8"?>
+<file path=ppt/slides/slide3.xml><?xml version="1.0" encoding="utf-8"?>
+<p:sld xmlns:a="http://schemas.openxmlformats.org/drawingml/2006/main" xmlns:r="http://schemas.openxmlformats.org/officeDocument/2006/relationships" xmlns:p="http://schemas.openxmlformats.org/presentationml/2006/main">
+  <p:cSld>
+    <p:bg>
+      <p:bgPr>
+        <a:noFill/>
+        <a:effectLst/>
+      </p:bgPr>
+    </p:bg>
+    <p:spTree>
+      <p:nvGrpSpPr>
+        <p:cNvPr id="1" name=""/>
+        <p:cNvGrpSpPr/>
+        <p:nvPr/>
+      </p:nvGrpSpPr>
+      <p:grpSpPr>
+        <a:xfrm>
+          <a:off x="0" y="0"/>
+          <a:ext cx="0" cy="0"/>
+          <a:chOff x="0" y="0"/>
+          <a:chExt cx="0" cy="0"/>
+        </a:xfrm>
+      </p:grpSpPr>
+      <p:sp>
+        <p:nvSpPr>
+          <p:cNvPr id="2" name="Title 1"/>
+          <p:cNvSpPr>
+            <a:spLocks noGrp="1"/>
+          </p:cNvSpPr>
+          <p:nvPr>
+            <p:ph type="title"/>
+          </p:nvPr>
+        </p:nvSpPr>
+        <p:spPr/>
+        <p:txBody>
+          <a:bodyPr/>
+          <a:lstStyle/>
+          <a:p>
+            <a:r>
+              <a:rPr lang="en-US" dirty="0" smtClean="0"/>
+              <a:t>Java – User Defined Class Loader</a:t>
+            </a:r>
+            <a:endParaRPr lang="en-US" dirty="0"/>
+          </a:p>
+        </p:txBody>
+      </p:sp>
+      <p:sp>
+        <p:nvSpPr>
+          <p:cNvPr id="3" name="Content Placeholder 2"/>
+          <p:cNvSpPr>
+            <a:spLocks noGrp="1"/>
+          </p:cNvSpPr>
+          <p:nvPr>
+            <p:ph idx="1"/>
+          </p:nvPr>
+        </p:nvSpPr>
+        <p:spPr/>
+        <p:txBody>
+          <a:bodyPr>
+            <a:normAutofit/>
+          </a:bodyPr>
+          <a:lstStyle/>
+          <a:p>
+            <a:r>
+              <a:rPr lang="en-GB" sz="1600" dirty="0" smtClean="0"/>
+              <a:t>It </a:t>
+            </a:r>
+            <a:r>
+              <a:rPr lang="en-GB" sz="1600" dirty="0"/>
+              <a:t>is </a:t>
+            </a:r>
+            <a:r>
+              <a:rPr lang="en-GB" sz="1600" dirty="0" smtClean="0"/>
+              <a:t>possible </a:t>
+            </a:r>
+            <a:r>
+              <a:rPr lang="en-GB" sz="1600" dirty="0"/>
+              <a:t>to create your own class loader without understanding the finer details of the Java Virtual Machine. Every Java class loader has a parent class loader, defined when a new class loader is instantiated or set to the virtual machine's system default class </a:t>
+            </a:r>
+            <a:r>
+              <a:rPr lang="en-GB" sz="1600" dirty="0" smtClean="0"/>
+              <a:t>loader</a:t>
+            </a:r>
+          </a:p>
+          <a:p>
+            <a:r>
+              <a:rPr lang="en-GB" sz="1600" dirty="0" smtClean="0"/>
+              <a:t>To load or unload classes at runtime</a:t>
+            </a:r>
+          </a:p>
+          <a:p>
+            <a:r>
+              <a:rPr lang="en-GB" sz="1600" dirty="0"/>
+              <a:t>This is an important feature for</a:t>
+            </a:r>
+            <a:r>
+              <a:rPr lang="en-GB" sz="1600" dirty="0" smtClean="0"/>
+              <a:t>:</a:t>
+            </a:r>
+          </a:p>
+          <a:p>
+            <a:pPr lvl="1">
+              <a:buFont typeface="Wingdings" panose="05000000000000000000" pitchFamily="2" charset="2"/>
+              <a:buChar char="Ø"/>
+            </a:pPr>
+            <a:r>
+              <a:rPr lang="en-GB" sz="1400" dirty="0" smtClean="0"/>
+              <a:t>Implementing </a:t>
+            </a:r>
+            <a:r>
+              <a:rPr lang="en-GB" sz="1400" dirty="0"/>
+              <a:t>scripting languages, such as </a:t>
+            </a:r>
+            <a:r>
+              <a:rPr lang="en-GB" sz="1400" dirty="0">
+                <a:hlinkClick r:id="rId2" tooltip="Jython"/>
+              </a:rPr>
+              <a:t>Jython</a:t>
+            </a:r>
+            <a:endParaRPr lang="en-GB" sz="1400" dirty="0"/>
+          </a:p>
+          <a:p>
+            <a:pPr lvl="1">
+              <a:buFont typeface="Wingdings" panose="05000000000000000000" pitchFamily="2" charset="2"/>
+              <a:buChar char="Ø"/>
+            </a:pPr>
+            <a:r>
+              <a:rPr lang="en-GB" sz="1400" dirty="0" smtClean="0"/>
+              <a:t>Allowing </a:t>
+            </a:r>
+            <a:r>
+              <a:rPr lang="en-GB" sz="1400" dirty="0"/>
+              <a:t>multiple namespaces to communicate. This is one of the foundations of CORBA / RMI protocols for </a:t>
+            </a:r>
+            <a:r>
+              <a:rPr lang="en-GB" sz="1400" dirty="0" smtClean="0"/>
+              <a:t>example</a:t>
+            </a:r>
+          </a:p>
+          <a:p>
+            <a:pPr lvl="1">
+              <a:buFont typeface="Wingdings" panose="05000000000000000000" pitchFamily="2" charset="2"/>
+              <a:buChar char="Ø"/>
+            </a:pPr>
+            <a:r>
+              <a:rPr lang="en-GB" sz="1400" dirty="0" smtClean="0"/>
+              <a:t>To modify the loaded bytecode (load time weaving of aspects when using AOP)</a:t>
+            </a:r>
+            <a:endParaRPr lang="en-US" sz="1400" dirty="0" smtClean="0"/>
+          </a:p>
+          <a:p>
+            <a:pPr lvl="1">
+              <a:buFont typeface="Wingdings" panose="05000000000000000000" pitchFamily="2" charset="2"/>
+              <a:buChar char="Ø"/>
+            </a:pPr>
+            <a:r>
+              <a:rPr lang="en-US" sz="1400" dirty="0" smtClean="0"/>
+              <a:t>To change the way bytecode is loaded (i.e. use encrypted Java class bytecode) </a:t>
+            </a:r>
+            <a:endParaRPr lang="en-GB" sz="1400" dirty="0" smtClean="0"/>
+          </a:p>
+          <a:p>
+            <a:endParaRPr lang="en-GB" sz="1600" dirty="0" smtClean="0"/>
+          </a:p>
+          <a:p>
+            <a:endParaRPr lang="en-GB" sz="1600" b="1" dirty="0">
+              <a:solidFill>
+                <a:srgbClr val="00B050"/>
+              </a:solidFill>
+            </a:endParaRPr>
+          </a:p>
+          <a:p>
+            <a:pPr marL="274320" lvl="1" indent="0">
+              <a:buNone/>
+            </a:pPr>
+            <a:endParaRPr lang="en-GB" sz="1400" dirty="0"/>
+          </a:p>
+        </p:txBody>
+      </p:sp>
+    </p:spTree>
+    <p:extLst>
+      <p:ext uri="{BB962C8B-B14F-4D97-AF65-F5344CB8AC3E}">
+        <p14:creationId xmlns:p14="http://schemas.microsoft.com/office/powerpoint/2010/main" val="3994620198"/>
+      </p:ext>
+    </p:extLst>
+  </p:cSld>
+  <p:clrMapOvr>
+    <a:masterClrMapping/>
+  </p:clrMapOvr>
+  <p:timing>
+    <p:tnLst>
+      <p:par>
+        <p:cTn id="1" dur="indefinite" restart="never" nodeType="tmRoot"/>
+      </p:par>
+    </p:tnLst>
+  </p:timing>
+</p:sld>
+</file>
+
+<file path=ppt/slides/slide30.xml><?xml version="1.0" encoding="utf-8"?>
 <p:sld xmlns:a="http://schemas.openxmlformats.org/drawingml/2006/main" xmlns:r="http://schemas.openxmlformats.org/officeDocument/2006/relationships" xmlns:p="http://schemas.openxmlformats.org/presentationml/2006/main">
   <p:cSld>
     <p:bg>
@@ -12314,206 +12865,7 @@
 </p:sld>
 </file>
 
-<file path=ppt/slides/slide3.xml><?xml version="1.0" encoding="utf-8"?>
-<p:sld xmlns:a="http://schemas.openxmlformats.org/drawingml/2006/main" xmlns:r="http://schemas.openxmlformats.org/officeDocument/2006/relationships" xmlns:p="http://schemas.openxmlformats.org/presentationml/2006/main">
-  <p:cSld>
-    <p:bg>
-      <p:bgPr>
-        <a:noFill/>
-        <a:effectLst/>
-      </p:bgPr>
-    </p:bg>
-    <p:spTree>
-      <p:nvGrpSpPr>
-        <p:cNvPr id="1" name=""/>
-        <p:cNvGrpSpPr/>
-        <p:nvPr/>
-      </p:nvGrpSpPr>
-      <p:grpSpPr>
-        <a:xfrm>
-          <a:off x="0" y="0"/>
-          <a:ext cx="0" cy="0"/>
-          <a:chOff x="0" y="0"/>
-          <a:chExt cx="0" cy="0"/>
-        </a:xfrm>
-      </p:grpSpPr>
-      <p:sp>
-        <p:nvSpPr>
-          <p:cNvPr id="2" name="Title 1"/>
-          <p:cNvSpPr>
-            <a:spLocks noGrp="1"/>
-          </p:cNvSpPr>
-          <p:nvPr>
-            <p:ph type="title"/>
-          </p:nvPr>
-        </p:nvSpPr>
-        <p:spPr/>
-        <p:txBody>
-          <a:bodyPr/>
-          <a:lstStyle/>
-          <a:p>
-            <a:r>
-              <a:rPr lang="en-US" dirty="0" smtClean="0"/>
-              <a:t>Java – User Defined Class Loader</a:t>
-            </a:r>
-            <a:endParaRPr lang="en-US" dirty="0"/>
-          </a:p>
-        </p:txBody>
-      </p:sp>
-      <p:sp>
-        <p:nvSpPr>
-          <p:cNvPr id="3" name="Content Placeholder 2"/>
-          <p:cNvSpPr>
-            <a:spLocks noGrp="1"/>
-          </p:cNvSpPr>
-          <p:nvPr>
-            <p:ph idx="1"/>
-          </p:nvPr>
-        </p:nvSpPr>
-        <p:spPr/>
-        <p:txBody>
-          <a:bodyPr>
-            <a:normAutofit/>
-          </a:bodyPr>
-          <a:lstStyle/>
-          <a:p>
-            <a:r>
-              <a:rPr lang="en-GB" sz="1600" dirty="0" smtClean="0"/>
-              <a:t>It </a:t>
-            </a:r>
-            <a:r>
-              <a:rPr lang="en-GB" sz="1600" dirty="0"/>
-              <a:t>is </a:t>
-            </a:r>
-            <a:r>
-              <a:rPr lang="en-GB" sz="1600" dirty="0" smtClean="0"/>
-              <a:t>possible </a:t>
-            </a:r>
-            <a:r>
-              <a:rPr lang="en-GB" sz="1600" dirty="0"/>
-              <a:t>to create your own class loader without understanding the finer details of the Java Virtual Machine. Every Java class loader has a parent class loader, defined when a new class loader is instantiated or set to the virtual machine's system default class </a:t>
-            </a:r>
-            <a:r>
-              <a:rPr lang="en-GB" sz="1600" dirty="0" smtClean="0"/>
-              <a:t>loader</a:t>
-            </a:r>
-          </a:p>
-          <a:p>
-            <a:r>
-              <a:rPr lang="en-GB" sz="1600" dirty="0" smtClean="0"/>
-              <a:t>To load or unload classes at runtime</a:t>
-            </a:r>
-          </a:p>
-          <a:p>
-            <a:r>
-              <a:rPr lang="en-GB" sz="1600" dirty="0"/>
-              <a:t>This is an important feature for</a:t>
-            </a:r>
-            <a:r>
-              <a:rPr lang="en-GB" sz="1600" dirty="0" smtClean="0"/>
-              <a:t>:</a:t>
-            </a:r>
-          </a:p>
-          <a:p>
-            <a:pPr lvl="1">
-              <a:buFont typeface="Wingdings" panose="05000000000000000000" pitchFamily="2" charset="2"/>
-              <a:buChar char="Ø"/>
-            </a:pPr>
-            <a:r>
-              <a:rPr lang="en-GB" sz="1400" dirty="0" smtClean="0"/>
-              <a:t>Implementing </a:t>
-            </a:r>
-            <a:r>
-              <a:rPr lang="en-GB" sz="1400" dirty="0"/>
-              <a:t>scripting languages, such as </a:t>
-            </a:r>
-            <a:r>
-              <a:rPr lang="en-GB" sz="1400" dirty="0">
-                <a:hlinkClick r:id="rId2" tooltip="Jython"/>
-              </a:rPr>
-              <a:t>Jython</a:t>
-            </a:r>
-            <a:endParaRPr lang="en-GB" sz="1400" dirty="0"/>
-          </a:p>
-          <a:p>
-            <a:pPr lvl="1">
-              <a:buFont typeface="Wingdings" panose="05000000000000000000" pitchFamily="2" charset="2"/>
-              <a:buChar char="Ø"/>
-            </a:pPr>
-            <a:r>
-              <a:rPr lang="en-GB" sz="1400" dirty="0" smtClean="0"/>
-              <a:t>Allowing </a:t>
-            </a:r>
-            <a:r>
-              <a:rPr lang="en-GB" sz="1400" dirty="0"/>
-              <a:t>multiple namespaces to communicate. This is one of the foundations of CORBA / RMI protocols for </a:t>
-            </a:r>
-            <a:r>
-              <a:rPr lang="en-GB" sz="1400" dirty="0" smtClean="0"/>
-              <a:t>example</a:t>
-            </a:r>
-          </a:p>
-          <a:p>
-            <a:pPr lvl="1">
-              <a:buFont typeface="Wingdings" panose="05000000000000000000" pitchFamily="2" charset="2"/>
-              <a:buChar char="Ø"/>
-            </a:pPr>
-            <a:r>
-              <a:rPr lang="en-GB" sz="1400" dirty="0" smtClean="0"/>
-              <a:t>To modify the loaded bytecode (load time weaving of aspects when using AOP)</a:t>
-            </a:r>
-            <a:endParaRPr lang="en-US" sz="1400" dirty="0" smtClean="0"/>
-          </a:p>
-          <a:p>
-            <a:pPr lvl="1">
-              <a:buFont typeface="Wingdings" panose="05000000000000000000" pitchFamily="2" charset="2"/>
-              <a:buChar char="Ø"/>
-            </a:pPr>
-            <a:r>
-              <a:rPr lang="en-US" sz="1400" dirty="0" smtClean="0"/>
-              <a:t>To change the way bytecode is loaded (i.e. use encrypted Java class bytecode) </a:t>
-            </a:r>
-            <a:endParaRPr lang="en-GB" sz="1400" dirty="0" smtClean="0"/>
-          </a:p>
-          <a:p>
-            <a:endParaRPr lang="en-GB" sz="1600" dirty="0" smtClean="0"/>
-          </a:p>
-          <a:p>
-            <a:endParaRPr lang="en-GB" sz="1600" b="1" dirty="0">
-              <a:solidFill>
-                <a:srgbClr val="00B050"/>
-              </a:solidFill>
-            </a:endParaRPr>
-          </a:p>
-          <a:p>
-            <a:pPr marL="274320" lvl="1" indent="0">
-              <a:buNone/>
-            </a:pPr>
-            <a:endParaRPr lang="en-GB" sz="1400" dirty="0"/>
-          </a:p>
-        </p:txBody>
-      </p:sp>
-    </p:spTree>
-    <p:extLst>
-      <p:ext uri="{BB962C8B-B14F-4D97-AF65-F5344CB8AC3E}">
-        <p14:creationId xmlns:p14="http://schemas.microsoft.com/office/powerpoint/2010/main" val="3994620198"/>
-      </p:ext>
-    </p:extLst>
-  </p:cSld>
-  <p:clrMapOvr>
-    <a:masterClrMapping/>
-  </p:clrMapOvr>
-  <p:timing>
-    <p:tnLst>
-      <p:par>
-        <p:cTn id="1" dur="indefinite" restart="never" nodeType="tmRoot"/>
-      </p:par>
-    </p:tnLst>
-  </p:timing>
-</p:sld>
-</file>
-
-<file path=ppt/slides/slide30.xml><?xml version="1.0" encoding="utf-8"?>
+<file path=ppt/slides/slide31.xml><?xml version="1.0" encoding="utf-8"?>
 <p:sld xmlns:a="http://schemas.openxmlformats.org/drawingml/2006/main" xmlns:r="http://schemas.openxmlformats.org/officeDocument/2006/relationships" xmlns:p="http://schemas.openxmlformats.org/presentationml/2006/main">
   <p:cSld>
     <p:bg>
@@ -12782,7 +13134,7 @@
 </p:sld>
 </file>
 
-<file path=ppt/slides/slide31.xml><?xml version="1.0" encoding="utf-8"?>
+<file path=ppt/slides/slide32.xml><?xml version="1.0" encoding="utf-8"?>
 <p:sld xmlns:a="http://schemas.openxmlformats.org/drawingml/2006/main" xmlns:r="http://schemas.openxmlformats.org/officeDocument/2006/relationships" xmlns:p="http://schemas.openxmlformats.org/presentationml/2006/main">
   <p:cSld>
     <p:bg>
@@ -15480,7 +15832,7 @@
 </p:sld>
 </file>
 
-<file path=ppt/slides/slide32.xml><?xml version="1.0" encoding="utf-8"?>
+<file path=ppt/slides/slide33.xml><?xml version="1.0" encoding="utf-8"?>
 <p:sld xmlns:a="http://schemas.openxmlformats.org/drawingml/2006/main" xmlns:r="http://schemas.openxmlformats.org/officeDocument/2006/relationships" xmlns:p="http://schemas.openxmlformats.org/presentationml/2006/main">
   <p:cSld>
     <p:spTree>

--- a/CoreJava.pptx
+++ b/CoreJava.pptx
@@ -33,11 +33,12 @@
     <p:sldId id="327" r:id="rId27"/>
     <p:sldId id="328" r:id="rId28"/>
     <p:sldId id="329" r:id="rId29"/>
-    <p:sldId id="323" r:id="rId30"/>
-    <p:sldId id="320" r:id="rId31"/>
-    <p:sldId id="321" r:id="rId32"/>
-    <p:sldId id="322" r:id="rId33"/>
-    <p:sldId id="269" r:id="rId34"/>
+    <p:sldId id="330" r:id="rId30"/>
+    <p:sldId id="323" r:id="rId31"/>
+    <p:sldId id="320" r:id="rId32"/>
+    <p:sldId id="321" r:id="rId33"/>
+    <p:sldId id="322" r:id="rId34"/>
+    <p:sldId id="269" r:id="rId35"/>
   </p:sldIdLst>
   <p:sldSz cx="9144000" cy="6858000" type="screen4x3"/>
   <p:notesSz cx="6858000" cy="9144000"/>
@@ -11724,11 +11725,7 @@
           <a:p>
             <a:r>
               <a:rPr lang="en-GB" sz="1600" dirty="0" smtClean="0"/>
-              <a:t>How to tell the consumer that the producer is not sending any values</a:t>
-            </a:r>
-            <a:r>
-              <a:rPr lang="en-GB" sz="1600" dirty="0" smtClean="0"/>
-              <a:t>?</a:t>
+              <a:t>How to tell the consumer that the producer is not sending any values?</a:t>
             </a:r>
           </a:p>
           <a:p>
@@ -12081,7 +12078,6 @@
               <a:rPr lang="en-GB" sz="1400" dirty="0"/>
               <a:t>, null);</a:t>
             </a:r>
-            <a:endParaRPr lang="en-GB" sz="1400" dirty="0"/>
           </a:p>
         </p:txBody>
       </p:sp>
@@ -12147,7 +12143,11 @@
           <a:p>
             <a:r>
               <a:rPr lang="en-US" dirty="0" smtClean="0"/>
-              <a:t>Code Review – Main</a:t>
+              <a:t>Finally </a:t>
+            </a:r>
+            <a:r>
+              <a:rPr lang="en-US" smtClean="0"/>
+              <a:t>block execution</a:t>
             </a:r>
             <a:endParaRPr lang="en-US" dirty="0"/>
           </a:p>
@@ -12316,71 +12316,72 @@
           <a:lstStyle/>
           <a:p>
             <a:r>
-              <a:rPr lang="en-US" sz="1600" dirty="0" smtClean="0"/>
-              <a:t>Does code meet functional requirement</a:t>
-            </a:r>
-          </a:p>
-          <a:p>
-            <a:r>
-              <a:rPr lang="en-US" sz="1600" dirty="0" smtClean="0"/>
-              <a:t>Any side effect of this change</a:t>
-            </a:r>
-          </a:p>
-          <a:p>
-            <a:r>
-              <a:rPr lang="en-US" sz="1600" dirty="0" smtClean="0"/>
-              <a:t>Concurrency – Is thread safe?</a:t>
-            </a:r>
-          </a:p>
-          <a:p>
-            <a:r>
-              <a:rPr lang="en-US" sz="1600" dirty="0" smtClean="0"/>
-              <a:t>Readability and Maintenance </a:t>
-            </a:r>
-          </a:p>
-          <a:p>
-            <a:r>
-              <a:rPr lang="en-US" sz="1600" dirty="0" smtClean="0"/>
-              <a:t>Consistency</a:t>
-            </a:r>
-          </a:p>
-          <a:p>
-            <a:r>
-              <a:rPr lang="en-US" sz="1600" dirty="0" smtClean="0"/>
-              <a:t>Performance</a:t>
-            </a:r>
-          </a:p>
-          <a:p>
-            <a:r>
-              <a:rPr lang="en-US" sz="1600" dirty="0" smtClean="0"/>
-              <a:t>Exception Handling</a:t>
-            </a:r>
-          </a:p>
-          <a:p>
-            <a:r>
-              <a:rPr lang="en-US" sz="1600" dirty="0" smtClean="0"/>
-              <a:t>Simplicity</a:t>
-            </a:r>
-          </a:p>
-          <a:p>
-            <a:r>
-              <a:rPr lang="en-US" sz="1600" dirty="0" smtClean="0"/>
-              <a:t>Reuse of existing code</a:t>
-            </a:r>
-          </a:p>
-          <a:p>
-            <a:r>
-              <a:rPr lang="en-US" sz="1600" dirty="0" smtClean="0"/>
-              <a:t>Unit test </a:t>
-            </a:r>
-            <a:endParaRPr lang="en-US" sz="1600" dirty="0"/>
+              <a:rPr lang="en-GB" sz="1600" dirty="0" smtClean="0"/>
+              <a:t>Finally block will not be executed during the below scenarios:-</a:t>
+            </a:r>
+          </a:p>
+          <a:p>
+            <a:pPr lvl="1"/>
+            <a:r>
+              <a:rPr lang="en-GB" sz="1400" dirty="0" smtClean="0"/>
+              <a:t>When </a:t>
+            </a:r>
+            <a:r>
+              <a:rPr lang="en-GB" sz="1400" dirty="0" err="1" smtClean="0">
+                <a:solidFill>
+                  <a:srgbClr val="FF0000"/>
+                </a:solidFill>
+              </a:rPr>
+              <a:t>System.exit</a:t>
+            </a:r>
+            <a:r>
+              <a:rPr lang="en-GB" sz="1400" dirty="0" smtClean="0">
+                <a:solidFill>
+                  <a:srgbClr val="FF0000"/>
+                </a:solidFill>
+              </a:rPr>
+              <a:t>()</a:t>
+            </a:r>
+            <a:r>
+              <a:rPr lang="en-GB" sz="1400" dirty="0" smtClean="0"/>
+              <a:t> is invoked</a:t>
+            </a:r>
+          </a:p>
+          <a:p>
+            <a:pPr lvl="1"/>
+            <a:r>
+              <a:rPr lang="en-GB" sz="1400" dirty="0" smtClean="0"/>
+              <a:t>JVM crash</a:t>
+            </a:r>
+          </a:p>
+          <a:p>
+            <a:pPr lvl="1"/>
+            <a:r>
+              <a:rPr lang="en-GB" sz="1400" dirty="0" smtClean="0"/>
+              <a:t>Infinite loop in try block</a:t>
+            </a:r>
+          </a:p>
+          <a:p>
+            <a:pPr lvl="1"/>
+            <a:r>
+              <a:rPr lang="en-GB" sz="1400" dirty="0" smtClean="0"/>
+              <a:t>OS forcibly terminates the JVM using kill command</a:t>
+            </a:r>
+          </a:p>
+          <a:p>
+            <a:pPr lvl="1"/>
+            <a:r>
+              <a:rPr lang="en-GB" sz="1400" dirty="0" smtClean="0"/>
+              <a:t>Host system dies</a:t>
+            </a:r>
+            <a:endParaRPr lang="en-GB" sz="1400" dirty="0"/>
           </a:p>
         </p:txBody>
       </p:sp>
     </p:spTree>
     <p:extLst>
       <p:ext uri="{BB962C8B-B14F-4D97-AF65-F5344CB8AC3E}">
-        <p14:creationId xmlns:p14="http://schemas.microsoft.com/office/powerpoint/2010/main" val="3874676822"/>
+        <p14:creationId xmlns:p14="http://schemas.microsoft.com/office/powerpoint/2010/main" val="2907780066"/>
       </p:ext>
     </p:extLst>
   </p:cSld>
@@ -12597,6 +12598,298 @@
 </file>
 
 <file path=ppt/slides/slide30.xml><?xml version="1.0" encoding="utf-8"?>
+<p:sld xmlns:a="http://schemas.openxmlformats.org/drawingml/2006/main" xmlns:r="http://schemas.openxmlformats.org/officeDocument/2006/relationships" xmlns:p="http://schemas.openxmlformats.org/presentationml/2006/main">
+  <p:cSld>
+    <p:bg>
+      <p:bgPr>
+        <a:noFill/>
+        <a:effectLst/>
+      </p:bgPr>
+    </p:bg>
+    <p:spTree>
+      <p:nvGrpSpPr>
+        <p:cNvPr id="1" name=""/>
+        <p:cNvGrpSpPr/>
+        <p:nvPr/>
+      </p:nvGrpSpPr>
+      <p:grpSpPr>
+        <a:xfrm>
+          <a:off x="0" y="0"/>
+          <a:ext cx="0" cy="0"/>
+          <a:chOff x="0" y="0"/>
+          <a:chExt cx="0" cy="0"/>
+        </a:xfrm>
+      </p:grpSpPr>
+      <p:sp>
+        <p:nvSpPr>
+          <p:cNvPr id="2" name="Title 1"/>
+          <p:cNvSpPr>
+            <a:spLocks noGrp="1"/>
+          </p:cNvSpPr>
+          <p:nvPr>
+            <p:ph type="title"/>
+          </p:nvPr>
+        </p:nvSpPr>
+        <p:spPr/>
+        <p:txBody>
+          <a:bodyPr>
+            <a:normAutofit/>
+          </a:bodyPr>
+          <a:lstStyle/>
+          <a:p>
+            <a:r>
+              <a:rPr lang="en-US" dirty="0" smtClean="0"/>
+              <a:t>Code Review – Main</a:t>
+            </a:r>
+            <a:endParaRPr lang="en-US" dirty="0"/>
+          </a:p>
+        </p:txBody>
+      </p:sp>
+      <p:sp>
+        <p:nvSpPr>
+          <p:cNvPr id="5" name="Rectangle 1"/>
+          <p:cNvSpPr>
+            <a:spLocks noChangeArrowheads="1"/>
+          </p:cNvSpPr>
+          <p:nvPr/>
+        </p:nvSpPr>
+        <p:spPr bwMode="auto">
+          <a:xfrm>
+            <a:off x="457200" y="2530475"/>
+            <a:ext cx="9144000" cy="0"/>
+          </a:xfrm>
+          <a:prstGeom prst="rect">
+            <a:avLst/>
+          </a:prstGeom>
+          <a:noFill/>
+          <a:ln>
+            <a:noFill/>
+          </a:ln>
+          <a:effectLst/>
+          <a:extLst>
+            <a:ext uri="{909E8E84-426E-40DD-AFC4-6F175D3DCCD1}">
+              <a14:hiddenFill xmlns:a14="http://schemas.microsoft.com/office/drawing/2010/main">
+                <a:solidFill>
+                  <a:schemeClr val="accent1"/>
+                </a:solidFill>
+              </a14:hiddenFill>
+            </a:ext>
+            <a:ext uri="{91240B29-F687-4F45-9708-019B960494DF}">
+              <a14:hiddenLine xmlns:a14="http://schemas.microsoft.com/office/drawing/2010/main" w="9525">
+                <a:solidFill>
+                  <a:schemeClr val="tx1"/>
+                </a:solidFill>
+                <a:miter lim="800000"/>
+                <a:headEnd/>
+                <a:tailEnd/>
+              </a14:hiddenLine>
+            </a:ext>
+            <a:ext uri="{AF507438-7753-43E0-B8FC-AC1667EBCBE1}">
+              <a14:hiddenEffects xmlns:a14="http://schemas.microsoft.com/office/drawing/2010/main">
+                <a:effectLst>
+                  <a:outerShdw dist="35921" dir="2700000" algn="ctr" rotWithShape="0">
+                    <a:schemeClr val="bg2"/>
+                  </a:outerShdw>
+                </a:effectLst>
+              </a14:hiddenEffects>
+            </a:ext>
+          </a:extLst>
+        </p:spPr>
+        <p:txBody>
+          <a:bodyPr vert="horz" wrap="none" lIns="91440" tIns="45720" rIns="91440" bIns="45720" numCol="1" anchor="ctr" anchorCtr="0" compatLnSpc="1">
+            <a:prstTxWarp prst="textNoShape">
+              <a:avLst/>
+            </a:prstTxWarp>
+            <a:spAutoFit/>
+          </a:bodyPr>
+          <a:lstStyle/>
+          <a:p>
+            <a:pPr marL="0" marR="0" lvl="0" indent="0" algn="l" defTabSz="914400" rtl="0" eaLnBrk="1" fontAlgn="base" latinLnBrk="0" hangingPunct="1">
+              <a:lnSpc>
+                <a:spcPct val="100000"/>
+              </a:lnSpc>
+              <a:spcBef>
+                <a:spcPct val="0"/>
+              </a:spcBef>
+              <a:spcAft>
+                <a:spcPct val="0"/>
+              </a:spcAft>
+              <a:buClrTx/>
+              <a:buSzTx/>
+              <a:buFontTx/>
+              <a:buNone/>
+              <a:tabLst/>
+            </a:pPr>
+            <a:endParaRPr kumimoji="0" lang="en-US" altLang="en-US" sz="1800" b="0" i="0" u="none" strike="noStrike" cap="none" normalizeH="0" baseline="0" smtClean="0">
+              <a:ln>
+                <a:noFill/>
+              </a:ln>
+              <a:solidFill>
+                <a:schemeClr val="tx1"/>
+              </a:solidFill>
+              <a:effectLst/>
+              <a:latin typeface="Arial" pitchFamily="34" charset="0"/>
+              <a:cs typeface="Arial" pitchFamily="34" charset="0"/>
+            </a:endParaRPr>
+          </a:p>
+          <a:p>
+            <a:pPr marL="0" marR="0" lvl="0" indent="0" algn="l" defTabSz="914400" rtl="0" eaLnBrk="0" fontAlgn="base" latinLnBrk="0" hangingPunct="0">
+              <a:lnSpc>
+                <a:spcPct val="100000"/>
+              </a:lnSpc>
+              <a:spcBef>
+                <a:spcPct val="0"/>
+              </a:spcBef>
+              <a:spcAft>
+                <a:spcPct val="0"/>
+              </a:spcAft>
+              <a:buClrTx/>
+              <a:buSzTx/>
+              <a:buFontTx/>
+              <a:buNone/>
+              <a:tabLst/>
+            </a:pPr>
+            <a:r>
+              <a:rPr kumimoji="0" lang="en-US" altLang="en-US" sz="1800" b="0" i="0" u="none" strike="noStrike" cap="none" normalizeH="0" baseline="0" smtClean="0">
+                <a:ln>
+                  <a:noFill/>
+                </a:ln>
+                <a:solidFill>
+                  <a:schemeClr val="tx1"/>
+                </a:solidFill>
+                <a:effectLst/>
+                <a:latin typeface="Arial" pitchFamily="34" charset="0"/>
+                <a:cs typeface="Arial" pitchFamily="34" charset="0"/>
+              </a:rPr>
+              <a:t/>
+            </a:r>
+            <a:br>
+              <a:rPr kumimoji="0" lang="en-US" altLang="en-US" sz="1800" b="0" i="0" u="none" strike="noStrike" cap="none" normalizeH="0" baseline="0" smtClean="0">
+                <a:ln>
+                  <a:noFill/>
+                </a:ln>
+                <a:solidFill>
+                  <a:schemeClr val="tx1"/>
+                </a:solidFill>
+                <a:effectLst/>
+                <a:latin typeface="Arial" pitchFamily="34" charset="0"/>
+                <a:cs typeface="Arial" pitchFamily="34" charset="0"/>
+              </a:rPr>
+            </a:br>
+            <a:endParaRPr kumimoji="0" lang="en-US" altLang="en-US" sz="1800" b="0" i="0" u="none" strike="noStrike" cap="none" normalizeH="0" baseline="0" smtClean="0">
+              <a:ln>
+                <a:noFill/>
+              </a:ln>
+              <a:solidFill>
+                <a:schemeClr val="tx1"/>
+              </a:solidFill>
+              <a:effectLst/>
+              <a:latin typeface="Arial" pitchFamily="34" charset="0"/>
+              <a:cs typeface="Arial" pitchFamily="34" charset="0"/>
+            </a:endParaRPr>
+          </a:p>
+        </p:txBody>
+      </p:sp>
+      <p:sp>
+        <p:nvSpPr>
+          <p:cNvPr id="3" name="Content Placeholder 2"/>
+          <p:cNvSpPr>
+            <a:spLocks noGrp="1"/>
+          </p:cNvSpPr>
+          <p:nvPr>
+            <p:ph idx="1"/>
+          </p:nvPr>
+        </p:nvSpPr>
+        <p:spPr/>
+        <p:txBody>
+          <a:bodyPr>
+            <a:normAutofit/>
+          </a:bodyPr>
+          <a:lstStyle/>
+          <a:p>
+            <a:r>
+              <a:rPr lang="en-US" sz="1600" dirty="0" smtClean="0"/>
+              <a:t>Does code meet functional requirement</a:t>
+            </a:r>
+          </a:p>
+          <a:p>
+            <a:r>
+              <a:rPr lang="en-US" sz="1600" dirty="0" smtClean="0"/>
+              <a:t>Any side effect of this change</a:t>
+            </a:r>
+          </a:p>
+          <a:p>
+            <a:r>
+              <a:rPr lang="en-US" sz="1600" dirty="0" smtClean="0"/>
+              <a:t>Concurrency – Is thread safe?</a:t>
+            </a:r>
+          </a:p>
+          <a:p>
+            <a:r>
+              <a:rPr lang="en-US" sz="1600" dirty="0" smtClean="0"/>
+              <a:t>Readability and Maintenance </a:t>
+            </a:r>
+          </a:p>
+          <a:p>
+            <a:r>
+              <a:rPr lang="en-US" sz="1600" dirty="0" smtClean="0"/>
+              <a:t>Consistency</a:t>
+            </a:r>
+          </a:p>
+          <a:p>
+            <a:r>
+              <a:rPr lang="en-US" sz="1600" dirty="0" smtClean="0"/>
+              <a:t>Performance</a:t>
+            </a:r>
+          </a:p>
+          <a:p>
+            <a:r>
+              <a:rPr lang="en-US" sz="1600" dirty="0" smtClean="0"/>
+              <a:t>Exception Handling</a:t>
+            </a:r>
+          </a:p>
+          <a:p>
+            <a:r>
+              <a:rPr lang="en-US" sz="1600" dirty="0" smtClean="0"/>
+              <a:t>Simplicity</a:t>
+            </a:r>
+          </a:p>
+          <a:p>
+            <a:r>
+              <a:rPr lang="en-US" sz="1600" dirty="0" smtClean="0"/>
+              <a:t>Reuse of existing code</a:t>
+            </a:r>
+          </a:p>
+          <a:p>
+            <a:r>
+              <a:rPr lang="en-US" sz="1600" dirty="0" smtClean="0"/>
+              <a:t>Unit test </a:t>
+            </a:r>
+            <a:endParaRPr lang="en-US" sz="1600" dirty="0"/>
+          </a:p>
+        </p:txBody>
+      </p:sp>
+    </p:spTree>
+    <p:extLst>
+      <p:ext uri="{BB962C8B-B14F-4D97-AF65-F5344CB8AC3E}">
+        <p14:creationId xmlns:p14="http://schemas.microsoft.com/office/powerpoint/2010/main" val="3874676822"/>
+      </p:ext>
+    </p:extLst>
+  </p:cSld>
+  <p:clrMapOvr>
+    <a:masterClrMapping/>
+  </p:clrMapOvr>
+  <p:timing>
+    <p:tnLst>
+      <p:par>
+        <p:cTn id="1" dur="indefinite" restart="never" nodeType="tmRoot"/>
+      </p:par>
+    </p:tnLst>
+  </p:timing>
+</p:sld>
+</file>
+
+<file path=ppt/slides/slide31.xml><?xml version="1.0" encoding="utf-8"?>
 <p:sld xmlns:a="http://schemas.openxmlformats.org/drawingml/2006/main" xmlns:r="http://schemas.openxmlformats.org/officeDocument/2006/relationships" xmlns:p="http://schemas.openxmlformats.org/presentationml/2006/main">
   <p:cSld>
     <p:bg>
@@ -12865,7 +13158,7 @@
 </p:sld>
 </file>
 
-<file path=ppt/slides/slide31.xml><?xml version="1.0" encoding="utf-8"?>
+<file path=ppt/slides/slide32.xml><?xml version="1.0" encoding="utf-8"?>
 <p:sld xmlns:a="http://schemas.openxmlformats.org/drawingml/2006/main" xmlns:r="http://schemas.openxmlformats.org/officeDocument/2006/relationships" xmlns:p="http://schemas.openxmlformats.org/presentationml/2006/main">
   <p:cSld>
     <p:bg>
@@ -13134,7 +13427,7 @@
 </p:sld>
 </file>
 
-<file path=ppt/slides/slide32.xml><?xml version="1.0" encoding="utf-8"?>
+<file path=ppt/slides/slide33.xml><?xml version="1.0" encoding="utf-8"?>
 <p:sld xmlns:a="http://schemas.openxmlformats.org/drawingml/2006/main" xmlns:r="http://schemas.openxmlformats.org/officeDocument/2006/relationships" xmlns:p="http://schemas.openxmlformats.org/presentationml/2006/main">
   <p:cSld>
     <p:bg>
@@ -15832,7 +16125,7 @@
 </p:sld>
 </file>
 
-<file path=ppt/slides/slide33.xml><?xml version="1.0" encoding="utf-8"?>
+<file path=ppt/slides/slide34.xml><?xml version="1.0" encoding="utf-8"?>
 <p:sld xmlns:a="http://schemas.openxmlformats.org/drawingml/2006/main" xmlns:r="http://schemas.openxmlformats.org/officeDocument/2006/relationships" xmlns:p="http://schemas.openxmlformats.org/presentationml/2006/main">
   <p:cSld>
     <p:spTree>

--- a/CoreJava.pptx
+++ b/CoreJava.pptx
@@ -34,11 +34,13 @@
     <p:sldId id="328" r:id="rId28"/>
     <p:sldId id="329" r:id="rId29"/>
     <p:sldId id="330" r:id="rId30"/>
-    <p:sldId id="323" r:id="rId31"/>
-    <p:sldId id="320" r:id="rId32"/>
-    <p:sldId id="321" r:id="rId33"/>
-    <p:sldId id="322" r:id="rId34"/>
-    <p:sldId id="269" r:id="rId35"/>
+    <p:sldId id="331" r:id="rId31"/>
+    <p:sldId id="332" r:id="rId32"/>
+    <p:sldId id="323" r:id="rId33"/>
+    <p:sldId id="320" r:id="rId34"/>
+    <p:sldId id="321" r:id="rId35"/>
+    <p:sldId id="322" r:id="rId36"/>
+    <p:sldId id="269" r:id="rId37"/>
   </p:sldIdLst>
   <p:sldSz cx="9144000" cy="6858000" type="screen4x3"/>
   <p:notesSz cx="6858000" cy="9144000"/>
@@ -328,7 +330,7 @@
           <a:p>
             <a:fld id="{8F235549-BF0A-4B98-8561-3786244E808C}" type="datetimeFigureOut">
               <a:rPr lang="en-US" smtClean="0"/>
-              <a:t>3/4/2018</a:t>
+              <a:t>3/7/2018</a:t>
             </a:fld>
             <a:endParaRPr lang="en-US"/>
           </a:p>
@@ -528,7 +530,7 @@
           <a:p>
             <a:fld id="{8F235549-BF0A-4B98-8561-3786244E808C}" type="datetimeFigureOut">
               <a:rPr lang="en-US" smtClean="0"/>
-              <a:t>3/4/2018</a:t>
+              <a:t>3/7/2018</a:t>
             </a:fld>
             <a:endParaRPr lang="en-US"/>
           </a:p>
@@ -703,7 +705,7 @@
           <a:p>
             <a:fld id="{8F235549-BF0A-4B98-8561-3786244E808C}" type="datetimeFigureOut">
               <a:rPr lang="en-US" smtClean="0"/>
-              <a:t>3/4/2018</a:t>
+              <a:t>3/7/2018</a:t>
             </a:fld>
             <a:endParaRPr lang="en-US"/>
           </a:p>
@@ -868,7 +870,7 @@
           <a:p>
             <a:fld id="{8F235549-BF0A-4B98-8561-3786244E808C}" type="datetimeFigureOut">
               <a:rPr lang="en-US" smtClean="0"/>
-              <a:t>3/4/2018</a:t>
+              <a:t>3/7/2018</a:t>
             </a:fld>
             <a:endParaRPr lang="en-US"/>
           </a:p>
@@ -1116,7 +1118,7 @@
           <a:p>
             <a:fld id="{8F235549-BF0A-4B98-8561-3786244E808C}" type="datetimeFigureOut">
               <a:rPr lang="en-US" smtClean="0"/>
-              <a:t>3/4/2018</a:t>
+              <a:t>3/7/2018</a:t>
             </a:fld>
             <a:endParaRPr lang="en-US"/>
           </a:p>
@@ -1434,7 +1436,7 @@
           <a:p>
             <a:fld id="{8F235549-BF0A-4B98-8561-3786244E808C}" type="datetimeFigureOut">
               <a:rPr lang="en-US" smtClean="0"/>
-              <a:t>3/4/2018</a:t>
+              <a:t>3/7/2018</a:t>
             </a:fld>
             <a:endParaRPr lang="en-US"/>
           </a:p>
@@ -1900,7 +1902,7 @@
           <a:p>
             <a:fld id="{8F235549-BF0A-4B98-8561-3786244E808C}" type="datetimeFigureOut">
               <a:rPr lang="en-US" smtClean="0"/>
-              <a:t>3/4/2018</a:t>
+              <a:t>3/7/2018</a:t>
             </a:fld>
             <a:endParaRPr lang="en-US"/>
           </a:p>
@@ -2048,7 +2050,7 @@
           <a:p>
             <a:fld id="{8F235549-BF0A-4B98-8561-3786244E808C}" type="datetimeFigureOut">
               <a:rPr lang="en-US" smtClean="0"/>
-              <a:t>3/4/2018</a:t>
+              <a:t>3/7/2018</a:t>
             </a:fld>
             <a:endParaRPr lang="en-US"/>
           </a:p>
@@ -2138,7 +2140,7 @@
           <a:p>
             <a:fld id="{8F235549-BF0A-4B98-8561-3786244E808C}" type="datetimeFigureOut">
               <a:rPr lang="en-US" smtClean="0"/>
-              <a:t>3/4/2018</a:t>
+              <a:t>3/7/2018</a:t>
             </a:fld>
             <a:endParaRPr lang="en-US"/>
           </a:p>
@@ -2412,7 +2414,7 @@
           <a:p>
             <a:fld id="{8F235549-BF0A-4B98-8561-3786244E808C}" type="datetimeFigureOut">
               <a:rPr lang="en-US" smtClean="0"/>
-              <a:t>3/4/2018</a:t>
+              <a:t>3/7/2018</a:t>
             </a:fld>
             <a:endParaRPr lang="en-US"/>
           </a:p>
@@ -2717,7 +2719,7 @@
           <a:p>
             <a:fld id="{8F235549-BF0A-4B98-8561-3786244E808C}" type="datetimeFigureOut">
               <a:rPr lang="en-US" smtClean="0"/>
-              <a:t>3/4/2018</a:t>
+              <a:t>3/7/2018</a:t>
             </a:fld>
             <a:endParaRPr lang="en-US"/>
           </a:p>
@@ -3015,7 +3017,7 @@
           <a:p>
             <a:fld id="{8F235549-BF0A-4B98-8561-3786244E808C}" type="datetimeFigureOut">
               <a:rPr lang="en-US" smtClean="0"/>
-              <a:t>3/4/2018</a:t>
+              <a:t>3/7/2018</a:t>
             </a:fld>
             <a:endParaRPr lang="en-US"/>
           </a:p>
@@ -12639,7 +12641,7 @@
           <a:p>
             <a:r>
               <a:rPr lang="en-US" dirty="0" smtClean="0"/>
-              <a:t>Code Review – Main</a:t>
+              <a:t>Memory Leaks</a:t>
             </a:r>
             <a:endParaRPr lang="en-US" dirty="0"/>
           </a:p>
@@ -12808,6 +12810,511 @@
           <a:lstStyle/>
           <a:p>
             <a:r>
+              <a:rPr lang="en-GB" sz="1600" dirty="0" smtClean="0"/>
+              <a:t>Can be created when the database or byte stream connections are not closed properly</a:t>
+            </a:r>
+            <a:endParaRPr lang="en-GB" sz="1400" dirty="0"/>
+          </a:p>
+        </p:txBody>
+      </p:sp>
+    </p:spTree>
+    <p:extLst>
+      <p:ext uri="{BB962C8B-B14F-4D97-AF65-F5344CB8AC3E}">
+        <p14:creationId xmlns:p14="http://schemas.microsoft.com/office/powerpoint/2010/main" val="3403891534"/>
+      </p:ext>
+    </p:extLst>
+  </p:cSld>
+  <p:clrMapOvr>
+    <a:masterClrMapping/>
+  </p:clrMapOvr>
+  <p:timing>
+    <p:tnLst>
+      <p:par>
+        <p:cTn id="1" dur="indefinite" restart="never" nodeType="tmRoot"/>
+      </p:par>
+    </p:tnLst>
+  </p:timing>
+</p:sld>
+</file>
+
+<file path=ppt/slides/slide31.xml><?xml version="1.0" encoding="utf-8"?>
+<p:sld xmlns:a="http://schemas.openxmlformats.org/drawingml/2006/main" xmlns:r="http://schemas.openxmlformats.org/officeDocument/2006/relationships" xmlns:p="http://schemas.openxmlformats.org/presentationml/2006/main">
+  <p:cSld>
+    <p:bg>
+      <p:bgPr>
+        <a:noFill/>
+        <a:effectLst/>
+      </p:bgPr>
+    </p:bg>
+    <p:spTree>
+      <p:nvGrpSpPr>
+        <p:cNvPr id="1" name=""/>
+        <p:cNvGrpSpPr/>
+        <p:nvPr/>
+      </p:nvGrpSpPr>
+      <p:grpSpPr>
+        <a:xfrm>
+          <a:off x="0" y="0"/>
+          <a:ext cx="0" cy="0"/>
+          <a:chOff x="0" y="0"/>
+          <a:chExt cx="0" cy="0"/>
+        </a:xfrm>
+      </p:grpSpPr>
+      <p:sp>
+        <p:nvSpPr>
+          <p:cNvPr id="2" name="Title 1"/>
+          <p:cNvSpPr>
+            <a:spLocks noGrp="1"/>
+          </p:cNvSpPr>
+          <p:nvPr>
+            <p:ph type="title"/>
+          </p:nvPr>
+        </p:nvSpPr>
+        <p:spPr/>
+        <p:txBody>
+          <a:bodyPr>
+            <a:normAutofit/>
+          </a:bodyPr>
+          <a:lstStyle/>
+          <a:p>
+            <a:r>
+              <a:rPr lang="en-US" dirty="0" smtClean="0"/>
+              <a:t>HashMap Vs TreeMap</a:t>
+            </a:r>
+            <a:endParaRPr lang="en-US" dirty="0"/>
+          </a:p>
+        </p:txBody>
+      </p:sp>
+      <p:sp>
+        <p:nvSpPr>
+          <p:cNvPr id="5" name="Rectangle 1"/>
+          <p:cNvSpPr>
+            <a:spLocks noChangeArrowheads="1"/>
+          </p:cNvSpPr>
+          <p:nvPr/>
+        </p:nvSpPr>
+        <p:spPr bwMode="auto">
+          <a:xfrm>
+            <a:off x="457200" y="2530475"/>
+            <a:ext cx="9144000" cy="0"/>
+          </a:xfrm>
+          <a:prstGeom prst="rect">
+            <a:avLst/>
+          </a:prstGeom>
+          <a:noFill/>
+          <a:ln>
+            <a:noFill/>
+          </a:ln>
+          <a:effectLst/>
+          <a:extLst>
+            <a:ext uri="{909E8E84-426E-40DD-AFC4-6F175D3DCCD1}">
+              <a14:hiddenFill xmlns:a14="http://schemas.microsoft.com/office/drawing/2010/main">
+                <a:solidFill>
+                  <a:schemeClr val="accent1"/>
+                </a:solidFill>
+              </a14:hiddenFill>
+            </a:ext>
+            <a:ext uri="{91240B29-F687-4F45-9708-019B960494DF}">
+              <a14:hiddenLine xmlns:a14="http://schemas.microsoft.com/office/drawing/2010/main" w="9525">
+                <a:solidFill>
+                  <a:schemeClr val="tx1"/>
+                </a:solidFill>
+                <a:miter lim="800000"/>
+                <a:headEnd/>
+                <a:tailEnd/>
+              </a14:hiddenLine>
+            </a:ext>
+            <a:ext uri="{AF507438-7753-43E0-B8FC-AC1667EBCBE1}">
+              <a14:hiddenEffects xmlns:a14="http://schemas.microsoft.com/office/drawing/2010/main">
+                <a:effectLst>
+                  <a:outerShdw dist="35921" dir="2700000" algn="ctr" rotWithShape="0">
+                    <a:schemeClr val="bg2"/>
+                  </a:outerShdw>
+                </a:effectLst>
+              </a14:hiddenEffects>
+            </a:ext>
+          </a:extLst>
+        </p:spPr>
+        <p:txBody>
+          <a:bodyPr vert="horz" wrap="none" lIns="91440" tIns="45720" rIns="91440" bIns="45720" numCol="1" anchor="ctr" anchorCtr="0" compatLnSpc="1">
+            <a:prstTxWarp prst="textNoShape">
+              <a:avLst/>
+            </a:prstTxWarp>
+            <a:spAutoFit/>
+          </a:bodyPr>
+          <a:lstStyle/>
+          <a:p>
+            <a:pPr marL="0" marR="0" lvl="0" indent="0" algn="l" defTabSz="914400" rtl="0" eaLnBrk="1" fontAlgn="base" latinLnBrk="0" hangingPunct="1">
+              <a:lnSpc>
+                <a:spcPct val="100000"/>
+              </a:lnSpc>
+              <a:spcBef>
+                <a:spcPct val="0"/>
+              </a:spcBef>
+              <a:spcAft>
+                <a:spcPct val="0"/>
+              </a:spcAft>
+              <a:buClrTx/>
+              <a:buSzTx/>
+              <a:buFontTx/>
+              <a:buNone/>
+              <a:tabLst/>
+            </a:pPr>
+            <a:endParaRPr kumimoji="0" lang="en-US" altLang="en-US" sz="1800" b="0" i="0" u="none" strike="noStrike" cap="none" normalizeH="0" baseline="0" smtClean="0">
+              <a:ln>
+                <a:noFill/>
+              </a:ln>
+              <a:solidFill>
+                <a:schemeClr val="tx1"/>
+              </a:solidFill>
+              <a:effectLst/>
+              <a:latin typeface="Arial" pitchFamily="34" charset="0"/>
+              <a:cs typeface="Arial" pitchFamily="34" charset="0"/>
+            </a:endParaRPr>
+          </a:p>
+          <a:p>
+            <a:pPr marL="0" marR="0" lvl="0" indent="0" algn="l" defTabSz="914400" rtl="0" eaLnBrk="0" fontAlgn="base" latinLnBrk="0" hangingPunct="0">
+              <a:lnSpc>
+                <a:spcPct val="100000"/>
+              </a:lnSpc>
+              <a:spcBef>
+                <a:spcPct val="0"/>
+              </a:spcBef>
+              <a:spcAft>
+                <a:spcPct val="0"/>
+              </a:spcAft>
+              <a:buClrTx/>
+              <a:buSzTx/>
+              <a:buFontTx/>
+              <a:buNone/>
+              <a:tabLst/>
+            </a:pPr>
+            <a:r>
+              <a:rPr kumimoji="0" lang="en-US" altLang="en-US" sz="1800" b="0" i="0" u="none" strike="noStrike" cap="none" normalizeH="0" baseline="0" smtClean="0">
+                <a:ln>
+                  <a:noFill/>
+                </a:ln>
+                <a:solidFill>
+                  <a:schemeClr val="tx1"/>
+                </a:solidFill>
+                <a:effectLst/>
+                <a:latin typeface="Arial" pitchFamily="34" charset="0"/>
+                <a:cs typeface="Arial" pitchFamily="34" charset="0"/>
+              </a:rPr>
+              <a:t/>
+            </a:r>
+            <a:br>
+              <a:rPr kumimoji="0" lang="en-US" altLang="en-US" sz="1800" b="0" i="0" u="none" strike="noStrike" cap="none" normalizeH="0" baseline="0" smtClean="0">
+                <a:ln>
+                  <a:noFill/>
+                </a:ln>
+                <a:solidFill>
+                  <a:schemeClr val="tx1"/>
+                </a:solidFill>
+                <a:effectLst/>
+                <a:latin typeface="Arial" pitchFamily="34" charset="0"/>
+                <a:cs typeface="Arial" pitchFamily="34" charset="0"/>
+              </a:rPr>
+            </a:br>
+            <a:endParaRPr kumimoji="0" lang="en-US" altLang="en-US" sz="1800" b="0" i="0" u="none" strike="noStrike" cap="none" normalizeH="0" baseline="0" smtClean="0">
+              <a:ln>
+                <a:noFill/>
+              </a:ln>
+              <a:solidFill>
+                <a:schemeClr val="tx1"/>
+              </a:solidFill>
+              <a:effectLst/>
+              <a:latin typeface="Arial" pitchFamily="34" charset="0"/>
+              <a:cs typeface="Arial" pitchFamily="34" charset="0"/>
+            </a:endParaRPr>
+          </a:p>
+        </p:txBody>
+      </p:sp>
+      <p:pic>
+        <p:nvPicPr>
+          <p:cNvPr id="1026" name="Picture 2"/>
+          <p:cNvPicPr>
+            <a:picLocks noChangeAspect="1" noChangeArrowheads="1"/>
+          </p:cNvPicPr>
+          <p:nvPr/>
+        </p:nvPicPr>
+        <p:blipFill>
+          <a:blip r:embed="rId2">
+            <a:extLst>
+              <a:ext uri="{28A0092B-C50C-407E-A947-70E740481C1C}">
+                <a14:useLocalDpi xmlns:a14="http://schemas.microsoft.com/office/drawing/2010/main" val="0"/>
+              </a:ext>
+            </a:extLst>
+          </a:blip>
+          <a:srcRect/>
+          <a:stretch>
+            <a:fillRect/>
+          </a:stretch>
+        </p:blipFill>
+        <p:spPr bwMode="auto">
+          <a:xfrm>
+            <a:off x="611560" y="1556792"/>
+            <a:ext cx="7572375" cy="5067300"/>
+          </a:xfrm>
+          <a:prstGeom prst="rect">
+            <a:avLst/>
+          </a:prstGeom>
+          <a:noFill/>
+          <a:ln>
+            <a:noFill/>
+          </a:ln>
+          <a:extLst>
+            <a:ext uri="{909E8E84-426E-40DD-AFC4-6F175D3DCCD1}">
+              <a14:hiddenFill xmlns:a14="http://schemas.microsoft.com/office/drawing/2010/main">
+                <a:solidFill>
+                  <a:schemeClr val="accent1"/>
+                </a:solidFill>
+              </a14:hiddenFill>
+            </a:ext>
+            <a:ext uri="{91240B29-F687-4F45-9708-019B960494DF}">
+              <a14:hiddenLine xmlns:a14="http://schemas.microsoft.com/office/drawing/2010/main" w="9525">
+                <a:solidFill>
+                  <a:schemeClr val="tx1"/>
+                </a:solidFill>
+                <a:miter lim="800000"/>
+                <a:headEnd/>
+                <a:tailEnd/>
+              </a14:hiddenLine>
+            </a:ext>
+          </a:extLst>
+        </p:spPr>
+      </p:pic>
+    </p:spTree>
+    <p:extLst>
+      <p:ext uri="{BB962C8B-B14F-4D97-AF65-F5344CB8AC3E}">
+        <p14:creationId xmlns:p14="http://schemas.microsoft.com/office/powerpoint/2010/main" val="2491418302"/>
+      </p:ext>
+    </p:extLst>
+  </p:cSld>
+  <p:clrMapOvr>
+    <a:masterClrMapping/>
+  </p:clrMapOvr>
+  <p:timing>
+    <p:tnLst>
+      <p:par>
+        <p:cTn id="1" dur="indefinite" restart="never" nodeType="tmRoot"/>
+      </p:par>
+    </p:tnLst>
+  </p:timing>
+</p:sld>
+</file>
+
+<file path=ppt/slides/slide32.xml><?xml version="1.0" encoding="utf-8"?>
+<p:sld xmlns:a="http://schemas.openxmlformats.org/drawingml/2006/main" xmlns:r="http://schemas.openxmlformats.org/officeDocument/2006/relationships" xmlns:p="http://schemas.openxmlformats.org/presentationml/2006/main">
+  <p:cSld>
+    <p:bg>
+      <p:bgPr>
+        <a:noFill/>
+        <a:effectLst/>
+      </p:bgPr>
+    </p:bg>
+    <p:spTree>
+      <p:nvGrpSpPr>
+        <p:cNvPr id="1" name=""/>
+        <p:cNvGrpSpPr/>
+        <p:nvPr/>
+      </p:nvGrpSpPr>
+      <p:grpSpPr>
+        <a:xfrm>
+          <a:off x="0" y="0"/>
+          <a:ext cx="0" cy="0"/>
+          <a:chOff x="0" y="0"/>
+          <a:chExt cx="0" cy="0"/>
+        </a:xfrm>
+      </p:grpSpPr>
+      <p:sp>
+        <p:nvSpPr>
+          <p:cNvPr id="2" name="Title 1"/>
+          <p:cNvSpPr>
+            <a:spLocks noGrp="1"/>
+          </p:cNvSpPr>
+          <p:nvPr>
+            <p:ph type="title"/>
+          </p:nvPr>
+        </p:nvSpPr>
+        <p:spPr/>
+        <p:txBody>
+          <a:bodyPr>
+            <a:normAutofit/>
+          </a:bodyPr>
+          <a:lstStyle/>
+          <a:p>
+            <a:r>
+              <a:rPr lang="en-US" dirty="0" smtClean="0"/>
+              <a:t>Code Review – Main</a:t>
+            </a:r>
+            <a:endParaRPr lang="en-US" dirty="0"/>
+          </a:p>
+        </p:txBody>
+      </p:sp>
+      <p:sp>
+        <p:nvSpPr>
+          <p:cNvPr id="5" name="Rectangle 1"/>
+          <p:cNvSpPr>
+            <a:spLocks noChangeArrowheads="1"/>
+          </p:cNvSpPr>
+          <p:nvPr/>
+        </p:nvSpPr>
+        <p:spPr bwMode="auto">
+          <a:xfrm>
+            <a:off x="457200" y="2530475"/>
+            <a:ext cx="9144000" cy="0"/>
+          </a:xfrm>
+          <a:prstGeom prst="rect">
+            <a:avLst/>
+          </a:prstGeom>
+          <a:noFill/>
+          <a:ln>
+            <a:noFill/>
+          </a:ln>
+          <a:effectLst/>
+          <a:extLst>
+            <a:ext uri="{909E8E84-426E-40DD-AFC4-6F175D3DCCD1}">
+              <a14:hiddenFill xmlns:a14="http://schemas.microsoft.com/office/drawing/2010/main">
+                <a:solidFill>
+                  <a:schemeClr val="accent1"/>
+                </a:solidFill>
+              </a14:hiddenFill>
+            </a:ext>
+            <a:ext uri="{91240B29-F687-4F45-9708-019B960494DF}">
+              <a14:hiddenLine xmlns:a14="http://schemas.microsoft.com/office/drawing/2010/main" w="9525">
+                <a:solidFill>
+                  <a:schemeClr val="tx1"/>
+                </a:solidFill>
+                <a:miter lim="800000"/>
+                <a:headEnd/>
+                <a:tailEnd/>
+              </a14:hiddenLine>
+            </a:ext>
+            <a:ext uri="{AF507438-7753-43E0-B8FC-AC1667EBCBE1}">
+              <a14:hiddenEffects xmlns:a14="http://schemas.microsoft.com/office/drawing/2010/main">
+                <a:effectLst>
+                  <a:outerShdw dist="35921" dir="2700000" algn="ctr" rotWithShape="0">
+                    <a:schemeClr val="bg2"/>
+                  </a:outerShdw>
+                </a:effectLst>
+              </a14:hiddenEffects>
+            </a:ext>
+          </a:extLst>
+        </p:spPr>
+        <p:txBody>
+          <a:bodyPr vert="horz" wrap="none" lIns="91440" tIns="45720" rIns="91440" bIns="45720" numCol="1" anchor="ctr" anchorCtr="0" compatLnSpc="1">
+            <a:prstTxWarp prst="textNoShape">
+              <a:avLst/>
+            </a:prstTxWarp>
+            <a:spAutoFit/>
+          </a:bodyPr>
+          <a:lstStyle/>
+          <a:p>
+            <a:pPr marL="0" marR="0" lvl="0" indent="0" algn="l" defTabSz="914400" rtl="0" eaLnBrk="1" fontAlgn="base" latinLnBrk="0" hangingPunct="1">
+              <a:lnSpc>
+                <a:spcPct val="100000"/>
+              </a:lnSpc>
+              <a:spcBef>
+                <a:spcPct val="0"/>
+              </a:spcBef>
+              <a:spcAft>
+                <a:spcPct val="0"/>
+              </a:spcAft>
+              <a:buClrTx/>
+              <a:buSzTx/>
+              <a:buFontTx/>
+              <a:buNone/>
+              <a:tabLst/>
+            </a:pPr>
+            <a:endParaRPr kumimoji="0" lang="en-US" altLang="en-US" sz="1800" b="0" i="0" u="none" strike="noStrike" cap="none" normalizeH="0" baseline="0" smtClean="0">
+              <a:ln>
+                <a:noFill/>
+              </a:ln>
+              <a:solidFill>
+                <a:schemeClr val="tx1"/>
+              </a:solidFill>
+              <a:effectLst/>
+              <a:latin typeface="Arial" pitchFamily="34" charset="0"/>
+              <a:cs typeface="Arial" pitchFamily="34" charset="0"/>
+            </a:endParaRPr>
+          </a:p>
+          <a:p>
+            <a:pPr marL="0" marR="0" lvl="0" indent="0" algn="l" defTabSz="914400" rtl="0" eaLnBrk="0" fontAlgn="base" latinLnBrk="0" hangingPunct="0">
+              <a:lnSpc>
+                <a:spcPct val="100000"/>
+              </a:lnSpc>
+              <a:spcBef>
+                <a:spcPct val="0"/>
+              </a:spcBef>
+              <a:spcAft>
+                <a:spcPct val="0"/>
+              </a:spcAft>
+              <a:buClrTx/>
+              <a:buSzTx/>
+              <a:buFontTx/>
+              <a:buNone/>
+              <a:tabLst/>
+            </a:pPr>
+            <a:r>
+              <a:rPr kumimoji="0" lang="en-US" altLang="en-US" sz="1800" b="0" i="0" u="none" strike="noStrike" cap="none" normalizeH="0" baseline="0" smtClean="0">
+                <a:ln>
+                  <a:noFill/>
+                </a:ln>
+                <a:solidFill>
+                  <a:schemeClr val="tx1"/>
+                </a:solidFill>
+                <a:effectLst/>
+                <a:latin typeface="Arial" pitchFamily="34" charset="0"/>
+                <a:cs typeface="Arial" pitchFamily="34" charset="0"/>
+              </a:rPr>
+              <a:t/>
+            </a:r>
+            <a:br>
+              <a:rPr kumimoji="0" lang="en-US" altLang="en-US" sz="1800" b="0" i="0" u="none" strike="noStrike" cap="none" normalizeH="0" baseline="0" smtClean="0">
+                <a:ln>
+                  <a:noFill/>
+                </a:ln>
+                <a:solidFill>
+                  <a:schemeClr val="tx1"/>
+                </a:solidFill>
+                <a:effectLst/>
+                <a:latin typeface="Arial" pitchFamily="34" charset="0"/>
+                <a:cs typeface="Arial" pitchFamily="34" charset="0"/>
+              </a:rPr>
+            </a:br>
+            <a:endParaRPr kumimoji="0" lang="en-US" altLang="en-US" sz="1800" b="0" i="0" u="none" strike="noStrike" cap="none" normalizeH="0" baseline="0" smtClean="0">
+              <a:ln>
+                <a:noFill/>
+              </a:ln>
+              <a:solidFill>
+                <a:schemeClr val="tx1"/>
+              </a:solidFill>
+              <a:effectLst/>
+              <a:latin typeface="Arial" pitchFamily="34" charset="0"/>
+              <a:cs typeface="Arial" pitchFamily="34" charset="0"/>
+            </a:endParaRPr>
+          </a:p>
+        </p:txBody>
+      </p:sp>
+      <p:sp>
+        <p:nvSpPr>
+          <p:cNvPr id="3" name="Content Placeholder 2"/>
+          <p:cNvSpPr>
+            <a:spLocks noGrp="1"/>
+          </p:cNvSpPr>
+          <p:nvPr>
+            <p:ph idx="1"/>
+          </p:nvPr>
+        </p:nvSpPr>
+        <p:spPr/>
+        <p:txBody>
+          <a:bodyPr>
+            <a:normAutofit/>
+          </a:bodyPr>
+          <a:lstStyle/>
+          <a:p>
+            <a:r>
               <a:rPr lang="en-US" sz="1600" dirty="0" smtClean="0"/>
               <a:t>Does code meet functional requirement</a:t>
             </a:r>
@@ -12889,7 +13396,7 @@
 </p:sld>
 </file>
 
-<file path=ppt/slides/slide31.xml><?xml version="1.0" encoding="utf-8"?>
+<file path=ppt/slides/slide33.xml><?xml version="1.0" encoding="utf-8"?>
 <p:sld xmlns:a="http://schemas.openxmlformats.org/drawingml/2006/main" xmlns:r="http://schemas.openxmlformats.org/officeDocument/2006/relationships" xmlns:p="http://schemas.openxmlformats.org/presentationml/2006/main">
   <p:cSld>
     <p:bg>
@@ -13158,7 +13665,7 @@
 </p:sld>
 </file>
 
-<file path=ppt/slides/slide32.xml><?xml version="1.0" encoding="utf-8"?>
+<file path=ppt/slides/slide34.xml><?xml version="1.0" encoding="utf-8"?>
 <p:sld xmlns:a="http://schemas.openxmlformats.org/drawingml/2006/main" xmlns:r="http://schemas.openxmlformats.org/officeDocument/2006/relationships" xmlns:p="http://schemas.openxmlformats.org/presentationml/2006/main">
   <p:cSld>
     <p:bg>
@@ -13427,7 +13934,7 @@
 </p:sld>
 </file>
 
-<file path=ppt/slides/slide33.xml><?xml version="1.0" encoding="utf-8"?>
+<file path=ppt/slides/slide35.xml><?xml version="1.0" encoding="utf-8"?>
 <p:sld xmlns:a="http://schemas.openxmlformats.org/drawingml/2006/main" xmlns:r="http://schemas.openxmlformats.org/officeDocument/2006/relationships" xmlns:p="http://schemas.openxmlformats.org/presentationml/2006/main">
   <p:cSld>
     <p:bg>
@@ -16125,7 +16632,7 @@
 </p:sld>
 </file>
 
-<file path=ppt/slides/slide34.xml><?xml version="1.0" encoding="utf-8"?>
+<file path=ppt/slides/slide36.xml><?xml version="1.0" encoding="utf-8"?>
 <p:sld xmlns:a="http://schemas.openxmlformats.org/drawingml/2006/main" xmlns:r="http://schemas.openxmlformats.org/officeDocument/2006/relationships" xmlns:p="http://schemas.openxmlformats.org/presentationml/2006/main">
   <p:cSld>
     <p:spTree>

--- a/CoreJava.pptx
+++ b/CoreJava.pptx
@@ -37,10 +37,12 @@
     <p:sldId id="331" r:id="rId31"/>
     <p:sldId id="332" r:id="rId32"/>
     <p:sldId id="323" r:id="rId33"/>
-    <p:sldId id="320" r:id="rId34"/>
-    <p:sldId id="321" r:id="rId35"/>
-    <p:sldId id="322" r:id="rId36"/>
-    <p:sldId id="269" r:id="rId37"/>
+    <p:sldId id="334" r:id="rId34"/>
+    <p:sldId id="333" r:id="rId35"/>
+    <p:sldId id="320" r:id="rId36"/>
+    <p:sldId id="321" r:id="rId37"/>
+    <p:sldId id="322" r:id="rId38"/>
+    <p:sldId id="269" r:id="rId39"/>
   </p:sldIdLst>
   <p:sldSz cx="9144000" cy="6858000" type="screen4x3"/>
   <p:notesSz cx="6858000" cy="9144000"/>
@@ -330,7 +332,7 @@
           <a:p>
             <a:fld id="{8F235549-BF0A-4B98-8561-3786244E808C}" type="datetimeFigureOut">
               <a:rPr lang="en-US" smtClean="0"/>
-              <a:t>3/7/2018</a:t>
+              <a:t>3/20/2018</a:t>
             </a:fld>
             <a:endParaRPr lang="en-US"/>
           </a:p>
@@ -530,7 +532,7 @@
           <a:p>
             <a:fld id="{8F235549-BF0A-4B98-8561-3786244E808C}" type="datetimeFigureOut">
               <a:rPr lang="en-US" smtClean="0"/>
-              <a:t>3/7/2018</a:t>
+              <a:t>3/20/2018</a:t>
             </a:fld>
             <a:endParaRPr lang="en-US"/>
           </a:p>
@@ -705,7 +707,7 @@
           <a:p>
             <a:fld id="{8F235549-BF0A-4B98-8561-3786244E808C}" type="datetimeFigureOut">
               <a:rPr lang="en-US" smtClean="0"/>
-              <a:t>3/7/2018</a:t>
+              <a:t>3/20/2018</a:t>
             </a:fld>
             <a:endParaRPr lang="en-US"/>
           </a:p>
@@ -870,7 +872,7 @@
           <a:p>
             <a:fld id="{8F235549-BF0A-4B98-8561-3786244E808C}" type="datetimeFigureOut">
               <a:rPr lang="en-US" smtClean="0"/>
-              <a:t>3/7/2018</a:t>
+              <a:t>3/20/2018</a:t>
             </a:fld>
             <a:endParaRPr lang="en-US"/>
           </a:p>
@@ -1118,7 +1120,7 @@
           <a:p>
             <a:fld id="{8F235549-BF0A-4B98-8561-3786244E808C}" type="datetimeFigureOut">
               <a:rPr lang="en-US" smtClean="0"/>
-              <a:t>3/7/2018</a:t>
+              <a:t>3/20/2018</a:t>
             </a:fld>
             <a:endParaRPr lang="en-US"/>
           </a:p>
@@ -1436,7 +1438,7 @@
           <a:p>
             <a:fld id="{8F235549-BF0A-4B98-8561-3786244E808C}" type="datetimeFigureOut">
               <a:rPr lang="en-US" smtClean="0"/>
-              <a:t>3/7/2018</a:t>
+              <a:t>3/20/2018</a:t>
             </a:fld>
             <a:endParaRPr lang="en-US"/>
           </a:p>
@@ -1902,7 +1904,7 @@
           <a:p>
             <a:fld id="{8F235549-BF0A-4B98-8561-3786244E808C}" type="datetimeFigureOut">
               <a:rPr lang="en-US" smtClean="0"/>
-              <a:t>3/7/2018</a:t>
+              <a:t>3/20/2018</a:t>
             </a:fld>
             <a:endParaRPr lang="en-US"/>
           </a:p>
@@ -2050,7 +2052,7 @@
           <a:p>
             <a:fld id="{8F235549-BF0A-4B98-8561-3786244E808C}" type="datetimeFigureOut">
               <a:rPr lang="en-US" smtClean="0"/>
-              <a:t>3/7/2018</a:t>
+              <a:t>3/20/2018</a:t>
             </a:fld>
             <a:endParaRPr lang="en-US"/>
           </a:p>
@@ -2140,7 +2142,7 @@
           <a:p>
             <a:fld id="{8F235549-BF0A-4B98-8561-3786244E808C}" type="datetimeFigureOut">
               <a:rPr lang="en-US" smtClean="0"/>
-              <a:t>3/7/2018</a:t>
+              <a:t>3/20/2018</a:t>
             </a:fld>
             <a:endParaRPr lang="en-US"/>
           </a:p>
@@ -2414,7 +2416,7 @@
           <a:p>
             <a:fld id="{8F235549-BF0A-4B98-8561-3786244E808C}" type="datetimeFigureOut">
               <a:rPr lang="en-US" smtClean="0"/>
-              <a:t>3/7/2018</a:t>
+              <a:t>3/20/2018</a:t>
             </a:fld>
             <a:endParaRPr lang="en-US"/>
           </a:p>
@@ -2719,7 +2721,7 @@
           <a:p>
             <a:fld id="{8F235549-BF0A-4B98-8561-3786244E808C}" type="datetimeFigureOut">
               <a:rPr lang="en-US" smtClean="0"/>
-              <a:t>3/7/2018</a:t>
+              <a:t>3/20/2018</a:t>
             </a:fld>
             <a:endParaRPr lang="en-US"/>
           </a:p>
@@ -3017,7 +3019,7 @@
           <a:p>
             <a:fld id="{8F235549-BF0A-4B98-8561-3786244E808C}" type="datetimeFigureOut">
               <a:rPr lang="en-US" smtClean="0"/>
-              <a:t>3/7/2018</a:t>
+              <a:t>3/20/2018</a:t>
             </a:fld>
             <a:endParaRPr lang="en-US"/>
           </a:p>
@@ -13140,13 +13142,13 @@
         <p:spPr/>
         <p:txBody>
           <a:bodyPr>
-            <a:normAutofit/>
+            <a:normAutofit fontScale="90000"/>
           </a:bodyPr>
           <a:lstStyle/>
           <a:p>
             <a:r>
               <a:rPr lang="en-US" dirty="0" smtClean="0"/>
-              <a:t>Code Review – Main</a:t>
+              <a:t>Ways to avoid IF-ELSE or SWITCH case</a:t>
             </a:r>
             <a:endParaRPr lang="en-US" dirty="0"/>
           </a:p>
@@ -13316,66 +13318,81 @@
           <a:p>
             <a:r>
               <a:rPr lang="en-US" sz="1600" dirty="0" smtClean="0"/>
-              <a:t>Does code meet functional requirement</a:t>
+              <a:t>Reflection – caller has to remember the fully qualified name</a:t>
             </a:r>
           </a:p>
           <a:p>
             <a:r>
               <a:rPr lang="en-US" sz="1600" dirty="0" smtClean="0"/>
-              <a:t>Any side effect of this change</a:t>
-            </a:r>
-          </a:p>
-          <a:p>
-            <a:r>
-              <a:rPr lang="en-US" sz="1600" dirty="0" smtClean="0"/>
-              <a:t>Concurrency – Is thread safe?</a:t>
-            </a:r>
-          </a:p>
-          <a:p>
-            <a:r>
-              <a:rPr lang="en-US" sz="1600" dirty="0" smtClean="0"/>
-              <a:t>Readability and Maintenance </a:t>
-            </a:r>
-          </a:p>
-          <a:p>
-            <a:r>
-              <a:rPr lang="en-US" sz="1600" dirty="0" smtClean="0"/>
-              <a:t>Consistency</a:t>
-            </a:r>
-          </a:p>
-          <a:p>
-            <a:r>
-              <a:rPr lang="en-US" sz="1600" dirty="0" smtClean="0"/>
-              <a:t>Performance</a:t>
-            </a:r>
-          </a:p>
-          <a:p>
-            <a:r>
-              <a:rPr lang="en-US" sz="1600" dirty="0" smtClean="0"/>
-              <a:t>Exception Handling</a:t>
-            </a:r>
-          </a:p>
-          <a:p>
-            <a:r>
-              <a:rPr lang="en-US" sz="1600" dirty="0" smtClean="0"/>
-              <a:t>Simplicity</a:t>
-            </a:r>
-          </a:p>
-          <a:p>
-            <a:r>
-              <a:rPr lang="en-US" sz="1600" dirty="0" smtClean="0"/>
-              <a:t>Reuse of existing code</a:t>
-            </a:r>
-          </a:p>
-          <a:p>
-            <a:r>
-              <a:rPr lang="en-US" sz="1600" dirty="0" smtClean="0"/>
-              <a:t>Unit test </a:t>
-            </a:r>
-            <a:endParaRPr lang="en-US" sz="1600" dirty="0"/>
+              <a:t>Map</a:t>
+            </a:r>
+          </a:p>
+          <a:p>
+            <a:r>
+              <a:rPr lang="en-US" sz="1600" dirty="0" err="1" smtClean="0"/>
+              <a:t>Enum</a:t>
+            </a:r>
+            <a:endParaRPr lang="en-US" sz="1600" dirty="0" smtClean="0"/>
+          </a:p>
+          <a:p>
+            <a:endParaRPr lang="en-US" sz="1600" dirty="0" smtClean="0"/>
           </a:p>
         </p:txBody>
       </p:sp>
+      <p:pic>
+        <p:nvPicPr>
+          <p:cNvPr id="1026" name="Picture 2"/>
+          <p:cNvPicPr>
+            <a:picLocks noChangeAspect="1" noChangeArrowheads="1"/>
+          </p:cNvPicPr>
+          <p:nvPr/>
+        </p:nvPicPr>
+        <p:blipFill>
+          <a:blip r:embed="rId2">
+            <a:extLst>
+              <a:ext uri="{28A0092B-C50C-407E-A947-70E740481C1C}">
+                <a14:useLocalDpi xmlns:a14="http://schemas.microsoft.com/office/drawing/2010/main" val="0"/>
+              </a:ext>
+            </a:extLst>
+          </a:blip>
+          <a:srcRect/>
+          <a:stretch>
+            <a:fillRect/>
+          </a:stretch>
+        </p:blipFill>
+        <p:spPr bwMode="auto">
+          <a:xfrm>
+            <a:off x="755577" y="2708920"/>
+            <a:ext cx="4608512" cy="3487638"/>
+          </a:xfrm>
+          <a:prstGeom prst="rect">
+            <a:avLst/>
+          </a:prstGeom>
+          <a:noFill/>
+          <a:ln>
+            <a:noFill/>
+          </a:ln>
+          <a:extLst>
+            <a:ext uri="{909E8E84-426E-40DD-AFC4-6F175D3DCCD1}">
+              <a14:hiddenFill xmlns:a14="http://schemas.microsoft.com/office/drawing/2010/main">
+                <a:solidFill>
+                  <a:schemeClr val="accent1"/>
+                </a:solidFill>
+              </a14:hiddenFill>
+            </a:ext>
+            <a:ext uri="{91240B29-F687-4F45-9708-019B960494DF}">
+              <a14:hiddenLine xmlns:a14="http://schemas.microsoft.com/office/drawing/2010/main" w="9525">
+                <a:solidFill>
+                  <a:schemeClr val="tx1"/>
+                </a:solidFill>
+                <a:miter lim="800000"/>
+                <a:headEnd/>
+                <a:tailEnd/>
+              </a14:hiddenLine>
+            </a:ext>
+          </a:extLst>
+        </p:spPr>
+      </p:pic>
     </p:spTree>
     <p:extLst>
       <p:ext uri="{BB962C8B-B14F-4D97-AF65-F5344CB8AC3E}">
@@ -13397,6 +13414,592 @@
 </file>
 
 <file path=ppt/slides/slide33.xml><?xml version="1.0" encoding="utf-8"?>
+<p:sld xmlns:a="http://schemas.openxmlformats.org/drawingml/2006/main" xmlns:r="http://schemas.openxmlformats.org/officeDocument/2006/relationships" xmlns:p="http://schemas.openxmlformats.org/presentationml/2006/main">
+  <p:cSld>
+    <p:bg>
+      <p:bgPr>
+        <a:noFill/>
+        <a:effectLst/>
+      </p:bgPr>
+    </p:bg>
+    <p:spTree>
+      <p:nvGrpSpPr>
+        <p:cNvPr id="1" name=""/>
+        <p:cNvGrpSpPr/>
+        <p:nvPr/>
+      </p:nvGrpSpPr>
+      <p:grpSpPr>
+        <a:xfrm>
+          <a:off x="0" y="0"/>
+          <a:ext cx="0" cy="0"/>
+          <a:chOff x="0" y="0"/>
+          <a:chExt cx="0" cy="0"/>
+        </a:xfrm>
+      </p:grpSpPr>
+      <p:sp>
+        <p:nvSpPr>
+          <p:cNvPr id="2" name="Title 1"/>
+          <p:cNvSpPr>
+            <a:spLocks noGrp="1"/>
+          </p:cNvSpPr>
+          <p:nvPr>
+            <p:ph type="title"/>
+          </p:nvPr>
+        </p:nvSpPr>
+        <p:spPr/>
+        <p:txBody>
+          <a:bodyPr>
+            <a:normAutofit fontScale="90000"/>
+          </a:bodyPr>
+          <a:lstStyle/>
+          <a:p>
+            <a:r>
+              <a:rPr lang="en-US" dirty="0" smtClean="0"/>
+              <a:t>Ways to avoid IF-ELSE or SWITCH case</a:t>
+            </a:r>
+            <a:endParaRPr lang="en-US" dirty="0"/>
+          </a:p>
+        </p:txBody>
+      </p:sp>
+      <p:sp>
+        <p:nvSpPr>
+          <p:cNvPr id="5" name="Rectangle 1"/>
+          <p:cNvSpPr>
+            <a:spLocks noChangeArrowheads="1"/>
+          </p:cNvSpPr>
+          <p:nvPr/>
+        </p:nvSpPr>
+        <p:spPr bwMode="auto">
+          <a:xfrm>
+            <a:off x="457200" y="2530475"/>
+            <a:ext cx="9144000" cy="0"/>
+          </a:xfrm>
+          <a:prstGeom prst="rect">
+            <a:avLst/>
+          </a:prstGeom>
+          <a:noFill/>
+          <a:ln>
+            <a:noFill/>
+          </a:ln>
+          <a:effectLst/>
+          <a:extLst>
+            <a:ext uri="{909E8E84-426E-40DD-AFC4-6F175D3DCCD1}">
+              <a14:hiddenFill xmlns:a14="http://schemas.microsoft.com/office/drawing/2010/main">
+                <a:solidFill>
+                  <a:schemeClr val="accent1"/>
+                </a:solidFill>
+              </a14:hiddenFill>
+            </a:ext>
+            <a:ext uri="{91240B29-F687-4F45-9708-019B960494DF}">
+              <a14:hiddenLine xmlns:a14="http://schemas.microsoft.com/office/drawing/2010/main" w="9525">
+                <a:solidFill>
+                  <a:schemeClr val="tx1"/>
+                </a:solidFill>
+                <a:miter lim="800000"/>
+                <a:headEnd/>
+                <a:tailEnd/>
+              </a14:hiddenLine>
+            </a:ext>
+            <a:ext uri="{AF507438-7753-43E0-B8FC-AC1667EBCBE1}">
+              <a14:hiddenEffects xmlns:a14="http://schemas.microsoft.com/office/drawing/2010/main">
+                <a:effectLst>
+                  <a:outerShdw dist="35921" dir="2700000" algn="ctr" rotWithShape="0">
+                    <a:schemeClr val="bg2"/>
+                  </a:outerShdw>
+                </a:effectLst>
+              </a14:hiddenEffects>
+            </a:ext>
+          </a:extLst>
+        </p:spPr>
+        <p:txBody>
+          <a:bodyPr vert="horz" wrap="none" lIns="91440" tIns="45720" rIns="91440" bIns="45720" numCol="1" anchor="ctr" anchorCtr="0" compatLnSpc="1">
+            <a:prstTxWarp prst="textNoShape">
+              <a:avLst/>
+            </a:prstTxWarp>
+            <a:spAutoFit/>
+          </a:bodyPr>
+          <a:lstStyle/>
+          <a:p>
+            <a:pPr marL="0" marR="0" lvl="0" indent="0" algn="l" defTabSz="914400" rtl="0" eaLnBrk="1" fontAlgn="base" latinLnBrk="0" hangingPunct="1">
+              <a:lnSpc>
+                <a:spcPct val="100000"/>
+              </a:lnSpc>
+              <a:spcBef>
+                <a:spcPct val="0"/>
+              </a:spcBef>
+              <a:spcAft>
+                <a:spcPct val="0"/>
+              </a:spcAft>
+              <a:buClrTx/>
+              <a:buSzTx/>
+              <a:buFontTx/>
+              <a:buNone/>
+              <a:tabLst/>
+            </a:pPr>
+            <a:endParaRPr kumimoji="0" lang="en-US" altLang="en-US" sz="1800" b="0" i="0" u="none" strike="noStrike" cap="none" normalizeH="0" baseline="0" smtClean="0">
+              <a:ln>
+                <a:noFill/>
+              </a:ln>
+              <a:solidFill>
+                <a:schemeClr val="tx1"/>
+              </a:solidFill>
+              <a:effectLst/>
+              <a:latin typeface="Arial" pitchFamily="34" charset="0"/>
+              <a:cs typeface="Arial" pitchFamily="34" charset="0"/>
+            </a:endParaRPr>
+          </a:p>
+          <a:p>
+            <a:pPr marL="0" marR="0" lvl="0" indent="0" algn="l" defTabSz="914400" rtl="0" eaLnBrk="0" fontAlgn="base" latinLnBrk="0" hangingPunct="0">
+              <a:lnSpc>
+                <a:spcPct val="100000"/>
+              </a:lnSpc>
+              <a:spcBef>
+                <a:spcPct val="0"/>
+              </a:spcBef>
+              <a:spcAft>
+                <a:spcPct val="0"/>
+              </a:spcAft>
+              <a:buClrTx/>
+              <a:buSzTx/>
+              <a:buFontTx/>
+              <a:buNone/>
+              <a:tabLst/>
+            </a:pPr>
+            <a:r>
+              <a:rPr kumimoji="0" lang="en-US" altLang="en-US" sz="1800" b="0" i="0" u="none" strike="noStrike" cap="none" normalizeH="0" baseline="0" smtClean="0">
+                <a:ln>
+                  <a:noFill/>
+                </a:ln>
+                <a:solidFill>
+                  <a:schemeClr val="tx1"/>
+                </a:solidFill>
+                <a:effectLst/>
+                <a:latin typeface="Arial" pitchFamily="34" charset="0"/>
+                <a:cs typeface="Arial" pitchFamily="34" charset="0"/>
+              </a:rPr>
+              <a:t/>
+            </a:r>
+            <a:br>
+              <a:rPr kumimoji="0" lang="en-US" altLang="en-US" sz="1800" b="0" i="0" u="none" strike="noStrike" cap="none" normalizeH="0" baseline="0" smtClean="0">
+                <a:ln>
+                  <a:noFill/>
+                </a:ln>
+                <a:solidFill>
+                  <a:schemeClr val="tx1"/>
+                </a:solidFill>
+                <a:effectLst/>
+                <a:latin typeface="Arial" pitchFamily="34" charset="0"/>
+                <a:cs typeface="Arial" pitchFamily="34" charset="0"/>
+              </a:rPr>
+            </a:br>
+            <a:endParaRPr kumimoji="0" lang="en-US" altLang="en-US" sz="1800" b="0" i="0" u="none" strike="noStrike" cap="none" normalizeH="0" baseline="0" smtClean="0">
+              <a:ln>
+                <a:noFill/>
+              </a:ln>
+              <a:solidFill>
+                <a:schemeClr val="tx1"/>
+              </a:solidFill>
+              <a:effectLst/>
+              <a:latin typeface="Arial" pitchFamily="34" charset="0"/>
+              <a:cs typeface="Arial" pitchFamily="34" charset="0"/>
+            </a:endParaRPr>
+          </a:p>
+        </p:txBody>
+      </p:sp>
+      <p:sp>
+        <p:nvSpPr>
+          <p:cNvPr id="3" name="Content Placeholder 2"/>
+          <p:cNvSpPr>
+            <a:spLocks noGrp="1"/>
+          </p:cNvSpPr>
+          <p:nvPr>
+            <p:ph idx="1"/>
+          </p:nvPr>
+        </p:nvSpPr>
+        <p:spPr/>
+        <p:txBody>
+          <a:bodyPr>
+            <a:normAutofit/>
+          </a:bodyPr>
+          <a:lstStyle/>
+          <a:p>
+            <a:r>
+              <a:rPr lang="en-US" sz="1600" dirty="0" smtClean="0"/>
+              <a:t>Map</a:t>
+            </a:r>
+          </a:p>
+          <a:p>
+            <a:endParaRPr lang="en-US" sz="1600" dirty="0" smtClean="0"/>
+          </a:p>
+        </p:txBody>
+      </p:sp>
+      <p:pic>
+        <p:nvPicPr>
+          <p:cNvPr id="2050" name="Picture 2"/>
+          <p:cNvPicPr>
+            <a:picLocks noChangeAspect="1" noChangeArrowheads="1"/>
+          </p:cNvPicPr>
+          <p:nvPr/>
+        </p:nvPicPr>
+        <p:blipFill>
+          <a:blip r:embed="rId2">
+            <a:extLst>
+              <a:ext uri="{28A0092B-C50C-407E-A947-70E740481C1C}">
+                <a14:useLocalDpi xmlns:a14="http://schemas.microsoft.com/office/drawing/2010/main" val="0"/>
+              </a:ext>
+            </a:extLst>
+          </a:blip>
+          <a:srcRect/>
+          <a:stretch>
+            <a:fillRect/>
+          </a:stretch>
+        </p:blipFill>
+        <p:spPr bwMode="auto">
+          <a:xfrm>
+            <a:off x="683568" y="2060848"/>
+            <a:ext cx="6648450" cy="2276475"/>
+          </a:xfrm>
+          <a:prstGeom prst="rect">
+            <a:avLst/>
+          </a:prstGeom>
+          <a:noFill/>
+          <a:ln>
+            <a:noFill/>
+          </a:ln>
+          <a:extLst>
+            <a:ext uri="{909E8E84-426E-40DD-AFC4-6F175D3DCCD1}">
+              <a14:hiddenFill xmlns:a14="http://schemas.microsoft.com/office/drawing/2010/main">
+                <a:solidFill>
+                  <a:schemeClr val="accent1"/>
+                </a:solidFill>
+              </a14:hiddenFill>
+            </a:ext>
+            <a:ext uri="{91240B29-F687-4F45-9708-019B960494DF}">
+              <a14:hiddenLine xmlns:a14="http://schemas.microsoft.com/office/drawing/2010/main" w="9525">
+                <a:solidFill>
+                  <a:schemeClr val="tx1"/>
+                </a:solidFill>
+                <a:miter lim="800000"/>
+                <a:headEnd/>
+                <a:tailEnd/>
+              </a14:hiddenLine>
+            </a:ext>
+          </a:extLst>
+        </p:spPr>
+      </p:pic>
+    </p:spTree>
+    <p:extLst>
+      <p:ext uri="{BB962C8B-B14F-4D97-AF65-F5344CB8AC3E}">
+        <p14:creationId xmlns:p14="http://schemas.microsoft.com/office/powerpoint/2010/main" val="417664101"/>
+      </p:ext>
+    </p:extLst>
+  </p:cSld>
+  <p:clrMapOvr>
+    <a:masterClrMapping/>
+  </p:clrMapOvr>
+  <p:timing>
+    <p:tnLst>
+      <p:par>
+        <p:cTn id="1" dur="indefinite" restart="never" nodeType="tmRoot"/>
+      </p:par>
+    </p:tnLst>
+  </p:timing>
+</p:sld>
+</file>
+
+<file path=ppt/slides/slide34.xml><?xml version="1.0" encoding="utf-8"?>
+<p:sld xmlns:a="http://schemas.openxmlformats.org/drawingml/2006/main" xmlns:r="http://schemas.openxmlformats.org/officeDocument/2006/relationships" xmlns:p="http://schemas.openxmlformats.org/presentationml/2006/main">
+  <p:cSld>
+    <p:bg>
+      <p:bgPr>
+        <a:noFill/>
+        <a:effectLst/>
+      </p:bgPr>
+    </p:bg>
+    <p:spTree>
+      <p:nvGrpSpPr>
+        <p:cNvPr id="1" name=""/>
+        <p:cNvGrpSpPr/>
+        <p:nvPr/>
+      </p:nvGrpSpPr>
+      <p:grpSpPr>
+        <a:xfrm>
+          <a:off x="0" y="0"/>
+          <a:ext cx="0" cy="0"/>
+          <a:chOff x="0" y="0"/>
+          <a:chExt cx="0" cy="0"/>
+        </a:xfrm>
+      </p:grpSpPr>
+      <p:sp>
+        <p:nvSpPr>
+          <p:cNvPr id="2" name="Title 1"/>
+          <p:cNvSpPr>
+            <a:spLocks noGrp="1"/>
+          </p:cNvSpPr>
+          <p:nvPr>
+            <p:ph type="title"/>
+          </p:nvPr>
+        </p:nvSpPr>
+        <p:spPr/>
+        <p:txBody>
+          <a:bodyPr>
+            <a:normAutofit/>
+          </a:bodyPr>
+          <a:lstStyle/>
+          <a:p>
+            <a:r>
+              <a:rPr lang="en-US" dirty="0" smtClean="0"/>
+              <a:t>Code Review – Main</a:t>
+            </a:r>
+            <a:endParaRPr lang="en-US" dirty="0"/>
+          </a:p>
+        </p:txBody>
+      </p:sp>
+      <p:sp>
+        <p:nvSpPr>
+          <p:cNvPr id="5" name="Rectangle 1"/>
+          <p:cNvSpPr>
+            <a:spLocks noChangeArrowheads="1"/>
+          </p:cNvSpPr>
+          <p:nvPr/>
+        </p:nvSpPr>
+        <p:spPr bwMode="auto">
+          <a:xfrm>
+            <a:off x="457200" y="2530475"/>
+            <a:ext cx="9144000" cy="0"/>
+          </a:xfrm>
+          <a:prstGeom prst="rect">
+            <a:avLst/>
+          </a:prstGeom>
+          <a:noFill/>
+          <a:ln>
+            <a:noFill/>
+          </a:ln>
+          <a:effectLst/>
+          <a:extLst>
+            <a:ext uri="{909E8E84-426E-40DD-AFC4-6F175D3DCCD1}">
+              <a14:hiddenFill xmlns:a14="http://schemas.microsoft.com/office/drawing/2010/main">
+                <a:solidFill>
+                  <a:schemeClr val="accent1"/>
+                </a:solidFill>
+              </a14:hiddenFill>
+            </a:ext>
+            <a:ext uri="{91240B29-F687-4F45-9708-019B960494DF}">
+              <a14:hiddenLine xmlns:a14="http://schemas.microsoft.com/office/drawing/2010/main" w="9525">
+                <a:solidFill>
+                  <a:schemeClr val="tx1"/>
+                </a:solidFill>
+                <a:miter lim="800000"/>
+                <a:headEnd/>
+                <a:tailEnd/>
+              </a14:hiddenLine>
+            </a:ext>
+            <a:ext uri="{AF507438-7753-43E0-B8FC-AC1667EBCBE1}">
+              <a14:hiddenEffects xmlns:a14="http://schemas.microsoft.com/office/drawing/2010/main">
+                <a:effectLst>
+                  <a:outerShdw dist="35921" dir="2700000" algn="ctr" rotWithShape="0">
+                    <a:schemeClr val="bg2"/>
+                  </a:outerShdw>
+                </a:effectLst>
+              </a14:hiddenEffects>
+            </a:ext>
+          </a:extLst>
+        </p:spPr>
+        <p:txBody>
+          <a:bodyPr vert="horz" wrap="none" lIns="91440" tIns="45720" rIns="91440" bIns="45720" numCol="1" anchor="ctr" anchorCtr="0" compatLnSpc="1">
+            <a:prstTxWarp prst="textNoShape">
+              <a:avLst/>
+            </a:prstTxWarp>
+            <a:spAutoFit/>
+          </a:bodyPr>
+          <a:lstStyle/>
+          <a:p>
+            <a:pPr marL="0" marR="0" lvl="0" indent="0" algn="l" defTabSz="914400" rtl="0" eaLnBrk="1" fontAlgn="base" latinLnBrk="0" hangingPunct="1">
+              <a:lnSpc>
+                <a:spcPct val="100000"/>
+              </a:lnSpc>
+              <a:spcBef>
+                <a:spcPct val="0"/>
+              </a:spcBef>
+              <a:spcAft>
+                <a:spcPct val="0"/>
+              </a:spcAft>
+              <a:buClrTx/>
+              <a:buSzTx/>
+              <a:buFontTx/>
+              <a:buNone/>
+              <a:tabLst/>
+            </a:pPr>
+            <a:endParaRPr kumimoji="0" lang="en-US" altLang="en-US" sz="1800" b="0" i="0" u="none" strike="noStrike" cap="none" normalizeH="0" baseline="0" smtClean="0">
+              <a:ln>
+                <a:noFill/>
+              </a:ln>
+              <a:solidFill>
+                <a:schemeClr val="tx1"/>
+              </a:solidFill>
+              <a:effectLst/>
+              <a:latin typeface="Arial" pitchFamily="34" charset="0"/>
+              <a:cs typeface="Arial" pitchFamily="34" charset="0"/>
+            </a:endParaRPr>
+          </a:p>
+          <a:p>
+            <a:pPr marL="0" marR="0" lvl="0" indent="0" algn="l" defTabSz="914400" rtl="0" eaLnBrk="0" fontAlgn="base" latinLnBrk="0" hangingPunct="0">
+              <a:lnSpc>
+                <a:spcPct val="100000"/>
+              </a:lnSpc>
+              <a:spcBef>
+                <a:spcPct val="0"/>
+              </a:spcBef>
+              <a:spcAft>
+                <a:spcPct val="0"/>
+              </a:spcAft>
+              <a:buClrTx/>
+              <a:buSzTx/>
+              <a:buFontTx/>
+              <a:buNone/>
+              <a:tabLst/>
+            </a:pPr>
+            <a:r>
+              <a:rPr kumimoji="0" lang="en-US" altLang="en-US" sz="1800" b="0" i="0" u="none" strike="noStrike" cap="none" normalizeH="0" baseline="0" smtClean="0">
+                <a:ln>
+                  <a:noFill/>
+                </a:ln>
+                <a:solidFill>
+                  <a:schemeClr val="tx1"/>
+                </a:solidFill>
+                <a:effectLst/>
+                <a:latin typeface="Arial" pitchFamily="34" charset="0"/>
+                <a:cs typeface="Arial" pitchFamily="34" charset="0"/>
+              </a:rPr>
+              <a:t/>
+            </a:r>
+            <a:br>
+              <a:rPr kumimoji="0" lang="en-US" altLang="en-US" sz="1800" b="0" i="0" u="none" strike="noStrike" cap="none" normalizeH="0" baseline="0" smtClean="0">
+                <a:ln>
+                  <a:noFill/>
+                </a:ln>
+                <a:solidFill>
+                  <a:schemeClr val="tx1"/>
+                </a:solidFill>
+                <a:effectLst/>
+                <a:latin typeface="Arial" pitchFamily="34" charset="0"/>
+                <a:cs typeface="Arial" pitchFamily="34" charset="0"/>
+              </a:rPr>
+            </a:br>
+            <a:endParaRPr kumimoji="0" lang="en-US" altLang="en-US" sz="1800" b="0" i="0" u="none" strike="noStrike" cap="none" normalizeH="0" baseline="0" smtClean="0">
+              <a:ln>
+                <a:noFill/>
+              </a:ln>
+              <a:solidFill>
+                <a:schemeClr val="tx1"/>
+              </a:solidFill>
+              <a:effectLst/>
+              <a:latin typeface="Arial" pitchFamily="34" charset="0"/>
+              <a:cs typeface="Arial" pitchFamily="34" charset="0"/>
+            </a:endParaRPr>
+          </a:p>
+        </p:txBody>
+      </p:sp>
+      <p:sp>
+        <p:nvSpPr>
+          <p:cNvPr id="3" name="Content Placeholder 2"/>
+          <p:cNvSpPr>
+            <a:spLocks noGrp="1"/>
+          </p:cNvSpPr>
+          <p:nvPr>
+            <p:ph idx="1"/>
+          </p:nvPr>
+        </p:nvSpPr>
+        <p:spPr/>
+        <p:txBody>
+          <a:bodyPr>
+            <a:normAutofit/>
+          </a:bodyPr>
+          <a:lstStyle/>
+          <a:p>
+            <a:r>
+              <a:rPr lang="en-US" sz="1600" dirty="0" smtClean="0"/>
+              <a:t>Does code meet functional requirement</a:t>
+            </a:r>
+          </a:p>
+          <a:p>
+            <a:r>
+              <a:rPr lang="en-US" sz="1600" dirty="0" smtClean="0"/>
+              <a:t>Any side effect of this change</a:t>
+            </a:r>
+          </a:p>
+          <a:p>
+            <a:r>
+              <a:rPr lang="en-US" sz="1600" dirty="0" smtClean="0"/>
+              <a:t>Concurrency – Is thread safe?</a:t>
+            </a:r>
+          </a:p>
+          <a:p>
+            <a:r>
+              <a:rPr lang="en-US" sz="1600" dirty="0" smtClean="0"/>
+              <a:t>Readability and Maintenance </a:t>
+            </a:r>
+          </a:p>
+          <a:p>
+            <a:r>
+              <a:rPr lang="en-US" sz="1600" dirty="0" smtClean="0"/>
+              <a:t>Consistency</a:t>
+            </a:r>
+          </a:p>
+          <a:p>
+            <a:r>
+              <a:rPr lang="en-US" sz="1600" dirty="0" smtClean="0"/>
+              <a:t>Performance</a:t>
+            </a:r>
+          </a:p>
+          <a:p>
+            <a:r>
+              <a:rPr lang="en-US" sz="1600" dirty="0" smtClean="0"/>
+              <a:t>Exception Handling</a:t>
+            </a:r>
+          </a:p>
+          <a:p>
+            <a:r>
+              <a:rPr lang="en-US" sz="1600" dirty="0" smtClean="0"/>
+              <a:t>Simplicity</a:t>
+            </a:r>
+          </a:p>
+          <a:p>
+            <a:r>
+              <a:rPr lang="en-US" sz="1600" dirty="0" smtClean="0"/>
+              <a:t>Reuse of existing code</a:t>
+            </a:r>
+          </a:p>
+          <a:p>
+            <a:r>
+              <a:rPr lang="en-US" sz="1600" dirty="0" smtClean="0"/>
+              <a:t>Unit test </a:t>
+            </a:r>
+            <a:endParaRPr lang="en-US" sz="1600" dirty="0"/>
+          </a:p>
+        </p:txBody>
+      </p:sp>
+    </p:spTree>
+    <p:extLst>
+      <p:ext uri="{BB962C8B-B14F-4D97-AF65-F5344CB8AC3E}">
+        <p14:creationId xmlns:p14="http://schemas.microsoft.com/office/powerpoint/2010/main" val="3837331011"/>
+      </p:ext>
+    </p:extLst>
+  </p:cSld>
+  <p:clrMapOvr>
+    <a:masterClrMapping/>
+  </p:clrMapOvr>
+  <p:timing>
+    <p:tnLst>
+      <p:par>
+        <p:cTn id="1" dur="indefinite" restart="never" nodeType="tmRoot"/>
+      </p:par>
+    </p:tnLst>
+  </p:timing>
+</p:sld>
+</file>
+
+<file path=ppt/slides/slide35.xml><?xml version="1.0" encoding="utf-8"?>
 <p:sld xmlns:a="http://schemas.openxmlformats.org/drawingml/2006/main" xmlns:r="http://schemas.openxmlformats.org/officeDocument/2006/relationships" xmlns:p="http://schemas.openxmlformats.org/presentationml/2006/main">
   <p:cSld>
     <p:bg>
@@ -13665,7 +14268,7 @@
 </p:sld>
 </file>
 
-<file path=ppt/slides/slide34.xml><?xml version="1.0" encoding="utf-8"?>
+<file path=ppt/slides/slide36.xml><?xml version="1.0" encoding="utf-8"?>
 <p:sld xmlns:a="http://schemas.openxmlformats.org/drawingml/2006/main" xmlns:r="http://schemas.openxmlformats.org/officeDocument/2006/relationships" xmlns:p="http://schemas.openxmlformats.org/presentationml/2006/main">
   <p:cSld>
     <p:bg>
@@ -13934,7 +14537,7 @@
 </p:sld>
 </file>
 
-<file path=ppt/slides/slide35.xml><?xml version="1.0" encoding="utf-8"?>
+<file path=ppt/slides/slide37.xml><?xml version="1.0" encoding="utf-8"?>
 <p:sld xmlns:a="http://schemas.openxmlformats.org/drawingml/2006/main" xmlns:r="http://schemas.openxmlformats.org/officeDocument/2006/relationships" xmlns:p="http://schemas.openxmlformats.org/presentationml/2006/main">
   <p:cSld>
     <p:bg>
@@ -16632,7 +17235,7 @@
 </p:sld>
 </file>
 
-<file path=ppt/slides/slide36.xml><?xml version="1.0" encoding="utf-8"?>
+<file path=ppt/slides/slide38.xml><?xml version="1.0" encoding="utf-8"?>
 <p:sld xmlns:a="http://schemas.openxmlformats.org/drawingml/2006/main" xmlns:r="http://schemas.openxmlformats.org/officeDocument/2006/relationships" xmlns:p="http://schemas.openxmlformats.org/presentationml/2006/main">
   <p:cSld>
     <p:spTree>
@@ -16840,8 +17443,23 @@
           </a:p>
           <a:p>
             <a:r>
+              <a:rPr lang="en-US" sz="1600" dirty="0">
+                <a:hlinkClick r:id="rId12"/>
+              </a:rPr>
+              <a:t>http://</a:t>
+            </a:r>
+            <a:r>
+              <a:rPr lang="en-US" sz="1600" dirty="0" smtClean="0">
+                <a:hlinkClick r:id="rId12"/>
+              </a:rPr>
+              <a:t>www.baeldung.com/java-count-chars</a:t>
+            </a:r>
+            <a:endParaRPr lang="en-US" sz="1600" dirty="0" smtClean="0"/>
+          </a:p>
+          <a:p>
+            <a:r>
               <a:rPr lang="en-US" sz="1600" dirty="0"/>
-              <a:t>http://www.baeldung.com/java-count-chars</a:t>
+              <a:t>https://www.javacodegeeks.com/2014/10/factory-without-if-else.html</a:t>
             </a:r>
             <a:endParaRPr lang="en-US" sz="1600" dirty="0" smtClean="0"/>
           </a:p>

--- a/CoreJava.pptx
+++ b/CoreJava.pptx
@@ -14,35 +14,36 @@
     <p:sldId id="303" r:id="rId8"/>
     <p:sldId id="305" r:id="rId9"/>
     <p:sldId id="306" r:id="rId10"/>
-    <p:sldId id="307" r:id="rId11"/>
-    <p:sldId id="309" r:id="rId12"/>
-    <p:sldId id="308" r:id="rId13"/>
-    <p:sldId id="310" r:id="rId14"/>
-    <p:sldId id="311" r:id="rId15"/>
-    <p:sldId id="312" r:id="rId16"/>
-    <p:sldId id="313" r:id="rId17"/>
-    <p:sldId id="314" r:id="rId18"/>
-    <p:sldId id="315" r:id="rId19"/>
-    <p:sldId id="316" r:id="rId20"/>
-    <p:sldId id="317" r:id="rId21"/>
-    <p:sldId id="318" r:id="rId22"/>
-    <p:sldId id="319" r:id="rId23"/>
-    <p:sldId id="324" r:id="rId24"/>
-    <p:sldId id="325" r:id="rId25"/>
-    <p:sldId id="326" r:id="rId26"/>
-    <p:sldId id="327" r:id="rId27"/>
-    <p:sldId id="328" r:id="rId28"/>
-    <p:sldId id="329" r:id="rId29"/>
-    <p:sldId id="330" r:id="rId30"/>
-    <p:sldId id="331" r:id="rId31"/>
-    <p:sldId id="332" r:id="rId32"/>
-    <p:sldId id="323" r:id="rId33"/>
-    <p:sldId id="334" r:id="rId34"/>
-    <p:sldId id="333" r:id="rId35"/>
-    <p:sldId id="320" r:id="rId36"/>
-    <p:sldId id="321" r:id="rId37"/>
-    <p:sldId id="322" r:id="rId38"/>
-    <p:sldId id="269" r:id="rId39"/>
+    <p:sldId id="335" r:id="rId11"/>
+    <p:sldId id="307" r:id="rId12"/>
+    <p:sldId id="309" r:id="rId13"/>
+    <p:sldId id="308" r:id="rId14"/>
+    <p:sldId id="310" r:id="rId15"/>
+    <p:sldId id="311" r:id="rId16"/>
+    <p:sldId id="312" r:id="rId17"/>
+    <p:sldId id="313" r:id="rId18"/>
+    <p:sldId id="314" r:id="rId19"/>
+    <p:sldId id="315" r:id="rId20"/>
+    <p:sldId id="316" r:id="rId21"/>
+    <p:sldId id="317" r:id="rId22"/>
+    <p:sldId id="318" r:id="rId23"/>
+    <p:sldId id="319" r:id="rId24"/>
+    <p:sldId id="324" r:id="rId25"/>
+    <p:sldId id="325" r:id="rId26"/>
+    <p:sldId id="326" r:id="rId27"/>
+    <p:sldId id="327" r:id="rId28"/>
+    <p:sldId id="328" r:id="rId29"/>
+    <p:sldId id="329" r:id="rId30"/>
+    <p:sldId id="330" r:id="rId31"/>
+    <p:sldId id="331" r:id="rId32"/>
+    <p:sldId id="332" r:id="rId33"/>
+    <p:sldId id="323" r:id="rId34"/>
+    <p:sldId id="334" r:id="rId35"/>
+    <p:sldId id="333" r:id="rId36"/>
+    <p:sldId id="320" r:id="rId37"/>
+    <p:sldId id="321" r:id="rId38"/>
+    <p:sldId id="322" r:id="rId39"/>
+    <p:sldId id="269" r:id="rId40"/>
   </p:sldIdLst>
   <p:sldSz cx="9144000" cy="6858000" type="screen4x3"/>
   <p:notesSz cx="6858000" cy="9144000"/>
@@ -332,7 +333,7 @@
           <a:p>
             <a:fld id="{8F235549-BF0A-4B98-8561-3786244E808C}" type="datetimeFigureOut">
               <a:rPr lang="en-US" smtClean="0"/>
-              <a:t>3/20/2018</a:t>
+              <a:t>3/22/2018</a:t>
             </a:fld>
             <a:endParaRPr lang="en-US"/>
           </a:p>
@@ -532,7 +533,7 @@
           <a:p>
             <a:fld id="{8F235549-BF0A-4B98-8561-3786244E808C}" type="datetimeFigureOut">
               <a:rPr lang="en-US" smtClean="0"/>
-              <a:t>3/20/2018</a:t>
+              <a:t>3/22/2018</a:t>
             </a:fld>
             <a:endParaRPr lang="en-US"/>
           </a:p>
@@ -707,7 +708,7 @@
           <a:p>
             <a:fld id="{8F235549-BF0A-4B98-8561-3786244E808C}" type="datetimeFigureOut">
               <a:rPr lang="en-US" smtClean="0"/>
-              <a:t>3/20/2018</a:t>
+              <a:t>3/22/2018</a:t>
             </a:fld>
             <a:endParaRPr lang="en-US"/>
           </a:p>
@@ -872,7 +873,7 @@
           <a:p>
             <a:fld id="{8F235549-BF0A-4B98-8561-3786244E808C}" type="datetimeFigureOut">
               <a:rPr lang="en-US" smtClean="0"/>
-              <a:t>3/20/2018</a:t>
+              <a:t>3/22/2018</a:t>
             </a:fld>
             <a:endParaRPr lang="en-US"/>
           </a:p>
@@ -1120,7 +1121,7 @@
           <a:p>
             <a:fld id="{8F235549-BF0A-4B98-8561-3786244E808C}" type="datetimeFigureOut">
               <a:rPr lang="en-US" smtClean="0"/>
-              <a:t>3/20/2018</a:t>
+              <a:t>3/22/2018</a:t>
             </a:fld>
             <a:endParaRPr lang="en-US"/>
           </a:p>
@@ -1438,7 +1439,7 @@
           <a:p>
             <a:fld id="{8F235549-BF0A-4B98-8561-3786244E808C}" type="datetimeFigureOut">
               <a:rPr lang="en-US" smtClean="0"/>
-              <a:t>3/20/2018</a:t>
+              <a:t>3/22/2018</a:t>
             </a:fld>
             <a:endParaRPr lang="en-US"/>
           </a:p>
@@ -1904,7 +1905,7 @@
           <a:p>
             <a:fld id="{8F235549-BF0A-4B98-8561-3786244E808C}" type="datetimeFigureOut">
               <a:rPr lang="en-US" smtClean="0"/>
-              <a:t>3/20/2018</a:t>
+              <a:t>3/22/2018</a:t>
             </a:fld>
             <a:endParaRPr lang="en-US"/>
           </a:p>
@@ -2052,7 +2053,7 @@
           <a:p>
             <a:fld id="{8F235549-BF0A-4B98-8561-3786244E808C}" type="datetimeFigureOut">
               <a:rPr lang="en-US" smtClean="0"/>
-              <a:t>3/20/2018</a:t>
+              <a:t>3/22/2018</a:t>
             </a:fld>
             <a:endParaRPr lang="en-US"/>
           </a:p>
@@ -2142,7 +2143,7 @@
           <a:p>
             <a:fld id="{8F235549-BF0A-4B98-8561-3786244E808C}" type="datetimeFigureOut">
               <a:rPr lang="en-US" smtClean="0"/>
-              <a:t>3/20/2018</a:t>
+              <a:t>3/22/2018</a:t>
             </a:fld>
             <a:endParaRPr lang="en-US"/>
           </a:p>
@@ -2416,7 +2417,7 @@
           <a:p>
             <a:fld id="{8F235549-BF0A-4B98-8561-3786244E808C}" type="datetimeFigureOut">
               <a:rPr lang="en-US" smtClean="0"/>
-              <a:t>3/20/2018</a:t>
+              <a:t>3/22/2018</a:t>
             </a:fld>
             <a:endParaRPr lang="en-US"/>
           </a:p>
@@ -2721,7 +2722,7 @@
           <a:p>
             <a:fld id="{8F235549-BF0A-4B98-8561-3786244E808C}" type="datetimeFigureOut">
               <a:rPr lang="en-US" smtClean="0"/>
-              <a:t>3/20/2018</a:t>
+              <a:t>3/22/2018</a:t>
             </a:fld>
             <a:endParaRPr lang="en-US"/>
           </a:p>
@@ -3019,7 +3020,7 @@
           <a:p>
             <a:fld id="{8F235549-BF0A-4B98-8561-3786244E808C}" type="datetimeFigureOut">
               <a:rPr lang="en-US" smtClean="0"/>
-              <a:t>3/20/2018</a:t>
+              <a:t>3/22/2018</a:t>
             </a:fld>
             <a:endParaRPr lang="en-US"/>
           </a:p>
@@ -3499,7 +3500,7 @@
           <a:p>
             <a:r>
               <a:rPr lang="en-US" dirty="0" smtClean="0"/>
-              <a:t>Generational GC Process</a:t>
+              <a:t>Island of Isolation</a:t>
             </a:r>
             <a:endParaRPr lang="en-US" dirty="0"/>
           </a:p>
@@ -3524,63 +3525,71 @@
           <a:p>
             <a:r>
               <a:rPr lang="en-GB" sz="1600" dirty="0"/>
-              <a:t>First, any new objects are allocated to the eden </a:t>
-            </a:r>
+              <a:t>class A { B </a:t>
+            </a:r>
+            <a:r>
+              <a:rPr lang="en-GB" sz="1600" dirty="0" err="1"/>
+              <a:t>myB</a:t>
+            </a:r>
+            <a:r>
+              <a:rPr lang="en-GB" sz="1600" dirty="0"/>
+              <a:t>; } </a:t>
+            </a:r>
+            <a:endParaRPr lang="en-GB" sz="1600" dirty="0" smtClean="0"/>
+          </a:p>
+          <a:p>
             <a:r>
               <a:rPr lang="en-GB" sz="1600" dirty="0" smtClean="0"/>
-              <a:t>space</a:t>
-            </a:r>
-          </a:p>
-          <a:p>
+              <a:t>class </a:t>
+            </a:r>
             <a:r>
               <a:rPr lang="en-GB" sz="1600" dirty="0"/>
-              <a:t>When the eden space fills up, a minor garbage </a:t>
-            </a:r>
+              <a:t>B { A </a:t>
+            </a:r>
+            <a:r>
+              <a:rPr lang="en-GB" sz="1600" dirty="0" err="1"/>
+              <a:t>myA</a:t>
+            </a:r>
+            <a:r>
+              <a:rPr lang="en-GB" sz="1600" dirty="0"/>
+              <a:t>; } </a:t>
+            </a:r>
+            <a:endParaRPr lang="en-GB" sz="1600" dirty="0" smtClean="0"/>
+          </a:p>
+          <a:p>
             <a:r>
               <a:rPr lang="en-GB" sz="1600" dirty="0" smtClean="0"/>
-              <a:t>collection </a:t>
+              <a:t>A </a:t>
+            </a:r>
+            <a:r>
+              <a:rPr lang="en-GB" sz="1600" dirty="0" err="1"/>
+              <a:t>a</a:t>
             </a:r>
             <a:r>
               <a:rPr lang="en-GB" sz="1600" dirty="0"/>
-              <a:t>is </a:t>
-            </a:r>
+              <a:t> = new A(); </a:t>
+            </a:r>
+            <a:endParaRPr lang="en-GB" sz="1600" dirty="0" smtClean="0"/>
+          </a:p>
+          <a:p>
             <a:r>
               <a:rPr lang="en-GB" sz="1600" dirty="0" smtClean="0"/>
-              <a:t>triggered</a:t>
-            </a:r>
-          </a:p>
-          <a:p>
+              <a:t>B </a:t>
+            </a:r>
+            <a:r>
+              <a:rPr lang="en-GB" sz="1600" dirty="0" err="1"/>
+              <a:t>b</a:t>
+            </a:r>
             <a:r>
               <a:rPr lang="en-GB" sz="1600" dirty="0"/>
-              <a:t>Referenced objects are moved to the first survivor space. Unreferenced objects are deleted when the eden space is </a:t>
-            </a:r>
-            <a:r>
-              <a:rPr lang="en-GB" sz="1600" dirty="0" smtClean="0"/>
-              <a:t>cleared</a:t>
-            </a:r>
-          </a:p>
-          <a:p>
-            <a:r>
-              <a:rPr lang="en-GB" sz="1600" b="1" dirty="0" smtClean="0"/>
-              <a:t>Object Aging:</a:t>
-            </a:r>
-            <a:r>
-              <a:rPr lang="en-GB" sz="1600" dirty="0" smtClean="0"/>
-              <a:t> At </a:t>
-            </a:r>
-            <a:r>
-              <a:rPr lang="en-GB" sz="1600" dirty="0"/>
-              <a:t>the next minor GC, the same thing happens for the eden space. Unreferenced objects are deleted and referenced objects are moved to a survivor space. However, in this case, they are moved to the second survivor space (S1). In addition, objects from the last minor GC on the first survivor space (S0) have their age incremented and get moved to S1. Once all surviving objects have been moved to S1, both S0 and eden are cleared. Notice we now have differently aged object in the survivor </a:t>
-            </a:r>
-            <a:r>
-              <a:rPr lang="en-GB" sz="1600" dirty="0" smtClean="0"/>
-              <a:t>space</a:t>
-            </a:r>
-          </a:p>
-          <a:p>
-            <a:r>
-              <a:rPr lang="en-GB" sz="1600" b="1" dirty="0" smtClean="0"/>
-              <a:t>Additional Aging:</a:t>
+              <a:t> = new B(); </a:t>
+            </a:r>
+            <a:endParaRPr lang="en-GB" sz="1600" dirty="0" smtClean="0"/>
+          </a:p>
+          <a:p>
+            <a:r>
+              <a:rPr lang="en-GB" sz="1600" dirty="0" err="1" smtClean="0"/>
+              <a:t>a.b</a:t>
             </a:r>
             <a:r>
               <a:rPr lang="en-GB" sz="1600" dirty="0" smtClean="0"/>
@@ -3588,33 +3597,78 @@
             </a:r>
             <a:r>
               <a:rPr lang="en-GB" sz="1600" dirty="0"/>
-              <a:t>At the next minor GC, the same process repeats. However this time the survivor spaces switch. Referenced objects are moved to S0. Surviving objects are aged. Eden and S1 are </a:t>
+              <a:t>= b; </a:t>
+            </a:r>
+            <a:r>
+              <a:rPr lang="en-GB" sz="1600" dirty="0" err="1"/>
+              <a:t>b.a</a:t>
+            </a:r>
+            <a:r>
+              <a:rPr lang="en-GB" sz="1600" dirty="0"/>
+              <a:t> = a</a:t>
             </a:r>
             <a:r>
               <a:rPr lang="en-GB" sz="1600" dirty="0" smtClean="0"/>
-              <a:t>cleared</a:t>
-            </a:r>
-          </a:p>
-          <a:p>
-            <a:r>
-              <a:rPr lang="en-GB" sz="1600" b="1" dirty="0" smtClean="0"/>
-              <a:t>Promotion:</a:t>
+              <a:t>;</a:t>
+            </a:r>
+          </a:p>
+          <a:p>
+            <a:r>
+              <a:rPr lang="en-GB" sz="1600" dirty="0"/>
+              <a:t>a = </a:t>
             </a:r>
             <a:r>
               <a:rPr lang="en-GB" sz="1600" dirty="0" smtClean="0"/>
-              <a:t> </a:t>
+              <a:t>null;</a:t>
+            </a:r>
+          </a:p>
+          <a:p>
+            <a:r>
+              <a:rPr lang="en-GB" sz="1600" dirty="0" smtClean="0"/>
+              <a:t>b </a:t>
             </a:r>
             <a:r>
               <a:rPr lang="en-GB" sz="1600" dirty="0"/>
-              <a:t>This slide demonstrates promotion. After a minor GC, when aged objects reach a certain age threshold (8 in this example) they are promoted from young generation to old generation</a:t>
-            </a:r>
+              <a:t>= null</a:t>
+            </a:r>
+            <a:r>
+              <a:rPr lang="en-GB" sz="1600" dirty="0" smtClean="0"/>
+              <a:t>;	---End</a:t>
+            </a:r>
+          </a:p>
+          <a:p>
+            <a:r>
+              <a:rPr lang="en-GB" sz="1600" dirty="0" smtClean="0"/>
+              <a:t>At the end, the reference to the outside world is null, so both object ‘a’ and ‘b’ are </a:t>
+            </a:r>
+            <a:r>
+              <a:rPr lang="en-GB" sz="1600" b="1" dirty="0" smtClean="0">
+                <a:solidFill>
+                  <a:srgbClr val="00B050"/>
+                </a:solidFill>
+              </a:rPr>
+              <a:t>eligible</a:t>
+            </a:r>
+            <a:r>
+              <a:rPr lang="en-GB" sz="1600" dirty="0" smtClean="0"/>
+              <a:t> for garbage collection</a:t>
+            </a:r>
+          </a:p>
+          <a:p>
+            <a:endParaRPr lang="en-GB" sz="1600" dirty="0"/>
+          </a:p>
+          <a:p>
+            <a:endParaRPr lang="en-GB" sz="1600" dirty="0" smtClean="0"/>
+          </a:p>
+          <a:p>
+            <a:endParaRPr lang="en-GB" sz="1600" dirty="0"/>
           </a:p>
         </p:txBody>
       </p:sp>
     </p:spTree>
     <p:extLst>
       <p:ext uri="{BB962C8B-B14F-4D97-AF65-F5344CB8AC3E}">
-        <p14:creationId xmlns:p14="http://schemas.microsoft.com/office/powerpoint/2010/main" val="446544628"/>
+        <p14:creationId xmlns:p14="http://schemas.microsoft.com/office/powerpoint/2010/main" val="2990732847"/>
       </p:ext>
     </p:extLst>
   </p:cSld>
@@ -3695,8 +3749,64 @@
           <a:lstStyle/>
           <a:p>
             <a:r>
+              <a:rPr lang="en-GB" sz="1600" dirty="0"/>
+              <a:t>First, any new objects are allocated to the eden </a:t>
+            </a:r>
+            <a:r>
+              <a:rPr lang="en-GB" sz="1600" dirty="0" smtClean="0"/>
+              <a:t>space</a:t>
+            </a:r>
+          </a:p>
+          <a:p>
+            <a:r>
+              <a:rPr lang="en-GB" sz="1600" dirty="0"/>
+              <a:t>When the eden space fills up, a minor garbage </a:t>
+            </a:r>
+            <a:r>
+              <a:rPr lang="en-GB" sz="1600" dirty="0" smtClean="0"/>
+              <a:t>collection </a:t>
+            </a:r>
+            <a:r>
+              <a:rPr lang="en-GB" sz="1600" dirty="0"/>
+              <a:t>is </a:t>
+            </a:r>
+            <a:r>
+              <a:rPr lang="en-GB" sz="1600" dirty="0" smtClean="0"/>
+              <a:t>triggered</a:t>
+            </a:r>
+          </a:p>
+          <a:p>
+            <a:r>
+              <a:rPr lang="en-GB" sz="1600" dirty="0"/>
+              <a:t>Referenced objects are moved to the first survivor space. Unreferenced objects are deleted when the eden space is </a:t>
+            </a:r>
+            <a:r>
+              <a:rPr lang="en-GB" sz="1600" dirty="0" smtClean="0"/>
+              <a:t>cleared</a:t>
+            </a:r>
+          </a:p>
+          <a:p>
+            <a:r>
               <a:rPr lang="en-GB" sz="1600" b="1" dirty="0" smtClean="0"/>
-              <a:t>Promotion Continues:</a:t>
+              <a:t>Object Aging:</a:t>
+            </a:r>
+            <a:r>
+              <a:rPr lang="en-GB" sz="1600" dirty="0" smtClean="0"/>
+              <a:t> At </a:t>
+            </a:r>
+            <a:r>
+              <a:rPr lang="en-GB" sz="1600" dirty="0"/>
+              <a:t>the next minor GC, the same thing happens for the eden space. Unreferenced objects are deleted and referenced objects are moved to a survivor space. However, in this case, they are moved to the second survivor space (S1). In addition, objects from the last minor GC on the first survivor space (S0) have their age incremented and get moved to S1. Once all surviving objects have been moved to S1, both S0 and eden are cleared. Notice we now have differently aged object in the survivor </a:t>
+            </a:r>
+            <a:r>
+              <a:rPr lang="en-GB" sz="1600" dirty="0" smtClean="0"/>
+              <a:t>space</a:t>
+            </a:r>
+          </a:p>
+          <a:p>
+            <a:r>
+              <a:rPr lang="en-GB" sz="1600" b="1" dirty="0" smtClean="0"/>
+              <a:t>Additional Aging:</a:t>
             </a:r>
             <a:r>
               <a:rPr lang="en-GB" sz="1600" dirty="0" smtClean="0"/>
@@ -3704,33 +3814,25 @@
             </a:r>
             <a:r>
               <a:rPr lang="en-GB" sz="1600" dirty="0"/>
-              <a:t>As minor GCs continue to </a:t>
+              <a:t>At the next minor GC, the same process repeats. However this time the survivor spaces switch. Referenced objects are moved to S0. Surviving objects are aged. Eden and S1 are </a:t>
             </a:r>
             <a:r>
               <a:rPr lang="en-GB" sz="1600" dirty="0" smtClean="0"/>
-              <a:t>occur </a:t>
+              <a:t>cleared</a:t>
+            </a:r>
+          </a:p>
+          <a:p>
+            <a:r>
+              <a:rPr lang="en-GB" sz="1600" b="1" dirty="0" smtClean="0"/>
+              <a:t>Promotion:</a:t>
+            </a:r>
+            <a:r>
+              <a:rPr lang="en-GB" sz="1600" dirty="0" smtClean="0"/>
+              <a:t> </a:t>
             </a:r>
             <a:r>
               <a:rPr lang="en-GB" sz="1600" dirty="0"/>
-              <a:t>objects will continue to be promoted to the old generation </a:t>
-            </a:r>
-            <a:r>
-              <a:rPr lang="en-GB" sz="1600" dirty="0" smtClean="0"/>
-              <a:t>space</a:t>
-            </a:r>
-          </a:p>
-          <a:p>
-            <a:r>
-              <a:rPr lang="en-GB" sz="1600" dirty="0"/>
-              <a:t>So that pretty much covers the entire process with the young generation. Eventually, a </a:t>
-            </a:r>
-            <a:r>
-              <a:rPr lang="en-GB" sz="1600" b="1" dirty="0"/>
-              <a:t>major GC </a:t>
-            </a:r>
-            <a:r>
-              <a:rPr lang="en-GB" sz="1600" dirty="0"/>
-              <a:t>will be performed on the old generation which cleans up and compacts that space</a:t>
+              <a:t>This slide demonstrates promotion. After a minor GC, when aged objects reach a certain age threshold (8 in this example) they are promoted from young generation to old generation</a:t>
             </a:r>
           </a:p>
         </p:txBody>
@@ -3738,7 +3840,7 @@
     </p:spTree>
     <p:extLst>
       <p:ext uri="{BB962C8B-B14F-4D97-AF65-F5344CB8AC3E}">
-        <p14:creationId xmlns:p14="http://schemas.microsoft.com/office/powerpoint/2010/main" val="3493127988"/>
+        <p14:creationId xmlns:p14="http://schemas.microsoft.com/office/powerpoint/2010/main" val="446544628"/>
       </p:ext>
     </p:extLst>
   </p:cSld>
@@ -3795,6 +3897,130 @@
           <a:p>
             <a:r>
               <a:rPr lang="en-US" dirty="0" smtClean="0"/>
+              <a:t>Generational GC Process</a:t>
+            </a:r>
+            <a:endParaRPr lang="en-US" dirty="0"/>
+          </a:p>
+        </p:txBody>
+      </p:sp>
+      <p:sp>
+        <p:nvSpPr>
+          <p:cNvPr id="3" name="Content Placeholder 2"/>
+          <p:cNvSpPr>
+            <a:spLocks noGrp="1"/>
+          </p:cNvSpPr>
+          <p:nvPr>
+            <p:ph idx="1"/>
+          </p:nvPr>
+        </p:nvSpPr>
+        <p:spPr/>
+        <p:txBody>
+          <a:bodyPr>
+            <a:normAutofit/>
+          </a:bodyPr>
+          <a:lstStyle/>
+          <a:p>
+            <a:r>
+              <a:rPr lang="en-GB" sz="1600" b="1" dirty="0" smtClean="0"/>
+              <a:t>Promotion Continues:</a:t>
+            </a:r>
+            <a:r>
+              <a:rPr lang="en-GB" sz="1600" dirty="0" smtClean="0"/>
+              <a:t> </a:t>
+            </a:r>
+            <a:r>
+              <a:rPr lang="en-GB" sz="1600" dirty="0"/>
+              <a:t>As minor GCs continue to </a:t>
+            </a:r>
+            <a:r>
+              <a:rPr lang="en-GB" sz="1600" dirty="0" smtClean="0"/>
+              <a:t>occur </a:t>
+            </a:r>
+            <a:r>
+              <a:rPr lang="en-GB" sz="1600" dirty="0"/>
+              <a:t>objects will continue to be promoted to the old generation </a:t>
+            </a:r>
+            <a:r>
+              <a:rPr lang="en-GB" sz="1600" dirty="0" smtClean="0"/>
+              <a:t>space</a:t>
+            </a:r>
+          </a:p>
+          <a:p>
+            <a:r>
+              <a:rPr lang="en-GB" sz="1600" dirty="0"/>
+              <a:t>So that pretty much covers the entire process with the young generation. Eventually, a </a:t>
+            </a:r>
+            <a:r>
+              <a:rPr lang="en-GB" sz="1600" b="1" dirty="0"/>
+              <a:t>major GC </a:t>
+            </a:r>
+            <a:r>
+              <a:rPr lang="en-GB" sz="1600" dirty="0"/>
+              <a:t>will be performed on the old generation which cleans up and compacts that space</a:t>
+            </a:r>
+          </a:p>
+        </p:txBody>
+      </p:sp>
+    </p:spTree>
+    <p:extLst>
+      <p:ext uri="{BB962C8B-B14F-4D97-AF65-F5344CB8AC3E}">
+        <p14:creationId xmlns:p14="http://schemas.microsoft.com/office/powerpoint/2010/main" val="3493127988"/>
+      </p:ext>
+    </p:extLst>
+  </p:cSld>
+  <p:clrMapOvr>
+    <a:masterClrMapping/>
+  </p:clrMapOvr>
+  <p:timing>
+    <p:tnLst>
+      <p:par>
+        <p:cTn id="1" dur="indefinite" restart="never" nodeType="tmRoot"/>
+      </p:par>
+    </p:tnLst>
+  </p:timing>
+</p:sld>
+</file>
+
+<file path=ppt/slides/slide13.xml><?xml version="1.0" encoding="utf-8"?>
+<p:sld xmlns:a="http://schemas.openxmlformats.org/drawingml/2006/main" xmlns:r="http://schemas.openxmlformats.org/officeDocument/2006/relationships" xmlns:p="http://schemas.openxmlformats.org/presentationml/2006/main">
+  <p:cSld>
+    <p:bg>
+      <p:bgPr>
+        <a:noFill/>
+        <a:effectLst/>
+      </p:bgPr>
+    </p:bg>
+    <p:spTree>
+      <p:nvGrpSpPr>
+        <p:cNvPr id="1" name=""/>
+        <p:cNvGrpSpPr/>
+        <p:nvPr/>
+      </p:nvGrpSpPr>
+      <p:grpSpPr>
+        <a:xfrm>
+          <a:off x="0" y="0"/>
+          <a:ext cx="0" cy="0"/>
+          <a:chOff x="0" y="0"/>
+          <a:chExt cx="0" cy="0"/>
+        </a:xfrm>
+      </p:grpSpPr>
+      <p:sp>
+        <p:nvSpPr>
+          <p:cNvPr id="2" name="Title 1"/>
+          <p:cNvSpPr>
+            <a:spLocks noGrp="1"/>
+          </p:cNvSpPr>
+          <p:nvPr>
+            <p:ph type="title"/>
+          </p:nvPr>
+        </p:nvSpPr>
+        <p:spPr/>
+        <p:txBody>
+          <a:bodyPr/>
+          <a:lstStyle/>
+          <a:p>
+            <a:r>
+              <a:rPr lang="en-US" dirty="0" smtClean="0"/>
               <a:t>Garbage Collector Tools</a:t>
             </a:r>
             <a:endParaRPr lang="en-US" dirty="0"/>
@@ -3852,7 +4078,7 @@
 </p:sld>
 </file>
 
-<file path=ppt/slides/slide13.xml><?xml version="1.0" encoding="utf-8"?>
+<file path=ppt/slides/slide14.xml><?xml version="1.0" encoding="utf-8"?>
 <p:sld xmlns:a="http://schemas.openxmlformats.org/drawingml/2006/main" xmlns:r="http://schemas.openxmlformats.org/officeDocument/2006/relationships" xmlns:p="http://schemas.openxmlformats.org/presentationml/2006/main">
   <p:cSld>
     <p:bg>
@@ -4732,7 +4958,7 @@
 </p:sld>
 </file>
 
-<file path=ppt/slides/slide14.xml><?xml version="1.0" encoding="utf-8"?>
+<file path=ppt/slides/slide15.xml><?xml version="1.0" encoding="utf-8"?>
 <p:sld xmlns:a="http://schemas.openxmlformats.org/drawingml/2006/main" xmlns:r="http://schemas.openxmlformats.org/officeDocument/2006/relationships" xmlns:p="http://schemas.openxmlformats.org/presentationml/2006/main">
   <p:cSld>
     <p:bg>
@@ -5055,7 +5281,7 @@
 </p:sld>
 </file>
 
-<file path=ppt/slides/slide15.xml><?xml version="1.0" encoding="utf-8"?>
+<file path=ppt/slides/slide16.xml><?xml version="1.0" encoding="utf-8"?>
 <p:sld xmlns:a="http://schemas.openxmlformats.org/drawingml/2006/main" xmlns:r="http://schemas.openxmlformats.org/officeDocument/2006/relationships" xmlns:p="http://schemas.openxmlformats.org/presentationml/2006/main">
   <p:cSld>
     <p:bg>
@@ -5414,7 +5640,7 @@
 </p:sld>
 </file>
 
-<file path=ppt/slides/slide16.xml><?xml version="1.0" encoding="utf-8"?>
+<file path=ppt/slides/slide17.xml><?xml version="1.0" encoding="utf-8"?>
 <p:sld xmlns:a="http://schemas.openxmlformats.org/drawingml/2006/main" xmlns:r="http://schemas.openxmlformats.org/officeDocument/2006/relationships" xmlns:p="http://schemas.openxmlformats.org/presentationml/2006/main">
   <p:cSld>
     <p:bg>
@@ -5720,7 +5946,7 @@
 </p:sld>
 </file>
 
-<file path=ppt/slides/slide17.xml><?xml version="1.0" encoding="utf-8"?>
+<file path=ppt/slides/slide18.xml><?xml version="1.0" encoding="utf-8"?>
 <p:sld xmlns:a="http://schemas.openxmlformats.org/drawingml/2006/main" xmlns:r="http://schemas.openxmlformats.org/officeDocument/2006/relationships" xmlns:p="http://schemas.openxmlformats.org/presentationml/2006/main">
   <p:cSld>
     <p:bg>
@@ -6075,7 +6301,7 @@
 </p:sld>
 </file>
 
-<file path=ppt/slides/slide18.xml><?xml version="1.0" encoding="utf-8"?>
+<file path=ppt/slides/slide19.xml><?xml version="1.0" encoding="utf-8"?>
 <p:sld xmlns:a="http://schemas.openxmlformats.org/drawingml/2006/main" xmlns:r="http://schemas.openxmlformats.org/officeDocument/2006/relationships" xmlns:p="http://schemas.openxmlformats.org/presentationml/2006/main">
   <p:cSld>
     <p:bg>
@@ -6353,7 +6579,191 @@
 </p:sld>
 </file>
 
-<file path=ppt/slides/slide19.xml><?xml version="1.0" encoding="utf-8"?>
+<file path=ppt/slides/slide2.xml><?xml version="1.0" encoding="utf-8"?>
+<p:sld xmlns:a="http://schemas.openxmlformats.org/drawingml/2006/main" xmlns:r="http://schemas.openxmlformats.org/officeDocument/2006/relationships" xmlns:p="http://schemas.openxmlformats.org/presentationml/2006/main">
+  <p:cSld>
+    <p:spTree>
+      <p:nvGrpSpPr>
+        <p:cNvPr id="1" name=""/>
+        <p:cNvGrpSpPr/>
+        <p:nvPr/>
+      </p:nvGrpSpPr>
+      <p:grpSpPr>
+        <a:xfrm>
+          <a:off x="0" y="0"/>
+          <a:ext cx="0" cy="0"/>
+          <a:chOff x="0" y="0"/>
+          <a:chExt cx="0" cy="0"/>
+        </a:xfrm>
+      </p:grpSpPr>
+      <p:sp>
+        <p:nvSpPr>
+          <p:cNvPr id="2" name="Title 1"/>
+          <p:cNvSpPr>
+            <a:spLocks noGrp="1"/>
+          </p:cNvSpPr>
+          <p:nvPr>
+            <p:ph type="title"/>
+          </p:nvPr>
+        </p:nvSpPr>
+        <p:spPr/>
+        <p:txBody>
+          <a:bodyPr/>
+          <a:lstStyle/>
+          <a:p>
+            <a:r>
+              <a:rPr lang="en-US" dirty="0" smtClean="0"/>
+              <a:t>Java – Class Loader</a:t>
+            </a:r>
+            <a:endParaRPr lang="en-US" dirty="0"/>
+          </a:p>
+        </p:txBody>
+      </p:sp>
+      <p:sp>
+        <p:nvSpPr>
+          <p:cNvPr id="3" name="Content Placeholder 2"/>
+          <p:cNvSpPr>
+            <a:spLocks noGrp="1"/>
+          </p:cNvSpPr>
+          <p:nvPr>
+            <p:ph idx="1"/>
+          </p:nvPr>
+        </p:nvSpPr>
+        <p:spPr/>
+        <p:txBody>
+          <a:bodyPr>
+            <a:normAutofit/>
+          </a:bodyPr>
+          <a:lstStyle/>
+          <a:p>
+            <a:r>
+              <a:rPr lang="en-GB" sz="1600" dirty="0"/>
+              <a:t>The </a:t>
+            </a:r>
+            <a:r>
+              <a:rPr lang="en-GB" sz="1600" b="1" dirty="0"/>
+              <a:t>Java Classloader</a:t>
+            </a:r>
+            <a:r>
+              <a:rPr lang="en-GB" sz="1600" dirty="0"/>
+              <a:t> is a part of the Java Runtime Environment that dynamically loads Java classes into the Java Virtual Machine</a:t>
+            </a:r>
+            <a:r>
+              <a:rPr lang="en-GB" sz="1600" dirty="0" smtClean="0"/>
+              <a:t>.</a:t>
+            </a:r>
+            <a:r>
+              <a:rPr lang="en-GB" sz="1600" dirty="0"/>
+              <a:t> Usually classes are only loaded on demand. The Java run time system does not need to know about files and file systems because of classloaders. Delegation is an important concept to understand when learning about </a:t>
+            </a:r>
+            <a:r>
+              <a:rPr lang="en-GB" sz="1600" dirty="0" smtClean="0"/>
+              <a:t>classloaders</a:t>
+            </a:r>
+            <a:endParaRPr lang="en-GB" sz="1600" dirty="0"/>
+          </a:p>
+          <a:p>
+            <a:r>
+              <a:rPr lang="en-GB" sz="1400" dirty="0"/>
+              <a:t>When the JVM is started, three class loaders are used</a:t>
+            </a:r>
+            <a:r>
+              <a:rPr lang="en-GB" sz="1400" dirty="0" smtClean="0"/>
+              <a:t>:</a:t>
+            </a:r>
+            <a:endParaRPr lang="en-GB" sz="1400" dirty="0"/>
+          </a:p>
+          <a:p>
+            <a:pPr lvl="1">
+              <a:buFont typeface="Wingdings" panose="05000000000000000000" pitchFamily="2" charset="2"/>
+              <a:buChar char="Ø"/>
+            </a:pPr>
+            <a:r>
+              <a:rPr lang="en-GB" sz="1400" dirty="0"/>
+              <a:t>Bootstrap class </a:t>
+            </a:r>
+            <a:r>
+              <a:rPr lang="en-GB" sz="1400" dirty="0" smtClean="0"/>
+              <a:t>loader - </a:t>
+            </a:r>
+            <a:r>
+              <a:rPr lang="en-US" sz="1400" dirty="0"/>
+              <a:t>&lt;JAVA_HOME&gt;/</a:t>
+            </a:r>
+            <a:r>
+              <a:rPr lang="en-US" sz="1400" dirty="0" err="1"/>
+              <a:t>jre</a:t>
+            </a:r>
+            <a:r>
+              <a:rPr lang="en-US" sz="1400" dirty="0"/>
+              <a:t>/lib</a:t>
+            </a:r>
+            <a:endParaRPr lang="en-GB" sz="1400" dirty="0"/>
+          </a:p>
+          <a:p>
+            <a:pPr lvl="1">
+              <a:buFont typeface="Wingdings" panose="05000000000000000000" pitchFamily="2" charset="2"/>
+              <a:buChar char="Ø"/>
+            </a:pPr>
+            <a:r>
+              <a:rPr lang="en-GB" sz="1400" dirty="0"/>
+              <a:t>Extensions class </a:t>
+            </a:r>
+            <a:r>
+              <a:rPr lang="en-GB" sz="1400" dirty="0" smtClean="0"/>
+              <a:t>loader - </a:t>
+            </a:r>
+            <a:r>
+              <a:rPr lang="en-US" sz="1400" dirty="0"/>
+              <a:t>&lt;JAVA_HOME&gt;/jre/lib/</a:t>
+            </a:r>
+            <a:r>
+              <a:rPr lang="en-US" sz="1400" dirty="0" err="1"/>
+              <a:t>ext</a:t>
+            </a:r>
+            <a:endParaRPr lang="en-GB" sz="1400" dirty="0"/>
+          </a:p>
+          <a:p>
+            <a:pPr lvl="1">
+              <a:buFont typeface="Wingdings" panose="05000000000000000000" pitchFamily="2" charset="2"/>
+              <a:buChar char="Ø"/>
+            </a:pPr>
+            <a:r>
+              <a:rPr lang="en-GB" sz="1400" dirty="0"/>
+              <a:t>System class </a:t>
+            </a:r>
+            <a:r>
+              <a:rPr lang="en-GB" sz="1400" dirty="0" smtClean="0"/>
+              <a:t>loader – CLASSPATH environment variable</a:t>
+            </a:r>
+            <a:endParaRPr lang="en-GB" sz="1400" dirty="0"/>
+          </a:p>
+          <a:p>
+            <a:endParaRPr lang="en-GB" sz="1400" dirty="0"/>
+          </a:p>
+        </p:txBody>
+      </p:sp>
+    </p:spTree>
+    <p:extLst>
+      <p:ext uri="{BB962C8B-B14F-4D97-AF65-F5344CB8AC3E}">
+        <p14:creationId xmlns:p14="http://schemas.microsoft.com/office/powerpoint/2010/main" val="3578744401"/>
+      </p:ext>
+    </p:extLst>
+  </p:cSld>
+  <p:clrMapOvr>
+    <a:masterClrMapping/>
+  </p:clrMapOvr>
+  <p:timing>
+    <p:tnLst>
+      <p:par>
+        <p:cTn id="1" dur="indefinite" restart="never" nodeType="tmRoot"/>
+      </p:par>
+    </p:tnLst>
+  </p:timing>
+</p:sld>
+</file>
+
+<file path=ppt/slides/slide20.xml><?xml version="1.0" encoding="utf-8"?>
 <p:sld xmlns:a="http://schemas.openxmlformats.org/drawingml/2006/main" xmlns:r="http://schemas.openxmlformats.org/officeDocument/2006/relationships" xmlns:p="http://schemas.openxmlformats.org/presentationml/2006/main">
   <p:cSld>
     <p:bg>
@@ -6660,191 +7070,7 @@
 </p:sld>
 </file>
 
-<file path=ppt/slides/slide2.xml><?xml version="1.0" encoding="utf-8"?>
-<p:sld xmlns:a="http://schemas.openxmlformats.org/drawingml/2006/main" xmlns:r="http://schemas.openxmlformats.org/officeDocument/2006/relationships" xmlns:p="http://schemas.openxmlformats.org/presentationml/2006/main">
-  <p:cSld>
-    <p:spTree>
-      <p:nvGrpSpPr>
-        <p:cNvPr id="1" name=""/>
-        <p:cNvGrpSpPr/>
-        <p:nvPr/>
-      </p:nvGrpSpPr>
-      <p:grpSpPr>
-        <a:xfrm>
-          <a:off x="0" y="0"/>
-          <a:ext cx="0" cy="0"/>
-          <a:chOff x="0" y="0"/>
-          <a:chExt cx="0" cy="0"/>
-        </a:xfrm>
-      </p:grpSpPr>
-      <p:sp>
-        <p:nvSpPr>
-          <p:cNvPr id="2" name="Title 1"/>
-          <p:cNvSpPr>
-            <a:spLocks noGrp="1"/>
-          </p:cNvSpPr>
-          <p:nvPr>
-            <p:ph type="title"/>
-          </p:nvPr>
-        </p:nvSpPr>
-        <p:spPr/>
-        <p:txBody>
-          <a:bodyPr/>
-          <a:lstStyle/>
-          <a:p>
-            <a:r>
-              <a:rPr lang="en-US" dirty="0" smtClean="0"/>
-              <a:t>Java – Class Loader</a:t>
-            </a:r>
-            <a:endParaRPr lang="en-US" dirty="0"/>
-          </a:p>
-        </p:txBody>
-      </p:sp>
-      <p:sp>
-        <p:nvSpPr>
-          <p:cNvPr id="3" name="Content Placeholder 2"/>
-          <p:cNvSpPr>
-            <a:spLocks noGrp="1"/>
-          </p:cNvSpPr>
-          <p:nvPr>
-            <p:ph idx="1"/>
-          </p:nvPr>
-        </p:nvSpPr>
-        <p:spPr/>
-        <p:txBody>
-          <a:bodyPr>
-            <a:normAutofit/>
-          </a:bodyPr>
-          <a:lstStyle/>
-          <a:p>
-            <a:r>
-              <a:rPr lang="en-GB" sz="1600" dirty="0"/>
-              <a:t>The </a:t>
-            </a:r>
-            <a:r>
-              <a:rPr lang="en-GB" sz="1600" b="1" dirty="0"/>
-              <a:t>Java Classloader</a:t>
-            </a:r>
-            <a:r>
-              <a:rPr lang="en-GB" sz="1600" dirty="0"/>
-              <a:t> is a part of the Java Runtime Environment that dynamically loads Java classes into the Java Virtual Machine</a:t>
-            </a:r>
-            <a:r>
-              <a:rPr lang="en-GB" sz="1600" dirty="0" smtClean="0"/>
-              <a:t>.</a:t>
-            </a:r>
-            <a:r>
-              <a:rPr lang="en-GB" sz="1600" dirty="0"/>
-              <a:t> Usually classes are only loaded on demand. The Java run time system does not need to know about files and file systems because of classloaders. Delegation is an important concept to understand when learning about </a:t>
-            </a:r>
-            <a:r>
-              <a:rPr lang="en-GB" sz="1600" dirty="0" smtClean="0"/>
-              <a:t>classloaders</a:t>
-            </a:r>
-            <a:endParaRPr lang="en-GB" sz="1600" dirty="0"/>
-          </a:p>
-          <a:p>
-            <a:r>
-              <a:rPr lang="en-GB" sz="1400" dirty="0"/>
-              <a:t>When the JVM is started, three class loaders are used</a:t>
-            </a:r>
-            <a:r>
-              <a:rPr lang="en-GB" sz="1400" dirty="0" smtClean="0"/>
-              <a:t>:</a:t>
-            </a:r>
-            <a:endParaRPr lang="en-GB" sz="1400" dirty="0"/>
-          </a:p>
-          <a:p>
-            <a:pPr lvl="1">
-              <a:buFont typeface="Wingdings" panose="05000000000000000000" pitchFamily="2" charset="2"/>
-              <a:buChar char="Ø"/>
-            </a:pPr>
-            <a:r>
-              <a:rPr lang="en-GB" sz="1400" dirty="0"/>
-              <a:t>Bootstrap class </a:t>
-            </a:r>
-            <a:r>
-              <a:rPr lang="en-GB" sz="1400" dirty="0" smtClean="0"/>
-              <a:t>loader - </a:t>
-            </a:r>
-            <a:r>
-              <a:rPr lang="en-US" sz="1400" dirty="0"/>
-              <a:t>&lt;JAVA_HOME&gt;/</a:t>
-            </a:r>
-            <a:r>
-              <a:rPr lang="en-US" sz="1400" dirty="0" err="1"/>
-              <a:t>jre</a:t>
-            </a:r>
-            <a:r>
-              <a:rPr lang="en-US" sz="1400" dirty="0"/>
-              <a:t>/lib</a:t>
-            </a:r>
-            <a:endParaRPr lang="en-GB" sz="1400" dirty="0"/>
-          </a:p>
-          <a:p>
-            <a:pPr lvl="1">
-              <a:buFont typeface="Wingdings" panose="05000000000000000000" pitchFamily="2" charset="2"/>
-              <a:buChar char="Ø"/>
-            </a:pPr>
-            <a:r>
-              <a:rPr lang="en-GB" sz="1400" dirty="0"/>
-              <a:t>Extensions class </a:t>
-            </a:r>
-            <a:r>
-              <a:rPr lang="en-GB" sz="1400" dirty="0" smtClean="0"/>
-              <a:t>loader - </a:t>
-            </a:r>
-            <a:r>
-              <a:rPr lang="en-US" sz="1400" dirty="0"/>
-              <a:t>&lt;JAVA_HOME&gt;/jre/lib/</a:t>
-            </a:r>
-            <a:r>
-              <a:rPr lang="en-US" sz="1400" dirty="0" err="1"/>
-              <a:t>ext</a:t>
-            </a:r>
-            <a:endParaRPr lang="en-GB" sz="1400" dirty="0"/>
-          </a:p>
-          <a:p>
-            <a:pPr lvl="1">
-              <a:buFont typeface="Wingdings" panose="05000000000000000000" pitchFamily="2" charset="2"/>
-              <a:buChar char="Ø"/>
-            </a:pPr>
-            <a:r>
-              <a:rPr lang="en-GB" sz="1400" dirty="0"/>
-              <a:t>System class </a:t>
-            </a:r>
-            <a:r>
-              <a:rPr lang="en-GB" sz="1400" dirty="0" smtClean="0"/>
-              <a:t>loader – CLASSPATH environment variable</a:t>
-            </a:r>
-            <a:endParaRPr lang="en-GB" sz="1400" dirty="0"/>
-          </a:p>
-          <a:p>
-            <a:endParaRPr lang="en-GB" sz="1400" dirty="0"/>
-          </a:p>
-        </p:txBody>
-      </p:sp>
-    </p:spTree>
-    <p:extLst>
-      <p:ext uri="{BB962C8B-B14F-4D97-AF65-F5344CB8AC3E}">
-        <p14:creationId xmlns:p14="http://schemas.microsoft.com/office/powerpoint/2010/main" val="3578744401"/>
-      </p:ext>
-    </p:extLst>
-  </p:cSld>
-  <p:clrMapOvr>
-    <a:masterClrMapping/>
-  </p:clrMapOvr>
-  <p:timing>
-    <p:tnLst>
-      <p:par>
-        <p:cTn id="1" dur="indefinite" restart="never" nodeType="tmRoot"/>
-      </p:par>
-    </p:tnLst>
-  </p:timing>
-</p:sld>
-</file>
-
-<file path=ppt/slides/slide20.xml><?xml version="1.0" encoding="utf-8"?>
+<file path=ppt/slides/slide21.xml><?xml version="1.0" encoding="utf-8"?>
 <p:sld xmlns:a="http://schemas.openxmlformats.org/drawingml/2006/main" xmlns:r="http://schemas.openxmlformats.org/officeDocument/2006/relationships" xmlns:p="http://schemas.openxmlformats.org/presentationml/2006/main">
   <p:cSld>
     <p:bg>
@@ -8189,7 +8415,7 @@
 </p:sld>
 </file>
 
-<file path=ppt/slides/slide21.xml><?xml version="1.0" encoding="utf-8"?>
+<file path=ppt/slides/slide22.xml><?xml version="1.0" encoding="utf-8"?>
 <p:sld xmlns:a="http://schemas.openxmlformats.org/drawingml/2006/main" xmlns:r="http://schemas.openxmlformats.org/officeDocument/2006/relationships" xmlns:p="http://schemas.openxmlformats.org/presentationml/2006/main">
   <p:cSld>
     <p:bg>
@@ -9081,7 +9307,7 @@
 </p:sld>
 </file>
 
-<file path=ppt/slides/slide22.xml><?xml version="1.0" encoding="utf-8"?>
+<file path=ppt/slides/slide23.xml><?xml version="1.0" encoding="utf-8"?>
 <p:sld xmlns:a="http://schemas.openxmlformats.org/drawingml/2006/main" xmlns:r="http://schemas.openxmlformats.org/officeDocument/2006/relationships" xmlns:p="http://schemas.openxmlformats.org/presentationml/2006/main">
   <p:cSld>
     <p:bg>
@@ -9913,7 +10139,7 @@
 </p:sld>
 </file>
 
-<file path=ppt/slides/slide23.xml><?xml version="1.0" encoding="utf-8"?>
+<file path=ppt/slides/slide24.xml><?xml version="1.0" encoding="utf-8"?>
 <p:sld xmlns:a="http://schemas.openxmlformats.org/drawingml/2006/main" xmlns:r="http://schemas.openxmlformats.org/officeDocument/2006/relationships" xmlns:p="http://schemas.openxmlformats.org/presentationml/2006/main">
   <p:cSld>
     <p:bg>
@@ -10182,7 +10408,7 @@
 </p:sld>
 </file>
 
-<file path=ppt/slides/slide24.xml><?xml version="1.0" encoding="utf-8"?>
+<file path=ppt/slides/slide25.xml><?xml version="1.0" encoding="utf-8"?>
 <p:sld xmlns:a="http://schemas.openxmlformats.org/drawingml/2006/main" xmlns:r="http://schemas.openxmlformats.org/officeDocument/2006/relationships" xmlns:p="http://schemas.openxmlformats.org/presentationml/2006/main">
   <p:cSld>
     <p:bg>
@@ -10500,7 +10726,7 @@
 </p:sld>
 </file>
 
-<file path=ppt/slides/slide25.xml><?xml version="1.0" encoding="utf-8"?>
+<file path=ppt/slides/slide26.xml><?xml version="1.0" encoding="utf-8"?>
 <p:sld xmlns:a="http://schemas.openxmlformats.org/drawingml/2006/main" xmlns:r="http://schemas.openxmlformats.org/officeDocument/2006/relationships" xmlns:p="http://schemas.openxmlformats.org/presentationml/2006/main">
   <p:cSld>
     <p:bg>
@@ -11166,7 +11392,7 @@
 </p:sld>
 </file>
 
-<file path=ppt/slides/slide26.xml><?xml version="1.0" encoding="utf-8"?>
+<file path=ppt/slides/slide27.xml><?xml version="1.0" encoding="utf-8"?>
 <p:sld xmlns:a="http://schemas.openxmlformats.org/drawingml/2006/main" xmlns:r="http://schemas.openxmlformats.org/officeDocument/2006/relationships" xmlns:p="http://schemas.openxmlformats.org/presentationml/2006/main">
   <p:cSld>
     <p:bg>
@@ -11517,7 +11743,7 @@
 </p:sld>
 </file>
 
-<file path=ppt/slides/slide27.xml><?xml version="1.0" encoding="utf-8"?>
+<file path=ppt/slides/slide28.xml><?xml version="1.0" encoding="utf-8"?>
 <p:sld xmlns:a="http://schemas.openxmlformats.org/drawingml/2006/main" xmlns:r="http://schemas.openxmlformats.org/officeDocument/2006/relationships" xmlns:p="http://schemas.openxmlformats.org/presentationml/2006/main">
   <p:cSld>
     <p:bg>
@@ -11773,7 +11999,7 @@
 </p:sld>
 </file>
 
-<file path=ppt/slides/slide28.xml><?xml version="1.0" encoding="utf-8"?>
+<file path=ppt/slides/slide29.xml><?xml version="1.0" encoding="utf-8"?>
 <p:sld xmlns:a="http://schemas.openxmlformats.org/drawingml/2006/main" xmlns:r="http://schemas.openxmlformats.org/officeDocument/2006/relationships" xmlns:p="http://schemas.openxmlformats.org/presentationml/2006/main">
   <p:cSld>
     <p:bg>
@@ -12089,303 +12315,6 @@
     <p:extLst>
       <p:ext uri="{BB962C8B-B14F-4D97-AF65-F5344CB8AC3E}">
         <p14:creationId xmlns:p14="http://schemas.microsoft.com/office/powerpoint/2010/main" val="4102035703"/>
-      </p:ext>
-    </p:extLst>
-  </p:cSld>
-  <p:clrMapOvr>
-    <a:masterClrMapping/>
-  </p:clrMapOvr>
-  <p:timing>
-    <p:tnLst>
-      <p:par>
-        <p:cTn id="1" dur="indefinite" restart="never" nodeType="tmRoot"/>
-      </p:par>
-    </p:tnLst>
-  </p:timing>
-</p:sld>
-</file>
-
-<file path=ppt/slides/slide29.xml><?xml version="1.0" encoding="utf-8"?>
-<p:sld xmlns:a="http://schemas.openxmlformats.org/drawingml/2006/main" xmlns:r="http://schemas.openxmlformats.org/officeDocument/2006/relationships" xmlns:p="http://schemas.openxmlformats.org/presentationml/2006/main">
-  <p:cSld>
-    <p:bg>
-      <p:bgPr>
-        <a:noFill/>
-        <a:effectLst/>
-      </p:bgPr>
-    </p:bg>
-    <p:spTree>
-      <p:nvGrpSpPr>
-        <p:cNvPr id="1" name=""/>
-        <p:cNvGrpSpPr/>
-        <p:nvPr/>
-      </p:nvGrpSpPr>
-      <p:grpSpPr>
-        <a:xfrm>
-          <a:off x="0" y="0"/>
-          <a:ext cx="0" cy="0"/>
-          <a:chOff x="0" y="0"/>
-          <a:chExt cx="0" cy="0"/>
-        </a:xfrm>
-      </p:grpSpPr>
-      <p:sp>
-        <p:nvSpPr>
-          <p:cNvPr id="2" name="Title 1"/>
-          <p:cNvSpPr>
-            <a:spLocks noGrp="1"/>
-          </p:cNvSpPr>
-          <p:nvPr>
-            <p:ph type="title"/>
-          </p:nvPr>
-        </p:nvSpPr>
-        <p:spPr/>
-        <p:txBody>
-          <a:bodyPr>
-            <a:normAutofit/>
-          </a:bodyPr>
-          <a:lstStyle/>
-          <a:p>
-            <a:r>
-              <a:rPr lang="en-US" dirty="0" smtClean="0"/>
-              <a:t>Finally </a:t>
-            </a:r>
-            <a:r>
-              <a:rPr lang="en-US" smtClean="0"/>
-              <a:t>block execution</a:t>
-            </a:r>
-            <a:endParaRPr lang="en-US" dirty="0"/>
-          </a:p>
-        </p:txBody>
-      </p:sp>
-      <p:sp>
-        <p:nvSpPr>
-          <p:cNvPr id="5" name="Rectangle 1"/>
-          <p:cNvSpPr>
-            <a:spLocks noChangeArrowheads="1"/>
-          </p:cNvSpPr>
-          <p:nvPr/>
-        </p:nvSpPr>
-        <p:spPr bwMode="auto">
-          <a:xfrm>
-            <a:off x="457200" y="2530475"/>
-            <a:ext cx="9144000" cy="0"/>
-          </a:xfrm>
-          <a:prstGeom prst="rect">
-            <a:avLst/>
-          </a:prstGeom>
-          <a:noFill/>
-          <a:ln>
-            <a:noFill/>
-          </a:ln>
-          <a:effectLst/>
-          <a:extLst>
-            <a:ext uri="{909E8E84-426E-40DD-AFC4-6F175D3DCCD1}">
-              <a14:hiddenFill xmlns:a14="http://schemas.microsoft.com/office/drawing/2010/main">
-                <a:solidFill>
-                  <a:schemeClr val="accent1"/>
-                </a:solidFill>
-              </a14:hiddenFill>
-            </a:ext>
-            <a:ext uri="{91240B29-F687-4F45-9708-019B960494DF}">
-              <a14:hiddenLine xmlns:a14="http://schemas.microsoft.com/office/drawing/2010/main" w="9525">
-                <a:solidFill>
-                  <a:schemeClr val="tx1"/>
-                </a:solidFill>
-                <a:miter lim="800000"/>
-                <a:headEnd/>
-                <a:tailEnd/>
-              </a14:hiddenLine>
-            </a:ext>
-            <a:ext uri="{AF507438-7753-43E0-B8FC-AC1667EBCBE1}">
-              <a14:hiddenEffects xmlns:a14="http://schemas.microsoft.com/office/drawing/2010/main">
-                <a:effectLst>
-                  <a:outerShdw dist="35921" dir="2700000" algn="ctr" rotWithShape="0">
-                    <a:schemeClr val="bg2"/>
-                  </a:outerShdw>
-                </a:effectLst>
-              </a14:hiddenEffects>
-            </a:ext>
-          </a:extLst>
-        </p:spPr>
-        <p:txBody>
-          <a:bodyPr vert="horz" wrap="none" lIns="91440" tIns="45720" rIns="91440" bIns="45720" numCol="1" anchor="ctr" anchorCtr="0" compatLnSpc="1">
-            <a:prstTxWarp prst="textNoShape">
-              <a:avLst/>
-            </a:prstTxWarp>
-            <a:spAutoFit/>
-          </a:bodyPr>
-          <a:lstStyle/>
-          <a:p>
-            <a:pPr marL="0" marR="0" lvl="0" indent="0" algn="l" defTabSz="914400" rtl="0" eaLnBrk="1" fontAlgn="base" latinLnBrk="0" hangingPunct="1">
-              <a:lnSpc>
-                <a:spcPct val="100000"/>
-              </a:lnSpc>
-              <a:spcBef>
-                <a:spcPct val="0"/>
-              </a:spcBef>
-              <a:spcAft>
-                <a:spcPct val="0"/>
-              </a:spcAft>
-              <a:buClrTx/>
-              <a:buSzTx/>
-              <a:buFontTx/>
-              <a:buNone/>
-              <a:tabLst/>
-            </a:pPr>
-            <a:endParaRPr kumimoji="0" lang="en-US" altLang="en-US" sz="1800" b="0" i="0" u="none" strike="noStrike" cap="none" normalizeH="0" baseline="0" smtClean="0">
-              <a:ln>
-                <a:noFill/>
-              </a:ln>
-              <a:solidFill>
-                <a:schemeClr val="tx1"/>
-              </a:solidFill>
-              <a:effectLst/>
-              <a:latin typeface="Arial" pitchFamily="34" charset="0"/>
-              <a:cs typeface="Arial" pitchFamily="34" charset="0"/>
-            </a:endParaRPr>
-          </a:p>
-          <a:p>
-            <a:pPr marL="0" marR="0" lvl="0" indent="0" algn="l" defTabSz="914400" rtl="0" eaLnBrk="0" fontAlgn="base" latinLnBrk="0" hangingPunct="0">
-              <a:lnSpc>
-                <a:spcPct val="100000"/>
-              </a:lnSpc>
-              <a:spcBef>
-                <a:spcPct val="0"/>
-              </a:spcBef>
-              <a:spcAft>
-                <a:spcPct val="0"/>
-              </a:spcAft>
-              <a:buClrTx/>
-              <a:buSzTx/>
-              <a:buFontTx/>
-              <a:buNone/>
-              <a:tabLst/>
-            </a:pPr>
-            <a:r>
-              <a:rPr kumimoji="0" lang="en-US" altLang="en-US" sz="1800" b="0" i="0" u="none" strike="noStrike" cap="none" normalizeH="0" baseline="0" smtClean="0">
-                <a:ln>
-                  <a:noFill/>
-                </a:ln>
-                <a:solidFill>
-                  <a:schemeClr val="tx1"/>
-                </a:solidFill>
-                <a:effectLst/>
-                <a:latin typeface="Arial" pitchFamily="34" charset="0"/>
-                <a:cs typeface="Arial" pitchFamily="34" charset="0"/>
-              </a:rPr>
-              <a:t/>
-            </a:r>
-            <a:br>
-              <a:rPr kumimoji="0" lang="en-US" altLang="en-US" sz="1800" b="0" i="0" u="none" strike="noStrike" cap="none" normalizeH="0" baseline="0" smtClean="0">
-                <a:ln>
-                  <a:noFill/>
-                </a:ln>
-                <a:solidFill>
-                  <a:schemeClr val="tx1"/>
-                </a:solidFill>
-                <a:effectLst/>
-                <a:latin typeface="Arial" pitchFamily="34" charset="0"/>
-                <a:cs typeface="Arial" pitchFamily="34" charset="0"/>
-              </a:rPr>
-            </a:br>
-            <a:endParaRPr kumimoji="0" lang="en-US" altLang="en-US" sz="1800" b="0" i="0" u="none" strike="noStrike" cap="none" normalizeH="0" baseline="0" smtClean="0">
-              <a:ln>
-                <a:noFill/>
-              </a:ln>
-              <a:solidFill>
-                <a:schemeClr val="tx1"/>
-              </a:solidFill>
-              <a:effectLst/>
-              <a:latin typeface="Arial" pitchFamily="34" charset="0"/>
-              <a:cs typeface="Arial" pitchFamily="34" charset="0"/>
-            </a:endParaRPr>
-          </a:p>
-        </p:txBody>
-      </p:sp>
-      <p:sp>
-        <p:nvSpPr>
-          <p:cNvPr id="3" name="Content Placeholder 2"/>
-          <p:cNvSpPr>
-            <a:spLocks noGrp="1"/>
-          </p:cNvSpPr>
-          <p:nvPr>
-            <p:ph idx="1"/>
-          </p:nvPr>
-        </p:nvSpPr>
-        <p:spPr/>
-        <p:txBody>
-          <a:bodyPr>
-            <a:normAutofit/>
-          </a:bodyPr>
-          <a:lstStyle/>
-          <a:p>
-            <a:r>
-              <a:rPr lang="en-GB" sz="1600" dirty="0" smtClean="0"/>
-              <a:t>Finally block will not be executed during the below scenarios:-</a:t>
-            </a:r>
-          </a:p>
-          <a:p>
-            <a:pPr lvl="1"/>
-            <a:r>
-              <a:rPr lang="en-GB" sz="1400" dirty="0" smtClean="0"/>
-              <a:t>When </a:t>
-            </a:r>
-            <a:r>
-              <a:rPr lang="en-GB" sz="1400" dirty="0" err="1" smtClean="0">
-                <a:solidFill>
-                  <a:srgbClr val="FF0000"/>
-                </a:solidFill>
-              </a:rPr>
-              <a:t>System.exit</a:t>
-            </a:r>
-            <a:r>
-              <a:rPr lang="en-GB" sz="1400" dirty="0" smtClean="0">
-                <a:solidFill>
-                  <a:srgbClr val="FF0000"/>
-                </a:solidFill>
-              </a:rPr>
-              <a:t>()</a:t>
-            </a:r>
-            <a:r>
-              <a:rPr lang="en-GB" sz="1400" dirty="0" smtClean="0"/>
-              <a:t> is invoked</a:t>
-            </a:r>
-          </a:p>
-          <a:p>
-            <a:pPr lvl="1"/>
-            <a:r>
-              <a:rPr lang="en-GB" sz="1400" dirty="0" smtClean="0"/>
-              <a:t>JVM crash</a:t>
-            </a:r>
-          </a:p>
-          <a:p>
-            <a:pPr lvl="1"/>
-            <a:r>
-              <a:rPr lang="en-GB" sz="1400" dirty="0" smtClean="0"/>
-              <a:t>Infinite loop in try block</a:t>
-            </a:r>
-          </a:p>
-          <a:p>
-            <a:pPr lvl="1"/>
-            <a:r>
-              <a:rPr lang="en-GB" sz="1400" dirty="0" smtClean="0"/>
-              <a:t>OS forcibly terminates the JVM using kill command</a:t>
-            </a:r>
-          </a:p>
-          <a:p>
-            <a:pPr lvl="1"/>
-            <a:r>
-              <a:rPr lang="en-GB" sz="1400" dirty="0" smtClean="0"/>
-              <a:t>Host system dies</a:t>
-            </a:r>
-            <a:endParaRPr lang="en-GB" sz="1400" dirty="0"/>
-          </a:p>
-        </p:txBody>
-      </p:sp>
-    </p:spTree>
-    <p:extLst>
-      <p:ext uri="{BB962C8B-B14F-4D97-AF65-F5344CB8AC3E}">
-        <p14:creationId xmlns:p14="http://schemas.microsoft.com/office/powerpoint/2010/main" val="2907780066"/>
       </p:ext>
     </p:extLst>
   </p:cSld>
@@ -12643,7 +12572,11 @@
           <a:p>
             <a:r>
               <a:rPr lang="en-US" dirty="0" smtClean="0"/>
-              <a:t>Memory Leaks</a:t>
+              <a:t>Finally </a:t>
+            </a:r>
+            <a:r>
+              <a:rPr lang="en-US" smtClean="0"/>
+              <a:t>block execution</a:t>
             </a:r>
             <a:endParaRPr lang="en-US" dirty="0"/>
           </a:p>
@@ -12813,6 +12746,299 @@
           <a:p>
             <a:r>
               <a:rPr lang="en-GB" sz="1600" dirty="0" smtClean="0"/>
+              <a:t>Finally block will not be executed during the below scenarios:-</a:t>
+            </a:r>
+          </a:p>
+          <a:p>
+            <a:pPr lvl="1"/>
+            <a:r>
+              <a:rPr lang="en-GB" sz="1400" dirty="0" smtClean="0"/>
+              <a:t>When </a:t>
+            </a:r>
+            <a:r>
+              <a:rPr lang="en-GB" sz="1400" dirty="0" err="1" smtClean="0">
+                <a:solidFill>
+                  <a:srgbClr val="FF0000"/>
+                </a:solidFill>
+              </a:rPr>
+              <a:t>System.exit</a:t>
+            </a:r>
+            <a:r>
+              <a:rPr lang="en-GB" sz="1400" dirty="0" smtClean="0">
+                <a:solidFill>
+                  <a:srgbClr val="FF0000"/>
+                </a:solidFill>
+              </a:rPr>
+              <a:t>()</a:t>
+            </a:r>
+            <a:r>
+              <a:rPr lang="en-GB" sz="1400" dirty="0" smtClean="0"/>
+              <a:t> is invoked</a:t>
+            </a:r>
+          </a:p>
+          <a:p>
+            <a:pPr lvl="1"/>
+            <a:r>
+              <a:rPr lang="en-GB" sz="1400" dirty="0" smtClean="0"/>
+              <a:t>JVM crash</a:t>
+            </a:r>
+          </a:p>
+          <a:p>
+            <a:pPr lvl="1"/>
+            <a:r>
+              <a:rPr lang="en-GB" sz="1400" dirty="0" smtClean="0"/>
+              <a:t>Infinite loop in try block</a:t>
+            </a:r>
+          </a:p>
+          <a:p>
+            <a:pPr lvl="1"/>
+            <a:r>
+              <a:rPr lang="en-GB" sz="1400" dirty="0" smtClean="0"/>
+              <a:t>OS forcibly terminates the JVM using kill command</a:t>
+            </a:r>
+          </a:p>
+          <a:p>
+            <a:pPr lvl="1"/>
+            <a:r>
+              <a:rPr lang="en-GB" sz="1400" dirty="0" smtClean="0"/>
+              <a:t>Host system dies</a:t>
+            </a:r>
+            <a:endParaRPr lang="en-GB" sz="1400" dirty="0"/>
+          </a:p>
+        </p:txBody>
+      </p:sp>
+    </p:spTree>
+    <p:extLst>
+      <p:ext uri="{BB962C8B-B14F-4D97-AF65-F5344CB8AC3E}">
+        <p14:creationId xmlns:p14="http://schemas.microsoft.com/office/powerpoint/2010/main" val="2907780066"/>
+      </p:ext>
+    </p:extLst>
+  </p:cSld>
+  <p:clrMapOvr>
+    <a:masterClrMapping/>
+  </p:clrMapOvr>
+  <p:timing>
+    <p:tnLst>
+      <p:par>
+        <p:cTn id="1" dur="indefinite" restart="never" nodeType="tmRoot"/>
+      </p:par>
+    </p:tnLst>
+  </p:timing>
+</p:sld>
+</file>
+
+<file path=ppt/slides/slide31.xml><?xml version="1.0" encoding="utf-8"?>
+<p:sld xmlns:a="http://schemas.openxmlformats.org/drawingml/2006/main" xmlns:r="http://schemas.openxmlformats.org/officeDocument/2006/relationships" xmlns:p="http://schemas.openxmlformats.org/presentationml/2006/main">
+  <p:cSld>
+    <p:bg>
+      <p:bgPr>
+        <a:noFill/>
+        <a:effectLst/>
+      </p:bgPr>
+    </p:bg>
+    <p:spTree>
+      <p:nvGrpSpPr>
+        <p:cNvPr id="1" name=""/>
+        <p:cNvGrpSpPr/>
+        <p:nvPr/>
+      </p:nvGrpSpPr>
+      <p:grpSpPr>
+        <a:xfrm>
+          <a:off x="0" y="0"/>
+          <a:ext cx="0" cy="0"/>
+          <a:chOff x="0" y="0"/>
+          <a:chExt cx="0" cy="0"/>
+        </a:xfrm>
+      </p:grpSpPr>
+      <p:sp>
+        <p:nvSpPr>
+          <p:cNvPr id="2" name="Title 1"/>
+          <p:cNvSpPr>
+            <a:spLocks noGrp="1"/>
+          </p:cNvSpPr>
+          <p:nvPr>
+            <p:ph type="title"/>
+          </p:nvPr>
+        </p:nvSpPr>
+        <p:spPr/>
+        <p:txBody>
+          <a:bodyPr>
+            <a:normAutofit/>
+          </a:bodyPr>
+          <a:lstStyle/>
+          <a:p>
+            <a:r>
+              <a:rPr lang="en-US" dirty="0" smtClean="0"/>
+              <a:t>Memory Leaks</a:t>
+            </a:r>
+            <a:endParaRPr lang="en-US" dirty="0"/>
+          </a:p>
+        </p:txBody>
+      </p:sp>
+      <p:sp>
+        <p:nvSpPr>
+          <p:cNvPr id="5" name="Rectangle 1"/>
+          <p:cNvSpPr>
+            <a:spLocks noChangeArrowheads="1"/>
+          </p:cNvSpPr>
+          <p:nvPr/>
+        </p:nvSpPr>
+        <p:spPr bwMode="auto">
+          <a:xfrm>
+            <a:off x="457200" y="2530475"/>
+            <a:ext cx="9144000" cy="0"/>
+          </a:xfrm>
+          <a:prstGeom prst="rect">
+            <a:avLst/>
+          </a:prstGeom>
+          <a:noFill/>
+          <a:ln>
+            <a:noFill/>
+          </a:ln>
+          <a:effectLst/>
+          <a:extLst>
+            <a:ext uri="{909E8E84-426E-40DD-AFC4-6F175D3DCCD1}">
+              <a14:hiddenFill xmlns:a14="http://schemas.microsoft.com/office/drawing/2010/main">
+                <a:solidFill>
+                  <a:schemeClr val="accent1"/>
+                </a:solidFill>
+              </a14:hiddenFill>
+            </a:ext>
+            <a:ext uri="{91240B29-F687-4F45-9708-019B960494DF}">
+              <a14:hiddenLine xmlns:a14="http://schemas.microsoft.com/office/drawing/2010/main" w="9525">
+                <a:solidFill>
+                  <a:schemeClr val="tx1"/>
+                </a:solidFill>
+                <a:miter lim="800000"/>
+                <a:headEnd/>
+                <a:tailEnd/>
+              </a14:hiddenLine>
+            </a:ext>
+            <a:ext uri="{AF507438-7753-43E0-B8FC-AC1667EBCBE1}">
+              <a14:hiddenEffects xmlns:a14="http://schemas.microsoft.com/office/drawing/2010/main">
+                <a:effectLst>
+                  <a:outerShdw dist="35921" dir="2700000" algn="ctr" rotWithShape="0">
+                    <a:schemeClr val="bg2"/>
+                  </a:outerShdw>
+                </a:effectLst>
+              </a14:hiddenEffects>
+            </a:ext>
+          </a:extLst>
+        </p:spPr>
+        <p:txBody>
+          <a:bodyPr vert="horz" wrap="none" lIns="91440" tIns="45720" rIns="91440" bIns="45720" numCol="1" anchor="ctr" anchorCtr="0" compatLnSpc="1">
+            <a:prstTxWarp prst="textNoShape">
+              <a:avLst/>
+            </a:prstTxWarp>
+            <a:spAutoFit/>
+          </a:bodyPr>
+          <a:lstStyle/>
+          <a:p>
+            <a:pPr marL="0" marR="0" lvl="0" indent="0" algn="l" defTabSz="914400" rtl="0" eaLnBrk="1" fontAlgn="base" latinLnBrk="0" hangingPunct="1">
+              <a:lnSpc>
+                <a:spcPct val="100000"/>
+              </a:lnSpc>
+              <a:spcBef>
+                <a:spcPct val="0"/>
+              </a:spcBef>
+              <a:spcAft>
+                <a:spcPct val="0"/>
+              </a:spcAft>
+              <a:buClrTx/>
+              <a:buSzTx/>
+              <a:buFontTx/>
+              <a:buNone/>
+              <a:tabLst/>
+            </a:pPr>
+            <a:endParaRPr kumimoji="0" lang="en-US" altLang="en-US" sz="1800" b="0" i="0" u="none" strike="noStrike" cap="none" normalizeH="0" baseline="0" smtClean="0">
+              <a:ln>
+                <a:noFill/>
+              </a:ln>
+              <a:solidFill>
+                <a:schemeClr val="tx1"/>
+              </a:solidFill>
+              <a:effectLst/>
+              <a:latin typeface="Arial" pitchFamily="34" charset="0"/>
+              <a:cs typeface="Arial" pitchFamily="34" charset="0"/>
+            </a:endParaRPr>
+          </a:p>
+          <a:p>
+            <a:pPr marL="0" marR="0" lvl="0" indent="0" algn="l" defTabSz="914400" rtl="0" eaLnBrk="0" fontAlgn="base" latinLnBrk="0" hangingPunct="0">
+              <a:lnSpc>
+                <a:spcPct val="100000"/>
+              </a:lnSpc>
+              <a:spcBef>
+                <a:spcPct val="0"/>
+              </a:spcBef>
+              <a:spcAft>
+                <a:spcPct val="0"/>
+              </a:spcAft>
+              <a:buClrTx/>
+              <a:buSzTx/>
+              <a:buFontTx/>
+              <a:buNone/>
+              <a:tabLst/>
+            </a:pPr>
+            <a:r>
+              <a:rPr kumimoji="0" lang="en-US" altLang="en-US" sz="1800" b="0" i="0" u="none" strike="noStrike" cap="none" normalizeH="0" baseline="0" smtClean="0">
+                <a:ln>
+                  <a:noFill/>
+                </a:ln>
+                <a:solidFill>
+                  <a:schemeClr val="tx1"/>
+                </a:solidFill>
+                <a:effectLst/>
+                <a:latin typeface="Arial" pitchFamily="34" charset="0"/>
+                <a:cs typeface="Arial" pitchFamily="34" charset="0"/>
+              </a:rPr>
+              <a:t/>
+            </a:r>
+            <a:br>
+              <a:rPr kumimoji="0" lang="en-US" altLang="en-US" sz="1800" b="0" i="0" u="none" strike="noStrike" cap="none" normalizeH="0" baseline="0" smtClean="0">
+                <a:ln>
+                  <a:noFill/>
+                </a:ln>
+                <a:solidFill>
+                  <a:schemeClr val="tx1"/>
+                </a:solidFill>
+                <a:effectLst/>
+                <a:latin typeface="Arial" pitchFamily="34" charset="0"/>
+                <a:cs typeface="Arial" pitchFamily="34" charset="0"/>
+              </a:rPr>
+            </a:br>
+            <a:endParaRPr kumimoji="0" lang="en-US" altLang="en-US" sz="1800" b="0" i="0" u="none" strike="noStrike" cap="none" normalizeH="0" baseline="0" smtClean="0">
+              <a:ln>
+                <a:noFill/>
+              </a:ln>
+              <a:solidFill>
+                <a:schemeClr val="tx1"/>
+              </a:solidFill>
+              <a:effectLst/>
+              <a:latin typeface="Arial" pitchFamily="34" charset="0"/>
+              <a:cs typeface="Arial" pitchFamily="34" charset="0"/>
+            </a:endParaRPr>
+          </a:p>
+        </p:txBody>
+      </p:sp>
+      <p:sp>
+        <p:nvSpPr>
+          <p:cNvPr id="3" name="Content Placeholder 2"/>
+          <p:cNvSpPr>
+            <a:spLocks noGrp="1"/>
+          </p:cNvSpPr>
+          <p:nvPr>
+            <p:ph idx="1"/>
+          </p:nvPr>
+        </p:nvSpPr>
+        <p:spPr/>
+        <p:txBody>
+          <a:bodyPr>
+            <a:normAutofit/>
+          </a:bodyPr>
+          <a:lstStyle/>
+          <a:p>
+            <a:r>
+              <a:rPr lang="en-GB" sz="1600" dirty="0" smtClean="0"/>
               <a:t>Can be created when the database or byte stream connections are not closed properly</a:t>
             </a:r>
             <a:endParaRPr lang="en-GB" sz="1400" dirty="0"/>
@@ -12839,7 +13065,7 @@
 </p:sld>
 </file>
 
-<file path=ppt/slides/slide31.xml><?xml version="1.0" encoding="utf-8"?>
+<file path=ppt/slides/slide32.xml><?xml version="1.0" encoding="utf-8"?>
 <p:sld xmlns:a="http://schemas.openxmlformats.org/drawingml/2006/main" xmlns:r="http://schemas.openxmlformats.org/officeDocument/2006/relationships" xmlns:p="http://schemas.openxmlformats.org/presentationml/2006/main">
   <p:cSld>
     <p:bg>
@@ -13106,7 +13332,7 @@
 </p:sld>
 </file>
 
-<file path=ppt/slides/slide32.xml><?xml version="1.0" encoding="utf-8"?>
+<file path=ppt/slides/slide33.xml><?xml version="1.0" encoding="utf-8"?>
 <p:sld xmlns:a="http://schemas.openxmlformats.org/drawingml/2006/main" xmlns:r="http://schemas.openxmlformats.org/officeDocument/2006/relationships" xmlns:p="http://schemas.openxmlformats.org/presentationml/2006/main">
   <p:cSld>
     <p:bg>
@@ -13413,7 +13639,7 @@
 </p:sld>
 </file>
 
-<file path=ppt/slides/slide33.xml><?xml version="1.0" encoding="utf-8"?>
+<file path=ppt/slides/slide34.xml><?xml version="1.0" encoding="utf-8"?>
 <p:sld xmlns:a="http://schemas.openxmlformats.org/drawingml/2006/main" xmlns:r="http://schemas.openxmlformats.org/officeDocument/2006/relationships" xmlns:p="http://schemas.openxmlformats.org/presentationml/2006/main">
   <p:cSld>
     <p:bg>
@@ -13707,7 +13933,7 @@
 </p:sld>
 </file>
 
-<file path=ppt/slides/slide34.xml><?xml version="1.0" encoding="utf-8"?>
+<file path=ppt/slides/slide35.xml><?xml version="1.0" encoding="utf-8"?>
 <p:sld xmlns:a="http://schemas.openxmlformats.org/drawingml/2006/main" xmlns:r="http://schemas.openxmlformats.org/officeDocument/2006/relationships" xmlns:p="http://schemas.openxmlformats.org/presentationml/2006/main">
   <p:cSld>
     <p:bg>
@@ -13999,7 +14225,7 @@
 </p:sld>
 </file>
 
-<file path=ppt/slides/slide35.xml><?xml version="1.0" encoding="utf-8"?>
+<file path=ppt/slides/slide36.xml><?xml version="1.0" encoding="utf-8"?>
 <p:sld xmlns:a="http://schemas.openxmlformats.org/drawingml/2006/main" xmlns:r="http://schemas.openxmlformats.org/officeDocument/2006/relationships" xmlns:p="http://schemas.openxmlformats.org/presentationml/2006/main">
   <p:cSld>
     <p:bg>
@@ -14268,7 +14494,7 @@
 </p:sld>
 </file>
 
-<file path=ppt/slides/slide36.xml><?xml version="1.0" encoding="utf-8"?>
+<file path=ppt/slides/slide37.xml><?xml version="1.0" encoding="utf-8"?>
 <p:sld xmlns:a="http://schemas.openxmlformats.org/drawingml/2006/main" xmlns:r="http://schemas.openxmlformats.org/officeDocument/2006/relationships" xmlns:p="http://schemas.openxmlformats.org/presentationml/2006/main">
   <p:cSld>
     <p:bg>
@@ -14537,7 +14763,7 @@
 </p:sld>
 </file>
 
-<file path=ppt/slides/slide37.xml><?xml version="1.0" encoding="utf-8"?>
+<file path=ppt/slides/slide38.xml><?xml version="1.0" encoding="utf-8"?>
 <p:sld xmlns:a="http://schemas.openxmlformats.org/drawingml/2006/main" xmlns:r="http://schemas.openxmlformats.org/officeDocument/2006/relationships" xmlns:p="http://schemas.openxmlformats.org/presentationml/2006/main">
   <p:cSld>
     <p:bg>
@@ -17235,7 +17461,7 @@
 </p:sld>
 </file>
 
-<file path=ppt/slides/slide38.xml><?xml version="1.0" encoding="utf-8"?>
+<file path=ppt/slides/slide39.xml><?xml version="1.0" encoding="utf-8"?>
 <p:sld xmlns:a="http://schemas.openxmlformats.org/drawingml/2006/main" xmlns:r="http://schemas.openxmlformats.org/officeDocument/2006/relationships" xmlns:p="http://schemas.openxmlformats.org/presentationml/2006/main">
   <p:cSld>
     <p:spTree>
